--- a/doc/Icons-PasteLab.pptx
+++ b/doc/Icons-PasteLab.pptx
@@ -221,7 +221,7 @@
           <a:p>
             <a:fld id="{6699ACB9-486C-4D62-A3A7-AF98E13EFDA3}" type="datetimeFigureOut">
               <a:rPr lang="en-US" smtClean="0"/>
-              <a:t>6/6/2017</a:t>
+              <a:t>6/7/2017</a:t>
             </a:fld>
             <a:endParaRPr lang="en-US"/>
           </a:p>
@@ -752,7 +752,7 @@
             <a:fld id="{1D8BD707-D9CF-40AE-B4C6-C98DA3205C09}" type="datetimeFigureOut">
               <a:rPr lang="en-US" smtClean="0"/>
               <a:pPr/>
-              <a:t>6/6/2017</a:t>
+              <a:t>6/7/2017</a:t>
             </a:fld>
             <a:endParaRPr lang="en-US"/>
           </a:p>
@@ -917,7 +917,7 @@
             <a:fld id="{1D8BD707-D9CF-40AE-B4C6-C98DA3205C09}" type="datetimeFigureOut">
               <a:rPr lang="en-US" smtClean="0"/>
               <a:pPr/>
-              <a:t>6/6/2017</a:t>
+              <a:t>6/7/2017</a:t>
             </a:fld>
             <a:endParaRPr lang="en-US"/>
           </a:p>
@@ -1092,7 +1092,7 @@
             <a:fld id="{1D8BD707-D9CF-40AE-B4C6-C98DA3205C09}" type="datetimeFigureOut">
               <a:rPr lang="en-US" smtClean="0"/>
               <a:pPr/>
-              <a:t>6/6/2017</a:t>
+              <a:t>6/7/2017</a:t>
             </a:fld>
             <a:endParaRPr lang="en-US"/>
           </a:p>
@@ -1257,7 +1257,7 @@
             <a:fld id="{1D8BD707-D9CF-40AE-B4C6-C98DA3205C09}" type="datetimeFigureOut">
               <a:rPr lang="en-US" smtClean="0"/>
               <a:pPr/>
-              <a:t>6/6/2017</a:t>
+              <a:t>6/7/2017</a:t>
             </a:fld>
             <a:endParaRPr lang="en-US"/>
           </a:p>
@@ -1499,7 +1499,7 @@
             <a:fld id="{1D8BD707-D9CF-40AE-B4C6-C98DA3205C09}" type="datetimeFigureOut">
               <a:rPr lang="en-US" smtClean="0"/>
               <a:pPr/>
-              <a:t>6/6/2017</a:t>
+              <a:t>6/7/2017</a:t>
             </a:fld>
             <a:endParaRPr lang="en-US"/>
           </a:p>
@@ -1781,7 +1781,7 @@
             <a:fld id="{1D8BD707-D9CF-40AE-B4C6-C98DA3205C09}" type="datetimeFigureOut">
               <a:rPr lang="en-US" smtClean="0"/>
               <a:pPr/>
-              <a:t>6/6/2017</a:t>
+              <a:t>6/7/2017</a:t>
             </a:fld>
             <a:endParaRPr lang="en-US"/>
           </a:p>
@@ -2197,7 +2197,7 @@
             <a:fld id="{1D8BD707-D9CF-40AE-B4C6-C98DA3205C09}" type="datetimeFigureOut">
               <a:rPr lang="en-US" smtClean="0"/>
               <a:pPr/>
-              <a:t>6/6/2017</a:t>
+              <a:t>6/7/2017</a:t>
             </a:fld>
             <a:endParaRPr lang="en-US"/>
           </a:p>
@@ -2311,7 +2311,7 @@
             <a:fld id="{1D8BD707-D9CF-40AE-B4C6-C98DA3205C09}" type="datetimeFigureOut">
               <a:rPr lang="en-US" smtClean="0"/>
               <a:pPr/>
-              <a:t>6/6/2017</a:t>
+              <a:t>6/7/2017</a:t>
             </a:fld>
             <a:endParaRPr lang="en-US"/>
           </a:p>
@@ -2403,7 +2403,7 @@
             <a:fld id="{1D8BD707-D9CF-40AE-B4C6-C98DA3205C09}" type="datetimeFigureOut">
               <a:rPr lang="en-US" smtClean="0"/>
               <a:pPr/>
-              <a:t>6/6/2017</a:t>
+              <a:t>6/7/2017</a:t>
             </a:fld>
             <a:endParaRPr lang="en-US"/>
           </a:p>
@@ -2675,7 +2675,7 @@
             <a:fld id="{1D8BD707-D9CF-40AE-B4C6-C98DA3205C09}" type="datetimeFigureOut">
               <a:rPr lang="en-US" smtClean="0"/>
               <a:pPr/>
-              <a:t>6/6/2017</a:t>
+              <a:t>6/7/2017</a:t>
             </a:fld>
             <a:endParaRPr lang="en-US"/>
           </a:p>
@@ -2924,7 +2924,7 @@
             <a:fld id="{1D8BD707-D9CF-40AE-B4C6-C98DA3205C09}" type="datetimeFigureOut">
               <a:rPr lang="en-US" smtClean="0"/>
               <a:pPr/>
-              <a:t>6/6/2017</a:t>
+              <a:t>6/7/2017</a:t>
             </a:fld>
             <a:endParaRPr lang="en-US"/>
           </a:p>
@@ -3132,7 +3132,7 @@
             <a:fld id="{1D8BD707-D9CF-40AE-B4C6-C98DA3205C09}" type="datetimeFigureOut">
               <a:rPr lang="en-US" smtClean="0"/>
               <a:pPr/>
-              <a:t>6/6/2017</a:t>
+              <a:t>6/7/2017</a:t>
             </a:fld>
             <a:endParaRPr lang="en-US"/>
           </a:p>
@@ -3515,6 +3515,495 @@
       </p:grpSpPr>
       <p:sp>
         <p:nvSpPr>
+          <p:cNvPr id="79" name="Rectangle 78"/>
+          <p:cNvSpPr/>
+          <p:nvPr/>
+        </p:nvSpPr>
+        <p:spPr>
+          <a:xfrm rot="10800000">
+            <a:off x="5992575" y="3370475"/>
+            <a:ext cx="549071" cy="549822"/>
+          </a:xfrm>
+          <a:prstGeom prst="rect">
+            <a:avLst/>
+          </a:prstGeom>
+          <a:solidFill>
+            <a:schemeClr val="bg2">
+              <a:lumMod val="75000"/>
+            </a:schemeClr>
+          </a:solidFill>
+          <a:ln>
+            <a:noFill/>
+          </a:ln>
+        </p:spPr>
+        <p:style>
+          <a:lnRef idx="2">
+            <a:schemeClr val="accent1">
+              <a:shade val="50000"/>
+            </a:schemeClr>
+          </a:lnRef>
+          <a:fillRef idx="1">
+            <a:schemeClr val="accent1"/>
+          </a:fillRef>
+          <a:effectRef idx="0">
+            <a:schemeClr val="accent1"/>
+          </a:effectRef>
+          <a:fontRef idx="minor">
+            <a:schemeClr val="lt1"/>
+          </a:fontRef>
+        </p:style>
+        <p:txBody>
+          <a:bodyPr wrap="none" lIns="0" tIns="0" rIns="0" bIns="0" rtlCol="0" anchor="ctr"/>
+          <a:lstStyle/>
+          <a:p>
+            <a:pPr algn="ctr"/>
+            <a:endParaRPr lang="en-US" b="1"/>
+          </a:p>
+        </p:txBody>
+      </p:sp>
+      <p:grpSp>
+        <p:nvGrpSpPr>
+          <p:cNvPr id="11" name="Group 10"/>
+          <p:cNvGrpSpPr/>
+          <p:nvPr/>
+        </p:nvGrpSpPr>
+        <p:grpSpPr>
+          <a:xfrm>
+            <a:off x="6007206" y="3386700"/>
+            <a:ext cx="428041" cy="423161"/>
+            <a:chOff x="5001895" y="2362320"/>
+            <a:chExt cx="428041" cy="423161"/>
+          </a:xfrm>
+        </p:grpSpPr>
+        <p:sp>
+          <p:nvSpPr>
+            <p:cNvPr id="83" name="Rectangle 82"/>
+            <p:cNvSpPr/>
+            <p:nvPr/>
+          </p:nvSpPr>
+          <p:spPr>
+            <a:xfrm>
+              <a:off x="5002017" y="2362342"/>
+              <a:ext cx="212942" cy="212942"/>
+            </a:xfrm>
+            <a:prstGeom prst="rect">
+              <a:avLst/>
+            </a:prstGeom>
+            <a:noFill/>
+            <a:ln>
+              <a:solidFill>
+                <a:srgbClr val="0070C0"/>
+              </a:solidFill>
+            </a:ln>
+          </p:spPr>
+          <p:style>
+            <a:lnRef idx="2">
+              <a:schemeClr val="accent1">
+                <a:shade val="50000"/>
+              </a:schemeClr>
+            </a:lnRef>
+            <a:fillRef idx="1">
+              <a:schemeClr val="accent1"/>
+            </a:fillRef>
+            <a:effectRef idx="0">
+              <a:schemeClr val="accent1"/>
+            </a:effectRef>
+            <a:fontRef idx="minor">
+              <a:schemeClr val="lt1"/>
+            </a:fontRef>
+          </p:style>
+          <p:txBody>
+            <a:bodyPr rtlCol="0" anchor="ctr"/>
+            <a:lstStyle/>
+            <a:p>
+              <a:pPr algn="ctr"/>
+              <a:endParaRPr lang="en-US"/>
+            </a:p>
+          </p:txBody>
+        </p:sp>
+        <p:sp>
+          <p:nvSpPr>
+            <p:cNvPr id="84" name="Rectangle 83"/>
+            <p:cNvSpPr/>
+            <p:nvPr/>
+          </p:nvSpPr>
+          <p:spPr>
+            <a:xfrm>
+              <a:off x="5001895" y="2572539"/>
+              <a:ext cx="212942" cy="212942"/>
+            </a:xfrm>
+            <a:prstGeom prst="rect">
+              <a:avLst/>
+            </a:prstGeom>
+            <a:noFill/>
+            <a:ln>
+              <a:solidFill>
+                <a:srgbClr val="0070C0"/>
+              </a:solidFill>
+            </a:ln>
+          </p:spPr>
+          <p:style>
+            <a:lnRef idx="2">
+              <a:schemeClr val="accent1">
+                <a:shade val="50000"/>
+              </a:schemeClr>
+            </a:lnRef>
+            <a:fillRef idx="1">
+              <a:schemeClr val="accent1"/>
+            </a:fillRef>
+            <a:effectRef idx="0">
+              <a:schemeClr val="accent1"/>
+            </a:effectRef>
+            <a:fontRef idx="minor">
+              <a:schemeClr val="lt1"/>
+            </a:fontRef>
+          </p:style>
+          <p:txBody>
+            <a:bodyPr rtlCol="0" anchor="ctr"/>
+            <a:lstStyle/>
+            <a:p>
+              <a:pPr algn="ctr"/>
+              <a:endParaRPr lang="en-US"/>
+            </a:p>
+          </p:txBody>
+        </p:sp>
+        <p:sp>
+          <p:nvSpPr>
+            <p:cNvPr id="85" name="Rectangle 84"/>
+            <p:cNvSpPr/>
+            <p:nvPr/>
+          </p:nvSpPr>
+          <p:spPr>
+            <a:xfrm>
+              <a:off x="5216994" y="2362320"/>
+              <a:ext cx="212942" cy="212942"/>
+            </a:xfrm>
+            <a:prstGeom prst="rect">
+              <a:avLst/>
+            </a:prstGeom>
+            <a:noFill/>
+            <a:ln>
+              <a:solidFill>
+                <a:srgbClr val="0070C0"/>
+              </a:solidFill>
+            </a:ln>
+          </p:spPr>
+          <p:style>
+            <a:lnRef idx="2">
+              <a:schemeClr val="accent1">
+                <a:shade val="50000"/>
+              </a:schemeClr>
+            </a:lnRef>
+            <a:fillRef idx="1">
+              <a:schemeClr val="accent1"/>
+            </a:fillRef>
+            <a:effectRef idx="0">
+              <a:schemeClr val="accent1"/>
+            </a:effectRef>
+            <a:fontRef idx="minor">
+              <a:schemeClr val="lt1"/>
+            </a:fontRef>
+          </p:style>
+          <p:txBody>
+            <a:bodyPr rtlCol="0" anchor="ctr"/>
+            <a:lstStyle/>
+            <a:p>
+              <a:pPr algn="ctr"/>
+              <a:endParaRPr lang="en-US"/>
+            </a:p>
+          </p:txBody>
+        </p:sp>
+      </p:grpSp>
+      <p:sp>
+        <p:nvSpPr>
+          <p:cNvPr id="77" name="Rectangle 76"/>
+          <p:cNvSpPr/>
+          <p:nvPr/>
+        </p:nvSpPr>
+        <p:spPr>
+          <a:xfrm rot="10800000">
+            <a:off x="4619159" y="3370475"/>
+            <a:ext cx="549071" cy="549822"/>
+          </a:xfrm>
+          <a:prstGeom prst="rect">
+            <a:avLst/>
+          </a:prstGeom>
+          <a:solidFill>
+            <a:schemeClr val="bg2">
+              <a:lumMod val="75000"/>
+            </a:schemeClr>
+          </a:solidFill>
+          <a:ln>
+            <a:noFill/>
+          </a:ln>
+        </p:spPr>
+        <p:style>
+          <a:lnRef idx="2">
+            <a:schemeClr val="accent1">
+              <a:shade val="50000"/>
+            </a:schemeClr>
+          </a:lnRef>
+          <a:fillRef idx="1">
+            <a:schemeClr val="accent1"/>
+          </a:fillRef>
+          <a:effectRef idx="0">
+            <a:schemeClr val="accent1"/>
+          </a:effectRef>
+          <a:fontRef idx="minor">
+            <a:schemeClr val="lt1"/>
+          </a:fontRef>
+        </p:style>
+        <p:txBody>
+          <a:bodyPr wrap="none" lIns="0" tIns="0" rIns="0" bIns="0" rtlCol="0" anchor="ctr"/>
+          <a:lstStyle/>
+          <a:p>
+            <a:pPr algn="ctr"/>
+            <a:endParaRPr lang="en-US" b="1"/>
+          </a:p>
+        </p:txBody>
+      </p:sp>
+      <p:sp>
+        <p:nvSpPr>
+          <p:cNvPr id="10" name="Oval 9"/>
+          <p:cNvSpPr/>
+          <p:nvPr/>
+        </p:nvSpPr>
+        <p:spPr>
+          <a:xfrm>
+            <a:off x="4637745" y="3423028"/>
+            <a:ext cx="336754" cy="336754"/>
+          </a:xfrm>
+          <a:prstGeom prst="ellipse">
+            <a:avLst/>
+          </a:prstGeom>
+          <a:noFill/>
+          <a:ln>
+            <a:solidFill>
+              <a:srgbClr val="0070C0"/>
+            </a:solidFill>
+            <a:prstDash val="sysDot"/>
+          </a:ln>
+        </p:spPr>
+        <p:style>
+          <a:lnRef idx="2">
+            <a:schemeClr val="accent1">
+              <a:shade val="50000"/>
+            </a:schemeClr>
+          </a:lnRef>
+          <a:fillRef idx="1">
+            <a:schemeClr val="accent1"/>
+          </a:fillRef>
+          <a:effectRef idx="0">
+            <a:schemeClr val="accent1"/>
+          </a:effectRef>
+          <a:fontRef idx="minor">
+            <a:schemeClr val="lt1"/>
+          </a:fontRef>
+        </p:style>
+        <p:txBody>
+          <a:bodyPr rtlCol="0" anchor="ctr"/>
+          <a:lstStyle/>
+          <a:p>
+            <a:pPr algn="ctr"/>
+            <a:endParaRPr lang="en-US"/>
+          </a:p>
+        </p:txBody>
+      </p:sp>
+      <p:sp>
+        <p:nvSpPr>
+          <p:cNvPr id="99" name="Rectangle 98"/>
+          <p:cNvSpPr/>
+          <p:nvPr/>
+        </p:nvSpPr>
+        <p:spPr>
+          <a:xfrm rot="10800000">
+            <a:off x="6006314" y="2092524"/>
+            <a:ext cx="549071" cy="549822"/>
+          </a:xfrm>
+          <a:prstGeom prst="rect">
+            <a:avLst/>
+          </a:prstGeom>
+          <a:solidFill>
+            <a:schemeClr val="bg2">
+              <a:lumMod val="75000"/>
+            </a:schemeClr>
+          </a:solidFill>
+          <a:ln>
+            <a:noFill/>
+          </a:ln>
+        </p:spPr>
+        <p:style>
+          <a:lnRef idx="2">
+            <a:schemeClr val="accent1">
+              <a:shade val="50000"/>
+            </a:schemeClr>
+          </a:lnRef>
+          <a:fillRef idx="1">
+            <a:schemeClr val="accent1"/>
+          </a:fillRef>
+          <a:effectRef idx="0">
+            <a:schemeClr val="accent1"/>
+          </a:effectRef>
+          <a:fontRef idx="minor">
+            <a:schemeClr val="lt1"/>
+          </a:fontRef>
+        </p:style>
+        <p:txBody>
+          <a:bodyPr wrap="none" lIns="0" tIns="0" rIns="0" bIns="0" rtlCol="0" anchor="ctr"/>
+          <a:lstStyle/>
+          <a:p>
+            <a:pPr algn="ctr"/>
+            <a:endParaRPr lang="en-US" b="1"/>
+          </a:p>
+        </p:txBody>
+      </p:sp>
+      <p:sp>
+        <p:nvSpPr>
+          <p:cNvPr id="68" name="Freeform: Shape 67"/>
+          <p:cNvSpPr/>
+          <p:nvPr/>
+        </p:nvSpPr>
+        <p:spPr>
+          <a:xfrm rot="20184335">
+            <a:off x="5927455" y="2074136"/>
+            <a:ext cx="375864" cy="515097"/>
+          </a:xfrm>
+          <a:custGeom>
+            <a:avLst/>
+            <a:gdLst>
+              <a:gd name="connsiteX0" fmla="*/ 340041 w 685923"/>
+              <a:gd name="connsiteY0" fmla="*/ 0 h 940011"/>
+              <a:gd name="connsiteX1" fmla="*/ 685923 w 685923"/>
+              <a:gd name="connsiteY1" fmla="*/ 772625 h 940011"/>
+              <a:gd name="connsiteX2" fmla="*/ 680032 w 685923"/>
+              <a:gd name="connsiteY2" fmla="*/ 772647 h 940011"/>
+              <a:gd name="connsiteX3" fmla="*/ 424252 w 685923"/>
+              <a:gd name="connsiteY3" fmla="*/ 660929 h 940011"/>
+              <a:gd name="connsiteX4" fmla="*/ 424252 w 685923"/>
+              <a:gd name="connsiteY4" fmla="*/ 940011 h 940011"/>
+              <a:gd name="connsiteX5" fmla="*/ 244190 w 685923"/>
+              <a:gd name="connsiteY5" fmla="*/ 940011 h 940011"/>
+              <a:gd name="connsiteX6" fmla="*/ 244190 w 685923"/>
+              <a:gd name="connsiteY6" fmla="*/ 641386 h 940011"/>
+              <a:gd name="connsiteX7" fmla="*/ 0 w 685923"/>
+              <a:gd name="connsiteY7" fmla="*/ 774637 h 940011"/>
+              <a:gd name="connsiteX8" fmla="*/ 244190 w 685923"/>
+              <a:gd name="connsiteY8" fmla="*/ 218355 h 940011"/>
+              <a:gd name="connsiteX9" fmla="*/ 244190 w 685923"/>
+              <a:gd name="connsiteY9" fmla="*/ 210957 h 940011"/>
+              <a:gd name="connsiteX10" fmla="*/ 247438 w 685923"/>
+              <a:gd name="connsiteY10" fmla="*/ 210957 h 940011"/>
+            </a:gdLst>
+            <a:ahLst/>
+            <a:cxnLst>
+              <a:cxn ang="0">
+                <a:pos x="connsiteX0" y="connsiteY0"/>
+              </a:cxn>
+              <a:cxn ang="0">
+                <a:pos x="connsiteX1" y="connsiteY1"/>
+              </a:cxn>
+              <a:cxn ang="0">
+                <a:pos x="connsiteX2" y="connsiteY2"/>
+              </a:cxn>
+              <a:cxn ang="0">
+                <a:pos x="connsiteX3" y="connsiteY3"/>
+              </a:cxn>
+              <a:cxn ang="0">
+                <a:pos x="connsiteX4" y="connsiteY4"/>
+              </a:cxn>
+              <a:cxn ang="0">
+                <a:pos x="connsiteX5" y="connsiteY5"/>
+              </a:cxn>
+              <a:cxn ang="0">
+                <a:pos x="connsiteX6" y="connsiteY6"/>
+              </a:cxn>
+              <a:cxn ang="0">
+                <a:pos x="connsiteX7" y="connsiteY7"/>
+              </a:cxn>
+              <a:cxn ang="0">
+                <a:pos x="connsiteX8" y="connsiteY8"/>
+              </a:cxn>
+              <a:cxn ang="0">
+                <a:pos x="connsiteX9" y="connsiteY9"/>
+              </a:cxn>
+              <a:cxn ang="0">
+                <a:pos x="connsiteX10" y="connsiteY10"/>
+              </a:cxn>
+            </a:cxnLst>
+            <a:rect l="l" t="t" r="r" b="b"/>
+            <a:pathLst>
+              <a:path w="685923" h="940011">
+                <a:moveTo>
+                  <a:pt x="340041" y="0"/>
+                </a:moveTo>
+                <a:lnTo>
+                  <a:pt x="685923" y="772625"/>
+                </a:lnTo>
+                <a:lnTo>
+                  <a:pt x="680032" y="772647"/>
+                </a:lnTo>
+                <a:lnTo>
+                  <a:pt x="424252" y="660929"/>
+                </a:lnTo>
+                <a:lnTo>
+                  <a:pt x="424252" y="940011"/>
+                </a:lnTo>
+                <a:lnTo>
+                  <a:pt x="244190" y="940011"/>
+                </a:lnTo>
+                <a:lnTo>
+                  <a:pt x="244190" y="641386"/>
+                </a:lnTo>
+                <a:lnTo>
+                  <a:pt x="0" y="774637"/>
+                </a:lnTo>
+                <a:lnTo>
+                  <a:pt x="244190" y="218355"/>
+                </a:lnTo>
+                <a:lnTo>
+                  <a:pt x="244190" y="210957"/>
+                </a:lnTo>
+                <a:lnTo>
+                  <a:pt x="247438" y="210957"/>
+                </a:lnTo>
+                <a:close/>
+              </a:path>
+            </a:pathLst>
+          </a:custGeom>
+          <a:solidFill>
+            <a:srgbClr val="0070C0"/>
+          </a:solidFill>
+          <a:ln>
+            <a:noFill/>
+          </a:ln>
+        </p:spPr>
+        <p:style>
+          <a:lnRef idx="2">
+            <a:schemeClr val="accent1">
+              <a:shade val="50000"/>
+            </a:schemeClr>
+          </a:lnRef>
+          <a:fillRef idx="1">
+            <a:schemeClr val="accent1"/>
+          </a:fillRef>
+          <a:effectRef idx="0">
+            <a:schemeClr val="accent1"/>
+          </a:effectRef>
+          <a:fontRef idx="minor">
+            <a:schemeClr val="lt1"/>
+          </a:fontRef>
+        </p:style>
+        <p:txBody>
+          <a:bodyPr rtlCol="0" anchor="ctr"/>
+          <a:lstStyle/>
+          <a:p>
+            <a:pPr algn="ctr"/>
+            <a:endParaRPr lang="en-US" dirty="0"/>
+          </a:p>
+        </p:txBody>
+      </p:sp>
+      <p:sp>
+        <p:nvSpPr>
           <p:cNvPr id="116" name="TextBox 115"/>
           <p:cNvSpPr txBox="1"/>
           <p:nvPr/>
@@ -3734,7 +4223,7 @@
         </p:nvSpPr>
         <p:spPr>
           <a:xfrm>
-            <a:off x="5290089" y="4242228"/>
+            <a:off x="5763535" y="2673885"/>
             <a:ext cx="1114236" cy="430887"/>
           </a:xfrm>
           <a:prstGeom prst="rect">
@@ -3757,281 +4246,56 @@
           </a:p>
         </p:txBody>
       </p:sp>
-      <p:grpSp>
-        <p:nvGrpSpPr>
-          <p:cNvPr id="96" name="Group 95"/>
-          <p:cNvGrpSpPr/>
+      <p:sp>
+        <p:nvSpPr>
+          <p:cNvPr id="109" name="Rectangle: Folded Corner 108"/>
+          <p:cNvSpPr/>
           <p:nvPr/>
-        </p:nvGrpSpPr>
-        <p:grpSpPr>
-          <a:xfrm>
-            <a:off x="5532868" y="3660867"/>
-            <a:ext cx="549071" cy="549822"/>
-            <a:chOff x="4180111" y="1375544"/>
-            <a:chExt cx="549071" cy="549822"/>
+        </p:nvSpPr>
+        <p:spPr>
+          <a:xfrm rot="10800000" flipH="1">
+            <a:off x="6262236" y="2289167"/>
+            <a:ext cx="277140" cy="338178"/>
           </a:xfrm>
-        </p:grpSpPr>
-        <p:grpSp>
-          <p:nvGrpSpPr>
-            <p:cNvPr id="98" name="Group 97"/>
-            <p:cNvGrpSpPr/>
-            <p:nvPr/>
-          </p:nvGrpSpPr>
-          <p:grpSpPr>
-            <a:xfrm>
-              <a:off x="4235574" y="1385216"/>
-              <a:ext cx="446467" cy="521728"/>
-              <a:chOff x="4821567" y="919204"/>
-              <a:chExt cx="446467" cy="521728"/>
-            </a:xfrm>
-          </p:grpSpPr>
-          <p:sp>
-            <p:nvSpPr>
-              <p:cNvPr id="100" name="Rectangle 99"/>
-              <p:cNvSpPr/>
-              <p:nvPr/>
-            </p:nvSpPr>
-            <p:spPr>
-              <a:xfrm>
-                <a:off x="4821567" y="971454"/>
-                <a:ext cx="343904" cy="406070"/>
-              </a:xfrm>
-              <a:prstGeom prst="rect">
-                <a:avLst/>
-              </a:prstGeom>
-              <a:solidFill>
-                <a:srgbClr val="0070C0"/>
-              </a:solidFill>
-              <a:ln>
-                <a:noFill/>
-              </a:ln>
-            </p:spPr>
-            <p:style>
-              <a:lnRef idx="2">
-                <a:schemeClr val="accent1">
-                  <a:shade val="50000"/>
-                </a:schemeClr>
-              </a:lnRef>
-              <a:fillRef idx="1">
-                <a:schemeClr val="accent1"/>
-              </a:fillRef>
-              <a:effectRef idx="0">
-                <a:schemeClr val="accent1"/>
-              </a:effectRef>
-              <a:fontRef idx="minor">
-                <a:schemeClr val="lt1"/>
-              </a:fontRef>
-            </p:style>
-            <p:txBody>
-              <a:bodyPr rtlCol="0" anchor="ctr"/>
-              <a:lstStyle/>
-              <a:p>
-                <a:pPr algn="ctr"/>
-                <a:endParaRPr lang="en-US"/>
-              </a:p>
-            </p:txBody>
-          </p:sp>
-          <p:sp>
-            <p:nvSpPr>
-              <p:cNvPr id="109" name="Rectangle: Folded Corner 108"/>
-              <p:cNvSpPr/>
-              <p:nvPr/>
-            </p:nvSpPr>
-            <p:spPr>
-              <a:xfrm rot="10800000" flipH="1">
-                <a:off x="4990894" y="1102754"/>
-                <a:ext cx="277140" cy="338178"/>
-              </a:xfrm>
-              <a:prstGeom prst="foldedCorner">
-                <a:avLst>
-                  <a:gd name="adj" fmla="val 44103"/>
-                </a:avLst>
-              </a:prstGeom>
-              <a:solidFill>
-                <a:schemeClr val="bg1"/>
-              </a:solidFill>
-              <a:ln>
-                <a:solidFill>
-                  <a:srgbClr val="0070C0"/>
-                </a:solidFill>
-              </a:ln>
-            </p:spPr>
-            <p:style>
-              <a:lnRef idx="2">
-                <a:schemeClr val="accent1">
-                  <a:shade val="50000"/>
-                </a:schemeClr>
-              </a:lnRef>
-              <a:fillRef idx="1">
-                <a:schemeClr val="accent1"/>
-              </a:fillRef>
-              <a:effectRef idx="0">
-                <a:schemeClr val="accent1"/>
-              </a:effectRef>
-              <a:fontRef idx="minor">
-                <a:schemeClr val="lt1"/>
-              </a:fontRef>
-            </p:style>
-            <p:txBody>
-              <a:bodyPr rtlCol="0" anchor="ctr"/>
-              <a:lstStyle/>
-              <a:p>
-                <a:pPr algn="ctr"/>
-                <a:endParaRPr lang="en-US"/>
-              </a:p>
-            </p:txBody>
-          </p:sp>
-          <p:sp>
-            <p:nvSpPr>
-              <p:cNvPr id="110" name="Rounded Rectangle 227"/>
-              <p:cNvSpPr/>
-              <p:nvPr/>
-            </p:nvSpPr>
-            <p:spPr>
-              <a:xfrm rot="10800000">
-                <a:off x="4879960" y="919204"/>
-                <a:ext cx="234247" cy="101171"/>
-              </a:xfrm>
-              <a:custGeom>
-                <a:avLst/>
-                <a:gdLst/>
-                <a:ahLst/>
-                <a:cxnLst/>
-                <a:rect l="l" t="t" r="r" b="b"/>
-                <a:pathLst>
-                  <a:path w="286327" h="1000124">
-                    <a:moveTo>
-                      <a:pt x="2115" y="0"/>
-                    </a:moveTo>
-                    <a:lnTo>
-                      <a:pt x="284212" y="0"/>
-                    </a:lnTo>
-                    <a:cubicBezTo>
-                      <a:pt x="286188" y="3367"/>
-                      <a:pt x="286327" y="6905"/>
-                      <a:pt x="286327" y="10476"/>
-                    </a:cubicBezTo>
-                    <a:lnTo>
-                      <a:pt x="286327" y="712825"/>
-                    </a:lnTo>
-                    <a:cubicBezTo>
-                      <a:pt x="286327" y="772047"/>
-                      <a:pt x="247915" y="822299"/>
-                      <a:pt x="194109" y="838409"/>
-                    </a:cubicBezTo>
-                    <a:cubicBezTo>
-                      <a:pt x="194108" y="875332"/>
-                      <a:pt x="194108" y="912256"/>
-                      <a:pt x="194108" y="949179"/>
-                    </a:cubicBezTo>
-                    <a:cubicBezTo>
-                      <a:pt x="194108" y="977315"/>
-                      <a:pt x="171299" y="1000124"/>
-                      <a:pt x="143163" y="1000124"/>
-                    </a:cubicBezTo>
-                    <a:lnTo>
-                      <a:pt x="143164" y="1000123"/>
-                    </a:lnTo>
-                    <a:cubicBezTo>
-                      <a:pt x="115028" y="1000123"/>
-                      <a:pt x="92219" y="977314"/>
-                      <a:pt x="92219" y="949178"/>
-                    </a:cubicBezTo>
-                    <a:lnTo>
-                      <a:pt x="92219" y="838409"/>
-                    </a:lnTo>
-                    <a:cubicBezTo>
-                      <a:pt x="38413" y="822299"/>
-                      <a:pt x="0" y="772048"/>
-                      <a:pt x="0" y="712825"/>
-                    </a:cubicBezTo>
-                    <a:lnTo>
-                      <a:pt x="0" y="10476"/>
-                    </a:lnTo>
-                    <a:close/>
-                  </a:path>
-                </a:pathLst>
-              </a:custGeom>
-              <a:solidFill>
-                <a:srgbClr val="0070C0"/>
-              </a:solidFill>
-              <a:ln w="19050">
-                <a:solidFill>
-                  <a:schemeClr val="bg1"/>
-                </a:solidFill>
-              </a:ln>
-            </p:spPr>
-            <p:style>
-              <a:lnRef idx="2">
-                <a:schemeClr val="accent1">
-                  <a:shade val="50000"/>
-                </a:schemeClr>
-              </a:lnRef>
-              <a:fillRef idx="1">
-                <a:schemeClr val="accent1"/>
-              </a:fillRef>
-              <a:effectRef idx="0">
-                <a:schemeClr val="accent1"/>
-              </a:effectRef>
-              <a:fontRef idx="minor">
-                <a:schemeClr val="lt1"/>
-              </a:fontRef>
-            </p:style>
-            <p:txBody>
-              <a:bodyPr rtlCol="0" anchor="ctr"/>
-              <a:lstStyle/>
-              <a:p>
-                <a:pPr algn="ctr"/>
-                <a:endParaRPr lang="en-SG"/>
-              </a:p>
-            </p:txBody>
-          </p:sp>
-        </p:grpSp>
-        <p:sp>
-          <p:nvSpPr>
-            <p:cNvPr id="99" name="Rectangle 98"/>
-            <p:cNvSpPr/>
-            <p:nvPr/>
-          </p:nvSpPr>
-          <p:spPr>
-            <a:xfrm rot="10800000">
-              <a:off x="4180111" y="1375544"/>
-              <a:ext cx="549071" cy="549822"/>
-            </a:xfrm>
-            <a:prstGeom prst="rect">
-              <a:avLst/>
-            </a:prstGeom>
-            <a:noFill/>
-            <a:ln>
-              <a:noFill/>
-            </a:ln>
-          </p:spPr>
-          <p:style>
-            <a:lnRef idx="2">
-              <a:schemeClr val="accent1">
-                <a:shade val="50000"/>
-              </a:schemeClr>
-            </a:lnRef>
-            <a:fillRef idx="1">
-              <a:schemeClr val="accent1"/>
-            </a:fillRef>
-            <a:effectRef idx="0">
-              <a:schemeClr val="accent1"/>
-            </a:effectRef>
-            <a:fontRef idx="minor">
-              <a:schemeClr val="lt1"/>
-            </a:fontRef>
-          </p:style>
-          <p:txBody>
-            <a:bodyPr wrap="none" lIns="0" tIns="0" rIns="0" bIns="0" rtlCol="0" anchor="ctr"/>
-            <a:lstStyle/>
-            <a:p>
-              <a:pPr algn="ctr"/>
-              <a:endParaRPr lang="en-US" b="1"/>
-            </a:p>
-          </p:txBody>
-        </p:sp>
-      </p:grpSp>
+          <a:prstGeom prst="foldedCorner">
+            <a:avLst>
+              <a:gd name="adj" fmla="val 44103"/>
+            </a:avLst>
+          </a:prstGeom>
+          <a:solidFill>
+            <a:schemeClr val="bg1"/>
+          </a:solidFill>
+          <a:ln>
+            <a:solidFill>
+              <a:srgbClr val="0070C0"/>
+            </a:solidFill>
+          </a:ln>
+        </p:spPr>
+        <p:style>
+          <a:lnRef idx="2">
+            <a:schemeClr val="accent1">
+              <a:shade val="50000"/>
+            </a:schemeClr>
+          </a:lnRef>
+          <a:fillRef idx="1">
+            <a:schemeClr val="accent1"/>
+          </a:fillRef>
+          <a:effectRef idx="0">
+            <a:schemeClr val="accent1"/>
+          </a:effectRef>
+          <a:fontRef idx="minor">
+            <a:schemeClr val="lt1"/>
+          </a:fontRef>
+        </p:style>
+        <p:txBody>
+          <a:bodyPr rtlCol="0" anchor="ctr"/>
+          <a:lstStyle/>
+          <a:p>
+            <a:pPr algn="ctr"/>
+            <a:endParaRPr lang="en-US" dirty="0"/>
+          </a:p>
+        </p:txBody>
+      </p:sp>
       <p:grpSp>
         <p:nvGrpSpPr>
           <p:cNvPr id="114" name="Group 113"/>
@@ -4734,556 +4998,6 @@
           </p:txBody>
         </p:sp>
       </p:grpSp>
-      <p:grpSp>
-        <p:nvGrpSpPr>
-          <p:cNvPr id="157" name="Group 156"/>
-          <p:cNvGrpSpPr/>
-          <p:nvPr/>
-        </p:nvGrpSpPr>
-        <p:grpSpPr>
-          <a:xfrm>
-            <a:off x="4130313" y="3660867"/>
-            <a:ext cx="549071" cy="549822"/>
-            <a:chOff x="4180111" y="1375544"/>
-            <a:chExt cx="549071" cy="549822"/>
-          </a:xfrm>
-        </p:grpSpPr>
-        <p:grpSp>
-          <p:nvGrpSpPr>
-            <p:cNvPr id="158" name="Group 157"/>
-            <p:cNvGrpSpPr/>
-            <p:nvPr/>
-          </p:nvGrpSpPr>
-          <p:grpSpPr>
-            <a:xfrm>
-              <a:off x="4235574" y="1385216"/>
-              <a:ext cx="446467" cy="521728"/>
-              <a:chOff x="4821567" y="919204"/>
-              <a:chExt cx="446467" cy="521728"/>
-            </a:xfrm>
-          </p:grpSpPr>
-          <p:sp>
-            <p:nvSpPr>
-              <p:cNvPr id="160" name="Rectangle 159"/>
-              <p:cNvSpPr/>
-              <p:nvPr/>
-            </p:nvSpPr>
-            <p:spPr>
-              <a:xfrm>
-                <a:off x="4821567" y="971454"/>
-                <a:ext cx="343904" cy="406070"/>
-              </a:xfrm>
-              <a:prstGeom prst="rect">
-                <a:avLst/>
-              </a:prstGeom>
-              <a:solidFill>
-                <a:srgbClr val="0070C0"/>
-              </a:solidFill>
-              <a:ln>
-                <a:noFill/>
-              </a:ln>
-            </p:spPr>
-            <p:style>
-              <a:lnRef idx="2">
-                <a:schemeClr val="accent1">
-                  <a:shade val="50000"/>
-                </a:schemeClr>
-              </a:lnRef>
-              <a:fillRef idx="1">
-                <a:schemeClr val="accent1"/>
-              </a:fillRef>
-              <a:effectRef idx="0">
-                <a:schemeClr val="accent1"/>
-              </a:effectRef>
-              <a:fontRef idx="minor">
-                <a:schemeClr val="lt1"/>
-              </a:fontRef>
-            </p:style>
-            <p:txBody>
-              <a:bodyPr rtlCol="0" anchor="ctr"/>
-              <a:lstStyle/>
-              <a:p>
-                <a:pPr algn="ctr"/>
-                <a:endParaRPr lang="en-US"/>
-              </a:p>
-            </p:txBody>
-          </p:sp>
-          <p:sp>
-            <p:nvSpPr>
-              <p:cNvPr id="161" name="Rectangle: Folded Corner 160"/>
-              <p:cNvSpPr/>
-              <p:nvPr/>
-            </p:nvSpPr>
-            <p:spPr>
-              <a:xfrm rot="10800000" flipH="1">
-                <a:off x="4990894" y="1102754"/>
-                <a:ext cx="277140" cy="338178"/>
-              </a:xfrm>
-              <a:prstGeom prst="foldedCorner">
-                <a:avLst>
-                  <a:gd name="adj" fmla="val 44103"/>
-                </a:avLst>
-              </a:prstGeom>
-              <a:solidFill>
-                <a:schemeClr val="bg1"/>
-              </a:solidFill>
-              <a:ln>
-                <a:solidFill>
-                  <a:srgbClr val="0070C0"/>
-                </a:solidFill>
-              </a:ln>
-            </p:spPr>
-            <p:style>
-              <a:lnRef idx="2">
-                <a:schemeClr val="accent1">
-                  <a:shade val="50000"/>
-                </a:schemeClr>
-              </a:lnRef>
-              <a:fillRef idx="1">
-                <a:schemeClr val="accent1"/>
-              </a:fillRef>
-              <a:effectRef idx="0">
-                <a:schemeClr val="accent1"/>
-              </a:effectRef>
-              <a:fontRef idx="minor">
-                <a:schemeClr val="lt1"/>
-              </a:fontRef>
-            </p:style>
-            <p:txBody>
-              <a:bodyPr rtlCol="0" anchor="ctr"/>
-              <a:lstStyle/>
-              <a:p>
-                <a:pPr algn="ctr"/>
-                <a:endParaRPr lang="en-US"/>
-              </a:p>
-            </p:txBody>
-          </p:sp>
-          <p:sp>
-            <p:nvSpPr>
-              <p:cNvPr id="162" name="Rounded Rectangle 227"/>
-              <p:cNvSpPr/>
-              <p:nvPr/>
-            </p:nvSpPr>
-            <p:spPr>
-              <a:xfrm rot="10800000">
-                <a:off x="4879960" y="919204"/>
-                <a:ext cx="234247" cy="101171"/>
-              </a:xfrm>
-              <a:custGeom>
-                <a:avLst/>
-                <a:gdLst/>
-                <a:ahLst/>
-                <a:cxnLst/>
-                <a:rect l="l" t="t" r="r" b="b"/>
-                <a:pathLst>
-                  <a:path w="286327" h="1000124">
-                    <a:moveTo>
-                      <a:pt x="2115" y="0"/>
-                    </a:moveTo>
-                    <a:lnTo>
-                      <a:pt x="284212" y="0"/>
-                    </a:lnTo>
-                    <a:cubicBezTo>
-                      <a:pt x="286188" y="3367"/>
-                      <a:pt x="286327" y="6905"/>
-                      <a:pt x="286327" y="10476"/>
-                    </a:cubicBezTo>
-                    <a:lnTo>
-                      <a:pt x="286327" y="712825"/>
-                    </a:lnTo>
-                    <a:cubicBezTo>
-                      <a:pt x="286327" y="772047"/>
-                      <a:pt x="247915" y="822299"/>
-                      <a:pt x="194109" y="838409"/>
-                    </a:cubicBezTo>
-                    <a:cubicBezTo>
-                      <a:pt x="194108" y="875332"/>
-                      <a:pt x="194108" y="912256"/>
-                      <a:pt x="194108" y="949179"/>
-                    </a:cubicBezTo>
-                    <a:cubicBezTo>
-                      <a:pt x="194108" y="977315"/>
-                      <a:pt x="171299" y="1000124"/>
-                      <a:pt x="143163" y="1000124"/>
-                    </a:cubicBezTo>
-                    <a:lnTo>
-                      <a:pt x="143164" y="1000123"/>
-                    </a:lnTo>
-                    <a:cubicBezTo>
-                      <a:pt x="115028" y="1000123"/>
-                      <a:pt x="92219" y="977314"/>
-                      <a:pt x="92219" y="949178"/>
-                    </a:cubicBezTo>
-                    <a:lnTo>
-                      <a:pt x="92219" y="838409"/>
-                    </a:lnTo>
-                    <a:cubicBezTo>
-                      <a:pt x="38413" y="822299"/>
-                      <a:pt x="0" y="772048"/>
-                      <a:pt x="0" y="712825"/>
-                    </a:cubicBezTo>
-                    <a:lnTo>
-                      <a:pt x="0" y="10476"/>
-                    </a:lnTo>
-                    <a:close/>
-                  </a:path>
-                </a:pathLst>
-              </a:custGeom>
-              <a:solidFill>
-                <a:srgbClr val="0070C0"/>
-              </a:solidFill>
-              <a:ln w="19050">
-                <a:solidFill>
-                  <a:schemeClr val="bg1"/>
-                </a:solidFill>
-              </a:ln>
-            </p:spPr>
-            <p:style>
-              <a:lnRef idx="2">
-                <a:schemeClr val="accent1">
-                  <a:shade val="50000"/>
-                </a:schemeClr>
-              </a:lnRef>
-              <a:fillRef idx="1">
-                <a:schemeClr val="accent1"/>
-              </a:fillRef>
-              <a:effectRef idx="0">
-                <a:schemeClr val="accent1"/>
-              </a:effectRef>
-              <a:fontRef idx="minor">
-                <a:schemeClr val="lt1"/>
-              </a:fontRef>
-            </p:style>
-            <p:txBody>
-              <a:bodyPr rtlCol="0" anchor="ctr"/>
-              <a:lstStyle/>
-              <a:p>
-                <a:pPr algn="ctr"/>
-                <a:endParaRPr lang="en-SG"/>
-              </a:p>
-            </p:txBody>
-          </p:sp>
-        </p:grpSp>
-        <p:sp>
-          <p:nvSpPr>
-            <p:cNvPr id="159" name="Rectangle 158"/>
-            <p:cNvSpPr/>
-            <p:nvPr/>
-          </p:nvSpPr>
-          <p:spPr>
-            <a:xfrm rot="10800000">
-              <a:off x="4180111" y="1375544"/>
-              <a:ext cx="549071" cy="549822"/>
-            </a:xfrm>
-            <a:prstGeom prst="rect">
-              <a:avLst/>
-            </a:prstGeom>
-            <a:noFill/>
-            <a:ln>
-              <a:noFill/>
-            </a:ln>
-          </p:spPr>
-          <p:style>
-            <a:lnRef idx="2">
-              <a:schemeClr val="accent1">
-                <a:shade val="50000"/>
-              </a:schemeClr>
-            </a:lnRef>
-            <a:fillRef idx="1">
-              <a:schemeClr val="accent1"/>
-            </a:fillRef>
-            <a:effectRef idx="0">
-              <a:schemeClr val="accent1"/>
-            </a:effectRef>
-            <a:fontRef idx="minor">
-              <a:schemeClr val="lt1"/>
-            </a:fontRef>
-          </p:style>
-          <p:txBody>
-            <a:bodyPr wrap="none" lIns="0" tIns="0" rIns="0" bIns="0" rtlCol="0" anchor="ctr"/>
-            <a:lstStyle/>
-            <a:p>
-              <a:pPr algn="ctr"/>
-              <a:endParaRPr lang="en-US" b="1"/>
-            </a:p>
-          </p:txBody>
-        </p:sp>
-      </p:grpSp>
-      <p:grpSp>
-        <p:nvGrpSpPr>
-          <p:cNvPr id="166" name="Group 165"/>
-          <p:cNvGrpSpPr/>
-          <p:nvPr/>
-        </p:nvGrpSpPr>
-        <p:grpSpPr>
-          <a:xfrm>
-            <a:off x="6935423" y="3660867"/>
-            <a:ext cx="549071" cy="549822"/>
-            <a:chOff x="4180111" y="1375544"/>
-            <a:chExt cx="549071" cy="549822"/>
-          </a:xfrm>
-        </p:grpSpPr>
-        <p:grpSp>
-          <p:nvGrpSpPr>
-            <p:cNvPr id="167" name="Group 166"/>
-            <p:cNvGrpSpPr/>
-            <p:nvPr/>
-          </p:nvGrpSpPr>
-          <p:grpSpPr>
-            <a:xfrm>
-              <a:off x="4235574" y="1385216"/>
-              <a:ext cx="446467" cy="521728"/>
-              <a:chOff x="4821567" y="919204"/>
-              <a:chExt cx="446467" cy="521728"/>
-            </a:xfrm>
-          </p:grpSpPr>
-          <p:sp>
-            <p:nvSpPr>
-              <p:cNvPr id="169" name="Rectangle 168"/>
-              <p:cNvSpPr/>
-              <p:nvPr/>
-            </p:nvSpPr>
-            <p:spPr>
-              <a:xfrm>
-                <a:off x="4821567" y="971454"/>
-                <a:ext cx="343904" cy="406070"/>
-              </a:xfrm>
-              <a:prstGeom prst="rect">
-                <a:avLst/>
-              </a:prstGeom>
-              <a:solidFill>
-                <a:srgbClr val="0070C0"/>
-              </a:solidFill>
-              <a:ln>
-                <a:noFill/>
-              </a:ln>
-            </p:spPr>
-            <p:style>
-              <a:lnRef idx="2">
-                <a:schemeClr val="accent1">
-                  <a:shade val="50000"/>
-                </a:schemeClr>
-              </a:lnRef>
-              <a:fillRef idx="1">
-                <a:schemeClr val="accent1"/>
-              </a:fillRef>
-              <a:effectRef idx="0">
-                <a:schemeClr val="accent1"/>
-              </a:effectRef>
-              <a:fontRef idx="minor">
-                <a:schemeClr val="lt1"/>
-              </a:fontRef>
-            </p:style>
-            <p:txBody>
-              <a:bodyPr rtlCol="0" anchor="ctr"/>
-              <a:lstStyle/>
-              <a:p>
-                <a:pPr algn="ctr"/>
-                <a:endParaRPr lang="en-US"/>
-              </a:p>
-            </p:txBody>
-          </p:sp>
-          <p:sp>
-            <p:nvSpPr>
-              <p:cNvPr id="170" name="Rectangle: Folded Corner 169"/>
-              <p:cNvSpPr/>
-              <p:nvPr/>
-            </p:nvSpPr>
-            <p:spPr>
-              <a:xfrm rot="10800000" flipH="1">
-                <a:off x="4990894" y="1102754"/>
-                <a:ext cx="277140" cy="338178"/>
-              </a:xfrm>
-              <a:prstGeom prst="foldedCorner">
-                <a:avLst>
-                  <a:gd name="adj" fmla="val 44103"/>
-                </a:avLst>
-              </a:prstGeom>
-              <a:solidFill>
-                <a:schemeClr val="bg1"/>
-              </a:solidFill>
-              <a:ln>
-                <a:solidFill>
-                  <a:srgbClr val="0070C0"/>
-                </a:solidFill>
-              </a:ln>
-            </p:spPr>
-            <p:style>
-              <a:lnRef idx="2">
-                <a:schemeClr val="accent1">
-                  <a:shade val="50000"/>
-                </a:schemeClr>
-              </a:lnRef>
-              <a:fillRef idx="1">
-                <a:schemeClr val="accent1"/>
-              </a:fillRef>
-              <a:effectRef idx="0">
-                <a:schemeClr val="accent1"/>
-              </a:effectRef>
-              <a:fontRef idx="minor">
-                <a:schemeClr val="lt1"/>
-              </a:fontRef>
-            </p:style>
-            <p:txBody>
-              <a:bodyPr rtlCol="0" anchor="ctr"/>
-              <a:lstStyle/>
-              <a:p>
-                <a:pPr algn="ctr"/>
-                <a:endParaRPr lang="en-US"/>
-              </a:p>
-            </p:txBody>
-          </p:sp>
-          <p:sp>
-            <p:nvSpPr>
-              <p:cNvPr id="171" name="Rounded Rectangle 227"/>
-              <p:cNvSpPr/>
-              <p:nvPr/>
-            </p:nvSpPr>
-            <p:spPr>
-              <a:xfrm rot="10800000">
-                <a:off x="4879960" y="919204"/>
-                <a:ext cx="234247" cy="101171"/>
-              </a:xfrm>
-              <a:custGeom>
-                <a:avLst/>
-                <a:gdLst/>
-                <a:ahLst/>
-                <a:cxnLst/>
-                <a:rect l="l" t="t" r="r" b="b"/>
-                <a:pathLst>
-                  <a:path w="286327" h="1000124">
-                    <a:moveTo>
-                      <a:pt x="2115" y="0"/>
-                    </a:moveTo>
-                    <a:lnTo>
-                      <a:pt x="284212" y="0"/>
-                    </a:lnTo>
-                    <a:cubicBezTo>
-                      <a:pt x="286188" y="3367"/>
-                      <a:pt x="286327" y="6905"/>
-                      <a:pt x="286327" y="10476"/>
-                    </a:cubicBezTo>
-                    <a:lnTo>
-                      <a:pt x="286327" y="712825"/>
-                    </a:lnTo>
-                    <a:cubicBezTo>
-                      <a:pt x="286327" y="772047"/>
-                      <a:pt x="247915" y="822299"/>
-                      <a:pt x="194109" y="838409"/>
-                    </a:cubicBezTo>
-                    <a:cubicBezTo>
-                      <a:pt x="194108" y="875332"/>
-                      <a:pt x="194108" y="912256"/>
-                      <a:pt x="194108" y="949179"/>
-                    </a:cubicBezTo>
-                    <a:cubicBezTo>
-                      <a:pt x="194108" y="977315"/>
-                      <a:pt x="171299" y="1000124"/>
-                      <a:pt x="143163" y="1000124"/>
-                    </a:cubicBezTo>
-                    <a:lnTo>
-                      <a:pt x="143164" y="1000123"/>
-                    </a:lnTo>
-                    <a:cubicBezTo>
-                      <a:pt x="115028" y="1000123"/>
-                      <a:pt x="92219" y="977314"/>
-                      <a:pt x="92219" y="949178"/>
-                    </a:cubicBezTo>
-                    <a:lnTo>
-                      <a:pt x="92219" y="838409"/>
-                    </a:lnTo>
-                    <a:cubicBezTo>
-                      <a:pt x="38413" y="822299"/>
-                      <a:pt x="0" y="772048"/>
-                      <a:pt x="0" y="712825"/>
-                    </a:cubicBezTo>
-                    <a:lnTo>
-                      <a:pt x="0" y="10476"/>
-                    </a:lnTo>
-                    <a:close/>
-                  </a:path>
-                </a:pathLst>
-              </a:custGeom>
-              <a:solidFill>
-                <a:srgbClr val="0070C0"/>
-              </a:solidFill>
-              <a:ln w="19050">
-                <a:solidFill>
-                  <a:schemeClr val="bg1"/>
-                </a:solidFill>
-              </a:ln>
-            </p:spPr>
-            <p:style>
-              <a:lnRef idx="2">
-                <a:schemeClr val="accent1">
-                  <a:shade val="50000"/>
-                </a:schemeClr>
-              </a:lnRef>
-              <a:fillRef idx="1">
-                <a:schemeClr val="accent1"/>
-              </a:fillRef>
-              <a:effectRef idx="0">
-                <a:schemeClr val="accent1"/>
-              </a:effectRef>
-              <a:fontRef idx="minor">
-                <a:schemeClr val="lt1"/>
-              </a:fontRef>
-            </p:style>
-            <p:txBody>
-              <a:bodyPr rtlCol="0" anchor="ctr"/>
-              <a:lstStyle/>
-              <a:p>
-                <a:pPr algn="ctr"/>
-                <a:endParaRPr lang="en-SG"/>
-              </a:p>
-            </p:txBody>
-          </p:sp>
-        </p:grpSp>
-        <p:sp>
-          <p:nvSpPr>
-            <p:cNvPr id="168" name="Rectangle 167"/>
-            <p:cNvSpPr/>
-            <p:nvPr/>
-          </p:nvSpPr>
-          <p:spPr>
-            <a:xfrm rot="10800000">
-              <a:off x="4180111" y="1375544"/>
-              <a:ext cx="549071" cy="549822"/>
-            </a:xfrm>
-            <a:prstGeom prst="rect">
-              <a:avLst/>
-            </a:prstGeom>
-            <a:noFill/>
-            <a:ln>
-              <a:noFill/>
-            </a:ln>
-          </p:spPr>
-          <p:style>
-            <a:lnRef idx="2">
-              <a:schemeClr val="accent1">
-                <a:shade val="50000"/>
-              </a:schemeClr>
-            </a:lnRef>
-            <a:fillRef idx="1">
-              <a:schemeClr val="accent1"/>
-            </a:fillRef>
-            <a:effectRef idx="0">
-              <a:schemeClr val="accent1"/>
-            </a:effectRef>
-            <a:fontRef idx="minor">
-              <a:schemeClr val="lt1"/>
-            </a:fontRef>
-          </p:style>
-          <p:txBody>
-            <a:bodyPr wrap="none" lIns="0" tIns="0" rIns="0" bIns="0" rtlCol="0" anchor="ctr"/>
-            <a:lstStyle/>
-            <a:p>
-              <a:pPr algn="ctr"/>
-              <a:endParaRPr lang="en-US" b="1"/>
-            </a:p>
-          </p:txBody>
-        </p:sp>
-      </p:grpSp>
       <p:sp>
         <p:nvSpPr>
           <p:cNvPr id="213" name="TextBox 212"/>
@@ -5292,7 +5006,7 @@
         </p:nvSpPr>
         <p:spPr>
           <a:xfrm>
-            <a:off x="3887781" y="4242228"/>
+            <a:off x="4361227" y="2673885"/>
             <a:ext cx="1114236" cy="430887"/>
           </a:xfrm>
           <a:prstGeom prst="rect">
@@ -5323,7 +5037,7 @@
         </p:nvSpPr>
         <p:spPr>
           <a:xfrm>
-            <a:off x="6689767" y="4247906"/>
+            <a:off x="7163213" y="2679563"/>
             <a:ext cx="1114236" cy="430887"/>
           </a:xfrm>
           <a:prstGeom prst="rect">
@@ -5354,7 +5068,7 @@
         </p:nvSpPr>
         <p:spPr>
           <a:xfrm>
-            <a:off x="5290089" y="5545198"/>
+            <a:off x="5763535" y="3976855"/>
             <a:ext cx="1114236" cy="430887"/>
           </a:xfrm>
           <a:prstGeom prst="rect">
@@ -5377,556 +5091,6 @@
           </a:p>
         </p:txBody>
       </p:sp>
-      <p:grpSp>
-        <p:nvGrpSpPr>
-          <p:cNvPr id="216" name="Group 215"/>
-          <p:cNvGrpSpPr/>
-          <p:nvPr/>
-        </p:nvGrpSpPr>
-        <p:grpSpPr>
-          <a:xfrm>
-            <a:off x="5532868" y="4963837"/>
-            <a:ext cx="549071" cy="549822"/>
-            <a:chOff x="4180111" y="1375544"/>
-            <a:chExt cx="549071" cy="549822"/>
-          </a:xfrm>
-        </p:grpSpPr>
-        <p:grpSp>
-          <p:nvGrpSpPr>
-            <p:cNvPr id="217" name="Group 216"/>
-            <p:cNvGrpSpPr/>
-            <p:nvPr/>
-          </p:nvGrpSpPr>
-          <p:grpSpPr>
-            <a:xfrm>
-              <a:off x="4235574" y="1385216"/>
-              <a:ext cx="446467" cy="521728"/>
-              <a:chOff x="4821567" y="919204"/>
-              <a:chExt cx="446467" cy="521728"/>
-            </a:xfrm>
-          </p:grpSpPr>
-          <p:sp>
-            <p:nvSpPr>
-              <p:cNvPr id="219" name="Rectangle 218"/>
-              <p:cNvSpPr/>
-              <p:nvPr/>
-            </p:nvSpPr>
-            <p:spPr>
-              <a:xfrm>
-                <a:off x="4821567" y="971454"/>
-                <a:ext cx="343904" cy="406070"/>
-              </a:xfrm>
-              <a:prstGeom prst="rect">
-                <a:avLst/>
-              </a:prstGeom>
-              <a:solidFill>
-                <a:srgbClr val="0070C0"/>
-              </a:solidFill>
-              <a:ln>
-                <a:noFill/>
-              </a:ln>
-            </p:spPr>
-            <p:style>
-              <a:lnRef idx="2">
-                <a:schemeClr val="accent1">
-                  <a:shade val="50000"/>
-                </a:schemeClr>
-              </a:lnRef>
-              <a:fillRef idx="1">
-                <a:schemeClr val="accent1"/>
-              </a:fillRef>
-              <a:effectRef idx="0">
-                <a:schemeClr val="accent1"/>
-              </a:effectRef>
-              <a:fontRef idx="minor">
-                <a:schemeClr val="lt1"/>
-              </a:fontRef>
-            </p:style>
-            <p:txBody>
-              <a:bodyPr rtlCol="0" anchor="ctr"/>
-              <a:lstStyle/>
-              <a:p>
-                <a:pPr algn="ctr"/>
-                <a:endParaRPr lang="en-US"/>
-              </a:p>
-            </p:txBody>
-          </p:sp>
-          <p:sp>
-            <p:nvSpPr>
-              <p:cNvPr id="220" name="Rectangle: Folded Corner 219"/>
-              <p:cNvSpPr/>
-              <p:nvPr/>
-            </p:nvSpPr>
-            <p:spPr>
-              <a:xfrm rot="10800000" flipH="1">
-                <a:off x="4990894" y="1102754"/>
-                <a:ext cx="277140" cy="338178"/>
-              </a:xfrm>
-              <a:prstGeom prst="foldedCorner">
-                <a:avLst>
-                  <a:gd name="adj" fmla="val 44103"/>
-                </a:avLst>
-              </a:prstGeom>
-              <a:solidFill>
-                <a:schemeClr val="bg1"/>
-              </a:solidFill>
-              <a:ln>
-                <a:solidFill>
-                  <a:srgbClr val="0070C0"/>
-                </a:solidFill>
-              </a:ln>
-            </p:spPr>
-            <p:style>
-              <a:lnRef idx="2">
-                <a:schemeClr val="accent1">
-                  <a:shade val="50000"/>
-                </a:schemeClr>
-              </a:lnRef>
-              <a:fillRef idx="1">
-                <a:schemeClr val="accent1"/>
-              </a:fillRef>
-              <a:effectRef idx="0">
-                <a:schemeClr val="accent1"/>
-              </a:effectRef>
-              <a:fontRef idx="minor">
-                <a:schemeClr val="lt1"/>
-              </a:fontRef>
-            </p:style>
-            <p:txBody>
-              <a:bodyPr rtlCol="0" anchor="ctr"/>
-              <a:lstStyle/>
-              <a:p>
-                <a:pPr algn="ctr"/>
-                <a:endParaRPr lang="en-US"/>
-              </a:p>
-            </p:txBody>
-          </p:sp>
-          <p:sp>
-            <p:nvSpPr>
-              <p:cNvPr id="221" name="Rounded Rectangle 227"/>
-              <p:cNvSpPr/>
-              <p:nvPr/>
-            </p:nvSpPr>
-            <p:spPr>
-              <a:xfrm rot="10800000">
-                <a:off x="4879960" y="919204"/>
-                <a:ext cx="234247" cy="101171"/>
-              </a:xfrm>
-              <a:custGeom>
-                <a:avLst/>
-                <a:gdLst/>
-                <a:ahLst/>
-                <a:cxnLst/>
-                <a:rect l="l" t="t" r="r" b="b"/>
-                <a:pathLst>
-                  <a:path w="286327" h="1000124">
-                    <a:moveTo>
-                      <a:pt x="2115" y="0"/>
-                    </a:moveTo>
-                    <a:lnTo>
-                      <a:pt x="284212" y="0"/>
-                    </a:lnTo>
-                    <a:cubicBezTo>
-                      <a:pt x="286188" y="3367"/>
-                      <a:pt x="286327" y="6905"/>
-                      <a:pt x="286327" y="10476"/>
-                    </a:cubicBezTo>
-                    <a:lnTo>
-                      <a:pt x="286327" y="712825"/>
-                    </a:lnTo>
-                    <a:cubicBezTo>
-                      <a:pt x="286327" y="772047"/>
-                      <a:pt x="247915" y="822299"/>
-                      <a:pt x="194109" y="838409"/>
-                    </a:cubicBezTo>
-                    <a:cubicBezTo>
-                      <a:pt x="194108" y="875332"/>
-                      <a:pt x="194108" y="912256"/>
-                      <a:pt x="194108" y="949179"/>
-                    </a:cubicBezTo>
-                    <a:cubicBezTo>
-                      <a:pt x="194108" y="977315"/>
-                      <a:pt x="171299" y="1000124"/>
-                      <a:pt x="143163" y="1000124"/>
-                    </a:cubicBezTo>
-                    <a:lnTo>
-                      <a:pt x="143164" y="1000123"/>
-                    </a:lnTo>
-                    <a:cubicBezTo>
-                      <a:pt x="115028" y="1000123"/>
-                      <a:pt x="92219" y="977314"/>
-                      <a:pt x="92219" y="949178"/>
-                    </a:cubicBezTo>
-                    <a:lnTo>
-                      <a:pt x="92219" y="838409"/>
-                    </a:lnTo>
-                    <a:cubicBezTo>
-                      <a:pt x="38413" y="822299"/>
-                      <a:pt x="0" y="772048"/>
-                      <a:pt x="0" y="712825"/>
-                    </a:cubicBezTo>
-                    <a:lnTo>
-                      <a:pt x="0" y="10476"/>
-                    </a:lnTo>
-                    <a:close/>
-                  </a:path>
-                </a:pathLst>
-              </a:custGeom>
-              <a:solidFill>
-                <a:srgbClr val="0070C0"/>
-              </a:solidFill>
-              <a:ln w="19050">
-                <a:solidFill>
-                  <a:schemeClr val="bg1"/>
-                </a:solidFill>
-              </a:ln>
-            </p:spPr>
-            <p:style>
-              <a:lnRef idx="2">
-                <a:schemeClr val="accent1">
-                  <a:shade val="50000"/>
-                </a:schemeClr>
-              </a:lnRef>
-              <a:fillRef idx="1">
-                <a:schemeClr val="accent1"/>
-              </a:fillRef>
-              <a:effectRef idx="0">
-                <a:schemeClr val="accent1"/>
-              </a:effectRef>
-              <a:fontRef idx="minor">
-                <a:schemeClr val="lt1"/>
-              </a:fontRef>
-            </p:style>
-            <p:txBody>
-              <a:bodyPr rtlCol="0" anchor="ctr"/>
-              <a:lstStyle/>
-              <a:p>
-                <a:pPr algn="ctr"/>
-                <a:endParaRPr lang="en-SG"/>
-              </a:p>
-            </p:txBody>
-          </p:sp>
-        </p:grpSp>
-        <p:sp>
-          <p:nvSpPr>
-            <p:cNvPr id="218" name="Rectangle 217"/>
-            <p:cNvSpPr/>
-            <p:nvPr/>
-          </p:nvSpPr>
-          <p:spPr>
-            <a:xfrm rot="10800000">
-              <a:off x="4180111" y="1375544"/>
-              <a:ext cx="549071" cy="549822"/>
-            </a:xfrm>
-            <a:prstGeom prst="rect">
-              <a:avLst/>
-            </a:prstGeom>
-            <a:noFill/>
-            <a:ln>
-              <a:noFill/>
-            </a:ln>
-          </p:spPr>
-          <p:style>
-            <a:lnRef idx="2">
-              <a:schemeClr val="accent1">
-                <a:shade val="50000"/>
-              </a:schemeClr>
-            </a:lnRef>
-            <a:fillRef idx="1">
-              <a:schemeClr val="accent1"/>
-            </a:fillRef>
-            <a:effectRef idx="0">
-              <a:schemeClr val="accent1"/>
-            </a:effectRef>
-            <a:fontRef idx="minor">
-              <a:schemeClr val="lt1"/>
-            </a:fontRef>
-          </p:style>
-          <p:txBody>
-            <a:bodyPr wrap="none" lIns="0" tIns="0" rIns="0" bIns="0" rtlCol="0" anchor="ctr"/>
-            <a:lstStyle/>
-            <a:p>
-              <a:pPr algn="ctr"/>
-              <a:endParaRPr lang="en-US" b="1"/>
-            </a:p>
-          </p:txBody>
-        </p:sp>
-      </p:grpSp>
-      <p:grpSp>
-        <p:nvGrpSpPr>
-          <p:cNvPr id="222" name="Group 221"/>
-          <p:cNvGrpSpPr/>
-          <p:nvPr/>
-        </p:nvGrpSpPr>
-        <p:grpSpPr>
-          <a:xfrm>
-            <a:off x="4130313" y="4963837"/>
-            <a:ext cx="549071" cy="549822"/>
-            <a:chOff x="4180111" y="1375544"/>
-            <a:chExt cx="549071" cy="549822"/>
-          </a:xfrm>
-        </p:grpSpPr>
-        <p:grpSp>
-          <p:nvGrpSpPr>
-            <p:cNvPr id="223" name="Group 222"/>
-            <p:cNvGrpSpPr/>
-            <p:nvPr/>
-          </p:nvGrpSpPr>
-          <p:grpSpPr>
-            <a:xfrm>
-              <a:off x="4235574" y="1385216"/>
-              <a:ext cx="446467" cy="521728"/>
-              <a:chOff x="4821567" y="919204"/>
-              <a:chExt cx="446467" cy="521728"/>
-            </a:xfrm>
-          </p:grpSpPr>
-          <p:sp>
-            <p:nvSpPr>
-              <p:cNvPr id="225" name="Rectangle 224"/>
-              <p:cNvSpPr/>
-              <p:nvPr/>
-            </p:nvSpPr>
-            <p:spPr>
-              <a:xfrm>
-                <a:off x="4821567" y="971454"/>
-                <a:ext cx="343904" cy="406070"/>
-              </a:xfrm>
-              <a:prstGeom prst="rect">
-                <a:avLst/>
-              </a:prstGeom>
-              <a:solidFill>
-                <a:srgbClr val="0070C0"/>
-              </a:solidFill>
-              <a:ln>
-                <a:noFill/>
-              </a:ln>
-            </p:spPr>
-            <p:style>
-              <a:lnRef idx="2">
-                <a:schemeClr val="accent1">
-                  <a:shade val="50000"/>
-                </a:schemeClr>
-              </a:lnRef>
-              <a:fillRef idx="1">
-                <a:schemeClr val="accent1"/>
-              </a:fillRef>
-              <a:effectRef idx="0">
-                <a:schemeClr val="accent1"/>
-              </a:effectRef>
-              <a:fontRef idx="minor">
-                <a:schemeClr val="lt1"/>
-              </a:fontRef>
-            </p:style>
-            <p:txBody>
-              <a:bodyPr rtlCol="0" anchor="ctr"/>
-              <a:lstStyle/>
-              <a:p>
-                <a:pPr algn="ctr"/>
-                <a:endParaRPr lang="en-US"/>
-              </a:p>
-            </p:txBody>
-          </p:sp>
-          <p:sp>
-            <p:nvSpPr>
-              <p:cNvPr id="226" name="Rectangle: Folded Corner 225"/>
-              <p:cNvSpPr/>
-              <p:nvPr/>
-            </p:nvSpPr>
-            <p:spPr>
-              <a:xfrm rot="10800000" flipH="1">
-                <a:off x="4990894" y="1102754"/>
-                <a:ext cx="277140" cy="338178"/>
-              </a:xfrm>
-              <a:prstGeom prst="foldedCorner">
-                <a:avLst>
-                  <a:gd name="adj" fmla="val 44103"/>
-                </a:avLst>
-              </a:prstGeom>
-              <a:solidFill>
-                <a:schemeClr val="bg1"/>
-              </a:solidFill>
-              <a:ln>
-                <a:solidFill>
-                  <a:srgbClr val="0070C0"/>
-                </a:solidFill>
-              </a:ln>
-            </p:spPr>
-            <p:style>
-              <a:lnRef idx="2">
-                <a:schemeClr val="accent1">
-                  <a:shade val="50000"/>
-                </a:schemeClr>
-              </a:lnRef>
-              <a:fillRef idx="1">
-                <a:schemeClr val="accent1"/>
-              </a:fillRef>
-              <a:effectRef idx="0">
-                <a:schemeClr val="accent1"/>
-              </a:effectRef>
-              <a:fontRef idx="minor">
-                <a:schemeClr val="lt1"/>
-              </a:fontRef>
-            </p:style>
-            <p:txBody>
-              <a:bodyPr rtlCol="0" anchor="ctr"/>
-              <a:lstStyle/>
-              <a:p>
-                <a:pPr algn="ctr"/>
-                <a:endParaRPr lang="en-US"/>
-              </a:p>
-            </p:txBody>
-          </p:sp>
-          <p:sp>
-            <p:nvSpPr>
-              <p:cNvPr id="227" name="Rounded Rectangle 227"/>
-              <p:cNvSpPr/>
-              <p:nvPr/>
-            </p:nvSpPr>
-            <p:spPr>
-              <a:xfrm rot="10800000">
-                <a:off x="4879960" y="919204"/>
-                <a:ext cx="234247" cy="101171"/>
-              </a:xfrm>
-              <a:custGeom>
-                <a:avLst/>
-                <a:gdLst/>
-                <a:ahLst/>
-                <a:cxnLst/>
-                <a:rect l="l" t="t" r="r" b="b"/>
-                <a:pathLst>
-                  <a:path w="286327" h="1000124">
-                    <a:moveTo>
-                      <a:pt x="2115" y="0"/>
-                    </a:moveTo>
-                    <a:lnTo>
-                      <a:pt x="284212" y="0"/>
-                    </a:lnTo>
-                    <a:cubicBezTo>
-                      <a:pt x="286188" y="3367"/>
-                      <a:pt x="286327" y="6905"/>
-                      <a:pt x="286327" y="10476"/>
-                    </a:cubicBezTo>
-                    <a:lnTo>
-                      <a:pt x="286327" y="712825"/>
-                    </a:lnTo>
-                    <a:cubicBezTo>
-                      <a:pt x="286327" y="772047"/>
-                      <a:pt x="247915" y="822299"/>
-                      <a:pt x="194109" y="838409"/>
-                    </a:cubicBezTo>
-                    <a:cubicBezTo>
-                      <a:pt x="194108" y="875332"/>
-                      <a:pt x="194108" y="912256"/>
-                      <a:pt x="194108" y="949179"/>
-                    </a:cubicBezTo>
-                    <a:cubicBezTo>
-                      <a:pt x="194108" y="977315"/>
-                      <a:pt x="171299" y="1000124"/>
-                      <a:pt x="143163" y="1000124"/>
-                    </a:cubicBezTo>
-                    <a:lnTo>
-                      <a:pt x="143164" y="1000123"/>
-                    </a:lnTo>
-                    <a:cubicBezTo>
-                      <a:pt x="115028" y="1000123"/>
-                      <a:pt x="92219" y="977314"/>
-                      <a:pt x="92219" y="949178"/>
-                    </a:cubicBezTo>
-                    <a:lnTo>
-                      <a:pt x="92219" y="838409"/>
-                    </a:lnTo>
-                    <a:cubicBezTo>
-                      <a:pt x="38413" y="822299"/>
-                      <a:pt x="0" y="772048"/>
-                      <a:pt x="0" y="712825"/>
-                    </a:cubicBezTo>
-                    <a:lnTo>
-                      <a:pt x="0" y="10476"/>
-                    </a:lnTo>
-                    <a:close/>
-                  </a:path>
-                </a:pathLst>
-              </a:custGeom>
-              <a:solidFill>
-                <a:srgbClr val="0070C0"/>
-              </a:solidFill>
-              <a:ln w="19050">
-                <a:solidFill>
-                  <a:schemeClr val="bg1"/>
-                </a:solidFill>
-              </a:ln>
-            </p:spPr>
-            <p:style>
-              <a:lnRef idx="2">
-                <a:schemeClr val="accent1">
-                  <a:shade val="50000"/>
-                </a:schemeClr>
-              </a:lnRef>
-              <a:fillRef idx="1">
-                <a:schemeClr val="accent1"/>
-              </a:fillRef>
-              <a:effectRef idx="0">
-                <a:schemeClr val="accent1"/>
-              </a:effectRef>
-              <a:fontRef idx="minor">
-                <a:schemeClr val="lt1"/>
-              </a:fontRef>
-            </p:style>
-            <p:txBody>
-              <a:bodyPr rtlCol="0" anchor="ctr"/>
-              <a:lstStyle/>
-              <a:p>
-                <a:pPr algn="ctr"/>
-                <a:endParaRPr lang="en-SG"/>
-              </a:p>
-            </p:txBody>
-          </p:sp>
-        </p:grpSp>
-        <p:sp>
-          <p:nvSpPr>
-            <p:cNvPr id="224" name="Rectangle 223"/>
-            <p:cNvSpPr/>
-            <p:nvPr/>
-          </p:nvSpPr>
-          <p:spPr>
-            <a:xfrm rot="10800000">
-              <a:off x="4180111" y="1375544"/>
-              <a:ext cx="549071" cy="549822"/>
-            </a:xfrm>
-            <a:prstGeom prst="rect">
-              <a:avLst/>
-            </a:prstGeom>
-            <a:noFill/>
-            <a:ln>
-              <a:noFill/>
-            </a:ln>
-          </p:spPr>
-          <p:style>
-            <a:lnRef idx="2">
-              <a:schemeClr val="accent1">
-                <a:shade val="50000"/>
-              </a:schemeClr>
-            </a:lnRef>
-            <a:fillRef idx="1">
-              <a:schemeClr val="accent1"/>
-            </a:fillRef>
-            <a:effectRef idx="0">
-              <a:schemeClr val="accent1"/>
-            </a:effectRef>
-            <a:fontRef idx="minor">
-              <a:schemeClr val="lt1"/>
-            </a:fontRef>
-          </p:style>
-          <p:txBody>
-            <a:bodyPr wrap="none" lIns="0" tIns="0" rIns="0" bIns="0" rtlCol="0" anchor="ctr"/>
-            <a:lstStyle/>
-            <a:p>
-              <a:pPr algn="ctr"/>
-              <a:endParaRPr lang="en-US" b="1"/>
-            </a:p>
-          </p:txBody>
-        </p:sp>
-      </p:grpSp>
       <p:sp>
         <p:nvSpPr>
           <p:cNvPr id="234" name="TextBox 233"/>
@@ -5935,7 +5099,7 @@
         </p:nvSpPr>
         <p:spPr>
           <a:xfrm>
-            <a:off x="3887781" y="5545198"/>
+            <a:off x="4361227" y="3976855"/>
             <a:ext cx="1114236" cy="430887"/>
           </a:xfrm>
           <a:prstGeom prst="rect">
@@ -5955,6 +5119,348 @@
               <a:t>Replace With Clipboard</a:t>
             </a:r>
             <a:endParaRPr lang="en-SG" sz="1100" dirty="0"/>
+          </a:p>
+        </p:txBody>
+      </p:sp>
+      <p:sp>
+        <p:nvSpPr>
+          <p:cNvPr id="69" name="Rectangle 68"/>
+          <p:cNvSpPr/>
+          <p:nvPr/>
+        </p:nvSpPr>
+        <p:spPr>
+          <a:xfrm rot="10800000">
+            <a:off x="4614893" y="2072813"/>
+            <a:ext cx="549071" cy="549822"/>
+          </a:xfrm>
+          <a:prstGeom prst="rect">
+            <a:avLst/>
+          </a:prstGeom>
+          <a:solidFill>
+            <a:schemeClr val="bg2">
+              <a:lumMod val="75000"/>
+            </a:schemeClr>
+          </a:solidFill>
+          <a:ln>
+            <a:noFill/>
+          </a:ln>
+        </p:spPr>
+        <p:style>
+          <a:lnRef idx="2">
+            <a:schemeClr val="accent1">
+              <a:shade val="50000"/>
+            </a:schemeClr>
+          </a:lnRef>
+          <a:fillRef idx="1">
+            <a:schemeClr val="accent1"/>
+          </a:fillRef>
+          <a:effectRef idx="0">
+            <a:schemeClr val="accent1"/>
+          </a:effectRef>
+          <a:fontRef idx="minor">
+            <a:schemeClr val="lt1"/>
+          </a:fontRef>
+        </p:style>
+        <p:txBody>
+          <a:bodyPr wrap="none" lIns="0" tIns="0" rIns="0" bIns="0" rtlCol="0" anchor="ctr"/>
+          <a:lstStyle/>
+          <a:p>
+            <a:pPr algn="ctr"/>
+            <a:endParaRPr lang="en-US" b="1"/>
+          </a:p>
+        </p:txBody>
+      </p:sp>
+      <p:sp>
+        <p:nvSpPr>
+          <p:cNvPr id="9" name="Rectangle 8"/>
+          <p:cNvSpPr/>
+          <p:nvPr/>
+        </p:nvSpPr>
+        <p:spPr>
+          <a:xfrm>
+            <a:off x="4614892" y="2140966"/>
+            <a:ext cx="549072" cy="419689"/>
+          </a:xfrm>
+          <a:prstGeom prst="rect">
+            <a:avLst/>
+          </a:prstGeom>
+          <a:solidFill>
+            <a:srgbClr val="0070C0"/>
+          </a:solidFill>
+          <a:ln>
+            <a:noFill/>
+          </a:ln>
+        </p:spPr>
+        <p:style>
+          <a:lnRef idx="2">
+            <a:schemeClr val="accent1">
+              <a:shade val="50000"/>
+            </a:schemeClr>
+          </a:lnRef>
+          <a:fillRef idx="1">
+            <a:schemeClr val="accent1"/>
+          </a:fillRef>
+          <a:effectRef idx="0">
+            <a:schemeClr val="accent1"/>
+          </a:effectRef>
+          <a:fontRef idx="minor">
+            <a:schemeClr val="lt1"/>
+          </a:fontRef>
+        </p:style>
+        <p:txBody>
+          <a:bodyPr rtlCol="0" anchor="ctr"/>
+          <a:lstStyle/>
+          <a:p>
+            <a:pPr algn="ctr"/>
+            <a:endParaRPr lang="en-US" dirty="0"/>
+          </a:p>
+        </p:txBody>
+      </p:sp>
+      <p:sp>
+        <p:nvSpPr>
+          <p:cNvPr id="71" name="Rectangle: Folded Corner 70"/>
+          <p:cNvSpPr/>
+          <p:nvPr/>
+        </p:nvSpPr>
+        <p:spPr>
+          <a:xfrm rot="10800000" flipH="1">
+            <a:off x="4835930" y="2269456"/>
+            <a:ext cx="277140" cy="338178"/>
+          </a:xfrm>
+          <a:prstGeom prst="foldedCorner">
+            <a:avLst>
+              <a:gd name="adj" fmla="val 44103"/>
+            </a:avLst>
+          </a:prstGeom>
+          <a:solidFill>
+            <a:srgbClr val="0070C0"/>
+          </a:solidFill>
+          <a:ln>
+            <a:solidFill>
+              <a:schemeClr val="bg1"/>
+            </a:solidFill>
+          </a:ln>
+        </p:spPr>
+        <p:style>
+          <a:lnRef idx="2">
+            <a:schemeClr val="accent1">
+              <a:shade val="50000"/>
+            </a:schemeClr>
+          </a:lnRef>
+          <a:fillRef idx="1">
+            <a:schemeClr val="accent1"/>
+          </a:fillRef>
+          <a:effectRef idx="0">
+            <a:schemeClr val="accent1"/>
+          </a:effectRef>
+          <a:fontRef idx="minor">
+            <a:schemeClr val="lt1"/>
+          </a:fontRef>
+        </p:style>
+        <p:txBody>
+          <a:bodyPr rtlCol="0" anchor="ctr"/>
+          <a:lstStyle/>
+          <a:p>
+            <a:pPr algn="ctr"/>
+            <a:endParaRPr lang="en-US" dirty="0"/>
+          </a:p>
+        </p:txBody>
+      </p:sp>
+      <p:sp>
+        <p:nvSpPr>
+          <p:cNvPr id="73" name="Rectangle 72"/>
+          <p:cNvSpPr/>
+          <p:nvPr/>
+        </p:nvSpPr>
+        <p:spPr>
+          <a:xfrm rot="10800000">
+            <a:off x="7470679" y="2091236"/>
+            <a:ext cx="549071" cy="549822"/>
+          </a:xfrm>
+          <a:prstGeom prst="rect">
+            <a:avLst/>
+          </a:prstGeom>
+          <a:solidFill>
+            <a:schemeClr val="bg2">
+              <a:lumMod val="75000"/>
+            </a:schemeClr>
+          </a:solidFill>
+          <a:ln>
+            <a:noFill/>
+          </a:ln>
+        </p:spPr>
+        <p:style>
+          <a:lnRef idx="2">
+            <a:schemeClr val="accent1">
+              <a:shade val="50000"/>
+            </a:schemeClr>
+          </a:lnRef>
+          <a:fillRef idx="1">
+            <a:schemeClr val="accent1"/>
+          </a:fillRef>
+          <a:effectRef idx="0">
+            <a:schemeClr val="accent1"/>
+          </a:effectRef>
+          <a:fontRef idx="minor">
+            <a:schemeClr val="lt1"/>
+          </a:fontRef>
+        </p:style>
+        <p:txBody>
+          <a:bodyPr wrap="none" lIns="0" tIns="0" rIns="0" bIns="0" rtlCol="0" anchor="ctr"/>
+          <a:lstStyle/>
+          <a:p>
+            <a:pPr algn="ctr"/>
+            <a:endParaRPr lang="en-US" b="1"/>
+          </a:p>
+        </p:txBody>
+      </p:sp>
+      <p:sp>
+        <p:nvSpPr>
+          <p:cNvPr id="75" name="Rectangle: Folded Corner 74"/>
+          <p:cNvSpPr/>
+          <p:nvPr/>
+        </p:nvSpPr>
+        <p:spPr>
+          <a:xfrm rot="10800000" flipH="1">
+            <a:off x="7606644" y="2197058"/>
+            <a:ext cx="277140" cy="338178"/>
+          </a:xfrm>
+          <a:prstGeom prst="foldedCorner">
+            <a:avLst>
+              <a:gd name="adj" fmla="val 44103"/>
+            </a:avLst>
+          </a:prstGeom>
+          <a:solidFill>
+            <a:schemeClr val="bg1"/>
+          </a:solidFill>
+          <a:ln>
+            <a:solidFill>
+              <a:srgbClr val="0070C0"/>
+            </a:solidFill>
+          </a:ln>
+        </p:spPr>
+        <p:style>
+          <a:lnRef idx="2">
+            <a:schemeClr val="accent1">
+              <a:shade val="50000"/>
+            </a:schemeClr>
+          </a:lnRef>
+          <a:fillRef idx="1">
+            <a:schemeClr val="accent1"/>
+          </a:fillRef>
+          <a:effectRef idx="0">
+            <a:schemeClr val="accent1"/>
+          </a:effectRef>
+          <a:fontRef idx="minor">
+            <a:schemeClr val="lt1"/>
+          </a:fontRef>
+        </p:style>
+        <p:txBody>
+          <a:bodyPr rtlCol="0" anchor="ctr"/>
+          <a:lstStyle/>
+          <a:p>
+            <a:pPr algn="ctr"/>
+            <a:endParaRPr lang="en-US"/>
+          </a:p>
+        </p:txBody>
+      </p:sp>
+      <p:sp>
+        <p:nvSpPr>
+          <p:cNvPr id="78" name="Rectangle: Folded Corner 77"/>
+          <p:cNvSpPr/>
+          <p:nvPr/>
+        </p:nvSpPr>
+        <p:spPr>
+          <a:xfrm rot="10800000" flipH="1">
+            <a:off x="4875201" y="3566398"/>
+            <a:ext cx="277140" cy="338178"/>
+          </a:xfrm>
+          <a:prstGeom prst="foldedCorner">
+            <a:avLst>
+              <a:gd name="adj" fmla="val 44103"/>
+            </a:avLst>
+          </a:prstGeom>
+          <a:solidFill>
+            <a:schemeClr val="bg1"/>
+          </a:solidFill>
+          <a:ln>
+            <a:solidFill>
+              <a:srgbClr val="0070C0"/>
+            </a:solidFill>
+          </a:ln>
+        </p:spPr>
+        <p:style>
+          <a:lnRef idx="2">
+            <a:schemeClr val="accent1">
+              <a:shade val="50000"/>
+            </a:schemeClr>
+          </a:lnRef>
+          <a:fillRef idx="1">
+            <a:schemeClr val="accent1"/>
+          </a:fillRef>
+          <a:effectRef idx="0">
+            <a:schemeClr val="accent1"/>
+          </a:effectRef>
+          <a:fontRef idx="minor">
+            <a:schemeClr val="lt1"/>
+          </a:fontRef>
+        </p:style>
+        <p:txBody>
+          <a:bodyPr rtlCol="0" anchor="ctr"/>
+          <a:lstStyle/>
+          <a:p>
+            <a:pPr algn="ctr"/>
+            <a:endParaRPr lang="en-US"/>
+          </a:p>
+        </p:txBody>
+      </p:sp>
+      <p:sp>
+        <p:nvSpPr>
+          <p:cNvPr id="80" name="Rectangle: Folded Corner 79"/>
+          <p:cNvSpPr/>
+          <p:nvPr/>
+        </p:nvSpPr>
+        <p:spPr>
+          <a:xfrm rot="10800000" flipH="1">
+            <a:off x="6249743" y="3566398"/>
+            <a:ext cx="277140" cy="338178"/>
+          </a:xfrm>
+          <a:prstGeom prst="foldedCorner">
+            <a:avLst>
+              <a:gd name="adj" fmla="val 44103"/>
+            </a:avLst>
+          </a:prstGeom>
+          <a:solidFill>
+            <a:schemeClr val="bg1"/>
+          </a:solidFill>
+          <a:ln>
+            <a:solidFill>
+              <a:srgbClr val="0070C0"/>
+            </a:solidFill>
+          </a:ln>
+        </p:spPr>
+        <p:style>
+          <a:lnRef idx="2">
+            <a:schemeClr val="accent1">
+              <a:shade val="50000"/>
+            </a:schemeClr>
+          </a:lnRef>
+          <a:fillRef idx="1">
+            <a:schemeClr val="accent1"/>
+          </a:fillRef>
+          <a:effectRef idx="0">
+            <a:schemeClr val="accent1"/>
+          </a:effectRef>
+          <a:fontRef idx="minor">
+            <a:schemeClr val="lt1"/>
+          </a:fontRef>
+        </p:style>
+        <p:txBody>
+          <a:bodyPr rtlCol="0" anchor="ctr"/>
+          <a:lstStyle/>
+          <a:p>
+            <a:pPr algn="ctr"/>
+            <a:endParaRPr lang="en-US"/>
           </a:p>
         </p:txBody>
       </p:sp>

--- a/doc/Icons-PasteLab.pptx
+++ b/doc/Icons-PasteLab.pptx
@@ -221,7 +221,7 @@
           <a:p>
             <a:fld id="{6699ACB9-486C-4D62-A3A7-AF98E13EFDA3}" type="datetimeFigureOut">
               <a:rPr lang="en-US" smtClean="0"/>
-              <a:t>6/7/2017</a:t>
+              <a:t>6/9/2017</a:t>
             </a:fld>
             <a:endParaRPr lang="en-US"/>
           </a:p>
@@ -752,7 +752,7 @@
             <a:fld id="{1D8BD707-D9CF-40AE-B4C6-C98DA3205C09}" type="datetimeFigureOut">
               <a:rPr lang="en-US" smtClean="0"/>
               <a:pPr/>
-              <a:t>6/7/2017</a:t>
+              <a:t>6/9/2017</a:t>
             </a:fld>
             <a:endParaRPr lang="en-US"/>
           </a:p>
@@ -917,7 +917,7 @@
             <a:fld id="{1D8BD707-D9CF-40AE-B4C6-C98DA3205C09}" type="datetimeFigureOut">
               <a:rPr lang="en-US" smtClean="0"/>
               <a:pPr/>
-              <a:t>6/7/2017</a:t>
+              <a:t>6/9/2017</a:t>
             </a:fld>
             <a:endParaRPr lang="en-US"/>
           </a:p>
@@ -1092,7 +1092,7 @@
             <a:fld id="{1D8BD707-D9CF-40AE-B4C6-C98DA3205C09}" type="datetimeFigureOut">
               <a:rPr lang="en-US" smtClean="0"/>
               <a:pPr/>
-              <a:t>6/7/2017</a:t>
+              <a:t>6/9/2017</a:t>
             </a:fld>
             <a:endParaRPr lang="en-US"/>
           </a:p>
@@ -1257,7 +1257,7 @@
             <a:fld id="{1D8BD707-D9CF-40AE-B4C6-C98DA3205C09}" type="datetimeFigureOut">
               <a:rPr lang="en-US" smtClean="0"/>
               <a:pPr/>
-              <a:t>6/7/2017</a:t>
+              <a:t>6/9/2017</a:t>
             </a:fld>
             <a:endParaRPr lang="en-US"/>
           </a:p>
@@ -1499,7 +1499,7 @@
             <a:fld id="{1D8BD707-D9CF-40AE-B4C6-C98DA3205C09}" type="datetimeFigureOut">
               <a:rPr lang="en-US" smtClean="0"/>
               <a:pPr/>
-              <a:t>6/7/2017</a:t>
+              <a:t>6/9/2017</a:t>
             </a:fld>
             <a:endParaRPr lang="en-US"/>
           </a:p>
@@ -1781,7 +1781,7 @@
             <a:fld id="{1D8BD707-D9CF-40AE-B4C6-C98DA3205C09}" type="datetimeFigureOut">
               <a:rPr lang="en-US" smtClean="0"/>
               <a:pPr/>
-              <a:t>6/7/2017</a:t>
+              <a:t>6/9/2017</a:t>
             </a:fld>
             <a:endParaRPr lang="en-US"/>
           </a:p>
@@ -2197,7 +2197,7 @@
             <a:fld id="{1D8BD707-D9CF-40AE-B4C6-C98DA3205C09}" type="datetimeFigureOut">
               <a:rPr lang="en-US" smtClean="0"/>
               <a:pPr/>
-              <a:t>6/7/2017</a:t>
+              <a:t>6/9/2017</a:t>
             </a:fld>
             <a:endParaRPr lang="en-US"/>
           </a:p>
@@ -2311,7 +2311,7 @@
             <a:fld id="{1D8BD707-D9CF-40AE-B4C6-C98DA3205C09}" type="datetimeFigureOut">
               <a:rPr lang="en-US" smtClean="0"/>
               <a:pPr/>
-              <a:t>6/7/2017</a:t>
+              <a:t>6/9/2017</a:t>
             </a:fld>
             <a:endParaRPr lang="en-US"/>
           </a:p>
@@ -2403,7 +2403,7 @@
             <a:fld id="{1D8BD707-D9CF-40AE-B4C6-C98DA3205C09}" type="datetimeFigureOut">
               <a:rPr lang="en-US" smtClean="0"/>
               <a:pPr/>
-              <a:t>6/7/2017</a:t>
+              <a:t>6/9/2017</a:t>
             </a:fld>
             <a:endParaRPr lang="en-US"/>
           </a:p>
@@ -2675,7 +2675,7 @@
             <a:fld id="{1D8BD707-D9CF-40AE-B4C6-C98DA3205C09}" type="datetimeFigureOut">
               <a:rPr lang="en-US" smtClean="0"/>
               <a:pPr/>
-              <a:t>6/7/2017</a:t>
+              <a:t>6/9/2017</a:t>
             </a:fld>
             <a:endParaRPr lang="en-US"/>
           </a:p>
@@ -2924,7 +2924,7 @@
             <a:fld id="{1D8BD707-D9CF-40AE-B4C6-C98DA3205C09}" type="datetimeFigureOut">
               <a:rPr lang="en-US" smtClean="0"/>
               <a:pPr/>
-              <a:t>6/7/2017</a:t>
+              <a:t>6/9/2017</a:t>
             </a:fld>
             <a:endParaRPr lang="en-US"/>
           </a:p>
@@ -3132,7 +3132,7 @@
             <a:fld id="{1D8BD707-D9CF-40AE-B4C6-C98DA3205C09}" type="datetimeFigureOut">
               <a:rPr lang="en-US" smtClean="0"/>
               <a:pPr/>
-              <a:t>6/7/2017</a:t>
+              <a:t>6/9/2017</a:t>
             </a:fld>
             <a:endParaRPr lang="en-US"/>
           </a:p>
@@ -3513,6 +3513,54 @@
           <a:chExt cx="0" cy="0"/>
         </a:xfrm>
       </p:grpSpPr>
+      <p:sp>
+        <p:nvSpPr>
+          <p:cNvPr id="61" name="Rectangle 60"/>
+          <p:cNvSpPr/>
+          <p:nvPr/>
+        </p:nvSpPr>
+        <p:spPr>
+          <a:xfrm rot="10800000">
+            <a:off x="751837" y="3016576"/>
+            <a:ext cx="549071" cy="549822"/>
+          </a:xfrm>
+          <a:prstGeom prst="rect">
+            <a:avLst/>
+          </a:prstGeom>
+          <a:solidFill>
+            <a:schemeClr val="bg2">
+              <a:lumMod val="75000"/>
+            </a:schemeClr>
+          </a:solidFill>
+          <a:ln>
+            <a:noFill/>
+          </a:ln>
+        </p:spPr>
+        <p:style>
+          <a:lnRef idx="2">
+            <a:schemeClr val="accent1">
+              <a:shade val="50000"/>
+            </a:schemeClr>
+          </a:lnRef>
+          <a:fillRef idx="1">
+            <a:schemeClr val="accent1"/>
+          </a:fillRef>
+          <a:effectRef idx="0">
+            <a:schemeClr val="accent1"/>
+          </a:effectRef>
+          <a:fontRef idx="minor">
+            <a:schemeClr val="lt1"/>
+          </a:fontRef>
+        </p:style>
+        <p:txBody>
+          <a:bodyPr wrap="none" lIns="0" tIns="0" rIns="0" bIns="0" rtlCol="0" anchor="ctr"/>
+          <a:lstStyle/>
+          <a:p>
+            <a:pPr algn="ctr"/>
+            <a:endParaRPr lang="en-US" b="1"/>
+          </a:p>
+        </p:txBody>
+      </p:sp>
       <p:sp>
         <p:nvSpPr>
           <p:cNvPr id="79" name="Rectangle 78"/>
@@ -5006,7 +5054,7 @@
         </p:nvSpPr>
         <p:spPr>
           <a:xfrm>
-            <a:off x="4361227" y="2673885"/>
+            <a:off x="448147" y="3613810"/>
             <a:ext cx="1114236" cy="430887"/>
           </a:xfrm>
           <a:prstGeom prst="rect">
@@ -5436,6 +5484,1827 @@
           <a:ln>
             <a:solidFill>
               <a:srgbClr val="0070C0"/>
+            </a:solidFill>
+          </a:ln>
+        </p:spPr>
+        <p:style>
+          <a:lnRef idx="2">
+            <a:schemeClr val="accent1">
+              <a:shade val="50000"/>
+            </a:schemeClr>
+          </a:lnRef>
+          <a:fillRef idx="1">
+            <a:schemeClr val="accent1"/>
+          </a:fillRef>
+          <a:effectRef idx="0">
+            <a:schemeClr val="accent1"/>
+          </a:effectRef>
+          <a:fontRef idx="minor">
+            <a:schemeClr val="lt1"/>
+          </a:fontRef>
+        </p:style>
+        <p:txBody>
+          <a:bodyPr rtlCol="0" anchor="ctr"/>
+          <a:lstStyle/>
+          <a:p>
+            <a:pPr algn="ctr"/>
+            <a:endParaRPr lang="en-US"/>
+          </a:p>
+        </p:txBody>
+      </p:sp>
+      <p:sp>
+        <p:nvSpPr>
+          <p:cNvPr id="44" name="TextBox 43"/>
+          <p:cNvSpPr txBox="1"/>
+          <p:nvPr/>
+        </p:nvSpPr>
+        <p:spPr>
+          <a:xfrm>
+            <a:off x="4361227" y="1335134"/>
+            <a:ext cx="1114236" cy="430887"/>
+          </a:xfrm>
+          <a:prstGeom prst="rect">
+            <a:avLst/>
+          </a:prstGeom>
+          <a:noFill/>
+        </p:spPr>
+        <p:txBody>
+          <a:bodyPr wrap="square" rtlCol="0">
+            <a:spAutoFit/>
+          </a:bodyPr>
+          <a:lstStyle/>
+          <a:p>
+            <a:pPr algn="ctr"/>
+            <a:r>
+              <a:rPr lang="en-US" sz="1100" dirty="0"/>
+              <a:t>Paste To Fill Slide</a:t>
+            </a:r>
+            <a:endParaRPr lang="en-SG" sz="1100" dirty="0"/>
+          </a:p>
+        </p:txBody>
+      </p:sp>
+      <p:sp>
+        <p:nvSpPr>
+          <p:cNvPr id="45" name="Rectangle 44"/>
+          <p:cNvSpPr/>
+          <p:nvPr/>
+        </p:nvSpPr>
+        <p:spPr>
+          <a:xfrm rot="10800000">
+            <a:off x="4614893" y="734062"/>
+            <a:ext cx="549071" cy="549822"/>
+          </a:xfrm>
+          <a:prstGeom prst="rect">
+            <a:avLst/>
+          </a:prstGeom>
+          <a:solidFill>
+            <a:schemeClr val="bg2">
+              <a:lumMod val="75000"/>
+            </a:schemeClr>
+          </a:solidFill>
+          <a:ln>
+            <a:noFill/>
+          </a:ln>
+        </p:spPr>
+        <p:style>
+          <a:lnRef idx="2">
+            <a:schemeClr val="accent1">
+              <a:shade val="50000"/>
+            </a:schemeClr>
+          </a:lnRef>
+          <a:fillRef idx="1">
+            <a:schemeClr val="accent1"/>
+          </a:fillRef>
+          <a:effectRef idx="0">
+            <a:schemeClr val="accent1"/>
+          </a:effectRef>
+          <a:fontRef idx="minor">
+            <a:schemeClr val="lt1"/>
+          </a:fontRef>
+        </p:style>
+        <p:txBody>
+          <a:bodyPr wrap="none" lIns="0" tIns="0" rIns="0" bIns="0" rtlCol="0" anchor="ctr"/>
+          <a:lstStyle/>
+          <a:p>
+            <a:pPr algn="ctr"/>
+            <a:endParaRPr lang="en-US" b="1"/>
+          </a:p>
+        </p:txBody>
+      </p:sp>
+      <p:sp>
+        <p:nvSpPr>
+          <p:cNvPr id="46" name="Rectangle 45"/>
+          <p:cNvSpPr/>
+          <p:nvPr/>
+        </p:nvSpPr>
+        <p:spPr>
+          <a:xfrm>
+            <a:off x="4626794" y="802215"/>
+            <a:ext cx="514597" cy="419689"/>
+          </a:xfrm>
+          <a:prstGeom prst="rect">
+            <a:avLst/>
+          </a:prstGeom>
+          <a:solidFill>
+            <a:srgbClr val="0070C0"/>
+          </a:solidFill>
+          <a:ln>
+            <a:solidFill>
+              <a:srgbClr val="0070C0"/>
+            </a:solidFill>
+          </a:ln>
+        </p:spPr>
+        <p:style>
+          <a:lnRef idx="2">
+            <a:schemeClr val="accent1">
+              <a:shade val="50000"/>
+            </a:schemeClr>
+          </a:lnRef>
+          <a:fillRef idx="1">
+            <a:schemeClr val="accent1"/>
+          </a:fillRef>
+          <a:effectRef idx="0">
+            <a:schemeClr val="accent1"/>
+          </a:effectRef>
+          <a:fontRef idx="minor">
+            <a:schemeClr val="lt1"/>
+          </a:fontRef>
+        </p:style>
+        <p:txBody>
+          <a:bodyPr rtlCol="0" anchor="ctr"/>
+          <a:lstStyle/>
+          <a:p>
+            <a:pPr algn="ctr"/>
+            <a:endParaRPr lang="en-US" dirty="0"/>
+          </a:p>
+        </p:txBody>
+      </p:sp>
+      <p:sp>
+        <p:nvSpPr>
+          <p:cNvPr id="47" name="Rectangle: Folded Corner 46"/>
+          <p:cNvSpPr/>
+          <p:nvPr/>
+        </p:nvSpPr>
+        <p:spPr>
+          <a:xfrm rot="10800000" flipH="1">
+            <a:off x="4835930" y="930705"/>
+            <a:ext cx="277140" cy="338178"/>
+          </a:xfrm>
+          <a:prstGeom prst="foldedCorner">
+            <a:avLst>
+              <a:gd name="adj" fmla="val 44103"/>
+            </a:avLst>
+          </a:prstGeom>
+          <a:solidFill>
+            <a:schemeClr val="bg1"/>
+          </a:solidFill>
+          <a:ln>
+            <a:solidFill>
+              <a:srgbClr val="0070C0"/>
+            </a:solidFill>
+          </a:ln>
+        </p:spPr>
+        <p:style>
+          <a:lnRef idx="2">
+            <a:schemeClr val="accent1">
+              <a:shade val="50000"/>
+            </a:schemeClr>
+          </a:lnRef>
+          <a:fillRef idx="1">
+            <a:schemeClr val="accent1"/>
+          </a:fillRef>
+          <a:effectRef idx="0">
+            <a:schemeClr val="accent1"/>
+          </a:effectRef>
+          <a:fontRef idx="minor">
+            <a:schemeClr val="lt1"/>
+          </a:fontRef>
+        </p:style>
+        <p:txBody>
+          <a:bodyPr rtlCol="0" anchor="ctr"/>
+          <a:lstStyle/>
+          <a:p>
+            <a:pPr algn="ctr"/>
+            <a:endParaRPr lang="en-US" dirty="0"/>
+          </a:p>
+        </p:txBody>
+      </p:sp>
+      <p:grpSp>
+        <p:nvGrpSpPr>
+          <p:cNvPr id="49" name="Group 48"/>
+          <p:cNvGrpSpPr/>
+          <p:nvPr/>
+        </p:nvGrpSpPr>
+        <p:grpSpPr>
+          <a:xfrm>
+            <a:off x="759400" y="3031732"/>
+            <a:ext cx="343904" cy="458320"/>
+            <a:chOff x="4821567" y="919204"/>
+            <a:chExt cx="343904" cy="458320"/>
+          </a:xfrm>
+        </p:grpSpPr>
+        <p:sp>
+          <p:nvSpPr>
+            <p:cNvPr id="51" name="Rectangle 50"/>
+            <p:cNvSpPr/>
+            <p:nvPr/>
+          </p:nvSpPr>
+          <p:spPr>
+            <a:xfrm>
+              <a:off x="4821567" y="971454"/>
+              <a:ext cx="343904" cy="406070"/>
+            </a:xfrm>
+            <a:prstGeom prst="rect">
+              <a:avLst/>
+            </a:prstGeom>
+            <a:solidFill>
+              <a:srgbClr val="0070C0"/>
+            </a:solidFill>
+            <a:ln>
+              <a:noFill/>
+            </a:ln>
+          </p:spPr>
+          <p:style>
+            <a:lnRef idx="2">
+              <a:schemeClr val="accent1">
+                <a:shade val="50000"/>
+              </a:schemeClr>
+            </a:lnRef>
+            <a:fillRef idx="1">
+              <a:schemeClr val="accent1"/>
+            </a:fillRef>
+            <a:effectRef idx="0">
+              <a:schemeClr val="accent1"/>
+            </a:effectRef>
+            <a:fontRef idx="minor">
+              <a:schemeClr val="lt1"/>
+            </a:fontRef>
+          </p:style>
+          <p:txBody>
+            <a:bodyPr rtlCol="0" anchor="ctr"/>
+            <a:lstStyle/>
+            <a:p>
+              <a:pPr algn="ctr"/>
+              <a:endParaRPr lang="en-US" dirty="0"/>
+            </a:p>
+          </p:txBody>
+        </p:sp>
+        <p:sp>
+          <p:nvSpPr>
+            <p:cNvPr id="53" name="Rounded Rectangle 227"/>
+            <p:cNvSpPr/>
+            <p:nvPr/>
+          </p:nvSpPr>
+          <p:spPr>
+            <a:xfrm rot="10800000">
+              <a:off x="4879960" y="919204"/>
+              <a:ext cx="234247" cy="101171"/>
+            </a:xfrm>
+            <a:custGeom>
+              <a:avLst/>
+              <a:gdLst/>
+              <a:ahLst/>
+              <a:cxnLst/>
+              <a:rect l="l" t="t" r="r" b="b"/>
+              <a:pathLst>
+                <a:path w="286327" h="1000124">
+                  <a:moveTo>
+                    <a:pt x="2115" y="0"/>
+                  </a:moveTo>
+                  <a:lnTo>
+                    <a:pt x="284212" y="0"/>
+                  </a:lnTo>
+                  <a:cubicBezTo>
+                    <a:pt x="286188" y="3367"/>
+                    <a:pt x="286327" y="6905"/>
+                    <a:pt x="286327" y="10476"/>
+                  </a:cubicBezTo>
+                  <a:lnTo>
+                    <a:pt x="286327" y="712825"/>
+                  </a:lnTo>
+                  <a:cubicBezTo>
+                    <a:pt x="286327" y="772047"/>
+                    <a:pt x="247915" y="822299"/>
+                    <a:pt x="194109" y="838409"/>
+                  </a:cubicBezTo>
+                  <a:cubicBezTo>
+                    <a:pt x="194108" y="875332"/>
+                    <a:pt x="194108" y="912256"/>
+                    <a:pt x="194108" y="949179"/>
+                  </a:cubicBezTo>
+                  <a:cubicBezTo>
+                    <a:pt x="194108" y="977315"/>
+                    <a:pt x="171299" y="1000124"/>
+                    <a:pt x="143163" y="1000124"/>
+                  </a:cubicBezTo>
+                  <a:lnTo>
+                    <a:pt x="143164" y="1000123"/>
+                  </a:lnTo>
+                  <a:cubicBezTo>
+                    <a:pt x="115028" y="1000123"/>
+                    <a:pt x="92219" y="977314"/>
+                    <a:pt x="92219" y="949178"/>
+                  </a:cubicBezTo>
+                  <a:lnTo>
+                    <a:pt x="92219" y="838409"/>
+                  </a:lnTo>
+                  <a:cubicBezTo>
+                    <a:pt x="38413" y="822299"/>
+                    <a:pt x="0" y="772048"/>
+                    <a:pt x="0" y="712825"/>
+                  </a:cubicBezTo>
+                  <a:lnTo>
+                    <a:pt x="0" y="10476"/>
+                  </a:lnTo>
+                  <a:close/>
+                </a:path>
+              </a:pathLst>
+            </a:custGeom>
+            <a:solidFill>
+              <a:srgbClr val="0070C0"/>
+            </a:solidFill>
+            <a:ln w="19050">
+              <a:solidFill>
+                <a:schemeClr val="bg1"/>
+              </a:solidFill>
+            </a:ln>
+          </p:spPr>
+          <p:style>
+            <a:lnRef idx="2">
+              <a:schemeClr val="accent1">
+                <a:shade val="50000"/>
+              </a:schemeClr>
+            </a:lnRef>
+            <a:fillRef idx="1">
+              <a:schemeClr val="accent1"/>
+            </a:fillRef>
+            <a:effectRef idx="0">
+              <a:schemeClr val="accent1"/>
+            </a:effectRef>
+            <a:fontRef idx="minor">
+              <a:schemeClr val="lt1"/>
+            </a:fontRef>
+          </p:style>
+          <p:txBody>
+            <a:bodyPr rtlCol="0" anchor="ctr"/>
+            <a:lstStyle/>
+            <a:p>
+              <a:pPr algn="ctr"/>
+              <a:endParaRPr lang="en-SG"/>
+            </a:p>
+          </p:txBody>
+        </p:sp>
+      </p:grpSp>
+      <p:sp>
+        <p:nvSpPr>
+          <p:cNvPr id="60" name="Rectangle 59"/>
+          <p:cNvSpPr/>
+          <p:nvPr/>
+        </p:nvSpPr>
+        <p:spPr>
+          <a:xfrm>
+            <a:off x="856366" y="3244375"/>
+            <a:ext cx="429324" cy="305311"/>
+          </a:xfrm>
+          <a:prstGeom prst="rect">
+            <a:avLst/>
+          </a:prstGeom>
+          <a:solidFill>
+            <a:srgbClr val="0070C0"/>
+          </a:solidFill>
+          <a:ln w="19050">
+            <a:solidFill>
+              <a:schemeClr val="bg1"/>
+            </a:solidFill>
+          </a:ln>
+        </p:spPr>
+        <p:style>
+          <a:lnRef idx="2">
+            <a:schemeClr val="accent1">
+              <a:shade val="50000"/>
+            </a:schemeClr>
+          </a:lnRef>
+          <a:fillRef idx="1">
+            <a:schemeClr val="accent1"/>
+          </a:fillRef>
+          <a:effectRef idx="0">
+            <a:schemeClr val="accent1"/>
+          </a:effectRef>
+          <a:fontRef idx="minor">
+            <a:schemeClr val="lt1"/>
+          </a:fontRef>
+        </p:style>
+        <p:txBody>
+          <a:bodyPr rtlCol="0" anchor="ctr"/>
+          <a:lstStyle/>
+          <a:p>
+            <a:pPr algn="ctr"/>
+            <a:endParaRPr lang="en-US" dirty="0"/>
+          </a:p>
+        </p:txBody>
+      </p:sp>
+      <p:sp>
+        <p:nvSpPr>
+          <p:cNvPr id="62" name="Rectangle 61"/>
+          <p:cNvSpPr/>
+          <p:nvPr/>
+        </p:nvSpPr>
+        <p:spPr>
+          <a:xfrm rot="10800000">
+            <a:off x="1810624" y="3016576"/>
+            <a:ext cx="549071" cy="549822"/>
+          </a:xfrm>
+          <a:prstGeom prst="rect">
+            <a:avLst/>
+          </a:prstGeom>
+          <a:solidFill>
+            <a:schemeClr val="bg2">
+              <a:lumMod val="75000"/>
+            </a:schemeClr>
+          </a:solidFill>
+          <a:ln>
+            <a:noFill/>
+          </a:ln>
+        </p:spPr>
+        <p:style>
+          <a:lnRef idx="2">
+            <a:schemeClr val="accent1">
+              <a:shade val="50000"/>
+            </a:schemeClr>
+          </a:lnRef>
+          <a:fillRef idx="1">
+            <a:schemeClr val="accent1"/>
+          </a:fillRef>
+          <a:effectRef idx="0">
+            <a:schemeClr val="accent1"/>
+          </a:effectRef>
+          <a:fontRef idx="minor">
+            <a:schemeClr val="lt1"/>
+          </a:fontRef>
+        </p:style>
+        <p:txBody>
+          <a:bodyPr wrap="none" lIns="0" tIns="0" rIns="0" bIns="0" rtlCol="0" anchor="ctr"/>
+          <a:lstStyle/>
+          <a:p>
+            <a:pPr algn="ctr"/>
+            <a:endParaRPr lang="en-US" b="1"/>
+          </a:p>
+        </p:txBody>
+      </p:sp>
+      <p:grpSp>
+        <p:nvGrpSpPr>
+          <p:cNvPr id="63" name="Group 62"/>
+          <p:cNvGrpSpPr/>
+          <p:nvPr/>
+        </p:nvGrpSpPr>
+        <p:grpSpPr>
+          <a:xfrm>
+            <a:off x="1818187" y="3031732"/>
+            <a:ext cx="343904" cy="458320"/>
+            <a:chOff x="4821567" y="919204"/>
+            <a:chExt cx="343904" cy="458320"/>
+          </a:xfrm>
+        </p:grpSpPr>
+        <p:sp>
+          <p:nvSpPr>
+            <p:cNvPr id="64" name="Rectangle 63"/>
+            <p:cNvSpPr/>
+            <p:nvPr/>
+          </p:nvSpPr>
+          <p:spPr>
+            <a:xfrm>
+              <a:off x="4821567" y="971454"/>
+              <a:ext cx="343904" cy="406070"/>
+            </a:xfrm>
+            <a:prstGeom prst="rect">
+              <a:avLst/>
+            </a:prstGeom>
+            <a:solidFill>
+              <a:srgbClr val="0070C0"/>
+            </a:solidFill>
+            <a:ln>
+              <a:noFill/>
+            </a:ln>
+          </p:spPr>
+          <p:style>
+            <a:lnRef idx="2">
+              <a:schemeClr val="accent1">
+                <a:shade val="50000"/>
+              </a:schemeClr>
+            </a:lnRef>
+            <a:fillRef idx="1">
+              <a:schemeClr val="accent1"/>
+            </a:fillRef>
+            <a:effectRef idx="0">
+              <a:schemeClr val="accent1"/>
+            </a:effectRef>
+            <a:fontRef idx="minor">
+              <a:schemeClr val="lt1"/>
+            </a:fontRef>
+          </p:style>
+          <p:txBody>
+            <a:bodyPr rtlCol="0" anchor="ctr"/>
+            <a:lstStyle/>
+            <a:p>
+              <a:pPr algn="ctr"/>
+              <a:endParaRPr lang="en-US" dirty="0"/>
+            </a:p>
+          </p:txBody>
+        </p:sp>
+        <p:sp>
+          <p:nvSpPr>
+            <p:cNvPr id="65" name="Rounded Rectangle 227"/>
+            <p:cNvSpPr/>
+            <p:nvPr/>
+          </p:nvSpPr>
+          <p:spPr>
+            <a:xfrm rot="10800000">
+              <a:off x="4879960" y="919204"/>
+              <a:ext cx="234247" cy="101171"/>
+            </a:xfrm>
+            <a:custGeom>
+              <a:avLst/>
+              <a:gdLst/>
+              <a:ahLst/>
+              <a:cxnLst/>
+              <a:rect l="l" t="t" r="r" b="b"/>
+              <a:pathLst>
+                <a:path w="286327" h="1000124">
+                  <a:moveTo>
+                    <a:pt x="2115" y="0"/>
+                  </a:moveTo>
+                  <a:lnTo>
+                    <a:pt x="284212" y="0"/>
+                  </a:lnTo>
+                  <a:cubicBezTo>
+                    <a:pt x="286188" y="3367"/>
+                    <a:pt x="286327" y="6905"/>
+                    <a:pt x="286327" y="10476"/>
+                  </a:cubicBezTo>
+                  <a:lnTo>
+                    <a:pt x="286327" y="712825"/>
+                  </a:lnTo>
+                  <a:cubicBezTo>
+                    <a:pt x="286327" y="772047"/>
+                    <a:pt x="247915" y="822299"/>
+                    <a:pt x="194109" y="838409"/>
+                  </a:cubicBezTo>
+                  <a:cubicBezTo>
+                    <a:pt x="194108" y="875332"/>
+                    <a:pt x="194108" y="912256"/>
+                    <a:pt x="194108" y="949179"/>
+                  </a:cubicBezTo>
+                  <a:cubicBezTo>
+                    <a:pt x="194108" y="977315"/>
+                    <a:pt x="171299" y="1000124"/>
+                    <a:pt x="143163" y="1000124"/>
+                  </a:cubicBezTo>
+                  <a:lnTo>
+                    <a:pt x="143164" y="1000123"/>
+                  </a:lnTo>
+                  <a:cubicBezTo>
+                    <a:pt x="115028" y="1000123"/>
+                    <a:pt x="92219" y="977314"/>
+                    <a:pt x="92219" y="949178"/>
+                  </a:cubicBezTo>
+                  <a:lnTo>
+                    <a:pt x="92219" y="838409"/>
+                  </a:lnTo>
+                  <a:cubicBezTo>
+                    <a:pt x="38413" y="822299"/>
+                    <a:pt x="0" y="772048"/>
+                    <a:pt x="0" y="712825"/>
+                  </a:cubicBezTo>
+                  <a:lnTo>
+                    <a:pt x="0" y="10476"/>
+                  </a:lnTo>
+                  <a:close/>
+                </a:path>
+              </a:pathLst>
+            </a:custGeom>
+            <a:solidFill>
+              <a:srgbClr val="0070C0"/>
+            </a:solidFill>
+            <a:ln w="19050">
+              <a:solidFill>
+                <a:schemeClr val="bg1"/>
+              </a:solidFill>
+            </a:ln>
+          </p:spPr>
+          <p:style>
+            <a:lnRef idx="2">
+              <a:schemeClr val="accent1">
+                <a:shade val="50000"/>
+              </a:schemeClr>
+            </a:lnRef>
+            <a:fillRef idx="1">
+              <a:schemeClr val="accent1"/>
+            </a:fillRef>
+            <a:effectRef idx="0">
+              <a:schemeClr val="accent1"/>
+            </a:effectRef>
+            <a:fontRef idx="minor">
+              <a:schemeClr val="lt1"/>
+            </a:fontRef>
+          </p:style>
+          <p:txBody>
+            <a:bodyPr rtlCol="0" anchor="ctr"/>
+            <a:lstStyle/>
+            <a:p>
+              <a:pPr algn="ctr"/>
+              <a:endParaRPr lang="en-SG"/>
+            </a:p>
+          </p:txBody>
+        </p:sp>
+      </p:grpSp>
+      <p:sp>
+        <p:nvSpPr>
+          <p:cNvPr id="67" name="TextBox 66"/>
+          <p:cNvSpPr txBox="1"/>
+          <p:nvPr/>
+        </p:nvSpPr>
+        <p:spPr>
+          <a:xfrm>
+            <a:off x="4513627" y="2826285"/>
+            <a:ext cx="1114236" cy="430887"/>
+          </a:xfrm>
+          <a:prstGeom prst="rect">
+            <a:avLst/>
+          </a:prstGeom>
+          <a:noFill/>
+        </p:spPr>
+        <p:txBody>
+          <a:bodyPr wrap="square" rtlCol="0">
+            <a:spAutoFit/>
+          </a:bodyPr>
+          <a:lstStyle/>
+          <a:p>
+            <a:pPr algn="ctr"/>
+            <a:r>
+              <a:rPr lang="en-US" sz="1100" dirty="0"/>
+              <a:t>Paste To Fill Slide</a:t>
+            </a:r>
+            <a:endParaRPr lang="en-SG" sz="1100" dirty="0"/>
+          </a:p>
+        </p:txBody>
+      </p:sp>
+      <p:sp>
+        <p:nvSpPr>
+          <p:cNvPr id="70" name="Freeform: Shape 69"/>
+          <p:cNvSpPr/>
+          <p:nvPr/>
+        </p:nvSpPr>
+        <p:spPr>
+          <a:xfrm rot="20184335">
+            <a:off x="2028071" y="3172827"/>
+            <a:ext cx="275211" cy="377159"/>
+          </a:xfrm>
+          <a:custGeom>
+            <a:avLst/>
+            <a:gdLst>
+              <a:gd name="connsiteX0" fmla="*/ 340041 w 685923"/>
+              <a:gd name="connsiteY0" fmla="*/ 0 h 940011"/>
+              <a:gd name="connsiteX1" fmla="*/ 685923 w 685923"/>
+              <a:gd name="connsiteY1" fmla="*/ 772625 h 940011"/>
+              <a:gd name="connsiteX2" fmla="*/ 680032 w 685923"/>
+              <a:gd name="connsiteY2" fmla="*/ 772647 h 940011"/>
+              <a:gd name="connsiteX3" fmla="*/ 424252 w 685923"/>
+              <a:gd name="connsiteY3" fmla="*/ 660929 h 940011"/>
+              <a:gd name="connsiteX4" fmla="*/ 424252 w 685923"/>
+              <a:gd name="connsiteY4" fmla="*/ 940011 h 940011"/>
+              <a:gd name="connsiteX5" fmla="*/ 244190 w 685923"/>
+              <a:gd name="connsiteY5" fmla="*/ 940011 h 940011"/>
+              <a:gd name="connsiteX6" fmla="*/ 244190 w 685923"/>
+              <a:gd name="connsiteY6" fmla="*/ 641386 h 940011"/>
+              <a:gd name="connsiteX7" fmla="*/ 0 w 685923"/>
+              <a:gd name="connsiteY7" fmla="*/ 774637 h 940011"/>
+              <a:gd name="connsiteX8" fmla="*/ 244190 w 685923"/>
+              <a:gd name="connsiteY8" fmla="*/ 218355 h 940011"/>
+              <a:gd name="connsiteX9" fmla="*/ 244190 w 685923"/>
+              <a:gd name="connsiteY9" fmla="*/ 210957 h 940011"/>
+              <a:gd name="connsiteX10" fmla="*/ 247438 w 685923"/>
+              <a:gd name="connsiteY10" fmla="*/ 210957 h 940011"/>
+            </a:gdLst>
+            <a:ahLst/>
+            <a:cxnLst>
+              <a:cxn ang="0">
+                <a:pos x="connsiteX0" y="connsiteY0"/>
+              </a:cxn>
+              <a:cxn ang="0">
+                <a:pos x="connsiteX1" y="connsiteY1"/>
+              </a:cxn>
+              <a:cxn ang="0">
+                <a:pos x="connsiteX2" y="connsiteY2"/>
+              </a:cxn>
+              <a:cxn ang="0">
+                <a:pos x="connsiteX3" y="connsiteY3"/>
+              </a:cxn>
+              <a:cxn ang="0">
+                <a:pos x="connsiteX4" y="connsiteY4"/>
+              </a:cxn>
+              <a:cxn ang="0">
+                <a:pos x="connsiteX5" y="connsiteY5"/>
+              </a:cxn>
+              <a:cxn ang="0">
+                <a:pos x="connsiteX6" y="connsiteY6"/>
+              </a:cxn>
+              <a:cxn ang="0">
+                <a:pos x="connsiteX7" y="connsiteY7"/>
+              </a:cxn>
+              <a:cxn ang="0">
+                <a:pos x="connsiteX8" y="connsiteY8"/>
+              </a:cxn>
+              <a:cxn ang="0">
+                <a:pos x="connsiteX9" y="connsiteY9"/>
+              </a:cxn>
+              <a:cxn ang="0">
+                <a:pos x="connsiteX10" y="connsiteY10"/>
+              </a:cxn>
+            </a:cxnLst>
+            <a:rect l="l" t="t" r="r" b="b"/>
+            <a:pathLst>
+              <a:path w="685923" h="940011">
+                <a:moveTo>
+                  <a:pt x="340041" y="0"/>
+                </a:moveTo>
+                <a:lnTo>
+                  <a:pt x="685923" y="772625"/>
+                </a:lnTo>
+                <a:lnTo>
+                  <a:pt x="680032" y="772647"/>
+                </a:lnTo>
+                <a:lnTo>
+                  <a:pt x="424252" y="660929"/>
+                </a:lnTo>
+                <a:lnTo>
+                  <a:pt x="424252" y="940011"/>
+                </a:lnTo>
+                <a:lnTo>
+                  <a:pt x="244190" y="940011"/>
+                </a:lnTo>
+                <a:lnTo>
+                  <a:pt x="244190" y="641386"/>
+                </a:lnTo>
+                <a:lnTo>
+                  <a:pt x="0" y="774637"/>
+                </a:lnTo>
+                <a:lnTo>
+                  <a:pt x="244190" y="218355"/>
+                </a:lnTo>
+                <a:lnTo>
+                  <a:pt x="244190" y="210957"/>
+                </a:lnTo>
+                <a:lnTo>
+                  <a:pt x="247438" y="210957"/>
+                </a:lnTo>
+                <a:close/>
+              </a:path>
+            </a:pathLst>
+          </a:custGeom>
+          <a:solidFill>
+            <a:srgbClr val="0070C0"/>
+          </a:solidFill>
+          <a:ln w="19050">
+            <a:solidFill>
+              <a:schemeClr val="bg1"/>
+            </a:solidFill>
+          </a:ln>
+        </p:spPr>
+        <p:style>
+          <a:lnRef idx="2">
+            <a:schemeClr val="accent1">
+              <a:shade val="50000"/>
+            </a:schemeClr>
+          </a:lnRef>
+          <a:fillRef idx="1">
+            <a:schemeClr val="accent1"/>
+          </a:fillRef>
+          <a:effectRef idx="0">
+            <a:schemeClr val="accent1"/>
+          </a:effectRef>
+          <a:fontRef idx="minor">
+            <a:schemeClr val="lt1"/>
+          </a:fontRef>
+        </p:style>
+        <p:txBody>
+          <a:bodyPr rtlCol="0" anchor="ctr"/>
+          <a:lstStyle/>
+          <a:p>
+            <a:pPr algn="ctr"/>
+            <a:endParaRPr lang="en-US" dirty="0"/>
+          </a:p>
+        </p:txBody>
+      </p:sp>
+      <p:sp>
+        <p:nvSpPr>
+          <p:cNvPr id="100" name="Rectangle 99"/>
+          <p:cNvSpPr/>
+          <p:nvPr/>
+        </p:nvSpPr>
+        <p:spPr>
+          <a:xfrm rot="10800000">
+            <a:off x="721065" y="4396018"/>
+            <a:ext cx="549071" cy="549822"/>
+          </a:xfrm>
+          <a:prstGeom prst="rect">
+            <a:avLst/>
+          </a:prstGeom>
+          <a:solidFill>
+            <a:schemeClr val="bg2">
+              <a:lumMod val="75000"/>
+            </a:schemeClr>
+          </a:solidFill>
+          <a:ln>
+            <a:noFill/>
+          </a:ln>
+        </p:spPr>
+        <p:style>
+          <a:lnRef idx="2">
+            <a:schemeClr val="accent1">
+              <a:shade val="50000"/>
+            </a:schemeClr>
+          </a:lnRef>
+          <a:fillRef idx="1">
+            <a:schemeClr val="accent1"/>
+          </a:fillRef>
+          <a:effectRef idx="0">
+            <a:schemeClr val="accent1"/>
+          </a:effectRef>
+          <a:fontRef idx="minor">
+            <a:schemeClr val="lt1"/>
+          </a:fontRef>
+        </p:style>
+        <p:txBody>
+          <a:bodyPr wrap="none" lIns="0" tIns="0" rIns="0" bIns="0" rtlCol="0" anchor="ctr"/>
+          <a:lstStyle/>
+          <a:p>
+            <a:pPr algn="ctr"/>
+            <a:endParaRPr lang="en-US" b="1"/>
+          </a:p>
+        </p:txBody>
+      </p:sp>
+      <p:grpSp>
+        <p:nvGrpSpPr>
+          <p:cNvPr id="101" name="Group 100"/>
+          <p:cNvGrpSpPr/>
+          <p:nvPr/>
+        </p:nvGrpSpPr>
+        <p:grpSpPr>
+          <a:xfrm>
+            <a:off x="728628" y="4411174"/>
+            <a:ext cx="343904" cy="458320"/>
+            <a:chOff x="4821567" y="919204"/>
+            <a:chExt cx="343904" cy="458320"/>
+          </a:xfrm>
+        </p:grpSpPr>
+        <p:sp>
+          <p:nvSpPr>
+            <p:cNvPr id="102" name="Rectangle 101"/>
+            <p:cNvSpPr/>
+            <p:nvPr/>
+          </p:nvSpPr>
+          <p:spPr>
+            <a:xfrm>
+              <a:off x="4821567" y="971454"/>
+              <a:ext cx="343904" cy="406070"/>
+            </a:xfrm>
+            <a:prstGeom prst="rect">
+              <a:avLst/>
+            </a:prstGeom>
+            <a:solidFill>
+              <a:srgbClr val="0070C0"/>
+            </a:solidFill>
+            <a:ln>
+              <a:noFill/>
+            </a:ln>
+          </p:spPr>
+          <p:style>
+            <a:lnRef idx="2">
+              <a:schemeClr val="accent1">
+                <a:shade val="50000"/>
+              </a:schemeClr>
+            </a:lnRef>
+            <a:fillRef idx="1">
+              <a:schemeClr val="accent1"/>
+            </a:fillRef>
+            <a:effectRef idx="0">
+              <a:schemeClr val="accent1"/>
+            </a:effectRef>
+            <a:fontRef idx="minor">
+              <a:schemeClr val="lt1"/>
+            </a:fontRef>
+          </p:style>
+          <p:txBody>
+            <a:bodyPr rtlCol="0" anchor="ctr"/>
+            <a:lstStyle/>
+            <a:p>
+              <a:pPr algn="ctr"/>
+              <a:endParaRPr lang="en-US" dirty="0"/>
+            </a:p>
+          </p:txBody>
+        </p:sp>
+        <p:sp>
+          <p:nvSpPr>
+            <p:cNvPr id="103" name="Rounded Rectangle 227"/>
+            <p:cNvSpPr/>
+            <p:nvPr/>
+          </p:nvSpPr>
+          <p:spPr>
+            <a:xfrm rot="10800000">
+              <a:off x="4879960" y="919204"/>
+              <a:ext cx="234247" cy="101171"/>
+            </a:xfrm>
+            <a:custGeom>
+              <a:avLst/>
+              <a:gdLst/>
+              <a:ahLst/>
+              <a:cxnLst/>
+              <a:rect l="l" t="t" r="r" b="b"/>
+              <a:pathLst>
+                <a:path w="286327" h="1000124">
+                  <a:moveTo>
+                    <a:pt x="2115" y="0"/>
+                  </a:moveTo>
+                  <a:lnTo>
+                    <a:pt x="284212" y="0"/>
+                  </a:lnTo>
+                  <a:cubicBezTo>
+                    <a:pt x="286188" y="3367"/>
+                    <a:pt x="286327" y="6905"/>
+                    <a:pt x="286327" y="10476"/>
+                  </a:cubicBezTo>
+                  <a:lnTo>
+                    <a:pt x="286327" y="712825"/>
+                  </a:lnTo>
+                  <a:cubicBezTo>
+                    <a:pt x="286327" y="772047"/>
+                    <a:pt x="247915" y="822299"/>
+                    <a:pt x="194109" y="838409"/>
+                  </a:cubicBezTo>
+                  <a:cubicBezTo>
+                    <a:pt x="194108" y="875332"/>
+                    <a:pt x="194108" y="912256"/>
+                    <a:pt x="194108" y="949179"/>
+                  </a:cubicBezTo>
+                  <a:cubicBezTo>
+                    <a:pt x="194108" y="977315"/>
+                    <a:pt x="171299" y="1000124"/>
+                    <a:pt x="143163" y="1000124"/>
+                  </a:cubicBezTo>
+                  <a:lnTo>
+                    <a:pt x="143164" y="1000123"/>
+                  </a:lnTo>
+                  <a:cubicBezTo>
+                    <a:pt x="115028" y="1000123"/>
+                    <a:pt x="92219" y="977314"/>
+                    <a:pt x="92219" y="949178"/>
+                  </a:cubicBezTo>
+                  <a:lnTo>
+                    <a:pt x="92219" y="838409"/>
+                  </a:lnTo>
+                  <a:cubicBezTo>
+                    <a:pt x="38413" y="822299"/>
+                    <a:pt x="0" y="772048"/>
+                    <a:pt x="0" y="712825"/>
+                  </a:cubicBezTo>
+                  <a:lnTo>
+                    <a:pt x="0" y="10476"/>
+                  </a:lnTo>
+                  <a:close/>
+                </a:path>
+              </a:pathLst>
+            </a:custGeom>
+            <a:solidFill>
+              <a:srgbClr val="0070C0"/>
+            </a:solidFill>
+            <a:ln w="19050">
+              <a:solidFill>
+                <a:schemeClr val="bg1"/>
+              </a:solidFill>
+            </a:ln>
+          </p:spPr>
+          <p:style>
+            <a:lnRef idx="2">
+              <a:schemeClr val="accent1">
+                <a:shade val="50000"/>
+              </a:schemeClr>
+            </a:lnRef>
+            <a:fillRef idx="1">
+              <a:schemeClr val="accent1"/>
+            </a:fillRef>
+            <a:effectRef idx="0">
+              <a:schemeClr val="accent1"/>
+            </a:effectRef>
+            <a:fontRef idx="minor">
+              <a:schemeClr val="lt1"/>
+            </a:fontRef>
+          </p:style>
+          <p:txBody>
+            <a:bodyPr rtlCol="0" anchor="ctr"/>
+            <a:lstStyle/>
+            <a:p>
+              <a:pPr algn="ctr"/>
+              <a:endParaRPr lang="en-SG"/>
+            </a:p>
+          </p:txBody>
+        </p:sp>
+      </p:grpSp>
+      <p:sp>
+        <p:nvSpPr>
+          <p:cNvPr id="107" name="Oval 106"/>
+          <p:cNvSpPr/>
+          <p:nvPr/>
+        </p:nvSpPr>
+        <p:spPr>
+          <a:xfrm>
+            <a:off x="907649" y="4579751"/>
+            <a:ext cx="336754" cy="336754"/>
+          </a:xfrm>
+          <a:prstGeom prst="ellipse">
+            <a:avLst/>
+          </a:prstGeom>
+          <a:solidFill>
+            <a:srgbClr val="0070C0"/>
+          </a:solidFill>
+          <a:ln>
+            <a:solidFill>
+              <a:schemeClr val="bg1"/>
+            </a:solidFill>
+            <a:prstDash val="sysDot"/>
+          </a:ln>
+        </p:spPr>
+        <p:style>
+          <a:lnRef idx="2">
+            <a:schemeClr val="accent1">
+              <a:shade val="50000"/>
+            </a:schemeClr>
+          </a:lnRef>
+          <a:fillRef idx="1">
+            <a:schemeClr val="accent1"/>
+          </a:fillRef>
+          <a:effectRef idx="0">
+            <a:schemeClr val="accent1"/>
+          </a:effectRef>
+          <a:fontRef idx="minor">
+            <a:schemeClr val="lt1"/>
+          </a:fontRef>
+        </p:style>
+        <p:txBody>
+          <a:bodyPr rtlCol="0" anchor="ctr"/>
+          <a:lstStyle/>
+          <a:p>
+            <a:pPr algn="ctr"/>
+            <a:endParaRPr lang="en-US"/>
+          </a:p>
+        </p:txBody>
+      </p:sp>
+      <p:sp>
+        <p:nvSpPr>
+          <p:cNvPr id="108" name="TextBox 107"/>
+          <p:cNvSpPr txBox="1"/>
+          <p:nvPr/>
+        </p:nvSpPr>
+        <p:spPr>
+          <a:xfrm>
+            <a:off x="1528041" y="3602314"/>
+            <a:ext cx="1114236" cy="430887"/>
+          </a:xfrm>
+          <a:prstGeom prst="rect">
+            <a:avLst/>
+          </a:prstGeom>
+          <a:noFill/>
+        </p:spPr>
+        <p:txBody>
+          <a:bodyPr wrap="square" rtlCol="0">
+            <a:spAutoFit/>
+          </a:bodyPr>
+          <a:lstStyle/>
+          <a:p>
+            <a:pPr algn="ctr"/>
+            <a:r>
+              <a:rPr lang="en-US" sz="1100" dirty="0"/>
+              <a:t>Paste At Cursor Position</a:t>
+            </a:r>
+            <a:endParaRPr lang="en-SG" sz="1100" dirty="0"/>
+          </a:p>
+        </p:txBody>
+      </p:sp>
+      <p:sp>
+        <p:nvSpPr>
+          <p:cNvPr id="110" name="TextBox 109"/>
+          <p:cNvSpPr txBox="1"/>
+          <p:nvPr/>
+        </p:nvSpPr>
+        <p:spPr>
+          <a:xfrm>
+            <a:off x="2458236" y="3594417"/>
+            <a:ext cx="1114236" cy="430887"/>
+          </a:xfrm>
+          <a:prstGeom prst="rect">
+            <a:avLst/>
+          </a:prstGeom>
+          <a:noFill/>
+        </p:spPr>
+        <p:txBody>
+          <a:bodyPr wrap="square" rtlCol="0">
+            <a:spAutoFit/>
+          </a:bodyPr>
+          <a:lstStyle/>
+          <a:p>
+            <a:pPr algn="ctr"/>
+            <a:r>
+              <a:rPr lang="en-US" sz="1100" dirty="0"/>
+              <a:t>Paste At Original Position</a:t>
+            </a:r>
+            <a:endParaRPr lang="en-SG" sz="1100" dirty="0"/>
+          </a:p>
+        </p:txBody>
+      </p:sp>
+      <p:sp>
+        <p:nvSpPr>
+          <p:cNvPr id="111" name="TextBox 110"/>
+          <p:cNvSpPr txBox="1"/>
+          <p:nvPr/>
+        </p:nvSpPr>
+        <p:spPr>
+          <a:xfrm>
+            <a:off x="448147" y="4992502"/>
+            <a:ext cx="1114236" cy="430887"/>
+          </a:xfrm>
+          <a:prstGeom prst="rect">
+            <a:avLst/>
+          </a:prstGeom>
+          <a:noFill/>
+        </p:spPr>
+        <p:txBody>
+          <a:bodyPr wrap="square" rtlCol="0">
+            <a:spAutoFit/>
+          </a:bodyPr>
+          <a:lstStyle/>
+          <a:p>
+            <a:pPr algn="ctr"/>
+            <a:r>
+              <a:rPr lang="en-US" sz="1100" dirty="0"/>
+              <a:t>Replace With Clipboard</a:t>
+            </a:r>
+            <a:endParaRPr lang="en-SG" sz="1100" dirty="0"/>
+          </a:p>
+        </p:txBody>
+      </p:sp>
+      <p:sp>
+        <p:nvSpPr>
+          <p:cNvPr id="112" name="Rectangle 111"/>
+          <p:cNvSpPr/>
+          <p:nvPr/>
+        </p:nvSpPr>
+        <p:spPr>
+          <a:xfrm rot="10800000">
+            <a:off x="1852035" y="4407746"/>
+            <a:ext cx="549071" cy="549822"/>
+          </a:xfrm>
+          <a:prstGeom prst="rect">
+            <a:avLst/>
+          </a:prstGeom>
+          <a:solidFill>
+            <a:schemeClr val="bg2">
+              <a:lumMod val="75000"/>
+            </a:schemeClr>
+          </a:solidFill>
+          <a:ln>
+            <a:noFill/>
+          </a:ln>
+        </p:spPr>
+        <p:style>
+          <a:lnRef idx="2">
+            <a:schemeClr val="accent1">
+              <a:shade val="50000"/>
+            </a:schemeClr>
+          </a:lnRef>
+          <a:fillRef idx="1">
+            <a:schemeClr val="accent1"/>
+          </a:fillRef>
+          <a:effectRef idx="0">
+            <a:schemeClr val="accent1"/>
+          </a:effectRef>
+          <a:fontRef idx="minor">
+            <a:schemeClr val="lt1"/>
+          </a:fontRef>
+        </p:style>
+        <p:txBody>
+          <a:bodyPr wrap="none" lIns="0" tIns="0" rIns="0" bIns="0" rtlCol="0" anchor="ctr"/>
+          <a:lstStyle/>
+          <a:p>
+            <a:pPr algn="ctr"/>
+            <a:endParaRPr lang="en-US" b="1"/>
+          </a:p>
+        </p:txBody>
+      </p:sp>
+      <p:grpSp>
+        <p:nvGrpSpPr>
+          <p:cNvPr id="113" name="Group 112"/>
+          <p:cNvGrpSpPr/>
+          <p:nvPr/>
+        </p:nvGrpSpPr>
+        <p:grpSpPr>
+          <a:xfrm>
+            <a:off x="1859598" y="4422902"/>
+            <a:ext cx="343904" cy="458320"/>
+            <a:chOff x="4821567" y="919204"/>
+            <a:chExt cx="343904" cy="458320"/>
+          </a:xfrm>
+        </p:grpSpPr>
+        <p:sp>
+          <p:nvSpPr>
+            <p:cNvPr id="115" name="Rectangle 114"/>
+            <p:cNvSpPr/>
+            <p:nvPr/>
+          </p:nvSpPr>
+          <p:spPr>
+            <a:xfrm>
+              <a:off x="4821567" y="971454"/>
+              <a:ext cx="343904" cy="406070"/>
+            </a:xfrm>
+            <a:prstGeom prst="rect">
+              <a:avLst/>
+            </a:prstGeom>
+            <a:solidFill>
+              <a:srgbClr val="0070C0"/>
+            </a:solidFill>
+            <a:ln>
+              <a:noFill/>
+            </a:ln>
+          </p:spPr>
+          <p:style>
+            <a:lnRef idx="2">
+              <a:schemeClr val="accent1">
+                <a:shade val="50000"/>
+              </a:schemeClr>
+            </a:lnRef>
+            <a:fillRef idx="1">
+              <a:schemeClr val="accent1"/>
+            </a:fillRef>
+            <a:effectRef idx="0">
+              <a:schemeClr val="accent1"/>
+            </a:effectRef>
+            <a:fontRef idx="minor">
+              <a:schemeClr val="lt1"/>
+            </a:fontRef>
+          </p:style>
+          <p:txBody>
+            <a:bodyPr rtlCol="0" anchor="ctr"/>
+            <a:lstStyle/>
+            <a:p>
+              <a:pPr algn="ctr"/>
+              <a:endParaRPr lang="en-US" dirty="0"/>
+            </a:p>
+          </p:txBody>
+        </p:sp>
+        <p:sp>
+          <p:nvSpPr>
+            <p:cNvPr id="117" name="Rounded Rectangle 227"/>
+            <p:cNvSpPr/>
+            <p:nvPr/>
+          </p:nvSpPr>
+          <p:spPr>
+            <a:xfrm rot="10800000">
+              <a:off x="4879960" y="919204"/>
+              <a:ext cx="234247" cy="101171"/>
+            </a:xfrm>
+            <a:custGeom>
+              <a:avLst/>
+              <a:gdLst/>
+              <a:ahLst/>
+              <a:cxnLst/>
+              <a:rect l="l" t="t" r="r" b="b"/>
+              <a:pathLst>
+                <a:path w="286327" h="1000124">
+                  <a:moveTo>
+                    <a:pt x="2115" y="0"/>
+                  </a:moveTo>
+                  <a:lnTo>
+                    <a:pt x="284212" y="0"/>
+                  </a:lnTo>
+                  <a:cubicBezTo>
+                    <a:pt x="286188" y="3367"/>
+                    <a:pt x="286327" y="6905"/>
+                    <a:pt x="286327" y="10476"/>
+                  </a:cubicBezTo>
+                  <a:lnTo>
+                    <a:pt x="286327" y="712825"/>
+                  </a:lnTo>
+                  <a:cubicBezTo>
+                    <a:pt x="286327" y="772047"/>
+                    <a:pt x="247915" y="822299"/>
+                    <a:pt x="194109" y="838409"/>
+                  </a:cubicBezTo>
+                  <a:cubicBezTo>
+                    <a:pt x="194108" y="875332"/>
+                    <a:pt x="194108" y="912256"/>
+                    <a:pt x="194108" y="949179"/>
+                  </a:cubicBezTo>
+                  <a:cubicBezTo>
+                    <a:pt x="194108" y="977315"/>
+                    <a:pt x="171299" y="1000124"/>
+                    <a:pt x="143163" y="1000124"/>
+                  </a:cubicBezTo>
+                  <a:lnTo>
+                    <a:pt x="143164" y="1000123"/>
+                  </a:lnTo>
+                  <a:cubicBezTo>
+                    <a:pt x="115028" y="1000123"/>
+                    <a:pt x="92219" y="977314"/>
+                    <a:pt x="92219" y="949178"/>
+                  </a:cubicBezTo>
+                  <a:lnTo>
+                    <a:pt x="92219" y="838409"/>
+                  </a:lnTo>
+                  <a:cubicBezTo>
+                    <a:pt x="38413" y="822299"/>
+                    <a:pt x="0" y="772048"/>
+                    <a:pt x="0" y="712825"/>
+                  </a:cubicBezTo>
+                  <a:lnTo>
+                    <a:pt x="0" y="10476"/>
+                  </a:lnTo>
+                  <a:close/>
+                </a:path>
+              </a:pathLst>
+            </a:custGeom>
+            <a:solidFill>
+              <a:srgbClr val="0070C0"/>
+            </a:solidFill>
+            <a:ln w="19050">
+              <a:solidFill>
+                <a:schemeClr val="bg1"/>
+              </a:solidFill>
+            </a:ln>
+          </p:spPr>
+          <p:style>
+            <a:lnRef idx="2">
+              <a:schemeClr val="accent1">
+                <a:shade val="50000"/>
+              </a:schemeClr>
+            </a:lnRef>
+            <a:fillRef idx="1">
+              <a:schemeClr val="accent1"/>
+            </a:fillRef>
+            <a:effectRef idx="0">
+              <a:schemeClr val="accent1"/>
+            </a:effectRef>
+            <a:fontRef idx="minor">
+              <a:schemeClr val="lt1"/>
+            </a:fontRef>
+          </p:style>
+          <p:txBody>
+            <a:bodyPr rtlCol="0" anchor="ctr"/>
+            <a:lstStyle/>
+            <a:p>
+              <a:pPr algn="ctr"/>
+              <a:endParaRPr lang="en-SG"/>
+            </a:p>
+          </p:txBody>
+        </p:sp>
+      </p:grpSp>
+      <p:grpSp>
+        <p:nvGrpSpPr>
+          <p:cNvPr id="131" name="Group 130"/>
+          <p:cNvGrpSpPr/>
+          <p:nvPr/>
+        </p:nvGrpSpPr>
+        <p:grpSpPr>
+          <a:xfrm>
+            <a:off x="2021107" y="4579540"/>
+            <a:ext cx="368987" cy="366300"/>
+            <a:chOff x="2764335" y="1431261"/>
+            <a:chExt cx="445962" cy="442713"/>
+          </a:xfrm>
+          <a:solidFill>
+            <a:srgbClr val="0070C0"/>
+          </a:solidFill>
+        </p:grpSpPr>
+        <p:sp>
+          <p:nvSpPr>
+            <p:cNvPr id="132" name="Rectangle 131"/>
+            <p:cNvSpPr/>
+            <p:nvPr/>
+          </p:nvSpPr>
+          <p:spPr>
+            <a:xfrm>
+              <a:off x="2764335" y="1431283"/>
+              <a:ext cx="212942" cy="212942"/>
+            </a:xfrm>
+            <a:prstGeom prst="rect">
+              <a:avLst/>
+            </a:prstGeom>
+            <a:grpFill/>
+            <a:ln w="19050">
+              <a:solidFill>
+                <a:schemeClr val="bg1"/>
+              </a:solidFill>
+            </a:ln>
+          </p:spPr>
+          <p:style>
+            <a:lnRef idx="2">
+              <a:schemeClr val="accent1">
+                <a:shade val="50000"/>
+              </a:schemeClr>
+            </a:lnRef>
+            <a:fillRef idx="1">
+              <a:schemeClr val="accent1"/>
+            </a:fillRef>
+            <a:effectRef idx="0">
+              <a:schemeClr val="accent1"/>
+            </a:effectRef>
+            <a:fontRef idx="minor">
+              <a:schemeClr val="lt1"/>
+            </a:fontRef>
+          </p:style>
+          <p:txBody>
+            <a:bodyPr rtlCol="0" anchor="ctr"/>
+            <a:lstStyle/>
+            <a:p>
+              <a:pPr algn="ctr"/>
+              <a:endParaRPr lang="en-US"/>
+            </a:p>
+          </p:txBody>
+        </p:sp>
+        <p:sp>
+          <p:nvSpPr>
+            <p:cNvPr id="140" name="Rectangle 139"/>
+            <p:cNvSpPr/>
+            <p:nvPr/>
+          </p:nvSpPr>
+          <p:spPr>
+            <a:xfrm>
+              <a:off x="2765652" y="1641480"/>
+              <a:ext cx="212942" cy="212942"/>
+            </a:xfrm>
+            <a:prstGeom prst="rect">
+              <a:avLst/>
+            </a:prstGeom>
+            <a:grpFill/>
+            <a:ln w="19050">
+              <a:solidFill>
+                <a:schemeClr val="bg1"/>
+              </a:solidFill>
+            </a:ln>
+          </p:spPr>
+          <p:style>
+            <a:lnRef idx="2">
+              <a:schemeClr val="accent1">
+                <a:shade val="50000"/>
+              </a:schemeClr>
+            </a:lnRef>
+            <a:fillRef idx="1">
+              <a:schemeClr val="accent1"/>
+            </a:fillRef>
+            <a:effectRef idx="0">
+              <a:schemeClr val="accent1"/>
+            </a:effectRef>
+            <a:fontRef idx="minor">
+              <a:schemeClr val="lt1"/>
+            </a:fontRef>
+          </p:style>
+          <p:txBody>
+            <a:bodyPr rtlCol="0" anchor="ctr"/>
+            <a:lstStyle/>
+            <a:p>
+              <a:pPr algn="ctr"/>
+              <a:endParaRPr lang="en-US"/>
+            </a:p>
+          </p:txBody>
+        </p:sp>
+        <p:sp>
+          <p:nvSpPr>
+            <p:cNvPr id="141" name="Rectangle 140"/>
+            <p:cNvSpPr/>
+            <p:nvPr/>
+          </p:nvSpPr>
+          <p:spPr>
+            <a:xfrm>
+              <a:off x="2979312" y="1431261"/>
+              <a:ext cx="212942" cy="212942"/>
+            </a:xfrm>
+            <a:prstGeom prst="rect">
+              <a:avLst/>
+            </a:prstGeom>
+            <a:grpFill/>
+            <a:ln w="19050">
+              <a:solidFill>
+                <a:schemeClr val="bg1"/>
+              </a:solidFill>
+            </a:ln>
+          </p:spPr>
+          <p:style>
+            <a:lnRef idx="2">
+              <a:schemeClr val="accent1">
+                <a:shade val="50000"/>
+              </a:schemeClr>
+            </a:lnRef>
+            <a:fillRef idx="1">
+              <a:schemeClr val="accent1"/>
+            </a:fillRef>
+            <a:effectRef idx="0">
+              <a:schemeClr val="accent1"/>
+            </a:effectRef>
+            <a:fontRef idx="minor">
+              <a:schemeClr val="lt1"/>
+            </a:fontRef>
+          </p:style>
+          <p:txBody>
+            <a:bodyPr rtlCol="0" anchor="ctr"/>
+            <a:lstStyle/>
+            <a:p>
+              <a:pPr algn="ctr"/>
+              <a:endParaRPr lang="en-US"/>
+            </a:p>
+          </p:txBody>
+        </p:sp>
+        <p:sp>
+          <p:nvSpPr>
+            <p:cNvPr id="142" name="Cross 141"/>
+            <p:cNvSpPr/>
+            <p:nvPr/>
+          </p:nvSpPr>
+          <p:spPr>
+            <a:xfrm>
+              <a:off x="3019069" y="1682747"/>
+              <a:ext cx="191228" cy="191227"/>
+            </a:xfrm>
+            <a:prstGeom prst="plus">
+              <a:avLst>
+                <a:gd name="adj" fmla="val 33338"/>
+              </a:avLst>
+            </a:prstGeom>
+            <a:grpFill/>
+            <a:ln w="19050">
+              <a:solidFill>
+                <a:schemeClr val="bg1"/>
+              </a:solidFill>
+            </a:ln>
+          </p:spPr>
+          <p:style>
+            <a:lnRef idx="2">
+              <a:schemeClr val="accent1">
+                <a:shade val="50000"/>
+              </a:schemeClr>
+            </a:lnRef>
+            <a:fillRef idx="1">
+              <a:schemeClr val="accent1"/>
+            </a:fillRef>
+            <a:effectRef idx="0">
+              <a:schemeClr val="accent1"/>
+            </a:effectRef>
+            <a:fontRef idx="minor">
+              <a:schemeClr val="lt1"/>
+            </a:fontRef>
+          </p:style>
+          <p:txBody>
+            <a:bodyPr rtlCol="0" anchor="ctr"/>
+            <a:lstStyle/>
+            <a:p>
+              <a:pPr algn="ctr"/>
+              <a:endParaRPr lang="en-US"/>
+            </a:p>
+          </p:txBody>
+        </p:sp>
+      </p:grpSp>
+      <p:sp>
+        <p:nvSpPr>
+          <p:cNvPr id="143" name="Rectangle 142"/>
+          <p:cNvSpPr/>
+          <p:nvPr/>
+        </p:nvSpPr>
+        <p:spPr>
+          <a:xfrm rot="10800000">
+            <a:off x="2784509" y="3016576"/>
+            <a:ext cx="549071" cy="549822"/>
+          </a:xfrm>
+          <a:prstGeom prst="rect">
+            <a:avLst/>
+          </a:prstGeom>
+          <a:solidFill>
+            <a:schemeClr val="bg2">
+              <a:lumMod val="75000"/>
+            </a:schemeClr>
+          </a:solidFill>
+          <a:ln>
+            <a:noFill/>
+          </a:ln>
+        </p:spPr>
+        <p:style>
+          <a:lnRef idx="2">
+            <a:schemeClr val="accent1">
+              <a:shade val="50000"/>
+            </a:schemeClr>
+          </a:lnRef>
+          <a:fillRef idx="1">
+            <a:schemeClr val="accent1"/>
+          </a:fillRef>
+          <a:effectRef idx="0">
+            <a:schemeClr val="accent1"/>
+          </a:effectRef>
+          <a:fontRef idx="minor">
+            <a:schemeClr val="lt1"/>
+          </a:fontRef>
+        </p:style>
+        <p:txBody>
+          <a:bodyPr wrap="none" lIns="0" tIns="0" rIns="0" bIns="0" rtlCol="0" anchor="ctr"/>
+          <a:lstStyle/>
+          <a:p>
+            <a:pPr algn="ctr"/>
+            <a:endParaRPr lang="en-US" b="1"/>
+          </a:p>
+        </p:txBody>
+      </p:sp>
+      <p:grpSp>
+        <p:nvGrpSpPr>
+          <p:cNvPr id="144" name="Group 143"/>
+          <p:cNvGrpSpPr/>
+          <p:nvPr/>
+        </p:nvGrpSpPr>
+        <p:grpSpPr>
+          <a:xfrm>
+            <a:off x="2792072" y="3031732"/>
+            <a:ext cx="343904" cy="458320"/>
+            <a:chOff x="4821567" y="919204"/>
+            <a:chExt cx="343904" cy="458320"/>
+          </a:xfrm>
+        </p:grpSpPr>
+        <p:sp>
+          <p:nvSpPr>
+            <p:cNvPr id="145" name="Rectangle 144"/>
+            <p:cNvSpPr/>
+            <p:nvPr/>
+          </p:nvSpPr>
+          <p:spPr>
+            <a:xfrm>
+              <a:off x="4821567" y="971454"/>
+              <a:ext cx="343904" cy="406070"/>
+            </a:xfrm>
+            <a:prstGeom prst="rect">
+              <a:avLst/>
+            </a:prstGeom>
+            <a:solidFill>
+              <a:srgbClr val="0070C0"/>
+            </a:solidFill>
+            <a:ln>
+              <a:noFill/>
+            </a:ln>
+          </p:spPr>
+          <p:style>
+            <a:lnRef idx="2">
+              <a:schemeClr val="accent1">
+                <a:shade val="50000"/>
+              </a:schemeClr>
+            </a:lnRef>
+            <a:fillRef idx="1">
+              <a:schemeClr val="accent1"/>
+            </a:fillRef>
+            <a:effectRef idx="0">
+              <a:schemeClr val="accent1"/>
+            </a:effectRef>
+            <a:fontRef idx="minor">
+              <a:schemeClr val="lt1"/>
+            </a:fontRef>
+          </p:style>
+          <p:txBody>
+            <a:bodyPr rtlCol="0" anchor="ctr"/>
+            <a:lstStyle/>
+            <a:p>
+              <a:pPr algn="ctr"/>
+              <a:endParaRPr lang="en-US" dirty="0"/>
+            </a:p>
+          </p:txBody>
+        </p:sp>
+        <p:sp>
+          <p:nvSpPr>
+            <p:cNvPr id="146" name="Rounded Rectangle 227"/>
+            <p:cNvSpPr/>
+            <p:nvPr/>
+          </p:nvSpPr>
+          <p:spPr>
+            <a:xfrm rot="10800000">
+              <a:off x="4879960" y="919204"/>
+              <a:ext cx="234247" cy="101171"/>
+            </a:xfrm>
+            <a:custGeom>
+              <a:avLst/>
+              <a:gdLst/>
+              <a:ahLst/>
+              <a:cxnLst/>
+              <a:rect l="l" t="t" r="r" b="b"/>
+              <a:pathLst>
+                <a:path w="286327" h="1000124">
+                  <a:moveTo>
+                    <a:pt x="2115" y="0"/>
+                  </a:moveTo>
+                  <a:lnTo>
+                    <a:pt x="284212" y="0"/>
+                  </a:lnTo>
+                  <a:cubicBezTo>
+                    <a:pt x="286188" y="3367"/>
+                    <a:pt x="286327" y="6905"/>
+                    <a:pt x="286327" y="10476"/>
+                  </a:cubicBezTo>
+                  <a:lnTo>
+                    <a:pt x="286327" y="712825"/>
+                  </a:lnTo>
+                  <a:cubicBezTo>
+                    <a:pt x="286327" y="772047"/>
+                    <a:pt x="247915" y="822299"/>
+                    <a:pt x="194109" y="838409"/>
+                  </a:cubicBezTo>
+                  <a:cubicBezTo>
+                    <a:pt x="194108" y="875332"/>
+                    <a:pt x="194108" y="912256"/>
+                    <a:pt x="194108" y="949179"/>
+                  </a:cubicBezTo>
+                  <a:cubicBezTo>
+                    <a:pt x="194108" y="977315"/>
+                    <a:pt x="171299" y="1000124"/>
+                    <a:pt x="143163" y="1000124"/>
+                  </a:cubicBezTo>
+                  <a:lnTo>
+                    <a:pt x="143164" y="1000123"/>
+                  </a:lnTo>
+                  <a:cubicBezTo>
+                    <a:pt x="115028" y="1000123"/>
+                    <a:pt x="92219" y="977314"/>
+                    <a:pt x="92219" y="949178"/>
+                  </a:cubicBezTo>
+                  <a:lnTo>
+                    <a:pt x="92219" y="838409"/>
+                  </a:lnTo>
+                  <a:cubicBezTo>
+                    <a:pt x="38413" y="822299"/>
+                    <a:pt x="0" y="772048"/>
+                    <a:pt x="0" y="712825"/>
+                  </a:cubicBezTo>
+                  <a:lnTo>
+                    <a:pt x="0" y="10476"/>
+                  </a:lnTo>
+                  <a:close/>
+                </a:path>
+              </a:pathLst>
+            </a:custGeom>
+            <a:solidFill>
+              <a:srgbClr val="0070C0"/>
+            </a:solidFill>
+            <a:ln w="19050">
+              <a:solidFill>
+                <a:schemeClr val="bg1"/>
+              </a:solidFill>
+            </a:ln>
+          </p:spPr>
+          <p:style>
+            <a:lnRef idx="2">
+              <a:schemeClr val="accent1">
+                <a:shade val="50000"/>
+              </a:schemeClr>
+            </a:lnRef>
+            <a:fillRef idx="1">
+              <a:schemeClr val="accent1"/>
+            </a:fillRef>
+            <a:effectRef idx="0">
+              <a:schemeClr val="accent1"/>
+            </a:effectRef>
+            <a:fontRef idx="minor">
+              <a:schemeClr val="lt1"/>
+            </a:fontRef>
+          </p:style>
+          <p:txBody>
+            <a:bodyPr rtlCol="0" anchor="ctr"/>
+            <a:lstStyle/>
+            <a:p>
+              <a:pPr algn="ctr"/>
+              <a:endParaRPr lang="en-SG"/>
+            </a:p>
+          </p:txBody>
+        </p:sp>
+      </p:grpSp>
+      <p:sp>
+        <p:nvSpPr>
+          <p:cNvPr id="147" name="Rectangle: Folded Corner 146"/>
+          <p:cNvSpPr/>
+          <p:nvPr/>
+        </p:nvSpPr>
+        <p:spPr>
+          <a:xfrm rot="10800000" flipH="1">
+            <a:off x="3028896" y="3204124"/>
+            <a:ext cx="277140" cy="338178"/>
+          </a:xfrm>
+          <a:prstGeom prst="foldedCorner">
+            <a:avLst>
+              <a:gd name="adj" fmla="val 44103"/>
+            </a:avLst>
+          </a:prstGeom>
+          <a:solidFill>
+            <a:srgbClr val="0070C0"/>
+          </a:solidFill>
+          <a:ln w="19050">
+            <a:solidFill>
+              <a:schemeClr val="bg1"/>
             </a:solidFill>
           </a:ln>
         </p:spPr>

--- a/doc/Icons-PasteLab.pptx
+++ b/doc/Icons-PasteLab.pptx
@@ -3515,54 +3515,6 @@
       </p:grpSpPr>
       <p:sp>
         <p:nvSpPr>
-          <p:cNvPr id="61" name="Rectangle 60"/>
-          <p:cNvSpPr/>
-          <p:nvPr/>
-        </p:nvSpPr>
-        <p:spPr>
-          <a:xfrm rot="10800000">
-            <a:off x="751837" y="3016576"/>
-            <a:ext cx="549071" cy="549822"/>
-          </a:xfrm>
-          <a:prstGeom prst="rect">
-            <a:avLst/>
-          </a:prstGeom>
-          <a:solidFill>
-            <a:schemeClr val="bg2">
-              <a:lumMod val="75000"/>
-            </a:schemeClr>
-          </a:solidFill>
-          <a:ln>
-            <a:noFill/>
-          </a:ln>
-        </p:spPr>
-        <p:style>
-          <a:lnRef idx="2">
-            <a:schemeClr val="accent1">
-              <a:shade val="50000"/>
-            </a:schemeClr>
-          </a:lnRef>
-          <a:fillRef idx="1">
-            <a:schemeClr val="accent1"/>
-          </a:fillRef>
-          <a:effectRef idx="0">
-            <a:schemeClr val="accent1"/>
-          </a:effectRef>
-          <a:fontRef idx="minor">
-            <a:schemeClr val="lt1"/>
-          </a:fontRef>
-        </p:style>
-        <p:txBody>
-          <a:bodyPr wrap="none" lIns="0" tIns="0" rIns="0" bIns="0" rtlCol="0" anchor="ctr"/>
-          <a:lstStyle/>
-          <a:p>
-            <a:pPr algn="ctr"/>
-            <a:endParaRPr lang="en-US" b="1"/>
-          </a:p>
-        </p:txBody>
-      </p:sp>
-      <p:sp>
-        <p:nvSpPr>
           <p:cNvPr id="79" name="Rectangle 78"/>
           <p:cNvSpPr/>
           <p:nvPr/>
@@ -4111,158 +4063,6 @@
           </a:p>
         </p:txBody>
       </p:sp>
-      <p:grpSp>
-        <p:nvGrpSpPr>
-          <p:cNvPr id="150" name="Group 149"/>
-          <p:cNvGrpSpPr/>
-          <p:nvPr/>
-        </p:nvGrpSpPr>
-        <p:grpSpPr>
-          <a:xfrm>
-            <a:off x="931555" y="1414827"/>
-            <a:ext cx="838200" cy="838200"/>
-            <a:chOff x="1002575" y="1231726"/>
-            <a:chExt cx="838200" cy="838200"/>
-          </a:xfrm>
-        </p:grpSpPr>
-        <p:sp>
-          <p:nvSpPr>
-            <p:cNvPr id="151" name="Rectangle 150"/>
-            <p:cNvSpPr/>
-            <p:nvPr/>
-          </p:nvSpPr>
-          <p:spPr>
-            <a:xfrm>
-              <a:off x="1002575" y="1231726"/>
-              <a:ext cx="838200" cy="838200"/>
-            </a:xfrm>
-            <a:prstGeom prst="rect">
-              <a:avLst/>
-            </a:prstGeom>
-            <a:noFill/>
-            <a:ln>
-              <a:noFill/>
-            </a:ln>
-          </p:spPr>
-          <p:style>
-            <a:lnRef idx="2">
-              <a:schemeClr val="accent1">
-                <a:shade val="50000"/>
-              </a:schemeClr>
-            </a:lnRef>
-            <a:fillRef idx="1">
-              <a:schemeClr val="accent1"/>
-            </a:fillRef>
-            <a:effectRef idx="0">
-              <a:schemeClr val="accent1"/>
-            </a:effectRef>
-            <a:fontRef idx="minor">
-              <a:schemeClr val="lt1"/>
-            </a:fontRef>
-          </p:style>
-          <p:txBody>
-            <a:bodyPr rtlCol="0" anchor="ctr"/>
-            <a:lstStyle/>
-            <a:p>
-              <a:pPr algn="ctr"/>
-              <a:endParaRPr lang="en-SG"/>
-            </a:p>
-          </p:txBody>
-        </p:sp>
-        <p:sp>
-          <p:nvSpPr>
-            <p:cNvPr id="152" name="Rectangle 4"/>
-            <p:cNvSpPr/>
-            <p:nvPr/>
-          </p:nvSpPr>
-          <p:spPr>
-            <a:xfrm rot="16200000">
-              <a:off x="1071530" y="1304929"/>
-              <a:ext cx="700291" cy="690781"/>
-            </a:xfrm>
-            <a:custGeom>
-              <a:avLst/>
-              <a:gdLst/>
-              <a:ahLst/>
-              <a:cxnLst/>
-              <a:rect l="l" t="t" r="r" b="b"/>
-              <a:pathLst>
-                <a:path w="1752603" h="1752600">
-                  <a:moveTo>
-                    <a:pt x="533400" y="0"/>
-                  </a:moveTo>
-                  <a:lnTo>
-                    <a:pt x="533403" y="0"/>
-                  </a:lnTo>
-                  <a:lnTo>
-                    <a:pt x="1066800" y="0"/>
-                  </a:lnTo>
-                  <a:lnTo>
-                    <a:pt x="1752603" y="0"/>
-                  </a:lnTo>
-                  <a:lnTo>
-                    <a:pt x="1752603" y="1752600"/>
-                  </a:lnTo>
-                  <a:lnTo>
-                    <a:pt x="1219203" y="1752600"/>
-                  </a:lnTo>
-                  <a:lnTo>
-                    <a:pt x="533403" y="1752600"/>
-                  </a:lnTo>
-                  <a:lnTo>
-                    <a:pt x="3" y="1752600"/>
-                  </a:lnTo>
-                  <a:lnTo>
-                    <a:pt x="3" y="533430"/>
-                  </a:lnTo>
-                  <a:cubicBezTo>
-                    <a:pt x="0" y="533420"/>
-                    <a:pt x="0" y="533410"/>
-                    <a:pt x="0" y="533400"/>
-                  </a:cubicBezTo>
-                  <a:cubicBezTo>
-                    <a:pt x="0" y="238811"/>
-                    <a:pt x="238811" y="0"/>
-                    <a:pt x="533400" y="0"/>
-                  </a:cubicBezTo>
-                  <a:close/>
-                </a:path>
-              </a:pathLst>
-            </a:custGeom>
-            <a:noFill/>
-            <a:ln w="76200" cmpd="sng">
-              <a:solidFill>
-                <a:srgbClr val="0070C0"/>
-              </a:solidFill>
-              <a:miter lim="800000"/>
-            </a:ln>
-          </p:spPr>
-          <p:style>
-            <a:lnRef idx="2">
-              <a:schemeClr val="accent1">
-                <a:shade val="50000"/>
-              </a:schemeClr>
-            </a:lnRef>
-            <a:fillRef idx="1">
-              <a:schemeClr val="accent1"/>
-            </a:fillRef>
-            <a:effectRef idx="0">
-              <a:schemeClr val="accent1"/>
-            </a:effectRef>
-            <a:fontRef idx="minor">
-              <a:schemeClr val="lt1"/>
-            </a:fontRef>
-          </p:style>
-          <p:txBody>
-            <a:bodyPr rtlCol="0" anchor="ctr"/>
-            <a:lstStyle/>
-            <a:p>
-              <a:pPr algn="ctr"/>
-              <a:endParaRPr lang="en-US"/>
-            </a:p>
-          </p:txBody>
-        </p:sp>
-      </p:grpSp>
       <p:sp>
         <p:nvSpPr>
           <p:cNvPr id="87" name="TextBox 86"/>
@@ -4346,51 +4146,142 @@
       </p:sp>
       <p:grpSp>
         <p:nvGrpSpPr>
-          <p:cNvPr id="114" name="Group 113"/>
+          <p:cNvPr id="2" name="Group 1"/>
           <p:cNvGrpSpPr/>
           <p:nvPr/>
         </p:nvGrpSpPr>
         <p:grpSpPr>
           <a:xfrm>
-            <a:off x="1076119" y="1552453"/>
-            <a:ext cx="549071" cy="549822"/>
-            <a:chOff x="4180111" y="1375544"/>
-            <a:chExt cx="549071" cy="549822"/>
+            <a:off x="931555" y="1414827"/>
+            <a:ext cx="838200" cy="838200"/>
+            <a:chOff x="931555" y="1414827"/>
+            <a:chExt cx="838200" cy="838200"/>
           </a:xfrm>
         </p:grpSpPr>
         <p:grpSp>
           <p:nvGrpSpPr>
-            <p:cNvPr id="119" name="Group 118"/>
+            <p:cNvPr id="150" name="Group 149"/>
             <p:cNvGrpSpPr/>
             <p:nvPr/>
           </p:nvGrpSpPr>
           <p:grpSpPr>
             <a:xfrm>
-              <a:off x="4235574" y="1385216"/>
-              <a:ext cx="446467" cy="521728"/>
-              <a:chOff x="4821567" y="919204"/>
-              <a:chExt cx="446467" cy="521728"/>
+              <a:off x="931555" y="1414827"/>
+              <a:ext cx="838200" cy="838200"/>
+              <a:chOff x="1002575" y="1231726"/>
+              <a:chExt cx="838200" cy="838200"/>
             </a:xfrm>
           </p:grpSpPr>
           <p:sp>
             <p:nvSpPr>
-              <p:cNvPr id="121" name="Rectangle 120"/>
+              <p:cNvPr id="151" name="Rectangle 150"/>
               <p:cNvSpPr/>
               <p:nvPr/>
             </p:nvSpPr>
             <p:spPr>
               <a:xfrm>
-                <a:off x="4821567" y="971454"/>
-                <a:ext cx="343904" cy="406070"/>
+                <a:off x="1002575" y="1231726"/>
+                <a:ext cx="838200" cy="838200"/>
               </a:xfrm>
               <a:prstGeom prst="rect">
                 <a:avLst/>
               </a:prstGeom>
-              <a:solidFill>
-                <a:srgbClr val="F79646"/>
-              </a:solidFill>
+              <a:noFill/>
               <a:ln>
                 <a:noFill/>
+              </a:ln>
+            </p:spPr>
+            <p:style>
+              <a:lnRef idx="2">
+                <a:schemeClr val="accent1">
+                  <a:shade val="50000"/>
+                </a:schemeClr>
+              </a:lnRef>
+              <a:fillRef idx="1">
+                <a:schemeClr val="accent1"/>
+              </a:fillRef>
+              <a:effectRef idx="0">
+                <a:schemeClr val="accent1"/>
+              </a:effectRef>
+              <a:fontRef idx="minor">
+                <a:schemeClr val="lt1"/>
+              </a:fontRef>
+            </p:style>
+            <p:txBody>
+              <a:bodyPr rtlCol="0" anchor="ctr"/>
+              <a:lstStyle/>
+              <a:p>
+                <a:pPr algn="ctr"/>
+                <a:endParaRPr lang="en-SG"/>
+              </a:p>
+            </p:txBody>
+          </p:sp>
+          <p:sp>
+            <p:nvSpPr>
+              <p:cNvPr id="152" name="Rectangle 4"/>
+              <p:cNvSpPr/>
+              <p:nvPr/>
+            </p:nvSpPr>
+            <p:spPr>
+              <a:xfrm rot="16200000">
+                <a:off x="1071530" y="1304929"/>
+                <a:ext cx="700291" cy="690781"/>
+              </a:xfrm>
+              <a:custGeom>
+                <a:avLst/>
+                <a:gdLst/>
+                <a:ahLst/>
+                <a:cxnLst/>
+                <a:rect l="l" t="t" r="r" b="b"/>
+                <a:pathLst>
+                  <a:path w="1752603" h="1752600">
+                    <a:moveTo>
+                      <a:pt x="533400" y="0"/>
+                    </a:moveTo>
+                    <a:lnTo>
+                      <a:pt x="533403" y="0"/>
+                    </a:lnTo>
+                    <a:lnTo>
+                      <a:pt x="1066800" y="0"/>
+                    </a:lnTo>
+                    <a:lnTo>
+                      <a:pt x="1752603" y="0"/>
+                    </a:lnTo>
+                    <a:lnTo>
+                      <a:pt x="1752603" y="1752600"/>
+                    </a:lnTo>
+                    <a:lnTo>
+                      <a:pt x="1219203" y="1752600"/>
+                    </a:lnTo>
+                    <a:lnTo>
+                      <a:pt x="533403" y="1752600"/>
+                    </a:lnTo>
+                    <a:lnTo>
+                      <a:pt x="3" y="1752600"/>
+                    </a:lnTo>
+                    <a:lnTo>
+                      <a:pt x="3" y="533430"/>
+                    </a:lnTo>
+                    <a:cubicBezTo>
+                      <a:pt x="0" y="533420"/>
+                      <a:pt x="0" y="533410"/>
+                      <a:pt x="0" y="533400"/>
+                    </a:cubicBezTo>
+                    <a:cubicBezTo>
+                      <a:pt x="0" y="238811"/>
+                      <a:pt x="238811" y="0"/>
+                      <a:pt x="533400" y="0"/>
+                    </a:cubicBezTo>
+                    <a:close/>
+                  </a:path>
+                </a:pathLst>
+              </a:custGeom>
+              <a:noFill/>
+              <a:ln w="76200" cmpd="sng">
+                <a:solidFill>
+                  <a:srgbClr val="0070C0"/>
+                </a:solidFill>
+                <a:miter lim="800000"/>
               </a:ln>
             </p:spPr>
             <p:style>
@@ -4418,29 +4309,254 @@
               </a:p>
             </p:txBody>
           </p:sp>
+        </p:grpSp>
+        <p:grpSp>
+          <p:nvGrpSpPr>
+            <p:cNvPr id="114" name="Group 113"/>
+            <p:cNvGrpSpPr/>
+            <p:nvPr/>
+          </p:nvGrpSpPr>
+          <p:grpSpPr>
+            <a:xfrm>
+              <a:off x="1076119" y="1552453"/>
+              <a:ext cx="549071" cy="549822"/>
+              <a:chOff x="4180111" y="1375544"/>
+              <a:chExt cx="549071" cy="549822"/>
+            </a:xfrm>
+          </p:grpSpPr>
+          <p:grpSp>
+            <p:nvGrpSpPr>
+              <p:cNvPr id="119" name="Group 118"/>
+              <p:cNvGrpSpPr/>
+              <p:nvPr/>
+            </p:nvGrpSpPr>
+            <p:grpSpPr>
+              <a:xfrm>
+                <a:off x="4235574" y="1385216"/>
+                <a:ext cx="446467" cy="521728"/>
+                <a:chOff x="4821567" y="919204"/>
+                <a:chExt cx="446467" cy="521728"/>
+              </a:xfrm>
+            </p:grpSpPr>
+            <p:sp>
+              <p:nvSpPr>
+                <p:cNvPr id="121" name="Rectangle 120"/>
+                <p:cNvSpPr/>
+                <p:nvPr/>
+              </p:nvSpPr>
+              <p:spPr>
+                <a:xfrm>
+                  <a:off x="4821567" y="971454"/>
+                  <a:ext cx="343904" cy="406070"/>
+                </a:xfrm>
+                <a:prstGeom prst="rect">
+                  <a:avLst/>
+                </a:prstGeom>
+                <a:solidFill>
+                  <a:srgbClr val="F79646"/>
+                </a:solidFill>
+                <a:ln>
+                  <a:noFill/>
+                </a:ln>
+              </p:spPr>
+              <p:style>
+                <a:lnRef idx="2">
+                  <a:schemeClr val="accent1">
+                    <a:shade val="50000"/>
+                  </a:schemeClr>
+                </a:lnRef>
+                <a:fillRef idx="1">
+                  <a:schemeClr val="accent1"/>
+                </a:fillRef>
+                <a:effectRef idx="0">
+                  <a:schemeClr val="accent1"/>
+                </a:effectRef>
+                <a:fontRef idx="minor">
+                  <a:schemeClr val="lt1"/>
+                </a:fontRef>
+              </p:style>
+              <p:txBody>
+                <a:bodyPr rtlCol="0" anchor="ctr"/>
+                <a:lstStyle/>
+                <a:p>
+                  <a:pPr algn="ctr"/>
+                  <a:endParaRPr lang="en-US"/>
+                </a:p>
+              </p:txBody>
+            </p:sp>
+            <p:sp>
+              <p:nvSpPr>
+                <p:cNvPr id="122" name="Rectangle: Folded Corner 121"/>
+                <p:cNvSpPr/>
+                <p:nvPr/>
+              </p:nvSpPr>
+              <p:spPr>
+                <a:xfrm rot="10800000" flipH="1">
+                  <a:off x="4990894" y="1102754"/>
+                  <a:ext cx="277140" cy="338178"/>
+                </a:xfrm>
+                <a:prstGeom prst="foldedCorner">
+                  <a:avLst>
+                    <a:gd name="adj" fmla="val 44103"/>
+                  </a:avLst>
+                </a:prstGeom>
+                <a:solidFill>
+                  <a:srgbClr val="0070C0"/>
+                </a:solidFill>
+                <a:ln w="19050">
+                  <a:solidFill>
+                    <a:schemeClr val="bg1"/>
+                  </a:solidFill>
+                </a:ln>
+              </p:spPr>
+              <p:style>
+                <a:lnRef idx="2">
+                  <a:schemeClr val="accent1">
+                    <a:shade val="50000"/>
+                  </a:schemeClr>
+                </a:lnRef>
+                <a:fillRef idx="1">
+                  <a:schemeClr val="accent1"/>
+                </a:fillRef>
+                <a:effectRef idx="0">
+                  <a:schemeClr val="accent1"/>
+                </a:effectRef>
+                <a:fontRef idx="minor">
+                  <a:schemeClr val="lt1"/>
+                </a:fontRef>
+              </p:style>
+              <p:txBody>
+                <a:bodyPr rtlCol="0" anchor="ctr"/>
+                <a:lstStyle/>
+                <a:p>
+                  <a:pPr algn="ctr"/>
+                  <a:endParaRPr lang="en-US" dirty="0"/>
+                </a:p>
+              </p:txBody>
+            </p:sp>
+            <p:sp>
+              <p:nvSpPr>
+                <p:cNvPr id="123" name="Rounded Rectangle 227"/>
+                <p:cNvSpPr/>
+                <p:nvPr/>
+              </p:nvSpPr>
+              <p:spPr>
+                <a:xfrm rot="10800000">
+                  <a:off x="4879960" y="919204"/>
+                  <a:ext cx="234247" cy="101171"/>
+                </a:xfrm>
+                <a:custGeom>
+                  <a:avLst/>
+                  <a:gdLst/>
+                  <a:ahLst/>
+                  <a:cxnLst/>
+                  <a:rect l="l" t="t" r="r" b="b"/>
+                  <a:pathLst>
+                    <a:path w="286327" h="1000124">
+                      <a:moveTo>
+                        <a:pt x="2115" y="0"/>
+                      </a:moveTo>
+                      <a:lnTo>
+                        <a:pt x="284212" y="0"/>
+                      </a:lnTo>
+                      <a:cubicBezTo>
+                        <a:pt x="286188" y="3367"/>
+                        <a:pt x="286327" y="6905"/>
+                        <a:pt x="286327" y="10476"/>
+                      </a:cubicBezTo>
+                      <a:lnTo>
+                        <a:pt x="286327" y="712825"/>
+                      </a:lnTo>
+                      <a:cubicBezTo>
+                        <a:pt x="286327" y="772047"/>
+                        <a:pt x="247915" y="822299"/>
+                        <a:pt x="194109" y="838409"/>
+                      </a:cubicBezTo>
+                      <a:cubicBezTo>
+                        <a:pt x="194108" y="875332"/>
+                        <a:pt x="194108" y="912256"/>
+                        <a:pt x="194108" y="949179"/>
+                      </a:cubicBezTo>
+                      <a:cubicBezTo>
+                        <a:pt x="194108" y="977315"/>
+                        <a:pt x="171299" y="1000124"/>
+                        <a:pt x="143163" y="1000124"/>
+                      </a:cubicBezTo>
+                      <a:lnTo>
+                        <a:pt x="143164" y="1000123"/>
+                      </a:lnTo>
+                      <a:cubicBezTo>
+                        <a:pt x="115028" y="1000123"/>
+                        <a:pt x="92219" y="977314"/>
+                        <a:pt x="92219" y="949178"/>
+                      </a:cubicBezTo>
+                      <a:lnTo>
+                        <a:pt x="92219" y="838409"/>
+                      </a:lnTo>
+                      <a:cubicBezTo>
+                        <a:pt x="38413" y="822299"/>
+                        <a:pt x="0" y="772048"/>
+                        <a:pt x="0" y="712825"/>
+                      </a:cubicBezTo>
+                      <a:lnTo>
+                        <a:pt x="0" y="10476"/>
+                      </a:lnTo>
+                      <a:close/>
+                    </a:path>
+                  </a:pathLst>
+                </a:custGeom>
+                <a:solidFill>
+                  <a:srgbClr val="F79646"/>
+                </a:solidFill>
+                <a:ln w="19050">
+                  <a:solidFill>
+                    <a:schemeClr val="bg1"/>
+                  </a:solidFill>
+                </a:ln>
+              </p:spPr>
+              <p:style>
+                <a:lnRef idx="2">
+                  <a:schemeClr val="accent1">
+                    <a:shade val="50000"/>
+                  </a:schemeClr>
+                </a:lnRef>
+                <a:fillRef idx="1">
+                  <a:schemeClr val="accent1"/>
+                </a:fillRef>
+                <a:effectRef idx="0">
+                  <a:schemeClr val="accent1"/>
+                </a:effectRef>
+                <a:fontRef idx="minor">
+                  <a:schemeClr val="lt1"/>
+                </a:fontRef>
+              </p:style>
+              <p:txBody>
+                <a:bodyPr rtlCol="0" anchor="ctr"/>
+                <a:lstStyle/>
+                <a:p>
+                  <a:pPr algn="ctr"/>
+                  <a:endParaRPr lang="en-SG"/>
+                </a:p>
+              </p:txBody>
+            </p:sp>
+          </p:grpSp>
           <p:sp>
             <p:nvSpPr>
-              <p:cNvPr id="122" name="Rectangle: Folded Corner 121"/>
+              <p:cNvPr id="120" name="Rectangle 119"/>
               <p:cNvSpPr/>
               <p:nvPr/>
             </p:nvSpPr>
             <p:spPr>
-              <a:xfrm rot="10800000" flipH="1">
-                <a:off x="4990894" y="1102754"/>
-                <a:ext cx="277140" cy="338178"/>
+              <a:xfrm rot="10800000">
+                <a:off x="4180111" y="1375544"/>
+                <a:ext cx="549071" cy="549822"/>
               </a:xfrm>
-              <a:prstGeom prst="foldedCorner">
-                <a:avLst>
-                  <a:gd name="adj" fmla="val 44103"/>
-                </a:avLst>
+              <a:prstGeom prst="rect">
+                <a:avLst/>
               </a:prstGeom>
-              <a:solidFill>
-                <a:schemeClr val="bg1"/>
-              </a:solidFill>
+              <a:noFill/>
               <a:ln>
-                <a:solidFill>
-                  <a:srgbClr val="0070C0"/>
-                </a:solidFill>
+                <a:noFill/>
               </a:ln>
             </p:spPr>
             <p:style>
@@ -4460,164 +4576,15 @@
               </a:fontRef>
             </p:style>
             <p:txBody>
-              <a:bodyPr rtlCol="0" anchor="ctr"/>
+              <a:bodyPr wrap="none" lIns="0" tIns="0" rIns="0" bIns="0" rtlCol="0" anchor="ctr"/>
               <a:lstStyle/>
               <a:p>
                 <a:pPr algn="ctr"/>
-                <a:endParaRPr lang="en-US" dirty="0"/>
-              </a:p>
-            </p:txBody>
-          </p:sp>
-          <p:sp>
-            <p:nvSpPr>
-              <p:cNvPr id="123" name="Rounded Rectangle 227"/>
-              <p:cNvSpPr/>
-              <p:nvPr/>
-            </p:nvSpPr>
-            <p:spPr>
-              <a:xfrm rot="10800000">
-                <a:off x="4879960" y="919204"/>
-                <a:ext cx="234247" cy="101171"/>
-              </a:xfrm>
-              <a:custGeom>
-                <a:avLst/>
-                <a:gdLst/>
-                <a:ahLst/>
-                <a:cxnLst/>
-                <a:rect l="l" t="t" r="r" b="b"/>
-                <a:pathLst>
-                  <a:path w="286327" h="1000124">
-                    <a:moveTo>
-                      <a:pt x="2115" y="0"/>
-                    </a:moveTo>
-                    <a:lnTo>
-                      <a:pt x="284212" y="0"/>
-                    </a:lnTo>
-                    <a:cubicBezTo>
-                      <a:pt x="286188" y="3367"/>
-                      <a:pt x="286327" y="6905"/>
-                      <a:pt x="286327" y="10476"/>
-                    </a:cubicBezTo>
-                    <a:lnTo>
-                      <a:pt x="286327" y="712825"/>
-                    </a:lnTo>
-                    <a:cubicBezTo>
-                      <a:pt x="286327" y="772047"/>
-                      <a:pt x="247915" y="822299"/>
-                      <a:pt x="194109" y="838409"/>
-                    </a:cubicBezTo>
-                    <a:cubicBezTo>
-                      <a:pt x="194108" y="875332"/>
-                      <a:pt x="194108" y="912256"/>
-                      <a:pt x="194108" y="949179"/>
-                    </a:cubicBezTo>
-                    <a:cubicBezTo>
-                      <a:pt x="194108" y="977315"/>
-                      <a:pt x="171299" y="1000124"/>
-                      <a:pt x="143163" y="1000124"/>
-                    </a:cubicBezTo>
-                    <a:lnTo>
-                      <a:pt x="143164" y="1000123"/>
-                    </a:lnTo>
-                    <a:cubicBezTo>
-                      <a:pt x="115028" y="1000123"/>
-                      <a:pt x="92219" y="977314"/>
-                      <a:pt x="92219" y="949178"/>
-                    </a:cubicBezTo>
-                    <a:lnTo>
-                      <a:pt x="92219" y="838409"/>
-                    </a:lnTo>
-                    <a:cubicBezTo>
-                      <a:pt x="38413" y="822299"/>
-                      <a:pt x="0" y="772048"/>
-                      <a:pt x="0" y="712825"/>
-                    </a:cubicBezTo>
-                    <a:lnTo>
-                      <a:pt x="0" y="10476"/>
-                    </a:lnTo>
-                    <a:close/>
-                  </a:path>
-                </a:pathLst>
-              </a:custGeom>
-              <a:solidFill>
-                <a:srgbClr val="F79646"/>
-              </a:solidFill>
-              <a:ln w="19050">
-                <a:solidFill>
-                  <a:schemeClr val="bg1"/>
-                </a:solidFill>
-              </a:ln>
-            </p:spPr>
-            <p:style>
-              <a:lnRef idx="2">
-                <a:schemeClr val="accent1">
-                  <a:shade val="50000"/>
-                </a:schemeClr>
-              </a:lnRef>
-              <a:fillRef idx="1">
-                <a:schemeClr val="accent1"/>
-              </a:fillRef>
-              <a:effectRef idx="0">
-                <a:schemeClr val="accent1"/>
-              </a:effectRef>
-              <a:fontRef idx="minor">
-                <a:schemeClr val="lt1"/>
-              </a:fontRef>
-            </p:style>
-            <p:txBody>
-              <a:bodyPr rtlCol="0" anchor="ctr"/>
-              <a:lstStyle/>
-              <a:p>
-                <a:pPr algn="ctr"/>
-                <a:endParaRPr lang="en-SG"/>
+                <a:endParaRPr lang="en-US" b="1"/>
               </a:p>
             </p:txBody>
           </p:sp>
         </p:grpSp>
-        <p:sp>
-          <p:nvSpPr>
-            <p:cNvPr id="120" name="Rectangle 119"/>
-            <p:cNvSpPr/>
-            <p:nvPr/>
-          </p:nvSpPr>
-          <p:spPr>
-            <a:xfrm rot="10800000">
-              <a:off x="4180111" y="1375544"/>
-              <a:ext cx="549071" cy="549822"/>
-            </a:xfrm>
-            <a:prstGeom prst="rect">
-              <a:avLst/>
-            </a:prstGeom>
-            <a:noFill/>
-            <a:ln>
-              <a:noFill/>
-            </a:ln>
-          </p:spPr>
-          <p:style>
-            <a:lnRef idx="2">
-              <a:schemeClr val="accent1">
-                <a:shade val="50000"/>
-              </a:schemeClr>
-            </a:lnRef>
-            <a:fillRef idx="1">
-              <a:schemeClr val="accent1"/>
-            </a:fillRef>
-            <a:effectRef idx="0">
-              <a:schemeClr val="accent1"/>
-            </a:effectRef>
-            <a:fontRef idx="minor">
-              <a:schemeClr val="lt1"/>
-            </a:fontRef>
-          </p:style>
-          <p:txBody>
-            <a:bodyPr wrap="none" lIns="0" tIns="0" rIns="0" bIns="0" rtlCol="0" anchor="ctr"/>
-            <a:lstStyle/>
-            <a:p>
-              <a:pPr algn="ctr"/>
-              <a:endParaRPr lang="en-US" b="1"/>
-            </a:p>
-          </p:txBody>
-        </p:sp>
       </p:grpSp>
       <p:grpSp>
         <p:nvGrpSpPr>
@@ -5691,28 +5658,249 @@
       </p:sp>
       <p:grpSp>
         <p:nvGrpSpPr>
-          <p:cNvPr id="49" name="Group 48"/>
+          <p:cNvPr id="3" name="Group 2"/>
           <p:cNvGrpSpPr/>
           <p:nvPr/>
         </p:nvGrpSpPr>
         <p:grpSpPr>
           <a:xfrm>
-            <a:off x="759400" y="3031732"/>
-            <a:ext cx="343904" cy="458320"/>
-            <a:chOff x="4821567" y="919204"/>
-            <a:chExt cx="343904" cy="458320"/>
+            <a:off x="751837" y="3003755"/>
+            <a:ext cx="549071" cy="549822"/>
+            <a:chOff x="751837" y="3016576"/>
+            <a:chExt cx="549071" cy="549822"/>
           </a:xfrm>
         </p:grpSpPr>
         <p:sp>
           <p:nvSpPr>
-            <p:cNvPr id="51" name="Rectangle 50"/>
+            <p:cNvPr id="61" name="Rectangle 60"/>
+            <p:cNvSpPr/>
+            <p:nvPr/>
+          </p:nvSpPr>
+          <p:spPr>
+            <a:xfrm rot="10800000">
+              <a:off x="751837" y="3016576"/>
+              <a:ext cx="549071" cy="549822"/>
+            </a:xfrm>
+            <a:prstGeom prst="rect">
+              <a:avLst/>
+            </a:prstGeom>
+            <a:noFill/>
+            <a:ln>
+              <a:noFill/>
+            </a:ln>
+          </p:spPr>
+          <p:style>
+            <a:lnRef idx="2">
+              <a:schemeClr val="accent1">
+                <a:shade val="50000"/>
+              </a:schemeClr>
+            </a:lnRef>
+            <a:fillRef idx="1">
+              <a:schemeClr val="accent1"/>
+            </a:fillRef>
+            <a:effectRef idx="0">
+              <a:schemeClr val="accent1"/>
+            </a:effectRef>
+            <a:fontRef idx="minor">
+              <a:schemeClr val="lt1"/>
+            </a:fontRef>
+          </p:style>
+          <p:txBody>
+            <a:bodyPr wrap="none" lIns="0" tIns="0" rIns="0" bIns="0" rtlCol="0" anchor="ctr"/>
+            <a:lstStyle/>
+            <a:p>
+              <a:pPr algn="ctr"/>
+              <a:endParaRPr lang="en-US" b="1"/>
+            </a:p>
+          </p:txBody>
+        </p:sp>
+        <p:grpSp>
+          <p:nvGrpSpPr>
+            <p:cNvPr id="49" name="Group 48"/>
+            <p:cNvGrpSpPr/>
+            <p:nvPr/>
+          </p:nvGrpSpPr>
+          <p:grpSpPr>
+            <a:xfrm>
+              <a:off x="759400" y="3031732"/>
+              <a:ext cx="343904" cy="458320"/>
+              <a:chOff x="4821567" y="919204"/>
+              <a:chExt cx="343904" cy="458320"/>
+            </a:xfrm>
+          </p:grpSpPr>
+          <p:sp>
+            <p:nvSpPr>
+              <p:cNvPr id="51" name="Rectangle 50"/>
+              <p:cNvSpPr/>
+              <p:nvPr/>
+            </p:nvSpPr>
+            <p:spPr>
+              <a:xfrm>
+                <a:off x="4821567" y="971454"/>
+                <a:ext cx="343904" cy="406070"/>
+              </a:xfrm>
+              <a:prstGeom prst="rect">
+                <a:avLst/>
+              </a:prstGeom>
+              <a:solidFill>
+                <a:schemeClr val="bg1"/>
+              </a:solidFill>
+              <a:ln w="28575" cap="flat" cmpd="sng" algn="ctr">
+                <a:solidFill>
+                  <a:srgbClr val="0070C0"/>
+                </a:solidFill>
+                <a:prstDash val="solid"/>
+                <a:round/>
+                <a:headEnd type="none" w="med" len="med"/>
+                <a:tailEnd type="none" w="med" len="med"/>
+              </a:ln>
+            </p:spPr>
+            <p:style>
+              <a:lnRef idx="2">
+                <a:schemeClr val="accent1">
+                  <a:shade val="50000"/>
+                </a:schemeClr>
+              </a:lnRef>
+              <a:fillRef idx="1">
+                <a:schemeClr val="accent1"/>
+              </a:fillRef>
+              <a:effectRef idx="0">
+                <a:schemeClr val="accent1"/>
+              </a:effectRef>
+              <a:fontRef idx="minor">
+                <a:schemeClr val="lt1"/>
+              </a:fontRef>
+            </p:style>
+            <p:txBody>
+              <a:bodyPr rtlCol="0" anchor="ctr"/>
+              <a:lstStyle/>
+              <a:p>
+                <a:pPr algn="ctr"/>
+                <a:endParaRPr lang="en-US" dirty="0">
+                  <a:solidFill>
+                    <a:srgbClr val="FFFFFF"/>
+                  </a:solidFill>
+                  <a:latin typeface="Calibri" panose="020F0502020204030204" pitchFamily="34" charset="0"/>
+                </a:endParaRPr>
+              </a:p>
+            </p:txBody>
+          </p:sp>
+          <p:sp>
+            <p:nvSpPr>
+              <p:cNvPr id="53" name="Rounded Rectangle 227"/>
+              <p:cNvSpPr/>
+              <p:nvPr/>
+            </p:nvSpPr>
+            <p:spPr>
+              <a:xfrm rot="10800000">
+                <a:off x="4879960" y="919204"/>
+                <a:ext cx="234247" cy="101171"/>
+              </a:xfrm>
+              <a:custGeom>
+                <a:avLst/>
+                <a:gdLst/>
+                <a:ahLst/>
+                <a:cxnLst/>
+                <a:rect l="l" t="t" r="r" b="b"/>
+                <a:pathLst>
+                  <a:path w="286327" h="1000124">
+                    <a:moveTo>
+                      <a:pt x="2115" y="0"/>
+                    </a:moveTo>
+                    <a:lnTo>
+                      <a:pt x="284212" y="0"/>
+                    </a:lnTo>
+                    <a:cubicBezTo>
+                      <a:pt x="286188" y="3367"/>
+                      <a:pt x="286327" y="6905"/>
+                      <a:pt x="286327" y="10476"/>
+                    </a:cubicBezTo>
+                    <a:lnTo>
+                      <a:pt x="286327" y="712825"/>
+                    </a:lnTo>
+                    <a:cubicBezTo>
+                      <a:pt x="286327" y="772047"/>
+                      <a:pt x="247915" y="822299"/>
+                      <a:pt x="194109" y="838409"/>
+                    </a:cubicBezTo>
+                    <a:cubicBezTo>
+                      <a:pt x="194108" y="875332"/>
+                      <a:pt x="194108" y="912256"/>
+                      <a:pt x="194108" y="949179"/>
+                    </a:cubicBezTo>
+                    <a:cubicBezTo>
+                      <a:pt x="194108" y="977315"/>
+                      <a:pt x="171299" y="1000124"/>
+                      <a:pt x="143163" y="1000124"/>
+                    </a:cubicBezTo>
+                    <a:lnTo>
+                      <a:pt x="143164" y="1000123"/>
+                    </a:lnTo>
+                    <a:cubicBezTo>
+                      <a:pt x="115028" y="1000123"/>
+                      <a:pt x="92219" y="977314"/>
+                      <a:pt x="92219" y="949178"/>
+                    </a:cubicBezTo>
+                    <a:lnTo>
+                      <a:pt x="92219" y="838409"/>
+                    </a:lnTo>
+                    <a:cubicBezTo>
+                      <a:pt x="38413" y="822299"/>
+                      <a:pt x="0" y="772048"/>
+                      <a:pt x="0" y="712825"/>
+                    </a:cubicBezTo>
+                    <a:lnTo>
+                      <a:pt x="0" y="10476"/>
+                    </a:lnTo>
+                    <a:close/>
+                  </a:path>
+                </a:pathLst>
+              </a:custGeom>
+              <a:solidFill>
+                <a:srgbClr val="0070C0"/>
+              </a:solidFill>
+              <a:ln w="19050">
+                <a:solidFill>
+                  <a:schemeClr val="bg1"/>
+                </a:solidFill>
+              </a:ln>
+            </p:spPr>
+            <p:style>
+              <a:lnRef idx="2">
+                <a:schemeClr val="accent1">
+                  <a:shade val="50000"/>
+                </a:schemeClr>
+              </a:lnRef>
+              <a:fillRef idx="1">
+                <a:schemeClr val="accent1"/>
+              </a:fillRef>
+              <a:effectRef idx="0">
+                <a:schemeClr val="accent1"/>
+              </a:effectRef>
+              <a:fontRef idx="minor">
+                <a:schemeClr val="lt1"/>
+              </a:fontRef>
+            </p:style>
+            <p:txBody>
+              <a:bodyPr rtlCol="0" anchor="ctr"/>
+              <a:lstStyle/>
+              <a:p>
+                <a:pPr algn="ctr"/>
+                <a:endParaRPr lang="en-SG"/>
+              </a:p>
+            </p:txBody>
+          </p:sp>
+        </p:grpSp>
+        <p:sp>
+          <p:nvSpPr>
+            <p:cNvPr id="60" name="Rectangle 59"/>
             <p:cNvSpPr/>
             <p:nvPr/>
           </p:nvSpPr>
           <p:spPr>
             <a:xfrm>
-              <a:off x="4821567" y="971454"/>
-              <a:ext cx="343904" cy="406070"/>
+              <a:off x="856366" y="3244375"/>
+              <a:ext cx="429324" cy="305311"/>
             </a:xfrm>
             <a:prstGeom prst="rect">
               <a:avLst/>
@@ -5720,8 +5908,10 @@
             <a:solidFill>
               <a:srgbClr val="0070C0"/>
             </a:solidFill>
-            <a:ln>
-              <a:noFill/>
+            <a:ln w="28575">
+              <a:solidFill>
+                <a:schemeClr val="bg1"/>
+              </a:solidFill>
             </a:ln>
           </p:spPr>
           <p:style>
@@ -5749,84 +5939,69 @@
             </a:p>
           </p:txBody>
         </p:sp>
+      </p:grpSp>
+      <p:sp>
+        <p:nvSpPr>
+          <p:cNvPr id="67" name="TextBox 66"/>
+          <p:cNvSpPr txBox="1"/>
+          <p:nvPr/>
+        </p:nvSpPr>
+        <p:spPr>
+          <a:xfrm>
+            <a:off x="4513627" y="2826285"/>
+            <a:ext cx="1114236" cy="430887"/>
+          </a:xfrm>
+          <a:prstGeom prst="rect">
+            <a:avLst/>
+          </a:prstGeom>
+          <a:noFill/>
+        </p:spPr>
+        <p:txBody>
+          <a:bodyPr wrap="square" rtlCol="0">
+            <a:spAutoFit/>
+          </a:bodyPr>
+          <a:lstStyle/>
+          <a:p>
+            <a:pPr algn="ctr"/>
+            <a:r>
+              <a:rPr lang="en-US" sz="1100" dirty="0"/>
+              <a:t>Paste To Fill Slide</a:t>
+            </a:r>
+            <a:endParaRPr lang="en-SG" sz="1100" dirty="0"/>
+          </a:p>
+        </p:txBody>
+      </p:sp>
+      <p:grpSp>
+        <p:nvGrpSpPr>
+          <p:cNvPr id="4" name="Group 3"/>
+          <p:cNvGrpSpPr/>
+          <p:nvPr/>
+        </p:nvGrpSpPr>
+        <p:grpSpPr>
+          <a:xfrm>
+            <a:off x="1810624" y="3016576"/>
+            <a:ext cx="549071" cy="549822"/>
+            <a:chOff x="1810624" y="3016576"/>
+            <a:chExt cx="549071" cy="549822"/>
+          </a:xfrm>
+        </p:grpSpPr>
         <p:sp>
           <p:nvSpPr>
-            <p:cNvPr id="53" name="Rounded Rectangle 227"/>
+            <p:cNvPr id="62" name="Rectangle 61"/>
             <p:cNvSpPr/>
             <p:nvPr/>
           </p:nvSpPr>
           <p:spPr>
             <a:xfrm rot="10800000">
-              <a:off x="4879960" y="919204"/>
-              <a:ext cx="234247" cy="101171"/>
+              <a:off x="1810624" y="3016576"/>
+              <a:ext cx="549071" cy="549822"/>
             </a:xfrm>
-            <a:custGeom>
+            <a:prstGeom prst="rect">
               <a:avLst/>
-              <a:gdLst/>
-              <a:ahLst/>
-              <a:cxnLst/>
-              <a:rect l="l" t="t" r="r" b="b"/>
-              <a:pathLst>
-                <a:path w="286327" h="1000124">
-                  <a:moveTo>
-                    <a:pt x="2115" y="0"/>
-                  </a:moveTo>
-                  <a:lnTo>
-                    <a:pt x="284212" y="0"/>
-                  </a:lnTo>
-                  <a:cubicBezTo>
-                    <a:pt x="286188" y="3367"/>
-                    <a:pt x="286327" y="6905"/>
-                    <a:pt x="286327" y="10476"/>
-                  </a:cubicBezTo>
-                  <a:lnTo>
-                    <a:pt x="286327" y="712825"/>
-                  </a:lnTo>
-                  <a:cubicBezTo>
-                    <a:pt x="286327" y="772047"/>
-                    <a:pt x="247915" y="822299"/>
-                    <a:pt x="194109" y="838409"/>
-                  </a:cubicBezTo>
-                  <a:cubicBezTo>
-                    <a:pt x="194108" y="875332"/>
-                    <a:pt x="194108" y="912256"/>
-                    <a:pt x="194108" y="949179"/>
-                  </a:cubicBezTo>
-                  <a:cubicBezTo>
-                    <a:pt x="194108" y="977315"/>
-                    <a:pt x="171299" y="1000124"/>
-                    <a:pt x="143163" y="1000124"/>
-                  </a:cubicBezTo>
-                  <a:lnTo>
-                    <a:pt x="143164" y="1000123"/>
-                  </a:lnTo>
-                  <a:cubicBezTo>
-                    <a:pt x="115028" y="1000123"/>
-                    <a:pt x="92219" y="977314"/>
-                    <a:pt x="92219" y="949178"/>
-                  </a:cubicBezTo>
-                  <a:lnTo>
-                    <a:pt x="92219" y="838409"/>
-                  </a:lnTo>
-                  <a:cubicBezTo>
-                    <a:pt x="38413" y="822299"/>
-                    <a:pt x="0" y="772048"/>
-                    <a:pt x="0" y="712825"/>
-                  </a:cubicBezTo>
-                  <a:lnTo>
-                    <a:pt x="0" y="10476"/>
-                  </a:lnTo>
-                  <a:close/>
-                </a:path>
-              </a:pathLst>
-            </a:custGeom>
-            <a:solidFill>
-              <a:srgbClr val="0070C0"/>
-            </a:solidFill>
-            <a:ln w="19050">
-              <a:solidFill>
-                <a:schemeClr val="bg1"/>
-              </a:solidFill>
+            </a:prstGeom>
+            <a:noFill/>
+            <a:ln>
+              <a:noFill/>
             </a:ln>
           </p:spPr>
           <p:style>
@@ -5846,144 +6021,311 @@
             </a:fontRef>
           </p:style>
           <p:txBody>
-            <a:bodyPr rtlCol="0" anchor="ctr"/>
+            <a:bodyPr wrap="none" lIns="0" tIns="0" rIns="0" bIns="0" rtlCol="0" anchor="ctr"/>
             <a:lstStyle/>
             <a:p>
               <a:pPr algn="ctr"/>
-              <a:endParaRPr lang="en-SG"/>
+              <a:endParaRPr lang="en-US" b="1"/>
             </a:p>
           </p:txBody>
         </p:sp>
-      </p:grpSp>
-      <p:sp>
-        <p:nvSpPr>
-          <p:cNvPr id="60" name="Rectangle 59"/>
-          <p:cNvSpPr/>
-          <p:nvPr/>
-        </p:nvSpPr>
-        <p:spPr>
-          <a:xfrm>
-            <a:off x="856366" y="3244375"/>
-            <a:ext cx="429324" cy="305311"/>
-          </a:xfrm>
-          <a:prstGeom prst="rect">
-            <a:avLst/>
-          </a:prstGeom>
-          <a:solidFill>
-            <a:srgbClr val="0070C0"/>
-          </a:solidFill>
-          <a:ln w="19050">
-            <a:solidFill>
-              <a:schemeClr val="bg1"/>
-            </a:solidFill>
-          </a:ln>
-        </p:spPr>
-        <p:style>
-          <a:lnRef idx="2">
-            <a:schemeClr val="accent1">
-              <a:shade val="50000"/>
-            </a:schemeClr>
-          </a:lnRef>
-          <a:fillRef idx="1">
-            <a:schemeClr val="accent1"/>
-          </a:fillRef>
-          <a:effectRef idx="0">
-            <a:schemeClr val="accent1"/>
-          </a:effectRef>
-          <a:fontRef idx="minor">
-            <a:schemeClr val="lt1"/>
-          </a:fontRef>
-        </p:style>
-        <p:txBody>
-          <a:bodyPr rtlCol="0" anchor="ctr"/>
-          <a:lstStyle/>
-          <a:p>
-            <a:pPr algn="ctr"/>
-            <a:endParaRPr lang="en-US" dirty="0"/>
-          </a:p>
-        </p:txBody>
-      </p:sp>
-      <p:sp>
-        <p:nvSpPr>
-          <p:cNvPr id="62" name="Rectangle 61"/>
-          <p:cNvSpPr/>
-          <p:nvPr/>
-        </p:nvSpPr>
-        <p:spPr>
-          <a:xfrm rot="10800000">
-            <a:off x="1810624" y="3016576"/>
-            <a:ext cx="549071" cy="549822"/>
-          </a:xfrm>
-          <a:prstGeom prst="rect">
-            <a:avLst/>
-          </a:prstGeom>
-          <a:solidFill>
-            <a:schemeClr val="bg2">
-              <a:lumMod val="75000"/>
-            </a:schemeClr>
-          </a:solidFill>
-          <a:ln>
-            <a:noFill/>
-          </a:ln>
-        </p:spPr>
-        <p:style>
-          <a:lnRef idx="2">
-            <a:schemeClr val="accent1">
-              <a:shade val="50000"/>
-            </a:schemeClr>
-          </a:lnRef>
-          <a:fillRef idx="1">
-            <a:schemeClr val="accent1"/>
-          </a:fillRef>
-          <a:effectRef idx="0">
-            <a:schemeClr val="accent1"/>
-          </a:effectRef>
-          <a:fontRef idx="minor">
-            <a:schemeClr val="lt1"/>
-          </a:fontRef>
-        </p:style>
-        <p:txBody>
-          <a:bodyPr wrap="none" lIns="0" tIns="0" rIns="0" bIns="0" rtlCol="0" anchor="ctr"/>
-          <a:lstStyle/>
-          <a:p>
-            <a:pPr algn="ctr"/>
-            <a:endParaRPr lang="en-US" b="1"/>
-          </a:p>
-        </p:txBody>
-      </p:sp>
-      <p:grpSp>
-        <p:nvGrpSpPr>
-          <p:cNvPr id="63" name="Group 62"/>
-          <p:cNvGrpSpPr/>
-          <p:nvPr/>
-        </p:nvGrpSpPr>
-        <p:grpSpPr>
-          <a:xfrm>
-            <a:off x="1818187" y="3031732"/>
-            <a:ext cx="343904" cy="458320"/>
-            <a:chOff x="4821567" y="919204"/>
-            <a:chExt cx="343904" cy="458320"/>
-          </a:xfrm>
-        </p:grpSpPr>
+        <p:grpSp>
+          <p:nvGrpSpPr>
+            <p:cNvPr id="63" name="Group 62"/>
+            <p:cNvGrpSpPr/>
+            <p:nvPr/>
+          </p:nvGrpSpPr>
+          <p:grpSpPr>
+            <a:xfrm>
+              <a:off x="1818187" y="3031732"/>
+              <a:ext cx="343904" cy="458320"/>
+              <a:chOff x="4821567" y="919204"/>
+              <a:chExt cx="343904" cy="458320"/>
+            </a:xfrm>
+          </p:grpSpPr>
+          <p:sp>
+            <p:nvSpPr>
+              <p:cNvPr id="64" name="Rectangle 63"/>
+              <p:cNvSpPr/>
+              <p:nvPr/>
+            </p:nvSpPr>
+            <p:spPr>
+              <a:xfrm>
+                <a:off x="4821567" y="971454"/>
+                <a:ext cx="343904" cy="406070"/>
+              </a:xfrm>
+              <a:prstGeom prst="rect">
+                <a:avLst/>
+              </a:prstGeom>
+              <a:solidFill>
+                <a:srgbClr val="FFFFFF"/>
+              </a:solidFill>
+              <a:ln w="28575" cap="flat" cmpd="sng" algn="ctr">
+                <a:solidFill>
+                  <a:srgbClr val="0070C0"/>
+                </a:solidFill>
+                <a:prstDash val="solid"/>
+                <a:round/>
+                <a:headEnd type="none" w="med" len="med"/>
+                <a:tailEnd type="none" w="med" len="med"/>
+              </a:ln>
+            </p:spPr>
+            <p:style>
+              <a:lnRef idx="2">
+                <a:schemeClr val="accent1">
+                  <a:shade val="50000"/>
+                </a:schemeClr>
+              </a:lnRef>
+              <a:fillRef idx="1">
+                <a:schemeClr val="accent1"/>
+              </a:fillRef>
+              <a:effectRef idx="0">
+                <a:schemeClr val="accent1"/>
+              </a:effectRef>
+              <a:fontRef idx="minor">
+                <a:schemeClr val="lt1"/>
+              </a:fontRef>
+            </p:style>
+            <p:txBody>
+              <a:bodyPr rtlCol="0" anchor="ctr"/>
+              <a:lstStyle/>
+              <a:p>
+                <a:pPr algn="ctr"/>
+                <a:endParaRPr lang="en-US" dirty="0">
+                  <a:solidFill>
+                    <a:srgbClr val="FFFFFF"/>
+                  </a:solidFill>
+                  <a:latin typeface="Calibri" panose="020F0502020204030204" pitchFamily="34" charset="0"/>
+                </a:endParaRPr>
+              </a:p>
+            </p:txBody>
+          </p:sp>
+          <p:sp>
+            <p:nvSpPr>
+              <p:cNvPr id="65" name="Rounded Rectangle 227"/>
+              <p:cNvSpPr/>
+              <p:nvPr/>
+            </p:nvSpPr>
+            <p:spPr>
+              <a:xfrm rot="10800000">
+                <a:off x="4879960" y="919204"/>
+                <a:ext cx="234247" cy="101171"/>
+              </a:xfrm>
+              <a:custGeom>
+                <a:avLst/>
+                <a:gdLst/>
+                <a:ahLst/>
+                <a:cxnLst/>
+                <a:rect l="l" t="t" r="r" b="b"/>
+                <a:pathLst>
+                  <a:path w="286327" h="1000124">
+                    <a:moveTo>
+                      <a:pt x="2115" y="0"/>
+                    </a:moveTo>
+                    <a:lnTo>
+                      <a:pt x="284212" y="0"/>
+                    </a:lnTo>
+                    <a:cubicBezTo>
+                      <a:pt x="286188" y="3367"/>
+                      <a:pt x="286327" y="6905"/>
+                      <a:pt x="286327" y="10476"/>
+                    </a:cubicBezTo>
+                    <a:lnTo>
+                      <a:pt x="286327" y="712825"/>
+                    </a:lnTo>
+                    <a:cubicBezTo>
+                      <a:pt x="286327" y="772047"/>
+                      <a:pt x="247915" y="822299"/>
+                      <a:pt x="194109" y="838409"/>
+                    </a:cubicBezTo>
+                    <a:cubicBezTo>
+                      <a:pt x="194108" y="875332"/>
+                      <a:pt x="194108" y="912256"/>
+                      <a:pt x="194108" y="949179"/>
+                    </a:cubicBezTo>
+                    <a:cubicBezTo>
+                      <a:pt x="194108" y="977315"/>
+                      <a:pt x="171299" y="1000124"/>
+                      <a:pt x="143163" y="1000124"/>
+                    </a:cubicBezTo>
+                    <a:lnTo>
+                      <a:pt x="143164" y="1000123"/>
+                    </a:lnTo>
+                    <a:cubicBezTo>
+                      <a:pt x="115028" y="1000123"/>
+                      <a:pt x="92219" y="977314"/>
+                      <a:pt x="92219" y="949178"/>
+                    </a:cubicBezTo>
+                    <a:lnTo>
+                      <a:pt x="92219" y="838409"/>
+                    </a:lnTo>
+                    <a:cubicBezTo>
+                      <a:pt x="38413" y="822299"/>
+                      <a:pt x="0" y="772048"/>
+                      <a:pt x="0" y="712825"/>
+                    </a:cubicBezTo>
+                    <a:lnTo>
+                      <a:pt x="0" y="10476"/>
+                    </a:lnTo>
+                    <a:close/>
+                  </a:path>
+                </a:pathLst>
+              </a:custGeom>
+              <a:solidFill>
+                <a:srgbClr val="0070C0"/>
+              </a:solidFill>
+              <a:ln w="19050">
+                <a:solidFill>
+                  <a:schemeClr val="bg1"/>
+                </a:solidFill>
+              </a:ln>
+            </p:spPr>
+            <p:style>
+              <a:lnRef idx="2">
+                <a:schemeClr val="accent1">
+                  <a:shade val="50000"/>
+                </a:schemeClr>
+              </a:lnRef>
+              <a:fillRef idx="1">
+                <a:schemeClr val="accent1"/>
+              </a:fillRef>
+              <a:effectRef idx="0">
+                <a:schemeClr val="accent1"/>
+              </a:effectRef>
+              <a:fontRef idx="minor">
+                <a:schemeClr val="lt1"/>
+              </a:fontRef>
+            </p:style>
+            <p:txBody>
+              <a:bodyPr rtlCol="0" anchor="ctr"/>
+              <a:lstStyle/>
+              <a:p>
+                <a:pPr algn="ctr"/>
+                <a:endParaRPr lang="en-SG"/>
+              </a:p>
+            </p:txBody>
+          </p:sp>
+        </p:grpSp>
         <p:sp>
           <p:nvSpPr>
-            <p:cNvPr id="64" name="Rectangle 63"/>
+            <p:cNvPr id="70" name="Freeform: Shape 69"/>
             <p:cNvSpPr/>
             <p:nvPr/>
           </p:nvSpPr>
           <p:spPr>
-            <a:xfrm>
-              <a:off x="4821567" y="971454"/>
-              <a:ext cx="343904" cy="406070"/>
+            <a:xfrm rot="20184335">
+              <a:off x="2028071" y="3172827"/>
+              <a:ext cx="275211" cy="377159"/>
             </a:xfrm>
-            <a:prstGeom prst="rect">
+            <a:custGeom>
               <a:avLst/>
-            </a:prstGeom>
+              <a:gdLst>
+                <a:gd name="connsiteX0" fmla="*/ 340041 w 685923"/>
+                <a:gd name="connsiteY0" fmla="*/ 0 h 940011"/>
+                <a:gd name="connsiteX1" fmla="*/ 685923 w 685923"/>
+                <a:gd name="connsiteY1" fmla="*/ 772625 h 940011"/>
+                <a:gd name="connsiteX2" fmla="*/ 680032 w 685923"/>
+                <a:gd name="connsiteY2" fmla="*/ 772647 h 940011"/>
+                <a:gd name="connsiteX3" fmla="*/ 424252 w 685923"/>
+                <a:gd name="connsiteY3" fmla="*/ 660929 h 940011"/>
+                <a:gd name="connsiteX4" fmla="*/ 424252 w 685923"/>
+                <a:gd name="connsiteY4" fmla="*/ 940011 h 940011"/>
+                <a:gd name="connsiteX5" fmla="*/ 244190 w 685923"/>
+                <a:gd name="connsiteY5" fmla="*/ 940011 h 940011"/>
+                <a:gd name="connsiteX6" fmla="*/ 244190 w 685923"/>
+                <a:gd name="connsiteY6" fmla="*/ 641386 h 940011"/>
+                <a:gd name="connsiteX7" fmla="*/ 0 w 685923"/>
+                <a:gd name="connsiteY7" fmla="*/ 774637 h 940011"/>
+                <a:gd name="connsiteX8" fmla="*/ 244190 w 685923"/>
+                <a:gd name="connsiteY8" fmla="*/ 218355 h 940011"/>
+                <a:gd name="connsiteX9" fmla="*/ 244190 w 685923"/>
+                <a:gd name="connsiteY9" fmla="*/ 210957 h 940011"/>
+                <a:gd name="connsiteX10" fmla="*/ 247438 w 685923"/>
+                <a:gd name="connsiteY10" fmla="*/ 210957 h 940011"/>
+              </a:gdLst>
+              <a:ahLst/>
+              <a:cxnLst>
+                <a:cxn ang="0">
+                  <a:pos x="connsiteX0" y="connsiteY0"/>
+                </a:cxn>
+                <a:cxn ang="0">
+                  <a:pos x="connsiteX1" y="connsiteY1"/>
+                </a:cxn>
+                <a:cxn ang="0">
+                  <a:pos x="connsiteX2" y="connsiteY2"/>
+                </a:cxn>
+                <a:cxn ang="0">
+                  <a:pos x="connsiteX3" y="connsiteY3"/>
+                </a:cxn>
+                <a:cxn ang="0">
+                  <a:pos x="connsiteX4" y="connsiteY4"/>
+                </a:cxn>
+                <a:cxn ang="0">
+                  <a:pos x="connsiteX5" y="connsiteY5"/>
+                </a:cxn>
+                <a:cxn ang="0">
+                  <a:pos x="connsiteX6" y="connsiteY6"/>
+                </a:cxn>
+                <a:cxn ang="0">
+                  <a:pos x="connsiteX7" y="connsiteY7"/>
+                </a:cxn>
+                <a:cxn ang="0">
+                  <a:pos x="connsiteX8" y="connsiteY8"/>
+                </a:cxn>
+                <a:cxn ang="0">
+                  <a:pos x="connsiteX9" y="connsiteY9"/>
+                </a:cxn>
+                <a:cxn ang="0">
+                  <a:pos x="connsiteX10" y="connsiteY10"/>
+                </a:cxn>
+              </a:cxnLst>
+              <a:rect l="l" t="t" r="r" b="b"/>
+              <a:pathLst>
+                <a:path w="685923" h="940011">
+                  <a:moveTo>
+                    <a:pt x="340041" y="0"/>
+                  </a:moveTo>
+                  <a:lnTo>
+                    <a:pt x="685923" y="772625"/>
+                  </a:lnTo>
+                  <a:lnTo>
+                    <a:pt x="680032" y="772647"/>
+                  </a:lnTo>
+                  <a:lnTo>
+                    <a:pt x="424252" y="660929"/>
+                  </a:lnTo>
+                  <a:lnTo>
+                    <a:pt x="424252" y="940011"/>
+                  </a:lnTo>
+                  <a:lnTo>
+                    <a:pt x="244190" y="940011"/>
+                  </a:lnTo>
+                  <a:lnTo>
+                    <a:pt x="244190" y="641386"/>
+                  </a:lnTo>
+                  <a:lnTo>
+                    <a:pt x="0" y="774637"/>
+                  </a:lnTo>
+                  <a:lnTo>
+                    <a:pt x="244190" y="218355"/>
+                  </a:lnTo>
+                  <a:lnTo>
+                    <a:pt x="244190" y="210957"/>
+                  </a:lnTo>
+                  <a:lnTo>
+                    <a:pt x="247438" y="210957"/>
+                  </a:lnTo>
+                  <a:close/>
+                </a:path>
+              </a:pathLst>
+            </a:custGeom>
             <a:solidFill>
               <a:srgbClr val="0070C0"/>
             </a:solidFill>
-            <a:ln>
-              <a:noFill/>
+            <a:ln w="28575">
+              <a:solidFill>
+                <a:schemeClr val="bg1"/>
+              </a:solidFill>
             </a:ln>
           </p:spPr>
           <p:style>
@@ -6011,369 +6353,36 @@
             </a:p>
           </p:txBody>
         </p:sp>
+      </p:grpSp>
+      <p:grpSp>
+        <p:nvGrpSpPr>
+          <p:cNvPr id="7" name="Group 6"/>
+          <p:cNvGrpSpPr/>
+          <p:nvPr/>
+        </p:nvGrpSpPr>
+        <p:grpSpPr>
+          <a:xfrm>
+            <a:off x="730729" y="4379841"/>
+            <a:ext cx="549071" cy="549822"/>
+            <a:chOff x="721065" y="4396018"/>
+            <a:chExt cx="549071" cy="549822"/>
+          </a:xfrm>
+        </p:grpSpPr>
         <p:sp>
           <p:nvSpPr>
-            <p:cNvPr id="65" name="Rounded Rectangle 227"/>
+            <p:cNvPr id="100" name="Rectangle 99"/>
             <p:cNvSpPr/>
             <p:nvPr/>
           </p:nvSpPr>
           <p:spPr>
             <a:xfrm rot="10800000">
-              <a:off x="4879960" y="919204"/>
-              <a:ext cx="234247" cy="101171"/>
-            </a:xfrm>
-            <a:custGeom>
-              <a:avLst/>
-              <a:gdLst/>
-              <a:ahLst/>
-              <a:cxnLst/>
-              <a:rect l="l" t="t" r="r" b="b"/>
-              <a:pathLst>
-                <a:path w="286327" h="1000124">
-                  <a:moveTo>
-                    <a:pt x="2115" y="0"/>
-                  </a:moveTo>
-                  <a:lnTo>
-                    <a:pt x="284212" y="0"/>
-                  </a:lnTo>
-                  <a:cubicBezTo>
-                    <a:pt x="286188" y="3367"/>
-                    <a:pt x="286327" y="6905"/>
-                    <a:pt x="286327" y="10476"/>
-                  </a:cubicBezTo>
-                  <a:lnTo>
-                    <a:pt x="286327" y="712825"/>
-                  </a:lnTo>
-                  <a:cubicBezTo>
-                    <a:pt x="286327" y="772047"/>
-                    <a:pt x="247915" y="822299"/>
-                    <a:pt x="194109" y="838409"/>
-                  </a:cubicBezTo>
-                  <a:cubicBezTo>
-                    <a:pt x="194108" y="875332"/>
-                    <a:pt x="194108" y="912256"/>
-                    <a:pt x="194108" y="949179"/>
-                  </a:cubicBezTo>
-                  <a:cubicBezTo>
-                    <a:pt x="194108" y="977315"/>
-                    <a:pt x="171299" y="1000124"/>
-                    <a:pt x="143163" y="1000124"/>
-                  </a:cubicBezTo>
-                  <a:lnTo>
-                    <a:pt x="143164" y="1000123"/>
-                  </a:lnTo>
-                  <a:cubicBezTo>
-                    <a:pt x="115028" y="1000123"/>
-                    <a:pt x="92219" y="977314"/>
-                    <a:pt x="92219" y="949178"/>
-                  </a:cubicBezTo>
-                  <a:lnTo>
-                    <a:pt x="92219" y="838409"/>
-                  </a:lnTo>
-                  <a:cubicBezTo>
-                    <a:pt x="38413" y="822299"/>
-                    <a:pt x="0" y="772048"/>
-                    <a:pt x="0" y="712825"/>
-                  </a:cubicBezTo>
-                  <a:lnTo>
-                    <a:pt x="0" y="10476"/>
-                  </a:lnTo>
-                  <a:close/>
-                </a:path>
-              </a:pathLst>
-            </a:custGeom>
-            <a:solidFill>
-              <a:srgbClr val="0070C0"/>
-            </a:solidFill>
-            <a:ln w="19050">
-              <a:solidFill>
-                <a:schemeClr val="bg1"/>
-              </a:solidFill>
-            </a:ln>
-          </p:spPr>
-          <p:style>
-            <a:lnRef idx="2">
-              <a:schemeClr val="accent1">
-                <a:shade val="50000"/>
-              </a:schemeClr>
-            </a:lnRef>
-            <a:fillRef idx="1">
-              <a:schemeClr val="accent1"/>
-            </a:fillRef>
-            <a:effectRef idx="0">
-              <a:schemeClr val="accent1"/>
-            </a:effectRef>
-            <a:fontRef idx="minor">
-              <a:schemeClr val="lt1"/>
-            </a:fontRef>
-          </p:style>
-          <p:txBody>
-            <a:bodyPr rtlCol="0" anchor="ctr"/>
-            <a:lstStyle/>
-            <a:p>
-              <a:pPr algn="ctr"/>
-              <a:endParaRPr lang="en-SG"/>
-            </a:p>
-          </p:txBody>
-        </p:sp>
-      </p:grpSp>
-      <p:sp>
-        <p:nvSpPr>
-          <p:cNvPr id="67" name="TextBox 66"/>
-          <p:cNvSpPr txBox="1"/>
-          <p:nvPr/>
-        </p:nvSpPr>
-        <p:spPr>
-          <a:xfrm>
-            <a:off x="4513627" y="2826285"/>
-            <a:ext cx="1114236" cy="430887"/>
-          </a:xfrm>
-          <a:prstGeom prst="rect">
-            <a:avLst/>
-          </a:prstGeom>
-          <a:noFill/>
-        </p:spPr>
-        <p:txBody>
-          <a:bodyPr wrap="square" rtlCol="0">
-            <a:spAutoFit/>
-          </a:bodyPr>
-          <a:lstStyle/>
-          <a:p>
-            <a:pPr algn="ctr"/>
-            <a:r>
-              <a:rPr lang="en-US" sz="1100" dirty="0"/>
-              <a:t>Paste To Fill Slide</a:t>
-            </a:r>
-            <a:endParaRPr lang="en-SG" sz="1100" dirty="0"/>
-          </a:p>
-        </p:txBody>
-      </p:sp>
-      <p:sp>
-        <p:nvSpPr>
-          <p:cNvPr id="70" name="Freeform: Shape 69"/>
-          <p:cNvSpPr/>
-          <p:nvPr/>
-        </p:nvSpPr>
-        <p:spPr>
-          <a:xfrm rot="20184335">
-            <a:off x="2028071" y="3172827"/>
-            <a:ext cx="275211" cy="377159"/>
-          </a:xfrm>
-          <a:custGeom>
-            <a:avLst/>
-            <a:gdLst>
-              <a:gd name="connsiteX0" fmla="*/ 340041 w 685923"/>
-              <a:gd name="connsiteY0" fmla="*/ 0 h 940011"/>
-              <a:gd name="connsiteX1" fmla="*/ 685923 w 685923"/>
-              <a:gd name="connsiteY1" fmla="*/ 772625 h 940011"/>
-              <a:gd name="connsiteX2" fmla="*/ 680032 w 685923"/>
-              <a:gd name="connsiteY2" fmla="*/ 772647 h 940011"/>
-              <a:gd name="connsiteX3" fmla="*/ 424252 w 685923"/>
-              <a:gd name="connsiteY3" fmla="*/ 660929 h 940011"/>
-              <a:gd name="connsiteX4" fmla="*/ 424252 w 685923"/>
-              <a:gd name="connsiteY4" fmla="*/ 940011 h 940011"/>
-              <a:gd name="connsiteX5" fmla="*/ 244190 w 685923"/>
-              <a:gd name="connsiteY5" fmla="*/ 940011 h 940011"/>
-              <a:gd name="connsiteX6" fmla="*/ 244190 w 685923"/>
-              <a:gd name="connsiteY6" fmla="*/ 641386 h 940011"/>
-              <a:gd name="connsiteX7" fmla="*/ 0 w 685923"/>
-              <a:gd name="connsiteY7" fmla="*/ 774637 h 940011"/>
-              <a:gd name="connsiteX8" fmla="*/ 244190 w 685923"/>
-              <a:gd name="connsiteY8" fmla="*/ 218355 h 940011"/>
-              <a:gd name="connsiteX9" fmla="*/ 244190 w 685923"/>
-              <a:gd name="connsiteY9" fmla="*/ 210957 h 940011"/>
-              <a:gd name="connsiteX10" fmla="*/ 247438 w 685923"/>
-              <a:gd name="connsiteY10" fmla="*/ 210957 h 940011"/>
-            </a:gdLst>
-            <a:ahLst/>
-            <a:cxnLst>
-              <a:cxn ang="0">
-                <a:pos x="connsiteX0" y="connsiteY0"/>
-              </a:cxn>
-              <a:cxn ang="0">
-                <a:pos x="connsiteX1" y="connsiteY1"/>
-              </a:cxn>
-              <a:cxn ang="0">
-                <a:pos x="connsiteX2" y="connsiteY2"/>
-              </a:cxn>
-              <a:cxn ang="0">
-                <a:pos x="connsiteX3" y="connsiteY3"/>
-              </a:cxn>
-              <a:cxn ang="0">
-                <a:pos x="connsiteX4" y="connsiteY4"/>
-              </a:cxn>
-              <a:cxn ang="0">
-                <a:pos x="connsiteX5" y="connsiteY5"/>
-              </a:cxn>
-              <a:cxn ang="0">
-                <a:pos x="connsiteX6" y="connsiteY6"/>
-              </a:cxn>
-              <a:cxn ang="0">
-                <a:pos x="connsiteX7" y="connsiteY7"/>
-              </a:cxn>
-              <a:cxn ang="0">
-                <a:pos x="connsiteX8" y="connsiteY8"/>
-              </a:cxn>
-              <a:cxn ang="0">
-                <a:pos x="connsiteX9" y="connsiteY9"/>
-              </a:cxn>
-              <a:cxn ang="0">
-                <a:pos x="connsiteX10" y="connsiteY10"/>
-              </a:cxn>
-            </a:cxnLst>
-            <a:rect l="l" t="t" r="r" b="b"/>
-            <a:pathLst>
-              <a:path w="685923" h="940011">
-                <a:moveTo>
-                  <a:pt x="340041" y="0"/>
-                </a:moveTo>
-                <a:lnTo>
-                  <a:pt x="685923" y="772625"/>
-                </a:lnTo>
-                <a:lnTo>
-                  <a:pt x="680032" y="772647"/>
-                </a:lnTo>
-                <a:lnTo>
-                  <a:pt x="424252" y="660929"/>
-                </a:lnTo>
-                <a:lnTo>
-                  <a:pt x="424252" y="940011"/>
-                </a:lnTo>
-                <a:lnTo>
-                  <a:pt x="244190" y="940011"/>
-                </a:lnTo>
-                <a:lnTo>
-                  <a:pt x="244190" y="641386"/>
-                </a:lnTo>
-                <a:lnTo>
-                  <a:pt x="0" y="774637"/>
-                </a:lnTo>
-                <a:lnTo>
-                  <a:pt x="244190" y="218355"/>
-                </a:lnTo>
-                <a:lnTo>
-                  <a:pt x="244190" y="210957"/>
-                </a:lnTo>
-                <a:lnTo>
-                  <a:pt x="247438" y="210957"/>
-                </a:lnTo>
-                <a:close/>
-              </a:path>
-            </a:pathLst>
-          </a:custGeom>
-          <a:solidFill>
-            <a:srgbClr val="0070C0"/>
-          </a:solidFill>
-          <a:ln w="19050">
-            <a:solidFill>
-              <a:schemeClr val="bg1"/>
-            </a:solidFill>
-          </a:ln>
-        </p:spPr>
-        <p:style>
-          <a:lnRef idx="2">
-            <a:schemeClr val="accent1">
-              <a:shade val="50000"/>
-            </a:schemeClr>
-          </a:lnRef>
-          <a:fillRef idx="1">
-            <a:schemeClr val="accent1"/>
-          </a:fillRef>
-          <a:effectRef idx="0">
-            <a:schemeClr val="accent1"/>
-          </a:effectRef>
-          <a:fontRef idx="minor">
-            <a:schemeClr val="lt1"/>
-          </a:fontRef>
-        </p:style>
-        <p:txBody>
-          <a:bodyPr rtlCol="0" anchor="ctr"/>
-          <a:lstStyle/>
-          <a:p>
-            <a:pPr algn="ctr"/>
-            <a:endParaRPr lang="en-US" dirty="0"/>
-          </a:p>
-        </p:txBody>
-      </p:sp>
-      <p:sp>
-        <p:nvSpPr>
-          <p:cNvPr id="100" name="Rectangle 99"/>
-          <p:cNvSpPr/>
-          <p:nvPr/>
-        </p:nvSpPr>
-        <p:spPr>
-          <a:xfrm rot="10800000">
-            <a:off x="721065" y="4396018"/>
-            <a:ext cx="549071" cy="549822"/>
-          </a:xfrm>
-          <a:prstGeom prst="rect">
-            <a:avLst/>
-          </a:prstGeom>
-          <a:solidFill>
-            <a:schemeClr val="bg2">
-              <a:lumMod val="75000"/>
-            </a:schemeClr>
-          </a:solidFill>
-          <a:ln>
-            <a:noFill/>
-          </a:ln>
-        </p:spPr>
-        <p:style>
-          <a:lnRef idx="2">
-            <a:schemeClr val="accent1">
-              <a:shade val="50000"/>
-            </a:schemeClr>
-          </a:lnRef>
-          <a:fillRef idx="1">
-            <a:schemeClr val="accent1"/>
-          </a:fillRef>
-          <a:effectRef idx="0">
-            <a:schemeClr val="accent1"/>
-          </a:effectRef>
-          <a:fontRef idx="minor">
-            <a:schemeClr val="lt1"/>
-          </a:fontRef>
-        </p:style>
-        <p:txBody>
-          <a:bodyPr wrap="none" lIns="0" tIns="0" rIns="0" bIns="0" rtlCol="0" anchor="ctr"/>
-          <a:lstStyle/>
-          <a:p>
-            <a:pPr algn="ctr"/>
-            <a:endParaRPr lang="en-US" b="1"/>
-          </a:p>
-        </p:txBody>
-      </p:sp>
-      <p:grpSp>
-        <p:nvGrpSpPr>
-          <p:cNvPr id="101" name="Group 100"/>
-          <p:cNvGrpSpPr/>
-          <p:nvPr/>
-        </p:nvGrpSpPr>
-        <p:grpSpPr>
-          <a:xfrm>
-            <a:off x="728628" y="4411174"/>
-            <a:ext cx="343904" cy="458320"/>
-            <a:chOff x="4821567" y="919204"/>
-            <a:chExt cx="343904" cy="458320"/>
-          </a:xfrm>
-        </p:grpSpPr>
-        <p:sp>
-          <p:nvSpPr>
-            <p:cNvPr id="102" name="Rectangle 101"/>
-            <p:cNvSpPr/>
-            <p:nvPr/>
-          </p:nvSpPr>
-          <p:spPr>
-            <a:xfrm>
-              <a:off x="4821567" y="971454"/>
-              <a:ext cx="343904" cy="406070"/>
+              <a:off x="721065" y="4396018"/>
+              <a:ext cx="549071" cy="549822"/>
             </a:xfrm>
             <a:prstGeom prst="rect">
               <a:avLst/>
             </a:prstGeom>
-            <a:solidFill>
-              <a:srgbClr val="0070C0"/>
-            </a:solidFill>
+            <a:noFill/>
             <a:ln>
               <a:noFill/>
             </a:ln>
@@ -6395,512 +6404,206 @@
             </a:fontRef>
           </p:style>
           <p:txBody>
-            <a:bodyPr rtlCol="0" anchor="ctr"/>
+            <a:bodyPr wrap="none" lIns="0" tIns="0" rIns="0" bIns="0" rtlCol="0" anchor="ctr"/>
             <a:lstStyle/>
             <a:p>
               <a:pPr algn="ctr"/>
-              <a:endParaRPr lang="en-US" dirty="0"/>
+              <a:endParaRPr lang="en-US" b="1"/>
             </a:p>
           </p:txBody>
         </p:sp>
+        <p:grpSp>
+          <p:nvGrpSpPr>
+            <p:cNvPr id="101" name="Group 100"/>
+            <p:cNvGrpSpPr/>
+            <p:nvPr/>
+          </p:nvGrpSpPr>
+          <p:grpSpPr>
+            <a:xfrm>
+              <a:off x="728628" y="4411174"/>
+              <a:ext cx="343904" cy="458320"/>
+              <a:chOff x="4821567" y="919204"/>
+              <a:chExt cx="343904" cy="458320"/>
+            </a:xfrm>
+          </p:grpSpPr>
+          <p:sp>
+            <p:nvSpPr>
+              <p:cNvPr id="102" name="Rectangle 101"/>
+              <p:cNvSpPr/>
+              <p:nvPr/>
+            </p:nvSpPr>
+            <p:spPr>
+              <a:xfrm>
+                <a:off x="4821567" y="971454"/>
+                <a:ext cx="343904" cy="406070"/>
+              </a:xfrm>
+              <a:prstGeom prst="rect">
+                <a:avLst/>
+              </a:prstGeom>
+              <a:solidFill>
+                <a:srgbClr val="FFFFFF"/>
+              </a:solidFill>
+              <a:ln w="28575" cap="flat" cmpd="sng" algn="ctr">
+                <a:solidFill>
+                  <a:srgbClr val="0070C0"/>
+                </a:solidFill>
+                <a:prstDash val="solid"/>
+                <a:round/>
+                <a:headEnd type="none" w="med" len="med"/>
+                <a:tailEnd type="none" w="med" len="med"/>
+              </a:ln>
+            </p:spPr>
+            <p:style>
+              <a:lnRef idx="2">
+                <a:schemeClr val="accent1">
+                  <a:shade val="50000"/>
+                </a:schemeClr>
+              </a:lnRef>
+              <a:fillRef idx="1">
+                <a:schemeClr val="accent1"/>
+              </a:fillRef>
+              <a:effectRef idx="0">
+                <a:schemeClr val="accent1"/>
+              </a:effectRef>
+              <a:fontRef idx="minor">
+                <a:schemeClr val="lt1"/>
+              </a:fontRef>
+            </p:style>
+            <p:txBody>
+              <a:bodyPr rtlCol="0" anchor="ctr"/>
+              <a:lstStyle/>
+              <a:p>
+                <a:pPr algn="ctr"/>
+                <a:endParaRPr lang="en-US" dirty="0"/>
+              </a:p>
+            </p:txBody>
+          </p:sp>
+          <p:sp>
+            <p:nvSpPr>
+              <p:cNvPr id="103" name="Rounded Rectangle 227"/>
+              <p:cNvSpPr/>
+              <p:nvPr/>
+            </p:nvSpPr>
+            <p:spPr>
+              <a:xfrm rot="10800000">
+                <a:off x="4879960" y="919204"/>
+                <a:ext cx="234247" cy="101171"/>
+              </a:xfrm>
+              <a:custGeom>
+                <a:avLst/>
+                <a:gdLst/>
+                <a:ahLst/>
+                <a:cxnLst/>
+                <a:rect l="l" t="t" r="r" b="b"/>
+                <a:pathLst>
+                  <a:path w="286327" h="1000124">
+                    <a:moveTo>
+                      <a:pt x="2115" y="0"/>
+                    </a:moveTo>
+                    <a:lnTo>
+                      <a:pt x="284212" y="0"/>
+                    </a:lnTo>
+                    <a:cubicBezTo>
+                      <a:pt x="286188" y="3367"/>
+                      <a:pt x="286327" y="6905"/>
+                      <a:pt x="286327" y="10476"/>
+                    </a:cubicBezTo>
+                    <a:lnTo>
+                      <a:pt x="286327" y="712825"/>
+                    </a:lnTo>
+                    <a:cubicBezTo>
+                      <a:pt x="286327" y="772047"/>
+                      <a:pt x="247915" y="822299"/>
+                      <a:pt x="194109" y="838409"/>
+                    </a:cubicBezTo>
+                    <a:cubicBezTo>
+                      <a:pt x="194108" y="875332"/>
+                      <a:pt x="194108" y="912256"/>
+                      <a:pt x="194108" y="949179"/>
+                    </a:cubicBezTo>
+                    <a:cubicBezTo>
+                      <a:pt x="194108" y="977315"/>
+                      <a:pt x="171299" y="1000124"/>
+                      <a:pt x="143163" y="1000124"/>
+                    </a:cubicBezTo>
+                    <a:lnTo>
+                      <a:pt x="143164" y="1000123"/>
+                    </a:lnTo>
+                    <a:cubicBezTo>
+                      <a:pt x="115028" y="1000123"/>
+                      <a:pt x="92219" y="977314"/>
+                      <a:pt x="92219" y="949178"/>
+                    </a:cubicBezTo>
+                    <a:lnTo>
+                      <a:pt x="92219" y="838409"/>
+                    </a:lnTo>
+                    <a:cubicBezTo>
+                      <a:pt x="38413" y="822299"/>
+                      <a:pt x="0" y="772048"/>
+                      <a:pt x="0" y="712825"/>
+                    </a:cubicBezTo>
+                    <a:lnTo>
+                      <a:pt x="0" y="10476"/>
+                    </a:lnTo>
+                    <a:close/>
+                  </a:path>
+                </a:pathLst>
+              </a:custGeom>
+              <a:solidFill>
+                <a:srgbClr val="0070C0"/>
+              </a:solidFill>
+              <a:ln w="19050">
+                <a:solidFill>
+                  <a:schemeClr val="bg1"/>
+                </a:solidFill>
+              </a:ln>
+            </p:spPr>
+            <p:style>
+              <a:lnRef idx="2">
+                <a:schemeClr val="accent1">
+                  <a:shade val="50000"/>
+                </a:schemeClr>
+              </a:lnRef>
+              <a:fillRef idx="1">
+                <a:schemeClr val="accent1"/>
+              </a:fillRef>
+              <a:effectRef idx="0">
+                <a:schemeClr val="accent1"/>
+              </a:effectRef>
+              <a:fontRef idx="minor">
+                <a:schemeClr val="lt1"/>
+              </a:fontRef>
+            </p:style>
+            <p:txBody>
+              <a:bodyPr rtlCol="0" anchor="ctr"/>
+              <a:lstStyle/>
+              <a:p>
+                <a:pPr algn="ctr"/>
+                <a:endParaRPr lang="en-SG"/>
+              </a:p>
+            </p:txBody>
+          </p:sp>
+        </p:grpSp>
         <p:sp>
           <p:nvSpPr>
-            <p:cNvPr id="103" name="Rounded Rectangle 227"/>
-            <p:cNvSpPr/>
-            <p:nvPr/>
-          </p:nvSpPr>
-          <p:spPr>
-            <a:xfrm rot="10800000">
-              <a:off x="4879960" y="919204"/>
-              <a:ext cx="234247" cy="101171"/>
-            </a:xfrm>
-            <a:custGeom>
-              <a:avLst/>
-              <a:gdLst/>
-              <a:ahLst/>
-              <a:cxnLst/>
-              <a:rect l="l" t="t" r="r" b="b"/>
-              <a:pathLst>
-                <a:path w="286327" h="1000124">
-                  <a:moveTo>
-                    <a:pt x="2115" y="0"/>
-                  </a:moveTo>
-                  <a:lnTo>
-                    <a:pt x="284212" y="0"/>
-                  </a:lnTo>
-                  <a:cubicBezTo>
-                    <a:pt x="286188" y="3367"/>
-                    <a:pt x="286327" y="6905"/>
-                    <a:pt x="286327" y="10476"/>
-                  </a:cubicBezTo>
-                  <a:lnTo>
-                    <a:pt x="286327" y="712825"/>
-                  </a:lnTo>
-                  <a:cubicBezTo>
-                    <a:pt x="286327" y="772047"/>
-                    <a:pt x="247915" y="822299"/>
-                    <a:pt x="194109" y="838409"/>
-                  </a:cubicBezTo>
-                  <a:cubicBezTo>
-                    <a:pt x="194108" y="875332"/>
-                    <a:pt x="194108" y="912256"/>
-                    <a:pt x="194108" y="949179"/>
-                  </a:cubicBezTo>
-                  <a:cubicBezTo>
-                    <a:pt x="194108" y="977315"/>
-                    <a:pt x="171299" y="1000124"/>
-                    <a:pt x="143163" y="1000124"/>
-                  </a:cubicBezTo>
-                  <a:lnTo>
-                    <a:pt x="143164" y="1000123"/>
-                  </a:lnTo>
-                  <a:cubicBezTo>
-                    <a:pt x="115028" y="1000123"/>
-                    <a:pt x="92219" y="977314"/>
-                    <a:pt x="92219" y="949178"/>
-                  </a:cubicBezTo>
-                  <a:lnTo>
-                    <a:pt x="92219" y="838409"/>
-                  </a:lnTo>
-                  <a:cubicBezTo>
-                    <a:pt x="38413" y="822299"/>
-                    <a:pt x="0" y="772048"/>
-                    <a:pt x="0" y="712825"/>
-                  </a:cubicBezTo>
-                  <a:lnTo>
-                    <a:pt x="0" y="10476"/>
-                  </a:lnTo>
-                  <a:close/>
-                </a:path>
-              </a:pathLst>
-            </a:custGeom>
-            <a:solidFill>
-              <a:srgbClr val="0070C0"/>
-            </a:solidFill>
-            <a:ln w="19050">
-              <a:solidFill>
-                <a:schemeClr val="bg1"/>
-              </a:solidFill>
-            </a:ln>
-          </p:spPr>
-          <p:style>
-            <a:lnRef idx="2">
-              <a:schemeClr val="accent1">
-                <a:shade val="50000"/>
-              </a:schemeClr>
-            </a:lnRef>
-            <a:fillRef idx="1">
-              <a:schemeClr val="accent1"/>
-            </a:fillRef>
-            <a:effectRef idx="0">
-              <a:schemeClr val="accent1"/>
-            </a:effectRef>
-            <a:fontRef idx="minor">
-              <a:schemeClr val="lt1"/>
-            </a:fontRef>
-          </p:style>
-          <p:txBody>
-            <a:bodyPr rtlCol="0" anchor="ctr"/>
-            <a:lstStyle/>
-            <a:p>
-              <a:pPr algn="ctr"/>
-              <a:endParaRPr lang="en-SG"/>
-            </a:p>
-          </p:txBody>
-        </p:sp>
-      </p:grpSp>
-      <p:sp>
-        <p:nvSpPr>
-          <p:cNvPr id="107" name="Oval 106"/>
-          <p:cNvSpPr/>
-          <p:nvPr/>
-        </p:nvSpPr>
-        <p:spPr>
-          <a:xfrm>
-            <a:off x="907649" y="4579751"/>
-            <a:ext cx="336754" cy="336754"/>
-          </a:xfrm>
-          <a:prstGeom prst="ellipse">
-            <a:avLst/>
-          </a:prstGeom>
-          <a:solidFill>
-            <a:srgbClr val="0070C0"/>
-          </a:solidFill>
-          <a:ln>
-            <a:solidFill>
-              <a:schemeClr val="bg1"/>
-            </a:solidFill>
-            <a:prstDash val="sysDot"/>
-          </a:ln>
-        </p:spPr>
-        <p:style>
-          <a:lnRef idx="2">
-            <a:schemeClr val="accent1">
-              <a:shade val="50000"/>
-            </a:schemeClr>
-          </a:lnRef>
-          <a:fillRef idx="1">
-            <a:schemeClr val="accent1"/>
-          </a:fillRef>
-          <a:effectRef idx="0">
-            <a:schemeClr val="accent1"/>
-          </a:effectRef>
-          <a:fontRef idx="minor">
-            <a:schemeClr val="lt1"/>
-          </a:fontRef>
-        </p:style>
-        <p:txBody>
-          <a:bodyPr rtlCol="0" anchor="ctr"/>
-          <a:lstStyle/>
-          <a:p>
-            <a:pPr algn="ctr"/>
-            <a:endParaRPr lang="en-US"/>
-          </a:p>
-        </p:txBody>
-      </p:sp>
-      <p:sp>
-        <p:nvSpPr>
-          <p:cNvPr id="108" name="TextBox 107"/>
-          <p:cNvSpPr txBox="1"/>
-          <p:nvPr/>
-        </p:nvSpPr>
-        <p:spPr>
-          <a:xfrm>
-            <a:off x="1528041" y="3602314"/>
-            <a:ext cx="1114236" cy="430887"/>
-          </a:xfrm>
-          <a:prstGeom prst="rect">
-            <a:avLst/>
-          </a:prstGeom>
-          <a:noFill/>
-        </p:spPr>
-        <p:txBody>
-          <a:bodyPr wrap="square" rtlCol="0">
-            <a:spAutoFit/>
-          </a:bodyPr>
-          <a:lstStyle/>
-          <a:p>
-            <a:pPr algn="ctr"/>
-            <a:r>
-              <a:rPr lang="en-US" sz="1100" dirty="0"/>
-              <a:t>Paste At Cursor Position</a:t>
-            </a:r>
-            <a:endParaRPr lang="en-SG" sz="1100" dirty="0"/>
-          </a:p>
-        </p:txBody>
-      </p:sp>
-      <p:sp>
-        <p:nvSpPr>
-          <p:cNvPr id="110" name="TextBox 109"/>
-          <p:cNvSpPr txBox="1"/>
-          <p:nvPr/>
-        </p:nvSpPr>
-        <p:spPr>
-          <a:xfrm>
-            <a:off x="2458236" y="3594417"/>
-            <a:ext cx="1114236" cy="430887"/>
-          </a:xfrm>
-          <a:prstGeom prst="rect">
-            <a:avLst/>
-          </a:prstGeom>
-          <a:noFill/>
-        </p:spPr>
-        <p:txBody>
-          <a:bodyPr wrap="square" rtlCol="0">
-            <a:spAutoFit/>
-          </a:bodyPr>
-          <a:lstStyle/>
-          <a:p>
-            <a:pPr algn="ctr"/>
-            <a:r>
-              <a:rPr lang="en-US" sz="1100" dirty="0"/>
-              <a:t>Paste At Original Position</a:t>
-            </a:r>
-            <a:endParaRPr lang="en-SG" sz="1100" dirty="0"/>
-          </a:p>
-        </p:txBody>
-      </p:sp>
-      <p:sp>
-        <p:nvSpPr>
-          <p:cNvPr id="111" name="TextBox 110"/>
-          <p:cNvSpPr txBox="1"/>
-          <p:nvPr/>
-        </p:nvSpPr>
-        <p:spPr>
-          <a:xfrm>
-            <a:off x="448147" y="4992502"/>
-            <a:ext cx="1114236" cy="430887"/>
-          </a:xfrm>
-          <a:prstGeom prst="rect">
-            <a:avLst/>
-          </a:prstGeom>
-          <a:noFill/>
-        </p:spPr>
-        <p:txBody>
-          <a:bodyPr wrap="square" rtlCol="0">
-            <a:spAutoFit/>
-          </a:bodyPr>
-          <a:lstStyle/>
-          <a:p>
-            <a:pPr algn="ctr"/>
-            <a:r>
-              <a:rPr lang="en-US" sz="1100" dirty="0"/>
-              <a:t>Replace With Clipboard</a:t>
-            </a:r>
-            <a:endParaRPr lang="en-SG" sz="1100" dirty="0"/>
-          </a:p>
-        </p:txBody>
-      </p:sp>
-      <p:sp>
-        <p:nvSpPr>
-          <p:cNvPr id="112" name="Rectangle 111"/>
-          <p:cNvSpPr/>
-          <p:nvPr/>
-        </p:nvSpPr>
-        <p:spPr>
-          <a:xfrm rot="10800000">
-            <a:off x="1852035" y="4407746"/>
-            <a:ext cx="549071" cy="549822"/>
-          </a:xfrm>
-          <a:prstGeom prst="rect">
-            <a:avLst/>
-          </a:prstGeom>
-          <a:solidFill>
-            <a:schemeClr val="bg2">
-              <a:lumMod val="75000"/>
-            </a:schemeClr>
-          </a:solidFill>
-          <a:ln>
-            <a:noFill/>
-          </a:ln>
-        </p:spPr>
-        <p:style>
-          <a:lnRef idx="2">
-            <a:schemeClr val="accent1">
-              <a:shade val="50000"/>
-            </a:schemeClr>
-          </a:lnRef>
-          <a:fillRef idx="1">
-            <a:schemeClr val="accent1"/>
-          </a:fillRef>
-          <a:effectRef idx="0">
-            <a:schemeClr val="accent1"/>
-          </a:effectRef>
-          <a:fontRef idx="minor">
-            <a:schemeClr val="lt1"/>
-          </a:fontRef>
-        </p:style>
-        <p:txBody>
-          <a:bodyPr wrap="none" lIns="0" tIns="0" rIns="0" bIns="0" rtlCol="0" anchor="ctr"/>
-          <a:lstStyle/>
-          <a:p>
-            <a:pPr algn="ctr"/>
-            <a:endParaRPr lang="en-US" b="1"/>
-          </a:p>
-        </p:txBody>
-      </p:sp>
-      <p:grpSp>
-        <p:nvGrpSpPr>
-          <p:cNvPr id="113" name="Group 112"/>
-          <p:cNvGrpSpPr/>
-          <p:nvPr/>
-        </p:nvGrpSpPr>
-        <p:grpSpPr>
-          <a:xfrm>
-            <a:off x="1859598" y="4422902"/>
-            <a:ext cx="343904" cy="458320"/>
-            <a:chOff x="4821567" y="919204"/>
-            <a:chExt cx="343904" cy="458320"/>
-          </a:xfrm>
-        </p:grpSpPr>
-        <p:sp>
-          <p:nvSpPr>
-            <p:cNvPr id="115" name="Rectangle 114"/>
+            <p:cNvPr id="107" name="Oval 106"/>
             <p:cNvSpPr/>
             <p:nvPr/>
           </p:nvSpPr>
           <p:spPr>
             <a:xfrm>
-              <a:off x="4821567" y="971454"/>
-              <a:ext cx="343904" cy="406070"/>
+              <a:off x="907649" y="4579751"/>
+              <a:ext cx="336754" cy="336754"/>
             </a:xfrm>
-            <a:prstGeom prst="rect">
+            <a:prstGeom prst="ellipse">
               <a:avLst/>
             </a:prstGeom>
-            <a:solidFill>
-              <a:srgbClr val="0070C0"/>
-            </a:solidFill>
-            <a:ln>
-              <a:noFill/>
-            </a:ln>
-          </p:spPr>
-          <p:style>
-            <a:lnRef idx="2">
-              <a:schemeClr val="accent1">
-                <a:shade val="50000"/>
-              </a:schemeClr>
-            </a:lnRef>
-            <a:fillRef idx="1">
-              <a:schemeClr val="accent1"/>
-            </a:fillRef>
-            <a:effectRef idx="0">
-              <a:schemeClr val="accent1"/>
-            </a:effectRef>
-            <a:fontRef idx="minor">
-              <a:schemeClr val="lt1"/>
-            </a:fontRef>
-          </p:style>
-          <p:txBody>
-            <a:bodyPr rtlCol="0" anchor="ctr"/>
-            <a:lstStyle/>
-            <a:p>
-              <a:pPr algn="ctr"/>
-              <a:endParaRPr lang="en-US" dirty="0"/>
-            </a:p>
-          </p:txBody>
-        </p:sp>
-        <p:sp>
-          <p:nvSpPr>
-            <p:cNvPr id="117" name="Rounded Rectangle 227"/>
-            <p:cNvSpPr/>
-            <p:nvPr/>
-          </p:nvSpPr>
-          <p:spPr>
-            <a:xfrm rot="10800000">
-              <a:off x="4879960" y="919204"/>
-              <a:ext cx="234247" cy="101171"/>
-            </a:xfrm>
-            <a:custGeom>
-              <a:avLst/>
-              <a:gdLst/>
-              <a:ahLst/>
-              <a:cxnLst/>
-              <a:rect l="l" t="t" r="r" b="b"/>
-              <a:pathLst>
-                <a:path w="286327" h="1000124">
-                  <a:moveTo>
-                    <a:pt x="2115" y="0"/>
-                  </a:moveTo>
-                  <a:lnTo>
-                    <a:pt x="284212" y="0"/>
-                  </a:lnTo>
-                  <a:cubicBezTo>
-                    <a:pt x="286188" y="3367"/>
-                    <a:pt x="286327" y="6905"/>
-                    <a:pt x="286327" y="10476"/>
-                  </a:cubicBezTo>
-                  <a:lnTo>
-                    <a:pt x="286327" y="712825"/>
-                  </a:lnTo>
-                  <a:cubicBezTo>
-                    <a:pt x="286327" y="772047"/>
-                    <a:pt x="247915" y="822299"/>
-                    <a:pt x="194109" y="838409"/>
-                  </a:cubicBezTo>
-                  <a:cubicBezTo>
-                    <a:pt x="194108" y="875332"/>
-                    <a:pt x="194108" y="912256"/>
-                    <a:pt x="194108" y="949179"/>
-                  </a:cubicBezTo>
-                  <a:cubicBezTo>
-                    <a:pt x="194108" y="977315"/>
-                    <a:pt x="171299" y="1000124"/>
-                    <a:pt x="143163" y="1000124"/>
-                  </a:cubicBezTo>
-                  <a:lnTo>
-                    <a:pt x="143164" y="1000123"/>
-                  </a:lnTo>
-                  <a:cubicBezTo>
-                    <a:pt x="115028" y="1000123"/>
-                    <a:pt x="92219" y="977314"/>
-                    <a:pt x="92219" y="949178"/>
-                  </a:cubicBezTo>
-                  <a:lnTo>
-                    <a:pt x="92219" y="838409"/>
-                  </a:lnTo>
-                  <a:cubicBezTo>
-                    <a:pt x="38413" y="822299"/>
-                    <a:pt x="0" y="772048"/>
-                    <a:pt x="0" y="712825"/>
-                  </a:cubicBezTo>
-                  <a:lnTo>
-                    <a:pt x="0" y="10476"/>
-                  </a:lnTo>
-                  <a:close/>
-                </a:path>
-              </a:pathLst>
-            </a:custGeom>
-            <a:solidFill>
-              <a:srgbClr val="0070C0"/>
-            </a:solidFill>
-            <a:ln w="19050">
+            <a:noFill/>
+            <a:ln w="28575">
               <a:solidFill>
-                <a:schemeClr val="bg1"/>
+                <a:srgbClr val="0070C0"/>
               </a:solidFill>
-            </a:ln>
-          </p:spPr>
-          <p:style>
-            <a:lnRef idx="2">
-              <a:schemeClr val="accent1">
-                <a:shade val="50000"/>
-              </a:schemeClr>
-            </a:lnRef>
-            <a:fillRef idx="1">
-              <a:schemeClr val="accent1"/>
-            </a:fillRef>
-            <a:effectRef idx="0">
-              <a:schemeClr val="accent1"/>
-            </a:effectRef>
-            <a:fontRef idx="minor">
-              <a:schemeClr val="lt1"/>
-            </a:fontRef>
-          </p:style>
-          <p:txBody>
-            <a:bodyPr rtlCol="0" anchor="ctr"/>
-            <a:lstStyle/>
-            <a:p>
-              <a:pPr algn="ctr"/>
-              <a:endParaRPr lang="en-SG"/>
-            </a:p>
-          </p:txBody>
-        </p:sp>
-      </p:grpSp>
-      <p:grpSp>
-        <p:nvGrpSpPr>
-          <p:cNvPr id="131" name="Group 130"/>
-          <p:cNvGrpSpPr/>
-          <p:nvPr/>
-        </p:nvGrpSpPr>
-        <p:grpSpPr>
-          <a:xfrm>
-            <a:off x="2021107" y="4579540"/>
-            <a:ext cx="368987" cy="366300"/>
-            <a:chOff x="2764335" y="1431261"/>
-            <a:chExt cx="445962" cy="442713"/>
-          </a:xfrm>
-          <a:solidFill>
-            <a:srgbClr val="0070C0"/>
-          </a:solidFill>
-        </p:grpSpPr>
-        <p:sp>
-          <p:nvSpPr>
-            <p:cNvPr id="132" name="Rectangle 131"/>
-            <p:cNvSpPr/>
-            <p:nvPr/>
-          </p:nvSpPr>
-          <p:spPr>
-            <a:xfrm>
-              <a:off x="2764335" y="1431283"/>
-              <a:ext cx="212942" cy="212942"/>
-            </a:xfrm>
-            <a:prstGeom prst="rect">
-              <a:avLst/>
-            </a:prstGeom>
-            <a:grpFill/>
-            <a:ln w="19050">
-              <a:solidFill>
-                <a:schemeClr val="bg1"/>
-              </a:solidFill>
+              <a:prstDash val="sysDash"/>
             </a:ln>
           </p:spPr>
           <p:style>
@@ -6928,25 +6631,131 @@
             </a:p>
           </p:txBody>
         </p:sp>
+      </p:grpSp>
+      <p:sp>
+        <p:nvSpPr>
+          <p:cNvPr id="108" name="TextBox 107"/>
+          <p:cNvSpPr txBox="1"/>
+          <p:nvPr/>
+        </p:nvSpPr>
+        <p:spPr>
+          <a:xfrm>
+            <a:off x="1528041" y="3602314"/>
+            <a:ext cx="1114236" cy="430887"/>
+          </a:xfrm>
+          <a:prstGeom prst="rect">
+            <a:avLst/>
+          </a:prstGeom>
+          <a:noFill/>
+        </p:spPr>
+        <p:txBody>
+          <a:bodyPr wrap="square" rtlCol="0">
+            <a:spAutoFit/>
+          </a:bodyPr>
+          <a:lstStyle/>
+          <a:p>
+            <a:pPr algn="ctr"/>
+            <a:r>
+              <a:rPr lang="en-US" sz="1100" dirty="0"/>
+              <a:t>Paste At Cursor Position</a:t>
+            </a:r>
+            <a:endParaRPr lang="en-SG" sz="1100" dirty="0"/>
+          </a:p>
+        </p:txBody>
+      </p:sp>
+      <p:sp>
+        <p:nvSpPr>
+          <p:cNvPr id="110" name="TextBox 109"/>
+          <p:cNvSpPr txBox="1"/>
+          <p:nvPr/>
+        </p:nvSpPr>
+        <p:spPr>
+          <a:xfrm>
+            <a:off x="2458236" y="3594417"/>
+            <a:ext cx="1114236" cy="430887"/>
+          </a:xfrm>
+          <a:prstGeom prst="rect">
+            <a:avLst/>
+          </a:prstGeom>
+          <a:noFill/>
+        </p:spPr>
+        <p:txBody>
+          <a:bodyPr wrap="square" rtlCol="0">
+            <a:spAutoFit/>
+          </a:bodyPr>
+          <a:lstStyle/>
+          <a:p>
+            <a:pPr algn="ctr"/>
+            <a:r>
+              <a:rPr lang="en-US" sz="1100" dirty="0"/>
+              <a:t>Paste At Original Position</a:t>
+            </a:r>
+            <a:endParaRPr lang="en-SG" sz="1100" dirty="0"/>
+          </a:p>
+        </p:txBody>
+      </p:sp>
+      <p:sp>
+        <p:nvSpPr>
+          <p:cNvPr id="111" name="TextBox 110"/>
+          <p:cNvSpPr txBox="1"/>
+          <p:nvPr/>
+        </p:nvSpPr>
+        <p:spPr>
+          <a:xfrm>
+            <a:off x="448147" y="4992502"/>
+            <a:ext cx="1114236" cy="430887"/>
+          </a:xfrm>
+          <a:prstGeom prst="rect">
+            <a:avLst/>
+          </a:prstGeom>
+          <a:noFill/>
+        </p:spPr>
+        <p:txBody>
+          <a:bodyPr wrap="square" rtlCol="0">
+            <a:spAutoFit/>
+          </a:bodyPr>
+          <a:lstStyle/>
+          <a:p>
+            <a:pPr algn="ctr"/>
+            <a:r>
+              <a:rPr lang="en-US" sz="1100" dirty="0"/>
+              <a:t>Replace With Clipboard</a:t>
+            </a:r>
+            <a:endParaRPr lang="en-SG" sz="1100" dirty="0"/>
+          </a:p>
+        </p:txBody>
+      </p:sp>
+      <p:grpSp>
+        <p:nvGrpSpPr>
+          <p:cNvPr id="6" name="Group 5"/>
+          <p:cNvGrpSpPr/>
+          <p:nvPr/>
+        </p:nvGrpSpPr>
+        <p:grpSpPr>
+          <a:xfrm>
+            <a:off x="1852035" y="4407746"/>
+            <a:ext cx="549071" cy="549822"/>
+            <a:chOff x="1852035" y="4407746"/>
+            <a:chExt cx="549071" cy="549822"/>
+          </a:xfrm>
+        </p:grpSpPr>
         <p:sp>
           <p:nvSpPr>
-            <p:cNvPr id="140" name="Rectangle 139"/>
+            <p:cNvPr id="112" name="Rectangle 111"/>
             <p:cNvSpPr/>
             <p:nvPr/>
           </p:nvSpPr>
           <p:spPr>
-            <a:xfrm>
-              <a:off x="2765652" y="1641480"/>
-              <a:ext cx="212942" cy="212942"/>
+            <a:xfrm rot="10800000">
+              <a:off x="1852035" y="4407746"/>
+              <a:ext cx="549071" cy="549822"/>
             </a:xfrm>
             <a:prstGeom prst="rect">
               <a:avLst/>
             </a:prstGeom>
-            <a:grpFill/>
-            <a:ln w="19050">
-              <a:solidFill>
-                <a:schemeClr val="bg1"/>
-              </a:solidFill>
+            <a:noFill/>
+            <a:ln>
+              <a:noFill/>
             </a:ln>
           </p:spPr>
           <p:style>
@@ -6966,33 +6775,420 @@
             </a:fontRef>
           </p:style>
           <p:txBody>
-            <a:bodyPr rtlCol="0" anchor="ctr"/>
+            <a:bodyPr wrap="none" lIns="0" tIns="0" rIns="0" bIns="0" rtlCol="0" anchor="ctr"/>
             <a:lstStyle/>
             <a:p>
               <a:pPr algn="ctr"/>
-              <a:endParaRPr lang="en-US"/>
+              <a:endParaRPr lang="en-US" b="1"/>
             </a:p>
           </p:txBody>
         </p:sp>
+        <p:grpSp>
+          <p:nvGrpSpPr>
+            <p:cNvPr id="113" name="Group 112"/>
+            <p:cNvGrpSpPr/>
+            <p:nvPr/>
+          </p:nvGrpSpPr>
+          <p:grpSpPr>
+            <a:xfrm>
+              <a:off x="1859598" y="4422902"/>
+              <a:ext cx="343904" cy="458320"/>
+              <a:chOff x="4821567" y="919204"/>
+              <a:chExt cx="343904" cy="458320"/>
+            </a:xfrm>
+          </p:grpSpPr>
+          <p:sp>
+            <p:nvSpPr>
+              <p:cNvPr id="115" name="Rectangle 114"/>
+              <p:cNvSpPr/>
+              <p:nvPr/>
+            </p:nvSpPr>
+            <p:spPr>
+              <a:xfrm>
+                <a:off x="4821567" y="971454"/>
+                <a:ext cx="343904" cy="406070"/>
+              </a:xfrm>
+              <a:prstGeom prst="rect">
+                <a:avLst/>
+              </a:prstGeom>
+              <a:solidFill>
+                <a:srgbClr val="FFFFFF"/>
+              </a:solidFill>
+              <a:ln w="28575" cap="flat" cmpd="sng" algn="ctr">
+                <a:solidFill>
+                  <a:srgbClr val="0070C0"/>
+                </a:solidFill>
+                <a:prstDash val="solid"/>
+                <a:round/>
+                <a:headEnd type="none" w="med" len="med"/>
+                <a:tailEnd type="none" w="med" len="med"/>
+              </a:ln>
+            </p:spPr>
+            <p:style>
+              <a:lnRef idx="2">
+                <a:schemeClr val="accent1">
+                  <a:shade val="50000"/>
+                </a:schemeClr>
+              </a:lnRef>
+              <a:fillRef idx="1">
+                <a:schemeClr val="accent1"/>
+              </a:fillRef>
+              <a:effectRef idx="0">
+                <a:schemeClr val="accent1"/>
+              </a:effectRef>
+              <a:fontRef idx="minor">
+                <a:schemeClr val="lt1"/>
+              </a:fontRef>
+            </p:style>
+            <p:txBody>
+              <a:bodyPr rtlCol="0" anchor="ctr"/>
+              <a:lstStyle/>
+              <a:p>
+                <a:pPr algn="ctr"/>
+                <a:endParaRPr lang="en-US" dirty="0"/>
+              </a:p>
+            </p:txBody>
+          </p:sp>
+          <p:sp>
+            <p:nvSpPr>
+              <p:cNvPr id="117" name="Rounded Rectangle 227"/>
+              <p:cNvSpPr/>
+              <p:nvPr/>
+            </p:nvSpPr>
+            <p:spPr>
+              <a:xfrm rot="10800000">
+                <a:off x="4879960" y="919204"/>
+                <a:ext cx="234247" cy="101171"/>
+              </a:xfrm>
+              <a:custGeom>
+                <a:avLst/>
+                <a:gdLst/>
+                <a:ahLst/>
+                <a:cxnLst/>
+                <a:rect l="l" t="t" r="r" b="b"/>
+                <a:pathLst>
+                  <a:path w="286327" h="1000124">
+                    <a:moveTo>
+                      <a:pt x="2115" y="0"/>
+                    </a:moveTo>
+                    <a:lnTo>
+                      <a:pt x="284212" y="0"/>
+                    </a:lnTo>
+                    <a:cubicBezTo>
+                      <a:pt x="286188" y="3367"/>
+                      <a:pt x="286327" y="6905"/>
+                      <a:pt x="286327" y="10476"/>
+                    </a:cubicBezTo>
+                    <a:lnTo>
+                      <a:pt x="286327" y="712825"/>
+                    </a:lnTo>
+                    <a:cubicBezTo>
+                      <a:pt x="286327" y="772047"/>
+                      <a:pt x="247915" y="822299"/>
+                      <a:pt x="194109" y="838409"/>
+                    </a:cubicBezTo>
+                    <a:cubicBezTo>
+                      <a:pt x="194108" y="875332"/>
+                      <a:pt x="194108" y="912256"/>
+                      <a:pt x="194108" y="949179"/>
+                    </a:cubicBezTo>
+                    <a:cubicBezTo>
+                      <a:pt x="194108" y="977315"/>
+                      <a:pt x="171299" y="1000124"/>
+                      <a:pt x="143163" y="1000124"/>
+                    </a:cubicBezTo>
+                    <a:lnTo>
+                      <a:pt x="143164" y="1000123"/>
+                    </a:lnTo>
+                    <a:cubicBezTo>
+                      <a:pt x="115028" y="1000123"/>
+                      <a:pt x="92219" y="977314"/>
+                      <a:pt x="92219" y="949178"/>
+                    </a:cubicBezTo>
+                    <a:lnTo>
+                      <a:pt x="92219" y="838409"/>
+                    </a:lnTo>
+                    <a:cubicBezTo>
+                      <a:pt x="38413" y="822299"/>
+                      <a:pt x="0" y="772048"/>
+                      <a:pt x="0" y="712825"/>
+                    </a:cubicBezTo>
+                    <a:lnTo>
+                      <a:pt x="0" y="10476"/>
+                    </a:lnTo>
+                    <a:close/>
+                  </a:path>
+                </a:pathLst>
+              </a:custGeom>
+              <a:solidFill>
+                <a:srgbClr val="0070C0"/>
+              </a:solidFill>
+              <a:ln w="19050">
+                <a:solidFill>
+                  <a:schemeClr val="bg1"/>
+                </a:solidFill>
+              </a:ln>
+            </p:spPr>
+            <p:style>
+              <a:lnRef idx="2">
+                <a:schemeClr val="accent1">
+                  <a:shade val="50000"/>
+                </a:schemeClr>
+              </a:lnRef>
+              <a:fillRef idx="1">
+                <a:schemeClr val="accent1"/>
+              </a:fillRef>
+              <a:effectRef idx="0">
+                <a:schemeClr val="accent1"/>
+              </a:effectRef>
+              <a:fontRef idx="minor">
+                <a:schemeClr val="lt1"/>
+              </a:fontRef>
+            </p:style>
+            <p:txBody>
+              <a:bodyPr rtlCol="0" anchor="ctr"/>
+              <a:lstStyle/>
+              <a:p>
+                <a:pPr algn="ctr"/>
+                <a:endParaRPr lang="en-SG"/>
+              </a:p>
+            </p:txBody>
+          </p:sp>
+        </p:grpSp>
+        <p:grpSp>
+          <p:nvGrpSpPr>
+            <p:cNvPr id="131" name="Group 130"/>
+            <p:cNvGrpSpPr/>
+            <p:nvPr/>
+          </p:nvGrpSpPr>
+          <p:grpSpPr>
+            <a:xfrm>
+              <a:off x="2021107" y="4579540"/>
+              <a:ext cx="368987" cy="366300"/>
+              <a:chOff x="2764335" y="1431261"/>
+              <a:chExt cx="445962" cy="442713"/>
+            </a:xfrm>
+            <a:solidFill>
+              <a:srgbClr val="0070C0"/>
+            </a:solidFill>
+          </p:grpSpPr>
+          <p:sp>
+            <p:nvSpPr>
+              <p:cNvPr id="132" name="Rectangle 131"/>
+              <p:cNvSpPr/>
+              <p:nvPr/>
+            </p:nvSpPr>
+            <p:spPr>
+              <a:xfrm>
+                <a:off x="2764335" y="1431283"/>
+                <a:ext cx="212942" cy="212942"/>
+              </a:xfrm>
+              <a:prstGeom prst="rect">
+                <a:avLst/>
+              </a:prstGeom>
+              <a:grpFill/>
+              <a:ln w="19050">
+                <a:solidFill>
+                  <a:schemeClr val="bg1"/>
+                </a:solidFill>
+              </a:ln>
+            </p:spPr>
+            <p:style>
+              <a:lnRef idx="2">
+                <a:schemeClr val="accent1">
+                  <a:shade val="50000"/>
+                </a:schemeClr>
+              </a:lnRef>
+              <a:fillRef idx="1">
+                <a:schemeClr val="accent1"/>
+              </a:fillRef>
+              <a:effectRef idx="0">
+                <a:schemeClr val="accent1"/>
+              </a:effectRef>
+              <a:fontRef idx="minor">
+                <a:schemeClr val="lt1"/>
+              </a:fontRef>
+            </p:style>
+            <p:txBody>
+              <a:bodyPr rtlCol="0" anchor="ctr"/>
+              <a:lstStyle/>
+              <a:p>
+                <a:pPr algn="ctr"/>
+                <a:endParaRPr lang="en-US"/>
+              </a:p>
+            </p:txBody>
+          </p:sp>
+          <p:sp>
+            <p:nvSpPr>
+              <p:cNvPr id="140" name="Rectangle 139"/>
+              <p:cNvSpPr/>
+              <p:nvPr/>
+            </p:nvSpPr>
+            <p:spPr>
+              <a:xfrm>
+                <a:off x="2765652" y="1641480"/>
+                <a:ext cx="212942" cy="212942"/>
+              </a:xfrm>
+              <a:prstGeom prst="rect">
+                <a:avLst/>
+              </a:prstGeom>
+              <a:grpFill/>
+              <a:ln w="19050">
+                <a:solidFill>
+                  <a:schemeClr val="bg1"/>
+                </a:solidFill>
+              </a:ln>
+            </p:spPr>
+            <p:style>
+              <a:lnRef idx="2">
+                <a:schemeClr val="accent1">
+                  <a:shade val="50000"/>
+                </a:schemeClr>
+              </a:lnRef>
+              <a:fillRef idx="1">
+                <a:schemeClr val="accent1"/>
+              </a:fillRef>
+              <a:effectRef idx="0">
+                <a:schemeClr val="accent1"/>
+              </a:effectRef>
+              <a:fontRef idx="minor">
+                <a:schemeClr val="lt1"/>
+              </a:fontRef>
+            </p:style>
+            <p:txBody>
+              <a:bodyPr rtlCol="0" anchor="ctr"/>
+              <a:lstStyle/>
+              <a:p>
+                <a:pPr algn="ctr"/>
+                <a:endParaRPr lang="en-US"/>
+              </a:p>
+            </p:txBody>
+          </p:sp>
+          <p:sp>
+            <p:nvSpPr>
+              <p:cNvPr id="141" name="Rectangle 140"/>
+              <p:cNvSpPr/>
+              <p:nvPr/>
+            </p:nvSpPr>
+            <p:spPr>
+              <a:xfrm>
+                <a:off x="2979312" y="1431261"/>
+                <a:ext cx="212942" cy="212942"/>
+              </a:xfrm>
+              <a:prstGeom prst="rect">
+                <a:avLst/>
+              </a:prstGeom>
+              <a:grpFill/>
+              <a:ln w="19050">
+                <a:solidFill>
+                  <a:schemeClr val="bg1"/>
+                </a:solidFill>
+              </a:ln>
+            </p:spPr>
+            <p:style>
+              <a:lnRef idx="2">
+                <a:schemeClr val="accent1">
+                  <a:shade val="50000"/>
+                </a:schemeClr>
+              </a:lnRef>
+              <a:fillRef idx="1">
+                <a:schemeClr val="accent1"/>
+              </a:fillRef>
+              <a:effectRef idx="0">
+                <a:schemeClr val="accent1"/>
+              </a:effectRef>
+              <a:fontRef idx="minor">
+                <a:schemeClr val="lt1"/>
+              </a:fontRef>
+            </p:style>
+            <p:txBody>
+              <a:bodyPr rtlCol="0" anchor="ctr"/>
+              <a:lstStyle/>
+              <a:p>
+                <a:pPr algn="ctr"/>
+                <a:endParaRPr lang="en-US"/>
+              </a:p>
+            </p:txBody>
+          </p:sp>
+          <p:sp>
+            <p:nvSpPr>
+              <p:cNvPr id="142" name="Cross 141"/>
+              <p:cNvSpPr/>
+              <p:nvPr/>
+            </p:nvSpPr>
+            <p:spPr>
+              <a:xfrm>
+                <a:off x="3019069" y="1682747"/>
+                <a:ext cx="191228" cy="191227"/>
+              </a:xfrm>
+              <a:prstGeom prst="plus">
+                <a:avLst>
+                  <a:gd name="adj" fmla="val 33338"/>
+                </a:avLst>
+              </a:prstGeom>
+              <a:grpFill/>
+              <a:ln w="19050">
+                <a:noFill/>
+              </a:ln>
+            </p:spPr>
+            <p:style>
+              <a:lnRef idx="2">
+                <a:schemeClr val="accent1">
+                  <a:shade val="50000"/>
+                </a:schemeClr>
+              </a:lnRef>
+              <a:fillRef idx="1">
+                <a:schemeClr val="accent1"/>
+              </a:fillRef>
+              <a:effectRef idx="0">
+                <a:schemeClr val="accent1"/>
+              </a:effectRef>
+              <a:fontRef idx="minor">
+                <a:schemeClr val="lt1"/>
+              </a:fontRef>
+            </p:style>
+            <p:txBody>
+              <a:bodyPr rtlCol="0" anchor="ctr"/>
+              <a:lstStyle/>
+              <a:p>
+                <a:pPr algn="ctr"/>
+                <a:endParaRPr lang="en-US"/>
+              </a:p>
+            </p:txBody>
+          </p:sp>
+        </p:grpSp>
+      </p:grpSp>
+      <p:grpSp>
+        <p:nvGrpSpPr>
+          <p:cNvPr id="5" name="Group 4"/>
+          <p:cNvGrpSpPr/>
+          <p:nvPr/>
+        </p:nvGrpSpPr>
+        <p:grpSpPr>
+          <a:xfrm>
+            <a:off x="2784509" y="3016576"/>
+            <a:ext cx="549071" cy="549822"/>
+            <a:chOff x="2784509" y="3016576"/>
+            <a:chExt cx="549071" cy="549822"/>
+          </a:xfrm>
+        </p:grpSpPr>
         <p:sp>
           <p:nvSpPr>
-            <p:cNvPr id="141" name="Rectangle 140"/>
+            <p:cNvPr id="143" name="Rectangle 142"/>
             <p:cNvSpPr/>
             <p:nvPr/>
           </p:nvSpPr>
           <p:spPr>
-            <a:xfrm>
-              <a:off x="2979312" y="1431261"/>
-              <a:ext cx="212942" cy="212942"/>
+            <a:xfrm rot="10800000">
+              <a:off x="2784509" y="3016576"/>
+              <a:ext cx="549071" cy="549822"/>
             </a:xfrm>
             <a:prstGeom prst="rect">
               <a:avLst/>
             </a:prstGeom>
-            <a:grpFill/>
-            <a:ln w="19050">
-              <a:solidFill>
-                <a:schemeClr val="bg1"/>
-              </a:solidFill>
+            <a:noFill/>
+            <a:ln>
+              <a:noFill/>
             </a:ln>
           </p:spPr>
           <p:style>
@@ -7012,32 +7208,206 @@
             </a:fontRef>
           </p:style>
           <p:txBody>
-            <a:bodyPr rtlCol="0" anchor="ctr"/>
+            <a:bodyPr wrap="none" lIns="0" tIns="0" rIns="0" bIns="0" rtlCol="0" anchor="ctr"/>
             <a:lstStyle/>
             <a:p>
               <a:pPr algn="ctr"/>
-              <a:endParaRPr lang="en-US"/>
+              <a:endParaRPr lang="en-US" b="1"/>
             </a:p>
           </p:txBody>
         </p:sp>
+        <p:grpSp>
+          <p:nvGrpSpPr>
+            <p:cNvPr id="144" name="Group 143"/>
+            <p:cNvGrpSpPr/>
+            <p:nvPr/>
+          </p:nvGrpSpPr>
+          <p:grpSpPr>
+            <a:xfrm>
+              <a:off x="2792072" y="3031732"/>
+              <a:ext cx="343904" cy="458320"/>
+              <a:chOff x="4821567" y="919204"/>
+              <a:chExt cx="343904" cy="458320"/>
+            </a:xfrm>
+          </p:grpSpPr>
+          <p:sp>
+            <p:nvSpPr>
+              <p:cNvPr id="145" name="Rectangle 144"/>
+              <p:cNvSpPr/>
+              <p:nvPr/>
+            </p:nvSpPr>
+            <p:spPr>
+              <a:xfrm>
+                <a:off x="4821567" y="971454"/>
+                <a:ext cx="343904" cy="406070"/>
+              </a:xfrm>
+              <a:prstGeom prst="rect">
+                <a:avLst/>
+              </a:prstGeom>
+              <a:solidFill>
+                <a:srgbClr val="FFFFFF"/>
+              </a:solidFill>
+              <a:ln w="28575" cap="flat" cmpd="sng" algn="ctr">
+                <a:solidFill>
+                  <a:srgbClr val="0070C0"/>
+                </a:solidFill>
+                <a:prstDash val="solid"/>
+                <a:round/>
+                <a:headEnd type="none" w="med" len="med"/>
+                <a:tailEnd type="none" w="med" len="med"/>
+              </a:ln>
+            </p:spPr>
+            <p:style>
+              <a:lnRef idx="2">
+                <a:schemeClr val="accent1">
+                  <a:shade val="50000"/>
+                </a:schemeClr>
+              </a:lnRef>
+              <a:fillRef idx="1">
+                <a:schemeClr val="accent1"/>
+              </a:fillRef>
+              <a:effectRef idx="0">
+                <a:schemeClr val="accent1"/>
+              </a:effectRef>
+              <a:fontRef idx="minor">
+                <a:schemeClr val="lt1"/>
+              </a:fontRef>
+            </p:style>
+            <p:txBody>
+              <a:bodyPr rtlCol="0" anchor="ctr"/>
+              <a:lstStyle/>
+              <a:p>
+                <a:pPr algn="ctr"/>
+                <a:endParaRPr lang="en-US" dirty="0"/>
+              </a:p>
+            </p:txBody>
+          </p:sp>
+          <p:sp>
+            <p:nvSpPr>
+              <p:cNvPr id="146" name="Rounded Rectangle 227"/>
+              <p:cNvSpPr/>
+              <p:nvPr/>
+            </p:nvSpPr>
+            <p:spPr>
+              <a:xfrm rot="10800000">
+                <a:off x="4879960" y="919204"/>
+                <a:ext cx="234247" cy="101171"/>
+              </a:xfrm>
+              <a:custGeom>
+                <a:avLst/>
+                <a:gdLst/>
+                <a:ahLst/>
+                <a:cxnLst/>
+                <a:rect l="l" t="t" r="r" b="b"/>
+                <a:pathLst>
+                  <a:path w="286327" h="1000124">
+                    <a:moveTo>
+                      <a:pt x="2115" y="0"/>
+                    </a:moveTo>
+                    <a:lnTo>
+                      <a:pt x="284212" y="0"/>
+                    </a:lnTo>
+                    <a:cubicBezTo>
+                      <a:pt x="286188" y="3367"/>
+                      <a:pt x="286327" y="6905"/>
+                      <a:pt x="286327" y="10476"/>
+                    </a:cubicBezTo>
+                    <a:lnTo>
+                      <a:pt x="286327" y="712825"/>
+                    </a:lnTo>
+                    <a:cubicBezTo>
+                      <a:pt x="286327" y="772047"/>
+                      <a:pt x="247915" y="822299"/>
+                      <a:pt x="194109" y="838409"/>
+                    </a:cubicBezTo>
+                    <a:cubicBezTo>
+                      <a:pt x="194108" y="875332"/>
+                      <a:pt x="194108" y="912256"/>
+                      <a:pt x="194108" y="949179"/>
+                    </a:cubicBezTo>
+                    <a:cubicBezTo>
+                      <a:pt x="194108" y="977315"/>
+                      <a:pt x="171299" y="1000124"/>
+                      <a:pt x="143163" y="1000124"/>
+                    </a:cubicBezTo>
+                    <a:lnTo>
+                      <a:pt x="143164" y="1000123"/>
+                    </a:lnTo>
+                    <a:cubicBezTo>
+                      <a:pt x="115028" y="1000123"/>
+                      <a:pt x="92219" y="977314"/>
+                      <a:pt x="92219" y="949178"/>
+                    </a:cubicBezTo>
+                    <a:lnTo>
+                      <a:pt x="92219" y="838409"/>
+                    </a:lnTo>
+                    <a:cubicBezTo>
+                      <a:pt x="38413" y="822299"/>
+                      <a:pt x="0" y="772048"/>
+                      <a:pt x="0" y="712825"/>
+                    </a:cubicBezTo>
+                    <a:lnTo>
+                      <a:pt x="0" y="10476"/>
+                    </a:lnTo>
+                    <a:close/>
+                  </a:path>
+                </a:pathLst>
+              </a:custGeom>
+              <a:solidFill>
+                <a:srgbClr val="0070C0"/>
+              </a:solidFill>
+              <a:ln w="19050">
+                <a:solidFill>
+                  <a:schemeClr val="bg1"/>
+                </a:solidFill>
+              </a:ln>
+            </p:spPr>
+            <p:style>
+              <a:lnRef idx="2">
+                <a:schemeClr val="accent1">
+                  <a:shade val="50000"/>
+                </a:schemeClr>
+              </a:lnRef>
+              <a:fillRef idx="1">
+                <a:schemeClr val="accent1"/>
+              </a:fillRef>
+              <a:effectRef idx="0">
+                <a:schemeClr val="accent1"/>
+              </a:effectRef>
+              <a:fontRef idx="minor">
+                <a:schemeClr val="lt1"/>
+              </a:fontRef>
+            </p:style>
+            <p:txBody>
+              <a:bodyPr rtlCol="0" anchor="ctr"/>
+              <a:lstStyle/>
+              <a:p>
+                <a:pPr algn="ctr"/>
+                <a:endParaRPr lang="en-SG"/>
+              </a:p>
+            </p:txBody>
+          </p:sp>
+        </p:grpSp>
         <p:sp>
           <p:nvSpPr>
-            <p:cNvPr id="142" name="Cross 141"/>
+            <p:cNvPr id="147" name="Rectangle: Folded Corner 146"/>
             <p:cNvSpPr/>
             <p:nvPr/>
           </p:nvSpPr>
           <p:spPr>
-            <a:xfrm>
-              <a:off x="3019069" y="1682747"/>
-              <a:ext cx="191228" cy="191227"/>
+            <a:xfrm rot="10800000" flipH="1">
+              <a:off x="3028896" y="3204124"/>
+              <a:ext cx="277140" cy="338178"/>
             </a:xfrm>
-            <a:prstGeom prst="plus">
+            <a:prstGeom prst="foldedCorner">
               <a:avLst>
-                <a:gd name="adj" fmla="val 33338"/>
+                <a:gd name="adj" fmla="val 44103"/>
               </a:avLst>
             </a:prstGeom>
-            <a:grpFill/>
-            <a:ln w="19050">
+            <a:solidFill>
+              <a:srgbClr val="0070C0"/>
+            </a:solidFill>
+            <a:ln w="28575">
               <a:solidFill>
                 <a:schemeClr val="bg1"/>
               </a:solidFill>
@@ -7069,270 +7439,6 @@
           </p:txBody>
         </p:sp>
       </p:grpSp>
-      <p:sp>
-        <p:nvSpPr>
-          <p:cNvPr id="143" name="Rectangle 142"/>
-          <p:cNvSpPr/>
-          <p:nvPr/>
-        </p:nvSpPr>
-        <p:spPr>
-          <a:xfrm rot="10800000">
-            <a:off x="2784509" y="3016576"/>
-            <a:ext cx="549071" cy="549822"/>
-          </a:xfrm>
-          <a:prstGeom prst="rect">
-            <a:avLst/>
-          </a:prstGeom>
-          <a:solidFill>
-            <a:schemeClr val="bg2">
-              <a:lumMod val="75000"/>
-            </a:schemeClr>
-          </a:solidFill>
-          <a:ln>
-            <a:noFill/>
-          </a:ln>
-        </p:spPr>
-        <p:style>
-          <a:lnRef idx="2">
-            <a:schemeClr val="accent1">
-              <a:shade val="50000"/>
-            </a:schemeClr>
-          </a:lnRef>
-          <a:fillRef idx="1">
-            <a:schemeClr val="accent1"/>
-          </a:fillRef>
-          <a:effectRef idx="0">
-            <a:schemeClr val="accent1"/>
-          </a:effectRef>
-          <a:fontRef idx="minor">
-            <a:schemeClr val="lt1"/>
-          </a:fontRef>
-        </p:style>
-        <p:txBody>
-          <a:bodyPr wrap="none" lIns="0" tIns="0" rIns="0" bIns="0" rtlCol="0" anchor="ctr"/>
-          <a:lstStyle/>
-          <a:p>
-            <a:pPr algn="ctr"/>
-            <a:endParaRPr lang="en-US" b="1"/>
-          </a:p>
-        </p:txBody>
-      </p:sp>
-      <p:grpSp>
-        <p:nvGrpSpPr>
-          <p:cNvPr id="144" name="Group 143"/>
-          <p:cNvGrpSpPr/>
-          <p:nvPr/>
-        </p:nvGrpSpPr>
-        <p:grpSpPr>
-          <a:xfrm>
-            <a:off x="2792072" y="3031732"/>
-            <a:ext cx="343904" cy="458320"/>
-            <a:chOff x="4821567" y="919204"/>
-            <a:chExt cx="343904" cy="458320"/>
-          </a:xfrm>
-        </p:grpSpPr>
-        <p:sp>
-          <p:nvSpPr>
-            <p:cNvPr id="145" name="Rectangle 144"/>
-            <p:cNvSpPr/>
-            <p:nvPr/>
-          </p:nvSpPr>
-          <p:spPr>
-            <a:xfrm>
-              <a:off x="4821567" y="971454"/>
-              <a:ext cx="343904" cy="406070"/>
-            </a:xfrm>
-            <a:prstGeom prst="rect">
-              <a:avLst/>
-            </a:prstGeom>
-            <a:solidFill>
-              <a:srgbClr val="0070C0"/>
-            </a:solidFill>
-            <a:ln>
-              <a:noFill/>
-            </a:ln>
-          </p:spPr>
-          <p:style>
-            <a:lnRef idx="2">
-              <a:schemeClr val="accent1">
-                <a:shade val="50000"/>
-              </a:schemeClr>
-            </a:lnRef>
-            <a:fillRef idx="1">
-              <a:schemeClr val="accent1"/>
-            </a:fillRef>
-            <a:effectRef idx="0">
-              <a:schemeClr val="accent1"/>
-            </a:effectRef>
-            <a:fontRef idx="minor">
-              <a:schemeClr val="lt1"/>
-            </a:fontRef>
-          </p:style>
-          <p:txBody>
-            <a:bodyPr rtlCol="0" anchor="ctr"/>
-            <a:lstStyle/>
-            <a:p>
-              <a:pPr algn="ctr"/>
-              <a:endParaRPr lang="en-US" dirty="0"/>
-            </a:p>
-          </p:txBody>
-        </p:sp>
-        <p:sp>
-          <p:nvSpPr>
-            <p:cNvPr id="146" name="Rounded Rectangle 227"/>
-            <p:cNvSpPr/>
-            <p:nvPr/>
-          </p:nvSpPr>
-          <p:spPr>
-            <a:xfrm rot="10800000">
-              <a:off x="4879960" y="919204"/>
-              <a:ext cx="234247" cy="101171"/>
-            </a:xfrm>
-            <a:custGeom>
-              <a:avLst/>
-              <a:gdLst/>
-              <a:ahLst/>
-              <a:cxnLst/>
-              <a:rect l="l" t="t" r="r" b="b"/>
-              <a:pathLst>
-                <a:path w="286327" h="1000124">
-                  <a:moveTo>
-                    <a:pt x="2115" y="0"/>
-                  </a:moveTo>
-                  <a:lnTo>
-                    <a:pt x="284212" y="0"/>
-                  </a:lnTo>
-                  <a:cubicBezTo>
-                    <a:pt x="286188" y="3367"/>
-                    <a:pt x="286327" y="6905"/>
-                    <a:pt x="286327" y="10476"/>
-                  </a:cubicBezTo>
-                  <a:lnTo>
-                    <a:pt x="286327" y="712825"/>
-                  </a:lnTo>
-                  <a:cubicBezTo>
-                    <a:pt x="286327" y="772047"/>
-                    <a:pt x="247915" y="822299"/>
-                    <a:pt x="194109" y="838409"/>
-                  </a:cubicBezTo>
-                  <a:cubicBezTo>
-                    <a:pt x="194108" y="875332"/>
-                    <a:pt x="194108" y="912256"/>
-                    <a:pt x="194108" y="949179"/>
-                  </a:cubicBezTo>
-                  <a:cubicBezTo>
-                    <a:pt x="194108" y="977315"/>
-                    <a:pt x="171299" y="1000124"/>
-                    <a:pt x="143163" y="1000124"/>
-                  </a:cubicBezTo>
-                  <a:lnTo>
-                    <a:pt x="143164" y="1000123"/>
-                  </a:lnTo>
-                  <a:cubicBezTo>
-                    <a:pt x="115028" y="1000123"/>
-                    <a:pt x="92219" y="977314"/>
-                    <a:pt x="92219" y="949178"/>
-                  </a:cubicBezTo>
-                  <a:lnTo>
-                    <a:pt x="92219" y="838409"/>
-                  </a:lnTo>
-                  <a:cubicBezTo>
-                    <a:pt x="38413" y="822299"/>
-                    <a:pt x="0" y="772048"/>
-                    <a:pt x="0" y="712825"/>
-                  </a:cubicBezTo>
-                  <a:lnTo>
-                    <a:pt x="0" y="10476"/>
-                  </a:lnTo>
-                  <a:close/>
-                </a:path>
-              </a:pathLst>
-            </a:custGeom>
-            <a:solidFill>
-              <a:srgbClr val="0070C0"/>
-            </a:solidFill>
-            <a:ln w="19050">
-              <a:solidFill>
-                <a:schemeClr val="bg1"/>
-              </a:solidFill>
-            </a:ln>
-          </p:spPr>
-          <p:style>
-            <a:lnRef idx="2">
-              <a:schemeClr val="accent1">
-                <a:shade val="50000"/>
-              </a:schemeClr>
-            </a:lnRef>
-            <a:fillRef idx="1">
-              <a:schemeClr val="accent1"/>
-            </a:fillRef>
-            <a:effectRef idx="0">
-              <a:schemeClr val="accent1"/>
-            </a:effectRef>
-            <a:fontRef idx="minor">
-              <a:schemeClr val="lt1"/>
-            </a:fontRef>
-          </p:style>
-          <p:txBody>
-            <a:bodyPr rtlCol="0" anchor="ctr"/>
-            <a:lstStyle/>
-            <a:p>
-              <a:pPr algn="ctr"/>
-              <a:endParaRPr lang="en-SG"/>
-            </a:p>
-          </p:txBody>
-        </p:sp>
-      </p:grpSp>
-      <p:sp>
-        <p:nvSpPr>
-          <p:cNvPr id="147" name="Rectangle: Folded Corner 146"/>
-          <p:cNvSpPr/>
-          <p:nvPr/>
-        </p:nvSpPr>
-        <p:spPr>
-          <a:xfrm rot="10800000" flipH="1">
-            <a:off x="3028896" y="3204124"/>
-            <a:ext cx="277140" cy="338178"/>
-          </a:xfrm>
-          <a:prstGeom prst="foldedCorner">
-            <a:avLst>
-              <a:gd name="adj" fmla="val 44103"/>
-            </a:avLst>
-          </a:prstGeom>
-          <a:solidFill>
-            <a:srgbClr val="0070C0"/>
-          </a:solidFill>
-          <a:ln w="19050">
-            <a:solidFill>
-              <a:schemeClr val="bg1"/>
-            </a:solidFill>
-          </a:ln>
-        </p:spPr>
-        <p:style>
-          <a:lnRef idx="2">
-            <a:schemeClr val="accent1">
-              <a:shade val="50000"/>
-            </a:schemeClr>
-          </a:lnRef>
-          <a:fillRef idx="1">
-            <a:schemeClr val="accent1"/>
-          </a:fillRef>
-          <a:effectRef idx="0">
-            <a:schemeClr val="accent1"/>
-          </a:effectRef>
-          <a:fontRef idx="minor">
-            <a:schemeClr val="lt1"/>
-          </a:fontRef>
-        </p:style>
-        <p:txBody>
-          <a:bodyPr rtlCol="0" anchor="ctr"/>
-          <a:lstStyle/>
-          <a:p>
-            <a:pPr algn="ctr"/>
-            <a:endParaRPr lang="en-US"/>
-          </a:p>
-        </p:txBody>
-      </p:sp>
     </p:spTree>
     <p:extLst>
       <p:ext uri="{BB962C8B-B14F-4D97-AF65-F5344CB8AC3E}">

--- a/doc/Icons-PasteLab.pptx
+++ b/doc/Icons-PasteLab.pptx
@@ -221,7 +221,7 @@
           <a:p>
             <a:fld id="{6699ACB9-486C-4D62-A3A7-AF98E13EFDA3}" type="datetimeFigureOut">
               <a:rPr lang="en-US" smtClean="0"/>
-              <a:t>6/9/2017</a:t>
+              <a:t>6/13/2017</a:t>
             </a:fld>
             <a:endParaRPr lang="en-US"/>
           </a:p>
@@ -752,7 +752,7 @@
             <a:fld id="{1D8BD707-D9CF-40AE-B4C6-C98DA3205C09}" type="datetimeFigureOut">
               <a:rPr lang="en-US" smtClean="0"/>
               <a:pPr/>
-              <a:t>6/9/2017</a:t>
+              <a:t>6/13/2017</a:t>
             </a:fld>
             <a:endParaRPr lang="en-US"/>
           </a:p>
@@ -917,7 +917,7 @@
             <a:fld id="{1D8BD707-D9CF-40AE-B4C6-C98DA3205C09}" type="datetimeFigureOut">
               <a:rPr lang="en-US" smtClean="0"/>
               <a:pPr/>
-              <a:t>6/9/2017</a:t>
+              <a:t>6/13/2017</a:t>
             </a:fld>
             <a:endParaRPr lang="en-US"/>
           </a:p>
@@ -1092,7 +1092,7 @@
             <a:fld id="{1D8BD707-D9CF-40AE-B4C6-C98DA3205C09}" type="datetimeFigureOut">
               <a:rPr lang="en-US" smtClean="0"/>
               <a:pPr/>
-              <a:t>6/9/2017</a:t>
+              <a:t>6/13/2017</a:t>
             </a:fld>
             <a:endParaRPr lang="en-US"/>
           </a:p>
@@ -1257,7 +1257,7 @@
             <a:fld id="{1D8BD707-D9CF-40AE-B4C6-C98DA3205C09}" type="datetimeFigureOut">
               <a:rPr lang="en-US" smtClean="0"/>
               <a:pPr/>
-              <a:t>6/9/2017</a:t>
+              <a:t>6/13/2017</a:t>
             </a:fld>
             <a:endParaRPr lang="en-US"/>
           </a:p>
@@ -1499,7 +1499,7 @@
             <a:fld id="{1D8BD707-D9CF-40AE-B4C6-C98DA3205C09}" type="datetimeFigureOut">
               <a:rPr lang="en-US" smtClean="0"/>
               <a:pPr/>
-              <a:t>6/9/2017</a:t>
+              <a:t>6/13/2017</a:t>
             </a:fld>
             <a:endParaRPr lang="en-US"/>
           </a:p>
@@ -1781,7 +1781,7 @@
             <a:fld id="{1D8BD707-D9CF-40AE-B4C6-C98DA3205C09}" type="datetimeFigureOut">
               <a:rPr lang="en-US" smtClean="0"/>
               <a:pPr/>
-              <a:t>6/9/2017</a:t>
+              <a:t>6/13/2017</a:t>
             </a:fld>
             <a:endParaRPr lang="en-US"/>
           </a:p>
@@ -2197,7 +2197,7 @@
             <a:fld id="{1D8BD707-D9CF-40AE-B4C6-C98DA3205C09}" type="datetimeFigureOut">
               <a:rPr lang="en-US" smtClean="0"/>
               <a:pPr/>
-              <a:t>6/9/2017</a:t>
+              <a:t>6/13/2017</a:t>
             </a:fld>
             <a:endParaRPr lang="en-US"/>
           </a:p>
@@ -2311,7 +2311,7 @@
             <a:fld id="{1D8BD707-D9CF-40AE-B4C6-C98DA3205C09}" type="datetimeFigureOut">
               <a:rPr lang="en-US" smtClean="0"/>
               <a:pPr/>
-              <a:t>6/9/2017</a:t>
+              <a:t>6/13/2017</a:t>
             </a:fld>
             <a:endParaRPr lang="en-US"/>
           </a:p>
@@ -2403,7 +2403,7 @@
             <a:fld id="{1D8BD707-D9CF-40AE-B4C6-C98DA3205C09}" type="datetimeFigureOut">
               <a:rPr lang="en-US" smtClean="0"/>
               <a:pPr/>
-              <a:t>6/9/2017</a:t>
+              <a:t>6/13/2017</a:t>
             </a:fld>
             <a:endParaRPr lang="en-US"/>
           </a:p>
@@ -2675,7 +2675,7 @@
             <a:fld id="{1D8BD707-D9CF-40AE-B4C6-C98DA3205C09}" type="datetimeFigureOut">
               <a:rPr lang="en-US" smtClean="0"/>
               <a:pPr/>
-              <a:t>6/9/2017</a:t>
+              <a:t>6/13/2017</a:t>
             </a:fld>
             <a:endParaRPr lang="en-US"/>
           </a:p>
@@ -2924,7 +2924,7 @@
             <a:fld id="{1D8BD707-D9CF-40AE-B4C6-C98DA3205C09}" type="datetimeFigureOut">
               <a:rPr lang="en-US" smtClean="0"/>
               <a:pPr/>
-              <a:t>6/9/2017</a:t>
+              <a:t>6/13/2017</a:t>
             </a:fld>
             <a:endParaRPr lang="en-US"/>
           </a:p>
@@ -3132,7 +3132,7 @@
             <a:fld id="{1D8BD707-D9CF-40AE-B4C6-C98DA3205C09}" type="datetimeFigureOut">
               <a:rPr lang="en-US" smtClean="0"/>
               <a:pPr/>
-              <a:t>6/9/2017</a:t>
+              <a:t>6/13/2017</a:t>
             </a:fld>
             <a:endParaRPr lang="en-US"/>
           </a:p>
@@ -7439,6 +7439,37 @@
           </p:txBody>
         </p:sp>
       </p:grpSp>
+      <p:sp>
+        <p:nvSpPr>
+          <p:cNvPr id="88" name="TextBox 87"/>
+          <p:cNvSpPr txBox="1"/>
+          <p:nvPr/>
+        </p:nvSpPr>
+        <p:spPr>
+          <a:xfrm>
+            <a:off x="1558086" y="4992501"/>
+            <a:ext cx="1114236" cy="430887"/>
+          </a:xfrm>
+          <a:prstGeom prst="rect">
+            <a:avLst/>
+          </a:prstGeom>
+          <a:noFill/>
+        </p:spPr>
+        <p:txBody>
+          <a:bodyPr wrap="square" rtlCol="0">
+            <a:spAutoFit/>
+          </a:bodyPr>
+          <a:lstStyle/>
+          <a:p>
+            <a:pPr algn="ctr"/>
+            <a:r>
+              <a:rPr lang="en-US" sz="1100" dirty="0"/>
+              <a:t>Paste Into Group</a:t>
+            </a:r>
+            <a:endParaRPr lang="en-SG" sz="1100" dirty="0"/>
+          </a:p>
+        </p:txBody>
+      </p:sp>
     </p:spTree>
     <p:extLst>
       <p:ext uri="{BB962C8B-B14F-4D97-AF65-F5344CB8AC3E}">

--- a/doc/Icons-PasteLab.pptx
+++ b/doc/Icons-PasteLab.pptx
@@ -221,7 +221,7 @@
           <a:p>
             <a:fld id="{6699ACB9-486C-4D62-A3A7-AF98E13EFDA3}" type="datetimeFigureOut">
               <a:rPr lang="en-US" smtClean="0"/>
-              <a:t>6/9/2017</a:t>
+              <a:t>6/13/2017</a:t>
             </a:fld>
             <a:endParaRPr lang="en-US"/>
           </a:p>
@@ -752,7 +752,7 @@
             <a:fld id="{1D8BD707-D9CF-40AE-B4C6-C98DA3205C09}" type="datetimeFigureOut">
               <a:rPr lang="en-US" smtClean="0"/>
               <a:pPr/>
-              <a:t>6/9/2017</a:t>
+              <a:t>6/13/2017</a:t>
             </a:fld>
             <a:endParaRPr lang="en-US"/>
           </a:p>
@@ -917,7 +917,7 @@
             <a:fld id="{1D8BD707-D9CF-40AE-B4C6-C98DA3205C09}" type="datetimeFigureOut">
               <a:rPr lang="en-US" smtClean="0"/>
               <a:pPr/>
-              <a:t>6/9/2017</a:t>
+              <a:t>6/13/2017</a:t>
             </a:fld>
             <a:endParaRPr lang="en-US"/>
           </a:p>
@@ -1092,7 +1092,7 @@
             <a:fld id="{1D8BD707-D9CF-40AE-B4C6-C98DA3205C09}" type="datetimeFigureOut">
               <a:rPr lang="en-US" smtClean="0"/>
               <a:pPr/>
-              <a:t>6/9/2017</a:t>
+              <a:t>6/13/2017</a:t>
             </a:fld>
             <a:endParaRPr lang="en-US"/>
           </a:p>
@@ -1257,7 +1257,7 @@
             <a:fld id="{1D8BD707-D9CF-40AE-B4C6-C98DA3205C09}" type="datetimeFigureOut">
               <a:rPr lang="en-US" smtClean="0"/>
               <a:pPr/>
-              <a:t>6/9/2017</a:t>
+              <a:t>6/13/2017</a:t>
             </a:fld>
             <a:endParaRPr lang="en-US"/>
           </a:p>
@@ -1499,7 +1499,7 @@
             <a:fld id="{1D8BD707-D9CF-40AE-B4C6-C98DA3205C09}" type="datetimeFigureOut">
               <a:rPr lang="en-US" smtClean="0"/>
               <a:pPr/>
-              <a:t>6/9/2017</a:t>
+              <a:t>6/13/2017</a:t>
             </a:fld>
             <a:endParaRPr lang="en-US"/>
           </a:p>
@@ -1781,7 +1781,7 @@
             <a:fld id="{1D8BD707-D9CF-40AE-B4C6-C98DA3205C09}" type="datetimeFigureOut">
               <a:rPr lang="en-US" smtClean="0"/>
               <a:pPr/>
-              <a:t>6/9/2017</a:t>
+              <a:t>6/13/2017</a:t>
             </a:fld>
             <a:endParaRPr lang="en-US"/>
           </a:p>
@@ -2197,7 +2197,7 @@
             <a:fld id="{1D8BD707-D9CF-40AE-B4C6-C98DA3205C09}" type="datetimeFigureOut">
               <a:rPr lang="en-US" smtClean="0"/>
               <a:pPr/>
-              <a:t>6/9/2017</a:t>
+              <a:t>6/13/2017</a:t>
             </a:fld>
             <a:endParaRPr lang="en-US"/>
           </a:p>
@@ -2311,7 +2311,7 @@
             <a:fld id="{1D8BD707-D9CF-40AE-B4C6-C98DA3205C09}" type="datetimeFigureOut">
               <a:rPr lang="en-US" smtClean="0"/>
               <a:pPr/>
-              <a:t>6/9/2017</a:t>
+              <a:t>6/13/2017</a:t>
             </a:fld>
             <a:endParaRPr lang="en-US"/>
           </a:p>
@@ -2403,7 +2403,7 @@
             <a:fld id="{1D8BD707-D9CF-40AE-B4C6-C98DA3205C09}" type="datetimeFigureOut">
               <a:rPr lang="en-US" smtClean="0"/>
               <a:pPr/>
-              <a:t>6/9/2017</a:t>
+              <a:t>6/13/2017</a:t>
             </a:fld>
             <a:endParaRPr lang="en-US"/>
           </a:p>
@@ -2675,7 +2675,7 @@
             <a:fld id="{1D8BD707-D9CF-40AE-B4C6-C98DA3205C09}" type="datetimeFigureOut">
               <a:rPr lang="en-US" smtClean="0"/>
               <a:pPr/>
-              <a:t>6/9/2017</a:t>
+              <a:t>6/13/2017</a:t>
             </a:fld>
             <a:endParaRPr lang="en-US"/>
           </a:p>
@@ -2924,7 +2924,7 @@
             <a:fld id="{1D8BD707-D9CF-40AE-B4C6-C98DA3205C09}" type="datetimeFigureOut">
               <a:rPr lang="en-US" smtClean="0"/>
               <a:pPr/>
-              <a:t>6/9/2017</a:t>
+              <a:t>6/13/2017</a:t>
             </a:fld>
             <a:endParaRPr lang="en-US"/>
           </a:p>
@@ -3132,7 +3132,7 @@
             <a:fld id="{1D8BD707-D9CF-40AE-B4C6-C98DA3205C09}" type="datetimeFigureOut">
               <a:rPr lang="en-US" smtClean="0"/>
               <a:pPr/>
-              <a:t>6/9/2017</a:t>
+              <a:t>6/13/2017</a:t>
             </a:fld>
             <a:endParaRPr lang="en-US"/>
           </a:p>
@@ -3515,54 +3515,6 @@
       </p:grpSpPr>
       <p:sp>
         <p:nvSpPr>
-          <p:cNvPr id="61" name="Rectangle 60"/>
-          <p:cNvSpPr/>
-          <p:nvPr/>
-        </p:nvSpPr>
-        <p:spPr>
-          <a:xfrm rot="10800000">
-            <a:off x="751837" y="3016576"/>
-            <a:ext cx="549071" cy="549822"/>
-          </a:xfrm>
-          <a:prstGeom prst="rect">
-            <a:avLst/>
-          </a:prstGeom>
-          <a:solidFill>
-            <a:schemeClr val="bg2">
-              <a:lumMod val="75000"/>
-            </a:schemeClr>
-          </a:solidFill>
-          <a:ln>
-            <a:noFill/>
-          </a:ln>
-        </p:spPr>
-        <p:style>
-          <a:lnRef idx="2">
-            <a:schemeClr val="accent1">
-              <a:shade val="50000"/>
-            </a:schemeClr>
-          </a:lnRef>
-          <a:fillRef idx="1">
-            <a:schemeClr val="accent1"/>
-          </a:fillRef>
-          <a:effectRef idx="0">
-            <a:schemeClr val="accent1"/>
-          </a:effectRef>
-          <a:fontRef idx="minor">
-            <a:schemeClr val="lt1"/>
-          </a:fontRef>
-        </p:style>
-        <p:txBody>
-          <a:bodyPr wrap="none" lIns="0" tIns="0" rIns="0" bIns="0" rtlCol="0" anchor="ctr"/>
-          <a:lstStyle/>
-          <a:p>
-            <a:pPr algn="ctr"/>
-            <a:endParaRPr lang="en-US" b="1"/>
-          </a:p>
-        </p:txBody>
-      </p:sp>
-      <p:sp>
-        <p:nvSpPr>
           <p:cNvPr id="79" name="Rectangle 78"/>
           <p:cNvSpPr/>
           <p:nvPr/>
@@ -4111,158 +4063,6 @@
           </a:p>
         </p:txBody>
       </p:sp>
-      <p:grpSp>
-        <p:nvGrpSpPr>
-          <p:cNvPr id="150" name="Group 149"/>
-          <p:cNvGrpSpPr/>
-          <p:nvPr/>
-        </p:nvGrpSpPr>
-        <p:grpSpPr>
-          <a:xfrm>
-            <a:off x="931555" y="1414827"/>
-            <a:ext cx="838200" cy="838200"/>
-            <a:chOff x="1002575" y="1231726"/>
-            <a:chExt cx="838200" cy="838200"/>
-          </a:xfrm>
-        </p:grpSpPr>
-        <p:sp>
-          <p:nvSpPr>
-            <p:cNvPr id="151" name="Rectangle 150"/>
-            <p:cNvSpPr/>
-            <p:nvPr/>
-          </p:nvSpPr>
-          <p:spPr>
-            <a:xfrm>
-              <a:off x="1002575" y="1231726"/>
-              <a:ext cx="838200" cy="838200"/>
-            </a:xfrm>
-            <a:prstGeom prst="rect">
-              <a:avLst/>
-            </a:prstGeom>
-            <a:noFill/>
-            <a:ln>
-              <a:noFill/>
-            </a:ln>
-          </p:spPr>
-          <p:style>
-            <a:lnRef idx="2">
-              <a:schemeClr val="accent1">
-                <a:shade val="50000"/>
-              </a:schemeClr>
-            </a:lnRef>
-            <a:fillRef idx="1">
-              <a:schemeClr val="accent1"/>
-            </a:fillRef>
-            <a:effectRef idx="0">
-              <a:schemeClr val="accent1"/>
-            </a:effectRef>
-            <a:fontRef idx="minor">
-              <a:schemeClr val="lt1"/>
-            </a:fontRef>
-          </p:style>
-          <p:txBody>
-            <a:bodyPr rtlCol="0" anchor="ctr"/>
-            <a:lstStyle/>
-            <a:p>
-              <a:pPr algn="ctr"/>
-              <a:endParaRPr lang="en-SG"/>
-            </a:p>
-          </p:txBody>
-        </p:sp>
-        <p:sp>
-          <p:nvSpPr>
-            <p:cNvPr id="152" name="Rectangle 4"/>
-            <p:cNvSpPr/>
-            <p:nvPr/>
-          </p:nvSpPr>
-          <p:spPr>
-            <a:xfrm rot="16200000">
-              <a:off x="1071530" y="1304929"/>
-              <a:ext cx="700291" cy="690781"/>
-            </a:xfrm>
-            <a:custGeom>
-              <a:avLst/>
-              <a:gdLst/>
-              <a:ahLst/>
-              <a:cxnLst/>
-              <a:rect l="l" t="t" r="r" b="b"/>
-              <a:pathLst>
-                <a:path w="1752603" h="1752600">
-                  <a:moveTo>
-                    <a:pt x="533400" y="0"/>
-                  </a:moveTo>
-                  <a:lnTo>
-                    <a:pt x="533403" y="0"/>
-                  </a:lnTo>
-                  <a:lnTo>
-                    <a:pt x="1066800" y="0"/>
-                  </a:lnTo>
-                  <a:lnTo>
-                    <a:pt x="1752603" y="0"/>
-                  </a:lnTo>
-                  <a:lnTo>
-                    <a:pt x="1752603" y="1752600"/>
-                  </a:lnTo>
-                  <a:lnTo>
-                    <a:pt x="1219203" y="1752600"/>
-                  </a:lnTo>
-                  <a:lnTo>
-                    <a:pt x="533403" y="1752600"/>
-                  </a:lnTo>
-                  <a:lnTo>
-                    <a:pt x="3" y="1752600"/>
-                  </a:lnTo>
-                  <a:lnTo>
-                    <a:pt x="3" y="533430"/>
-                  </a:lnTo>
-                  <a:cubicBezTo>
-                    <a:pt x="0" y="533420"/>
-                    <a:pt x="0" y="533410"/>
-                    <a:pt x="0" y="533400"/>
-                  </a:cubicBezTo>
-                  <a:cubicBezTo>
-                    <a:pt x="0" y="238811"/>
-                    <a:pt x="238811" y="0"/>
-                    <a:pt x="533400" y="0"/>
-                  </a:cubicBezTo>
-                  <a:close/>
-                </a:path>
-              </a:pathLst>
-            </a:custGeom>
-            <a:noFill/>
-            <a:ln w="76200" cmpd="sng">
-              <a:solidFill>
-                <a:srgbClr val="0070C0"/>
-              </a:solidFill>
-              <a:miter lim="800000"/>
-            </a:ln>
-          </p:spPr>
-          <p:style>
-            <a:lnRef idx="2">
-              <a:schemeClr val="accent1">
-                <a:shade val="50000"/>
-              </a:schemeClr>
-            </a:lnRef>
-            <a:fillRef idx="1">
-              <a:schemeClr val="accent1"/>
-            </a:fillRef>
-            <a:effectRef idx="0">
-              <a:schemeClr val="accent1"/>
-            </a:effectRef>
-            <a:fontRef idx="minor">
-              <a:schemeClr val="lt1"/>
-            </a:fontRef>
-          </p:style>
-          <p:txBody>
-            <a:bodyPr rtlCol="0" anchor="ctr"/>
-            <a:lstStyle/>
-            <a:p>
-              <a:pPr algn="ctr"/>
-              <a:endParaRPr lang="en-US"/>
-            </a:p>
-          </p:txBody>
-        </p:sp>
-      </p:grpSp>
       <p:sp>
         <p:nvSpPr>
           <p:cNvPr id="87" name="TextBox 86"/>
@@ -4346,51 +4146,142 @@
       </p:sp>
       <p:grpSp>
         <p:nvGrpSpPr>
-          <p:cNvPr id="114" name="Group 113"/>
+          <p:cNvPr id="2" name="Group 1"/>
           <p:cNvGrpSpPr/>
           <p:nvPr/>
         </p:nvGrpSpPr>
         <p:grpSpPr>
           <a:xfrm>
-            <a:off x="1076119" y="1552453"/>
-            <a:ext cx="549071" cy="549822"/>
-            <a:chOff x="4180111" y="1375544"/>
-            <a:chExt cx="549071" cy="549822"/>
+            <a:off x="931555" y="1414827"/>
+            <a:ext cx="838200" cy="838200"/>
+            <a:chOff x="931555" y="1414827"/>
+            <a:chExt cx="838200" cy="838200"/>
           </a:xfrm>
         </p:grpSpPr>
         <p:grpSp>
           <p:nvGrpSpPr>
-            <p:cNvPr id="119" name="Group 118"/>
+            <p:cNvPr id="150" name="Group 149"/>
             <p:cNvGrpSpPr/>
             <p:nvPr/>
           </p:nvGrpSpPr>
           <p:grpSpPr>
             <a:xfrm>
-              <a:off x="4235574" y="1385216"/>
-              <a:ext cx="446467" cy="521728"/>
-              <a:chOff x="4821567" y="919204"/>
-              <a:chExt cx="446467" cy="521728"/>
+              <a:off x="931555" y="1414827"/>
+              <a:ext cx="838200" cy="838200"/>
+              <a:chOff x="1002575" y="1231726"/>
+              <a:chExt cx="838200" cy="838200"/>
             </a:xfrm>
           </p:grpSpPr>
           <p:sp>
             <p:nvSpPr>
-              <p:cNvPr id="121" name="Rectangle 120"/>
+              <p:cNvPr id="151" name="Rectangle 150"/>
               <p:cNvSpPr/>
               <p:nvPr/>
             </p:nvSpPr>
             <p:spPr>
               <a:xfrm>
-                <a:off x="4821567" y="971454"/>
-                <a:ext cx="343904" cy="406070"/>
+                <a:off x="1002575" y="1231726"/>
+                <a:ext cx="838200" cy="838200"/>
               </a:xfrm>
               <a:prstGeom prst="rect">
                 <a:avLst/>
               </a:prstGeom>
-              <a:solidFill>
-                <a:srgbClr val="F79646"/>
-              </a:solidFill>
+              <a:noFill/>
               <a:ln>
                 <a:noFill/>
+              </a:ln>
+            </p:spPr>
+            <p:style>
+              <a:lnRef idx="2">
+                <a:schemeClr val="accent1">
+                  <a:shade val="50000"/>
+                </a:schemeClr>
+              </a:lnRef>
+              <a:fillRef idx="1">
+                <a:schemeClr val="accent1"/>
+              </a:fillRef>
+              <a:effectRef idx="0">
+                <a:schemeClr val="accent1"/>
+              </a:effectRef>
+              <a:fontRef idx="minor">
+                <a:schemeClr val="lt1"/>
+              </a:fontRef>
+            </p:style>
+            <p:txBody>
+              <a:bodyPr rtlCol="0" anchor="ctr"/>
+              <a:lstStyle/>
+              <a:p>
+                <a:pPr algn="ctr"/>
+                <a:endParaRPr lang="en-SG"/>
+              </a:p>
+            </p:txBody>
+          </p:sp>
+          <p:sp>
+            <p:nvSpPr>
+              <p:cNvPr id="152" name="Rectangle 4"/>
+              <p:cNvSpPr/>
+              <p:nvPr/>
+            </p:nvSpPr>
+            <p:spPr>
+              <a:xfrm rot="16200000">
+                <a:off x="1071530" y="1304929"/>
+                <a:ext cx="700291" cy="690781"/>
+              </a:xfrm>
+              <a:custGeom>
+                <a:avLst/>
+                <a:gdLst/>
+                <a:ahLst/>
+                <a:cxnLst/>
+                <a:rect l="l" t="t" r="r" b="b"/>
+                <a:pathLst>
+                  <a:path w="1752603" h="1752600">
+                    <a:moveTo>
+                      <a:pt x="533400" y="0"/>
+                    </a:moveTo>
+                    <a:lnTo>
+                      <a:pt x="533403" y="0"/>
+                    </a:lnTo>
+                    <a:lnTo>
+                      <a:pt x="1066800" y="0"/>
+                    </a:lnTo>
+                    <a:lnTo>
+                      <a:pt x="1752603" y="0"/>
+                    </a:lnTo>
+                    <a:lnTo>
+                      <a:pt x="1752603" y="1752600"/>
+                    </a:lnTo>
+                    <a:lnTo>
+                      <a:pt x="1219203" y="1752600"/>
+                    </a:lnTo>
+                    <a:lnTo>
+                      <a:pt x="533403" y="1752600"/>
+                    </a:lnTo>
+                    <a:lnTo>
+                      <a:pt x="3" y="1752600"/>
+                    </a:lnTo>
+                    <a:lnTo>
+                      <a:pt x="3" y="533430"/>
+                    </a:lnTo>
+                    <a:cubicBezTo>
+                      <a:pt x="0" y="533420"/>
+                      <a:pt x="0" y="533410"/>
+                      <a:pt x="0" y="533400"/>
+                    </a:cubicBezTo>
+                    <a:cubicBezTo>
+                      <a:pt x="0" y="238811"/>
+                      <a:pt x="238811" y="0"/>
+                      <a:pt x="533400" y="0"/>
+                    </a:cubicBezTo>
+                    <a:close/>
+                  </a:path>
+                </a:pathLst>
+              </a:custGeom>
+              <a:noFill/>
+              <a:ln w="76200" cmpd="sng">
+                <a:solidFill>
+                  <a:srgbClr val="0070C0"/>
+                </a:solidFill>
+                <a:miter lim="800000"/>
               </a:ln>
             </p:spPr>
             <p:style>
@@ -4418,29 +4309,254 @@
               </a:p>
             </p:txBody>
           </p:sp>
+        </p:grpSp>
+        <p:grpSp>
+          <p:nvGrpSpPr>
+            <p:cNvPr id="114" name="Group 113"/>
+            <p:cNvGrpSpPr/>
+            <p:nvPr/>
+          </p:nvGrpSpPr>
+          <p:grpSpPr>
+            <a:xfrm>
+              <a:off x="1076119" y="1552453"/>
+              <a:ext cx="549071" cy="549822"/>
+              <a:chOff x="4180111" y="1375544"/>
+              <a:chExt cx="549071" cy="549822"/>
+            </a:xfrm>
+          </p:grpSpPr>
+          <p:grpSp>
+            <p:nvGrpSpPr>
+              <p:cNvPr id="119" name="Group 118"/>
+              <p:cNvGrpSpPr/>
+              <p:nvPr/>
+            </p:nvGrpSpPr>
+            <p:grpSpPr>
+              <a:xfrm>
+                <a:off x="4235574" y="1385216"/>
+                <a:ext cx="446467" cy="521728"/>
+                <a:chOff x="4821567" y="919204"/>
+                <a:chExt cx="446467" cy="521728"/>
+              </a:xfrm>
+            </p:grpSpPr>
+            <p:sp>
+              <p:nvSpPr>
+                <p:cNvPr id="121" name="Rectangle 120"/>
+                <p:cNvSpPr/>
+                <p:nvPr/>
+              </p:nvSpPr>
+              <p:spPr>
+                <a:xfrm>
+                  <a:off x="4821567" y="971454"/>
+                  <a:ext cx="343904" cy="406070"/>
+                </a:xfrm>
+                <a:prstGeom prst="rect">
+                  <a:avLst/>
+                </a:prstGeom>
+                <a:solidFill>
+                  <a:srgbClr val="F79646"/>
+                </a:solidFill>
+                <a:ln>
+                  <a:noFill/>
+                </a:ln>
+              </p:spPr>
+              <p:style>
+                <a:lnRef idx="2">
+                  <a:schemeClr val="accent1">
+                    <a:shade val="50000"/>
+                  </a:schemeClr>
+                </a:lnRef>
+                <a:fillRef idx="1">
+                  <a:schemeClr val="accent1"/>
+                </a:fillRef>
+                <a:effectRef idx="0">
+                  <a:schemeClr val="accent1"/>
+                </a:effectRef>
+                <a:fontRef idx="minor">
+                  <a:schemeClr val="lt1"/>
+                </a:fontRef>
+              </p:style>
+              <p:txBody>
+                <a:bodyPr rtlCol="0" anchor="ctr"/>
+                <a:lstStyle/>
+                <a:p>
+                  <a:pPr algn="ctr"/>
+                  <a:endParaRPr lang="en-US"/>
+                </a:p>
+              </p:txBody>
+            </p:sp>
+            <p:sp>
+              <p:nvSpPr>
+                <p:cNvPr id="122" name="Rectangle: Folded Corner 121"/>
+                <p:cNvSpPr/>
+                <p:nvPr/>
+              </p:nvSpPr>
+              <p:spPr>
+                <a:xfrm rot="10800000" flipH="1">
+                  <a:off x="4990894" y="1102754"/>
+                  <a:ext cx="277140" cy="338178"/>
+                </a:xfrm>
+                <a:prstGeom prst="foldedCorner">
+                  <a:avLst>
+                    <a:gd name="adj" fmla="val 44103"/>
+                  </a:avLst>
+                </a:prstGeom>
+                <a:solidFill>
+                  <a:srgbClr val="0070C0"/>
+                </a:solidFill>
+                <a:ln w="19050">
+                  <a:solidFill>
+                    <a:schemeClr val="bg1"/>
+                  </a:solidFill>
+                </a:ln>
+              </p:spPr>
+              <p:style>
+                <a:lnRef idx="2">
+                  <a:schemeClr val="accent1">
+                    <a:shade val="50000"/>
+                  </a:schemeClr>
+                </a:lnRef>
+                <a:fillRef idx="1">
+                  <a:schemeClr val="accent1"/>
+                </a:fillRef>
+                <a:effectRef idx="0">
+                  <a:schemeClr val="accent1"/>
+                </a:effectRef>
+                <a:fontRef idx="minor">
+                  <a:schemeClr val="lt1"/>
+                </a:fontRef>
+              </p:style>
+              <p:txBody>
+                <a:bodyPr rtlCol="0" anchor="ctr"/>
+                <a:lstStyle/>
+                <a:p>
+                  <a:pPr algn="ctr"/>
+                  <a:endParaRPr lang="en-US" dirty="0"/>
+                </a:p>
+              </p:txBody>
+            </p:sp>
+            <p:sp>
+              <p:nvSpPr>
+                <p:cNvPr id="123" name="Rounded Rectangle 227"/>
+                <p:cNvSpPr/>
+                <p:nvPr/>
+              </p:nvSpPr>
+              <p:spPr>
+                <a:xfrm rot="10800000">
+                  <a:off x="4879960" y="919204"/>
+                  <a:ext cx="234247" cy="101171"/>
+                </a:xfrm>
+                <a:custGeom>
+                  <a:avLst/>
+                  <a:gdLst/>
+                  <a:ahLst/>
+                  <a:cxnLst/>
+                  <a:rect l="l" t="t" r="r" b="b"/>
+                  <a:pathLst>
+                    <a:path w="286327" h="1000124">
+                      <a:moveTo>
+                        <a:pt x="2115" y="0"/>
+                      </a:moveTo>
+                      <a:lnTo>
+                        <a:pt x="284212" y="0"/>
+                      </a:lnTo>
+                      <a:cubicBezTo>
+                        <a:pt x="286188" y="3367"/>
+                        <a:pt x="286327" y="6905"/>
+                        <a:pt x="286327" y="10476"/>
+                      </a:cubicBezTo>
+                      <a:lnTo>
+                        <a:pt x="286327" y="712825"/>
+                      </a:lnTo>
+                      <a:cubicBezTo>
+                        <a:pt x="286327" y="772047"/>
+                        <a:pt x="247915" y="822299"/>
+                        <a:pt x="194109" y="838409"/>
+                      </a:cubicBezTo>
+                      <a:cubicBezTo>
+                        <a:pt x="194108" y="875332"/>
+                        <a:pt x="194108" y="912256"/>
+                        <a:pt x="194108" y="949179"/>
+                      </a:cubicBezTo>
+                      <a:cubicBezTo>
+                        <a:pt x="194108" y="977315"/>
+                        <a:pt x="171299" y="1000124"/>
+                        <a:pt x="143163" y="1000124"/>
+                      </a:cubicBezTo>
+                      <a:lnTo>
+                        <a:pt x="143164" y="1000123"/>
+                      </a:lnTo>
+                      <a:cubicBezTo>
+                        <a:pt x="115028" y="1000123"/>
+                        <a:pt x="92219" y="977314"/>
+                        <a:pt x="92219" y="949178"/>
+                      </a:cubicBezTo>
+                      <a:lnTo>
+                        <a:pt x="92219" y="838409"/>
+                      </a:lnTo>
+                      <a:cubicBezTo>
+                        <a:pt x="38413" y="822299"/>
+                        <a:pt x="0" y="772048"/>
+                        <a:pt x="0" y="712825"/>
+                      </a:cubicBezTo>
+                      <a:lnTo>
+                        <a:pt x="0" y="10476"/>
+                      </a:lnTo>
+                      <a:close/>
+                    </a:path>
+                  </a:pathLst>
+                </a:custGeom>
+                <a:solidFill>
+                  <a:srgbClr val="F79646"/>
+                </a:solidFill>
+                <a:ln w="19050">
+                  <a:solidFill>
+                    <a:schemeClr val="bg1"/>
+                  </a:solidFill>
+                </a:ln>
+              </p:spPr>
+              <p:style>
+                <a:lnRef idx="2">
+                  <a:schemeClr val="accent1">
+                    <a:shade val="50000"/>
+                  </a:schemeClr>
+                </a:lnRef>
+                <a:fillRef idx="1">
+                  <a:schemeClr val="accent1"/>
+                </a:fillRef>
+                <a:effectRef idx="0">
+                  <a:schemeClr val="accent1"/>
+                </a:effectRef>
+                <a:fontRef idx="minor">
+                  <a:schemeClr val="lt1"/>
+                </a:fontRef>
+              </p:style>
+              <p:txBody>
+                <a:bodyPr rtlCol="0" anchor="ctr"/>
+                <a:lstStyle/>
+                <a:p>
+                  <a:pPr algn="ctr"/>
+                  <a:endParaRPr lang="en-SG"/>
+                </a:p>
+              </p:txBody>
+            </p:sp>
+          </p:grpSp>
           <p:sp>
             <p:nvSpPr>
-              <p:cNvPr id="122" name="Rectangle: Folded Corner 121"/>
+              <p:cNvPr id="120" name="Rectangle 119"/>
               <p:cNvSpPr/>
               <p:nvPr/>
             </p:nvSpPr>
             <p:spPr>
-              <a:xfrm rot="10800000" flipH="1">
-                <a:off x="4990894" y="1102754"/>
-                <a:ext cx="277140" cy="338178"/>
+              <a:xfrm rot="10800000">
+                <a:off x="4180111" y="1375544"/>
+                <a:ext cx="549071" cy="549822"/>
               </a:xfrm>
-              <a:prstGeom prst="foldedCorner">
-                <a:avLst>
-                  <a:gd name="adj" fmla="val 44103"/>
-                </a:avLst>
+              <a:prstGeom prst="rect">
+                <a:avLst/>
               </a:prstGeom>
-              <a:solidFill>
-                <a:schemeClr val="bg1"/>
-              </a:solidFill>
+              <a:noFill/>
               <a:ln>
-                <a:solidFill>
-                  <a:srgbClr val="0070C0"/>
-                </a:solidFill>
+                <a:noFill/>
               </a:ln>
             </p:spPr>
             <p:style>
@@ -4460,164 +4576,15 @@
               </a:fontRef>
             </p:style>
             <p:txBody>
-              <a:bodyPr rtlCol="0" anchor="ctr"/>
+              <a:bodyPr wrap="none" lIns="0" tIns="0" rIns="0" bIns="0" rtlCol="0" anchor="ctr"/>
               <a:lstStyle/>
               <a:p>
                 <a:pPr algn="ctr"/>
-                <a:endParaRPr lang="en-US" dirty="0"/>
-              </a:p>
-            </p:txBody>
-          </p:sp>
-          <p:sp>
-            <p:nvSpPr>
-              <p:cNvPr id="123" name="Rounded Rectangle 227"/>
-              <p:cNvSpPr/>
-              <p:nvPr/>
-            </p:nvSpPr>
-            <p:spPr>
-              <a:xfrm rot="10800000">
-                <a:off x="4879960" y="919204"/>
-                <a:ext cx="234247" cy="101171"/>
-              </a:xfrm>
-              <a:custGeom>
-                <a:avLst/>
-                <a:gdLst/>
-                <a:ahLst/>
-                <a:cxnLst/>
-                <a:rect l="l" t="t" r="r" b="b"/>
-                <a:pathLst>
-                  <a:path w="286327" h="1000124">
-                    <a:moveTo>
-                      <a:pt x="2115" y="0"/>
-                    </a:moveTo>
-                    <a:lnTo>
-                      <a:pt x="284212" y="0"/>
-                    </a:lnTo>
-                    <a:cubicBezTo>
-                      <a:pt x="286188" y="3367"/>
-                      <a:pt x="286327" y="6905"/>
-                      <a:pt x="286327" y="10476"/>
-                    </a:cubicBezTo>
-                    <a:lnTo>
-                      <a:pt x="286327" y="712825"/>
-                    </a:lnTo>
-                    <a:cubicBezTo>
-                      <a:pt x="286327" y="772047"/>
-                      <a:pt x="247915" y="822299"/>
-                      <a:pt x="194109" y="838409"/>
-                    </a:cubicBezTo>
-                    <a:cubicBezTo>
-                      <a:pt x="194108" y="875332"/>
-                      <a:pt x="194108" y="912256"/>
-                      <a:pt x="194108" y="949179"/>
-                    </a:cubicBezTo>
-                    <a:cubicBezTo>
-                      <a:pt x="194108" y="977315"/>
-                      <a:pt x="171299" y="1000124"/>
-                      <a:pt x="143163" y="1000124"/>
-                    </a:cubicBezTo>
-                    <a:lnTo>
-                      <a:pt x="143164" y="1000123"/>
-                    </a:lnTo>
-                    <a:cubicBezTo>
-                      <a:pt x="115028" y="1000123"/>
-                      <a:pt x="92219" y="977314"/>
-                      <a:pt x="92219" y="949178"/>
-                    </a:cubicBezTo>
-                    <a:lnTo>
-                      <a:pt x="92219" y="838409"/>
-                    </a:lnTo>
-                    <a:cubicBezTo>
-                      <a:pt x="38413" y="822299"/>
-                      <a:pt x="0" y="772048"/>
-                      <a:pt x="0" y="712825"/>
-                    </a:cubicBezTo>
-                    <a:lnTo>
-                      <a:pt x="0" y="10476"/>
-                    </a:lnTo>
-                    <a:close/>
-                  </a:path>
-                </a:pathLst>
-              </a:custGeom>
-              <a:solidFill>
-                <a:srgbClr val="F79646"/>
-              </a:solidFill>
-              <a:ln w="19050">
-                <a:solidFill>
-                  <a:schemeClr val="bg1"/>
-                </a:solidFill>
-              </a:ln>
-            </p:spPr>
-            <p:style>
-              <a:lnRef idx="2">
-                <a:schemeClr val="accent1">
-                  <a:shade val="50000"/>
-                </a:schemeClr>
-              </a:lnRef>
-              <a:fillRef idx="1">
-                <a:schemeClr val="accent1"/>
-              </a:fillRef>
-              <a:effectRef idx="0">
-                <a:schemeClr val="accent1"/>
-              </a:effectRef>
-              <a:fontRef idx="minor">
-                <a:schemeClr val="lt1"/>
-              </a:fontRef>
-            </p:style>
-            <p:txBody>
-              <a:bodyPr rtlCol="0" anchor="ctr"/>
-              <a:lstStyle/>
-              <a:p>
-                <a:pPr algn="ctr"/>
-                <a:endParaRPr lang="en-SG"/>
+                <a:endParaRPr lang="en-US" b="1"/>
               </a:p>
             </p:txBody>
           </p:sp>
         </p:grpSp>
-        <p:sp>
-          <p:nvSpPr>
-            <p:cNvPr id="120" name="Rectangle 119"/>
-            <p:cNvSpPr/>
-            <p:nvPr/>
-          </p:nvSpPr>
-          <p:spPr>
-            <a:xfrm rot="10800000">
-              <a:off x="4180111" y="1375544"/>
-              <a:ext cx="549071" cy="549822"/>
-            </a:xfrm>
-            <a:prstGeom prst="rect">
-              <a:avLst/>
-            </a:prstGeom>
-            <a:noFill/>
-            <a:ln>
-              <a:noFill/>
-            </a:ln>
-          </p:spPr>
-          <p:style>
-            <a:lnRef idx="2">
-              <a:schemeClr val="accent1">
-                <a:shade val="50000"/>
-              </a:schemeClr>
-            </a:lnRef>
-            <a:fillRef idx="1">
-              <a:schemeClr val="accent1"/>
-            </a:fillRef>
-            <a:effectRef idx="0">
-              <a:schemeClr val="accent1"/>
-            </a:effectRef>
-            <a:fontRef idx="minor">
-              <a:schemeClr val="lt1"/>
-            </a:fontRef>
-          </p:style>
-          <p:txBody>
-            <a:bodyPr wrap="none" lIns="0" tIns="0" rIns="0" bIns="0" rtlCol="0" anchor="ctr"/>
-            <a:lstStyle/>
-            <a:p>
-              <a:pPr algn="ctr"/>
-              <a:endParaRPr lang="en-US" b="1"/>
-            </a:p>
-          </p:txBody>
-        </p:sp>
       </p:grpSp>
       <p:grpSp>
         <p:nvGrpSpPr>
@@ -5691,28 +5658,249 @@
       </p:sp>
       <p:grpSp>
         <p:nvGrpSpPr>
-          <p:cNvPr id="49" name="Group 48"/>
+          <p:cNvPr id="3" name="Group 2"/>
           <p:cNvGrpSpPr/>
           <p:nvPr/>
         </p:nvGrpSpPr>
         <p:grpSpPr>
           <a:xfrm>
-            <a:off x="759400" y="3031732"/>
-            <a:ext cx="343904" cy="458320"/>
-            <a:chOff x="4821567" y="919204"/>
-            <a:chExt cx="343904" cy="458320"/>
+            <a:off x="751837" y="3003755"/>
+            <a:ext cx="549071" cy="549822"/>
+            <a:chOff x="751837" y="3016576"/>
+            <a:chExt cx="549071" cy="549822"/>
           </a:xfrm>
         </p:grpSpPr>
         <p:sp>
           <p:nvSpPr>
-            <p:cNvPr id="51" name="Rectangle 50"/>
+            <p:cNvPr id="61" name="Rectangle 60"/>
+            <p:cNvSpPr/>
+            <p:nvPr/>
+          </p:nvSpPr>
+          <p:spPr>
+            <a:xfrm rot="10800000">
+              <a:off x="751837" y="3016576"/>
+              <a:ext cx="549071" cy="549822"/>
+            </a:xfrm>
+            <a:prstGeom prst="rect">
+              <a:avLst/>
+            </a:prstGeom>
+            <a:noFill/>
+            <a:ln>
+              <a:noFill/>
+            </a:ln>
+          </p:spPr>
+          <p:style>
+            <a:lnRef idx="2">
+              <a:schemeClr val="accent1">
+                <a:shade val="50000"/>
+              </a:schemeClr>
+            </a:lnRef>
+            <a:fillRef idx="1">
+              <a:schemeClr val="accent1"/>
+            </a:fillRef>
+            <a:effectRef idx="0">
+              <a:schemeClr val="accent1"/>
+            </a:effectRef>
+            <a:fontRef idx="minor">
+              <a:schemeClr val="lt1"/>
+            </a:fontRef>
+          </p:style>
+          <p:txBody>
+            <a:bodyPr wrap="none" lIns="0" tIns="0" rIns="0" bIns="0" rtlCol="0" anchor="ctr"/>
+            <a:lstStyle/>
+            <a:p>
+              <a:pPr algn="ctr"/>
+              <a:endParaRPr lang="en-US" b="1"/>
+            </a:p>
+          </p:txBody>
+        </p:sp>
+        <p:grpSp>
+          <p:nvGrpSpPr>
+            <p:cNvPr id="49" name="Group 48"/>
+            <p:cNvGrpSpPr/>
+            <p:nvPr/>
+          </p:nvGrpSpPr>
+          <p:grpSpPr>
+            <a:xfrm>
+              <a:off x="759400" y="3031732"/>
+              <a:ext cx="343904" cy="458320"/>
+              <a:chOff x="4821567" y="919204"/>
+              <a:chExt cx="343904" cy="458320"/>
+            </a:xfrm>
+          </p:grpSpPr>
+          <p:sp>
+            <p:nvSpPr>
+              <p:cNvPr id="51" name="Rectangle 50"/>
+              <p:cNvSpPr/>
+              <p:nvPr/>
+            </p:nvSpPr>
+            <p:spPr>
+              <a:xfrm>
+                <a:off x="4821567" y="971454"/>
+                <a:ext cx="343904" cy="406070"/>
+              </a:xfrm>
+              <a:prstGeom prst="rect">
+                <a:avLst/>
+              </a:prstGeom>
+              <a:solidFill>
+                <a:schemeClr val="bg1"/>
+              </a:solidFill>
+              <a:ln w="28575" cap="flat" cmpd="sng" algn="ctr">
+                <a:solidFill>
+                  <a:srgbClr val="0070C0"/>
+                </a:solidFill>
+                <a:prstDash val="solid"/>
+                <a:round/>
+                <a:headEnd type="none" w="med" len="med"/>
+                <a:tailEnd type="none" w="med" len="med"/>
+              </a:ln>
+            </p:spPr>
+            <p:style>
+              <a:lnRef idx="2">
+                <a:schemeClr val="accent1">
+                  <a:shade val="50000"/>
+                </a:schemeClr>
+              </a:lnRef>
+              <a:fillRef idx="1">
+                <a:schemeClr val="accent1"/>
+              </a:fillRef>
+              <a:effectRef idx="0">
+                <a:schemeClr val="accent1"/>
+              </a:effectRef>
+              <a:fontRef idx="minor">
+                <a:schemeClr val="lt1"/>
+              </a:fontRef>
+            </p:style>
+            <p:txBody>
+              <a:bodyPr rtlCol="0" anchor="ctr"/>
+              <a:lstStyle/>
+              <a:p>
+                <a:pPr algn="ctr"/>
+                <a:endParaRPr lang="en-US" dirty="0">
+                  <a:solidFill>
+                    <a:srgbClr val="FFFFFF"/>
+                  </a:solidFill>
+                  <a:latin typeface="Calibri" panose="020F0502020204030204" pitchFamily="34" charset="0"/>
+                </a:endParaRPr>
+              </a:p>
+            </p:txBody>
+          </p:sp>
+          <p:sp>
+            <p:nvSpPr>
+              <p:cNvPr id="53" name="Rounded Rectangle 227"/>
+              <p:cNvSpPr/>
+              <p:nvPr/>
+            </p:nvSpPr>
+            <p:spPr>
+              <a:xfrm rot="10800000">
+                <a:off x="4879960" y="919204"/>
+                <a:ext cx="234247" cy="101171"/>
+              </a:xfrm>
+              <a:custGeom>
+                <a:avLst/>
+                <a:gdLst/>
+                <a:ahLst/>
+                <a:cxnLst/>
+                <a:rect l="l" t="t" r="r" b="b"/>
+                <a:pathLst>
+                  <a:path w="286327" h="1000124">
+                    <a:moveTo>
+                      <a:pt x="2115" y="0"/>
+                    </a:moveTo>
+                    <a:lnTo>
+                      <a:pt x="284212" y="0"/>
+                    </a:lnTo>
+                    <a:cubicBezTo>
+                      <a:pt x="286188" y="3367"/>
+                      <a:pt x="286327" y="6905"/>
+                      <a:pt x="286327" y="10476"/>
+                    </a:cubicBezTo>
+                    <a:lnTo>
+                      <a:pt x="286327" y="712825"/>
+                    </a:lnTo>
+                    <a:cubicBezTo>
+                      <a:pt x="286327" y="772047"/>
+                      <a:pt x="247915" y="822299"/>
+                      <a:pt x="194109" y="838409"/>
+                    </a:cubicBezTo>
+                    <a:cubicBezTo>
+                      <a:pt x="194108" y="875332"/>
+                      <a:pt x="194108" y="912256"/>
+                      <a:pt x="194108" y="949179"/>
+                    </a:cubicBezTo>
+                    <a:cubicBezTo>
+                      <a:pt x="194108" y="977315"/>
+                      <a:pt x="171299" y="1000124"/>
+                      <a:pt x="143163" y="1000124"/>
+                    </a:cubicBezTo>
+                    <a:lnTo>
+                      <a:pt x="143164" y="1000123"/>
+                    </a:lnTo>
+                    <a:cubicBezTo>
+                      <a:pt x="115028" y="1000123"/>
+                      <a:pt x="92219" y="977314"/>
+                      <a:pt x="92219" y="949178"/>
+                    </a:cubicBezTo>
+                    <a:lnTo>
+                      <a:pt x="92219" y="838409"/>
+                    </a:lnTo>
+                    <a:cubicBezTo>
+                      <a:pt x="38413" y="822299"/>
+                      <a:pt x="0" y="772048"/>
+                      <a:pt x="0" y="712825"/>
+                    </a:cubicBezTo>
+                    <a:lnTo>
+                      <a:pt x="0" y="10476"/>
+                    </a:lnTo>
+                    <a:close/>
+                  </a:path>
+                </a:pathLst>
+              </a:custGeom>
+              <a:solidFill>
+                <a:srgbClr val="0070C0"/>
+              </a:solidFill>
+              <a:ln w="19050">
+                <a:solidFill>
+                  <a:schemeClr val="bg1"/>
+                </a:solidFill>
+              </a:ln>
+            </p:spPr>
+            <p:style>
+              <a:lnRef idx="2">
+                <a:schemeClr val="accent1">
+                  <a:shade val="50000"/>
+                </a:schemeClr>
+              </a:lnRef>
+              <a:fillRef idx="1">
+                <a:schemeClr val="accent1"/>
+              </a:fillRef>
+              <a:effectRef idx="0">
+                <a:schemeClr val="accent1"/>
+              </a:effectRef>
+              <a:fontRef idx="minor">
+                <a:schemeClr val="lt1"/>
+              </a:fontRef>
+            </p:style>
+            <p:txBody>
+              <a:bodyPr rtlCol="0" anchor="ctr"/>
+              <a:lstStyle/>
+              <a:p>
+                <a:pPr algn="ctr"/>
+                <a:endParaRPr lang="en-SG"/>
+              </a:p>
+            </p:txBody>
+          </p:sp>
+        </p:grpSp>
+        <p:sp>
+          <p:nvSpPr>
+            <p:cNvPr id="60" name="Rectangle 59"/>
             <p:cNvSpPr/>
             <p:nvPr/>
           </p:nvSpPr>
           <p:spPr>
             <a:xfrm>
-              <a:off x="4821567" y="971454"/>
-              <a:ext cx="343904" cy="406070"/>
+              <a:off x="856366" y="3244375"/>
+              <a:ext cx="429324" cy="305311"/>
             </a:xfrm>
             <a:prstGeom prst="rect">
               <a:avLst/>
@@ -5720,8 +5908,10 @@
             <a:solidFill>
               <a:srgbClr val="0070C0"/>
             </a:solidFill>
-            <a:ln>
-              <a:noFill/>
+            <a:ln w="28575">
+              <a:solidFill>
+                <a:schemeClr val="bg1"/>
+              </a:solidFill>
             </a:ln>
           </p:spPr>
           <p:style>
@@ -5749,84 +5939,69 @@
             </a:p>
           </p:txBody>
         </p:sp>
+      </p:grpSp>
+      <p:sp>
+        <p:nvSpPr>
+          <p:cNvPr id="67" name="TextBox 66"/>
+          <p:cNvSpPr txBox="1"/>
+          <p:nvPr/>
+        </p:nvSpPr>
+        <p:spPr>
+          <a:xfrm>
+            <a:off x="4513627" y="2826285"/>
+            <a:ext cx="1114236" cy="430887"/>
+          </a:xfrm>
+          <a:prstGeom prst="rect">
+            <a:avLst/>
+          </a:prstGeom>
+          <a:noFill/>
+        </p:spPr>
+        <p:txBody>
+          <a:bodyPr wrap="square" rtlCol="0">
+            <a:spAutoFit/>
+          </a:bodyPr>
+          <a:lstStyle/>
+          <a:p>
+            <a:pPr algn="ctr"/>
+            <a:r>
+              <a:rPr lang="en-US" sz="1100" dirty="0"/>
+              <a:t>Paste To Fill Slide</a:t>
+            </a:r>
+            <a:endParaRPr lang="en-SG" sz="1100" dirty="0"/>
+          </a:p>
+        </p:txBody>
+      </p:sp>
+      <p:grpSp>
+        <p:nvGrpSpPr>
+          <p:cNvPr id="4" name="Group 3"/>
+          <p:cNvGrpSpPr/>
+          <p:nvPr/>
+        </p:nvGrpSpPr>
+        <p:grpSpPr>
+          <a:xfrm>
+            <a:off x="1810624" y="3016576"/>
+            <a:ext cx="549071" cy="549822"/>
+            <a:chOff x="1810624" y="3016576"/>
+            <a:chExt cx="549071" cy="549822"/>
+          </a:xfrm>
+        </p:grpSpPr>
         <p:sp>
           <p:nvSpPr>
-            <p:cNvPr id="53" name="Rounded Rectangle 227"/>
+            <p:cNvPr id="62" name="Rectangle 61"/>
             <p:cNvSpPr/>
             <p:nvPr/>
           </p:nvSpPr>
           <p:spPr>
             <a:xfrm rot="10800000">
-              <a:off x="4879960" y="919204"/>
-              <a:ext cx="234247" cy="101171"/>
+              <a:off x="1810624" y="3016576"/>
+              <a:ext cx="549071" cy="549822"/>
             </a:xfrm>
-            <a:custGeom>
+            <a:prstGeom prst="rect">
               <a:avLst/>
-              <a:gdLst/>
-              <a:ahLst/>
-              <a:cxnLst/>
-              <a:rect l="l" t="t" r="r" b="b"/>
-              <a:pathLst>
-                <a:path w="286327" h="1000124">
-                  <a:moveTo>
-                    <a:pt x="2115" y="0"/>
-                  </a:moveTo>
-                  <a:lnTo>
-                    <a:pt x="284212" y="0"/>
-                  </a:lnTo>
-                  <a:cubicBezTo>
-                    <a:pt x="286188" y="3367"/>
-                    <a:pt x="286327" y="6905"/>
-                    <a:pt x="286327" y="10476"/>
-                  </a:cubicBezTo>
-                  <a:lnTo>
-                    <a:pt x="286327" y="712825"/>
-                  </a:lnTo>
-                  <a:cubicBezTo>
-                    <a:pt x="286327" y="772047"/>
-                    <a:pt x="247915" y="822299"/>
-                    <a:pt x="194109" y="838409"/>
-                  </a:cubicBezTo>
-                  <a:cubicBezTo>
-                    <a:pt x="194108" y="875332"/>
-                    <a:pt x="194108" y="912256"/>
-                    <a:pt x="194108" y="949179"/>
-                  </a:cubicBezTo>
-                  <a:cubicBezTo>
-                    <a:pt x="194108" y="977315"/>
-                    <a:pt x="171299" y="1000124"/>
-                    <a:pt x="143163" y="1000124"/>
-                  </a:cubicBezTo>
-                  <a:lnTo>
-                    <a:pt x="143164" y="1000123"/>
-                  </a:lnTo>
-                  <a:cubicBezTo>
-                    <a:pt x="115028" y="1000123"/>
-                    <a:pt x="92219" y="977314"/>
-                    <a:pt x="92219" y="949178"/>
-                  </a:cubicBezTo>
-                  <a:lnTo>
-                    <a:pt x="92219" y="838409"/>
-                  </a:lnTo>
-                  <a:cubicBezTo>
-                    <a:pt x="38413" y="822299"/>
-                    <a:pt x="0" y="772048"/>
-                    <a:pt x="0" y="712825"/>
-                  </a:cubicBezTo>
-                  <a:lnTo>
-                    <a:pt x="0" y="10476"/>
-                  </a:lnTo>
-                  <a:close/>
-                </a:path>
-              </a:pathLst>
-            </a:custGeom>
-            <a:solidFill>
-              <a:srgbClr val="0070C0"/>
-            </a:solidFill>
-            <a:ln w="19050">
-              <a:solidFill>
-                <a:schemeClr val="bg1"/>
-              </a:solidFill>
+            </a:prstGeom>
+            <a:noFill/>
+            <a:ln>
+              <a:noFill/>
             </a:ln>
           </p:spPr>
           <p:style>
@@ -5846,144 +6021,311 @@
             </a:fontRef>
           </p:style>
           <p:txBody>
-            <a:bodyPr rtlCol="0" anchor="ctr"/>
+            <a:bodyPr wrap="none" lIns="0" tIns="0" rIns="0" bIns="0" rtlCol="0" anchor="ctr"/>
             <a:lstStyle/>
             <a:p>
               <a:pPr algn="ctr"/>
-              <a:endParaRPr lang="en-SG"/>
+              <a:endParaRPr lang="en-US" b="1"/>
             </a:p>
           </p:txBody>
         </p:sp>
-      </p:grpSp>
-      <p:sp>
-        <p:nvSpPr>
-          <p:cNvPr id="60" name="Rectangle 59"/>
-          <p:cNvSpPr/>
-          <p:nvPr/>
-        </p:nvSpPr>
-        <p:spPr>
-          <a:xfrm>
-            <a:off x="856366" y="3244375"/>
-            <a:ext cx="429324" cy="305311"/>
-          </a:xfrm>
-          <a:prstGeom prst="rect">
-            <a:avLst/>
-          </a:prstGeom>
-          <a:solidFill>
-            <a:srgbClr val="0070C0"/>
-          </a:solidFill>
-          <a:ln w="19050">
-            <a:solidFill>
-              <a:schemeClr val="bg1"/>
-            </a:solidFill>
-          </a:ln>
-        </p:spPr>
-        <p:style>
-          <a:lnRef idx="2">
-            <a:schemeClr val="accent1">
-              <a:shade val="50000"/>
-            </a:schemeClr>
-          </a:lnRef>
-          <a:fillRef idx="1">
-            <a:schemeClr val="accent1"/>
-          </a:fillRef>
-          <a:effectRef idx="0">
-            <a:schemeClr val="accent1"/>
-          </a:effectRef>
-          <a:fontRef idx="minor">
-            <a:schemeClr val="lt1"/>
-          </a:fontRef>
-        </p:style>
-        <p:txBody>
-          <a:bodyPr rtlCol="0" anchor="ctr"/>
-          <a:lstStyle/>
-          <a:p>
-            <a:pPr algn="ctr"/>
-            <a:endParaRPr lang="en-US" dirty="0"/>
-          </a:p>
-        </p:txBody>
-      </p:sp>
-      <p:sp>
-        <p:nvSpPr>
-          <p:cNvPr id="62" name="Rectangle 61"/>
-          <p:cNvSpPr/>
-          <p:nvPr/>
-        </p:nvSpPr>
-        <p:spPr>
-          <a:xfrm rot="10800000">
-            <a:off x="1810624" y="3016576"/>
-            <a:ext cx="549071" cy="549822"/>
-          </a:xfrm>
-          <a:prstGeom prst="rect">
-            <a:avLst/>
-          </a:prstGeom>
-          <a:solidFill>
-            <a:schemeClr val="bg2">
-              <a:lumMod val="75000"/>
-            </a:schemeClr>
-          </a:solidFill>
-          <a:ln>
-            <a:noFill/>
-          </a:ln>
-        </p:spPr>
-        <p:style>
-          <a:lnRef idx="2">
-            <a:schemeClr val="accent1">
-              <a:shade val="50000"/>
-            </a:schemeClr>
-          </a:lnRef>
-          <a:fillRef idx="1">
-            <a:schemeClr val="accent1"/>
-          </a:fillRef>
-          <a:effectRef idx="0">
-            <a:schemeClr val="accent1"/>
-          </a:effectRef>
-          <a:fontRef idx="minor">
-            <a:schemeClr val="lt1"/>
-          </a:fontRef>
-        </p:style>
-        <p:txBody>
-          <a:bodyPr wrap="none" lIns="0" tIns="0" rIns="0" bIns="0" rtlCol="0" anchor="ctr"/>
-          <a:lstStyle/>
-          <a:p>
-            <a:pPr algn="ctr"/>
-            <a:endParaRPr lang="en-US" b="1"/>
-          </a:p>
-        </p:txBody>
-      </p:sp>
-      <p:grpSp>
-        <p:nvGrpSpPr>
-          <p:cNvPr id="63" name="Group 62"/>
-          <p:cNvGrpSpPr/>
-          <p:nvPr/>
-        </p:nvGrpSpPr>
-        <p:grpSpPr>
-          <a:xfrm>
-            <a:off x="1818187" y="3031732"/>
-            <a:ext cx="343904" cy="458320"/>
-            <a:chOff x="4821567" y="919204"/>
-            <a:chExt cx="343904" cy="458320"/>
-          </a:xfrm>
-        </p:grpSpPr>
+        <p:grpSp>
+          <p:nvGrpSpPr>
+            <p:cNvPr id="63" name="Group 62"/>
+            <p:cNvGrpSpPr/>
+            <p:nvPr/>
+          </p:nvGrpSpPr>
+          <p:grpSpPr>
+            <a:xfrm>
+              <a:off x="1818187" y="3031732"/>
+              <a:ext cx="343904" cy="458320"/>
+              <a:chOff x="4821567" y="919204"/>
+              <a:chExt cx="343904" cy="458320"/>
+            </a:xfrm>
+          </p:grpSpPr>
+          <p:sp>
+            <p:nvSpPr>
+              <p:cNvPr id="64" name="Rectangle 63"/>
+              <p:cNvSpPr/>
+              <p:nvPr/>
+            </p:nvSpPr>
+            <p:spPr>
+              <a:xfrm>
+                <a:off x="4821567" y="971454"/>
+                <a:ext cx="343904" cy="406070"/>
+              </a:xfrm>
+              <a:prstGeom prst="rect">
+                <a:avLst/>
+              </a:prstGeom>
+              <a:solidFill>
+                <a:srgbClr val="FFFFFF"/>
+              </a:solidFill>
+              <a:ln w="28575" cap="flat" cmpd="sng" algn="ctr">
+                <a:solidFill>
+                  <a:srgbClr val="0070C0"/>
+                </a:solidFill>
+                <a:prstDash val="solid"/>
+                <a:round/>
+                <a:headEnd type="none" w="med" len="med"/>
+                <a:tailEnd type="none" w="med" len="med"/>
+              </a:ln>
+            </p:spPr>
+            <p:style>
+              <a:lnRef idx="2">
+                <a:schemeClr val="accent1">
+                  <a:shade val="50000"/>
+                </a:schemeClr>
+              </a:lnRef>
+              <a:fillRef idx="1">
+                <a:schemeClr val="accent1"/>
+              </a:fillRef>
+              <a:effectRef idx="0">
+                <a:schemeClr val="accent1"/>
+              </a:effectRef>
+              <a:fontRef idx="minor">
+                <a:schemeClr val="lt1"/>
+              </a:fontRef>
+            </p:style>
+            <p:txBody>
+              <a:bodyPr rtlCol="0" anchor="ctr"/>
+              <a:lstStyle/>
+              <a:p>
+                <a:pPr algn="ctr"/>
+                <a:endParaRPr lang="en-US" dirty="0">
+                  <a:solidFill>
+                    <a:srgbClr val="FFFFFF"/>
+                  </a:solidFill>
+                  <a:latin typeface="Calibri" panose="020F0502020204030204" pitchFamily="34" charset="0"/>
+                </a:endParaRPr>
+              </a:p>
+            </p:txBody>
+          </p:sp>
+          <p:sp>
+            <p:nvSpPr>
+              <p:cNvPr id="65" name="Rounded Rectangle 227"/>
+              <p:cNvSpPr/>
+              <p:nvPr/>
+            </p:nvSpPr>
+            <p:spPr>
+              <a:xfrm rot="10800000">
+                <a:off x="4879960" y="919204"/>
+                <a:ext cx="234247" cy="101171"/>
+              </a:xfrm>
+              <a:custGeom>
+                <a:avLst/>
+                <a:gdLst/>
+                <a:ahLst/>
+                <a:cxnLst/>
+                <a:rect l="l" t="t" r="r" b="b"/>
+                <a:pathLst>
+                  <a:path w="286327" h="1000124">
+                    <a:moveTo>
+                      <a:pt x="2115" y="0"/>
+                    </a:moveTo>
+                    <a:lnTo>
+                      <a:pt x="284212" y="0"/>
+                    </a:lnTo>
+                    <a:cubicBezTo>
+                      <a:pt x="286188" y="3367"/>
+                      <a:pt x="286327" y="6905"/>
+                      <a:pt x="286327" y="10476"/>
+                    </a:cubicBezTo>
+                    <a:lnTo>
+                      <a:pt x="286327" y="712825"/>
+                    </a:lnTo>
+                    <a:cubicBezTo>
+                      <a:pt x="286327" y="772047"/>
+                      <a:pt x="247915" y="822299"/>
+                      <a:pt x="194109" y="838409"/>
+                    </a:cubicBezTo>
+                    <a:cubicBezTo>
+                      <a:pt x="194108" y="875332"/>
+                      <a:pt x="194108" y="912256"/>
+                      <a:pt x="194108" y="949179"/>
+                    </a:cubicBezTo>
+                    <a:cubicBezTo>
+                      <a:pt x="194108" y="977315"/>
+                      <a:pt x="171299" y="1000124"/>
+                      <a:pt x="143163" y="1000124"/>
+                    </a:cubicBezTo>
+                    <a:lnTo>
+                      <a:pt x="143164" y="1000123"/>
+                    </a:lnTo>
+                    <a:cubicBezTo>
+                      <a:pt x="115028" y="1000123"/>
+                      <a:pt x="92219" y="977314"/>
+                      <a:pt x="92219" y="949178"/>
+                    </a:cubicBezTo>
+                    <a:lnTo>
+                      <a:pt x="92219" y="838409"/>
+                    </a:lnTo>
+                    <a:cubicBezTo>
+                      <a:pt x="38413" y="822299"/>
+                      <a:pt x="0" y="772048"/>
+                      <a:pt x="0" y="712825"/>
+                    </a:cubicBezTo>
+                    <a:lnTo>
+                      <a:pt x="0" y="10476"/>
+                    </a:lnTo>
+                    <a:close/>
+                  </a:path>
+                </a:pathLst>
+              </a:custGeom>
+              <a:solidFill>
+                <a:srgbClr val="0070C0"/>
+              </a:solidFill>
+              <a:ln w="19050">
+                <a:solidFill>
+                  <a:schemeClr val="bg1"/>
+                </a:solidFill>
+              </a:ln>
+            </p:spPr>
+            <p:style>
+              <a:lnRef idx="2">
+                <a:schemeClr val="accent1">
+                  <a:shade val="50000"/>
+                </a:schemeClr>
+              </a:lnRef>
+              <a:fillRef idx="1">
+                <a:schemeClr val="accent1"/>
+              </a:fillRef>
+              <a:effectRef idx="0">
+                <a:schemeClr val="accent1"/>
+              </a:effectRef>
+              <a:fontRef idx="minor">
+                <a:schemeClr val="lt1"/>
+              </a:fontRef>
+            </p:style>
+            <p:txBody>
+              <a:bodyPr rtlCol="0" anchor="ctr"/>
+              <a:lstStyle/>
+              <a:p>
+                <a:pPr algn="ctr"/>
+                <a:endParaRPr lang="en-SG"/>
+              </a:p>
+            </p:txBody>
+          </p:sp>
+        </p:grpSp>
         <p:sp>
           <p:nvSpPr>
-            <p:cNvPr id="64" name="Rectangle 63"/>
+            <p:cNvPr id="70" name="Freeform: Shape 69"/>
             <p:cNvSpPr/>
             <p:nvPr/>
           </p:nvSpPr>
           <p:spPr>
-            <a:xfrm>
-              <a:off x="4821567" y="971454"/>
-              <a:ext cx="343904" cy="406070"/>
+            <a:xfrm rot="20184335">
+              <a:off x="2028071" y="3172827"/>
+              <a:ext cx="275211" cy="377159"/>
             </a:xfrm>
-            <a:prstGeom prst="rect">
+            <a:custGeom>
               <a:avLst/>
-            </a:prstGeom>
+              <a:gdLst>
+                <a:gd name="connsiteX0" fmla="*/ 340041 w 685923"/>
+                <a:gd name="connsiteY0" fmla="*/ 0 h 940011"/>
+                <a:gd name="connsiteX1" fmla="*/ 685923 w 685923"/>
+                <a:gd name="connsiteY1" fmla="*/ 772625 h 940011"/>
+                <a:gd name="connsiteX2" fmla="*/ 680032 w 685923"/>
+                <a:gd name="connsiteY2" fmla="*/ 772647 h 940011"/>
+                <a:gd name="connsiteX3" fmla="*/ 424252 w 685923"/>
+                <a:gd name="connsiteY3" fmla="*/ 660929 h 940011"/>
+                <a:gd name="connsiteX4" fmla="*/ 424252 w 685923"/>
+                <a:gd name="connsiteY4" fmla="*/ 940011 h 940011"/>
+                <a:gd name="connsiteX5" fmla="*/ 244190 w 685923"/>
+                <a:gd name="connsiteY5" fmla="*/ 940011 h 940011"/>
+                <a:gd name="connsiteX6" fmla="*/ 244190 w 685923"/>
+                <a:gd name="connsiteY6" fmla="*/ 641386 h 940011"/>
+                <a:gd name="connsiteX7" fmla="*/ 0 w 685923"/>
+                <a:gd name="connsiteY7" fmla="*/ 774637 h 940011"/>
+                <a:gd name="connsiteX8" fmla="*/ 244190 w 685923"/>
+                <a:gd name="connsiteY8" fmla="*/ 218355 h 940011"/>
+                <a:gd name="connsiteX9" fmla="*/ 244190 w 685923"/>
+                <a:gd name="connsiteY9" fmla="*/ 210957 h 940011"/>
+                <a:gd name="connsiteX10" fmla="*/ 247438 w 685923"/>
+                <a:gd name="connsiteY10" fmla="*/ 210957 h 940011"/>
+              </a:gdLst>
+              <a:ahLst/>
+              <a:cxnLst>
+                <a:cxn ang="0">
+                  <a:pos x="connsiteX0" y="connsiteY0"/>
+                </a:cxn>
+                <a:cxn ang="0">
+                  <a:pos x="connsiteX1" y="connsiteY1"/>
+                </a:cxn>
+                <a:cxn ang="0">
+                  <a:pos x="connsiteX2" y="connsiteY2"/>
+                </a:cxn>
+                <a:cxn ang="0">
+                  <a:pos x="connsiteX3" y="connsiteY3"/>
+                </a:cxn>
+                <a:cxn ang="0">
+                  <a:pos x="connsiteX4" y="connsiteY4"/>
+                </a:cxn>
+                <a:cxn ang="0">
+                  <a:pos x="connsiteX5" y="connsiteY5"/>
+                </a:cxn>
+                <a:cxn ang="0">
+                  <a:pos x="connsiteX6" y="connsiteY6"/>
+                </a:cxn>
+                <a:cxn ang="0">
+                  <a:pos x="connsiteX7" y="connsiteY7"/>
+                </a:cxn>
+                <a:cxn ang="0">
+                  <a:pos x="connsiteX8" y="connsiteY8"/>
+                </a:cxn>
+                <a:cxn ang="0">
+                  <a:pos x="connsiteX9" y="connsiteY9"/>
+                </a:cxn>
+                <a:cxn ang="0">
+                  <a:pos x="connsiteX10" y="connsiteY10"/>
+                </a:cxn>
+              </a:cxnLst>
+              <a:rect l="l" t="t" r="r" b="b"/>
+              <a:pathLst>
+                <a:path w="685923" h="940011">
+                  <a:moveTo>
+                    <a:pt x="340041" y="0"/>
+                  </a:moveTo>
+                  <a:lnTo>
+                    <a:pt x="685923" y="772625"/>
+                  </a:lnTo>
+                  <a:lnTo>
+                    <a:pt x="680032" y="772647"/>
+                  </a:lnTo>
+                  <a:lnTo>
+                    <a:pt x="424252" y="660929"/>
+                  </a:lnTo>
+                  <a:lnTo>
+                    <a:pt x="424252" y="940011"/>
+                  </a:lnTo>
+                  <a:lnTo>
+                    <a:pt x="244190" y="940011"/>
+                  </a:lnTo>
+                  <a:lnTo>
+                    <a:pt x="244190" y="641386"/>
+                  </a:lnTo>
+                  <a:lnTo>
+                    <a:pt x="0" y="774637"/>
+                  </a:lnTo>
+                  <a:lnTo>
+                    <a:pt x="244190" y="218355"/>
+                  </a:lnTo>
+                  <a:lnTo>
+                    <a:pt x="244190" y="210957"/>
+                  </a:lnTo>
+                  <a:lnTo>
+                    <a:pt x="247438" y="210957"/>
+                  </a:lnTo>
+                  <a:close/>
+                </a:path>
+              </a:pathLst>
+            </a:custGeom>
             <a:solidFill>
               <a:srgbClr val="0070C0"/>
             </a:solidFill>
-            <a:ln>
-              <a:noFill/>
+            <a:ln w="28575">
+              <a:solidFill>
+                <a:schemeClr val="bg1"/>
+              </a:solidFill>
             </a:ln>
           </p:spPr>
           <p:style>
@@ -6011,369 +6353,36 @@
             </a:p>
           </p:txBody>
         </p:sp>
+      </p:grpSp>
+      <p:grpSp>
+        <p:nvGrpSpPr>
+          <p:cNvPr id="7" name="Group 6"/>
+          <p:cNvGrpSpPr/>
+          <p:nvPr/>
+        </p:nvGrpSpPr>
+        <p:grpSpPr>
+          <a:xfrm>
+            <a:off x="730729" y="4379841"/>
+            <a:ext cx="549071" cy="549822"/>
+            <a:chOff x="721065" y="4396018"/>
+            <a:chExt cx="549071" cy="549822"/>
+          </a:xfrm>
+        </p:grpSpPr>
         <p:sp>
           <p:nvSpPr>
-            <p:cNvPr id="65" name="Rounded Rectangle 227"/>
+            <p:cNvPr id="100" name="Rectangle 99"/>
             <p:cNvSpPr/>
             <p:nvPr/>
           </p:nvSpPr>
           <p:spPr>
             <a:xfrm rot="10800000">
-              <a:off x="4879960" y="919204"/>
-              <a:ext cx="234247" cy="101171"/>
-            </a:xfrm>
-            <a:custGeom>
-              <a:avLst/>
-              <a:gdLst/>
-              <a:ahLst/>
-              <a:cxnLst/>
-              <a:rect l="l" t="t" r="r" b="b"/>
-              <a:pathLst>
-                <a:path w="286327" h="1000124">
-                  <a:moveTo>
-                    <a:pt x="2115" y="0"/>
-                  </a:moveTo>
-                  <a:lnTo>
-                    <a:pt x="284212" y="0"/>
-                  </a:lnTo>
-                  <a:cubicBezTo>
-                    <a:pt x="286188" y="3367"/>
-                    <a:pt x="286327" y="6905"/>
-                    <a:pt x="286327" y="10476"/>
-                  </a:cubicBezTo>
-                  <a:lnTo>
-                    <a:pt x="286327" y="712825"/>
-                  </a:lnTo>
-                  <a:cubicBezTo>
-                    <a:pt x="286327" y="772047"/>
-                    <a:pt x="247915" y="822299"/>
-                    <a:pt x="194109" y="838409"/>
-                  </a:cubicBezTo>
-                  <a:cubicBezTo>
-                    <a:pt x="194108" y="875332"/>
-                    <a:pt x="194108" y="912256"/>
-                    <a:pt x="194108" y="949179"/>
-                  </a:cubicBezTo>
-                  <a:cubicBezTo>
-                    <a:pt x="194108" y="977315"/>
-                    <a:pt x="171299" y="1000124"/>
-                    <a:pt x="143163" y="1000124"/>
-                  </a:cubicBezTo>
-                  <a:lnTo>
-                    <a:pt x="143164" y="1000123"/>
-                  </a:lnTo>
-                  <a:cubicBezTo>
-                    <a:pt x="115028" y="1000123"/>
-                    <a:pt x="92219" y="977314"/>
-                    <a:pt x="92219" y="949178"/>
-                  </a:cubicBezTo>
-                  <a:lnTo>
-                    <a:pt x="92219" y="838409"/>
-                  </a:lnTo>
-                  <a:cubicBezTo>
-                    <a:pt x="38413" y="822299"/>
-                    <a:pt x="0" y="772048"/>
-                    <a:pt x="0" y="712825"/>
-                  </a:cubicBezTo>
-                  <a:lnTo>
-                    <a:pt x="0" y="10476"/>
-                  </a:lnTo>
-                  <a:close/>
-                </a:path>
-              </a:pathLst>
-            </a:custGeom>
-            <a:solidFill>
-              <a:srgbClr val="0070C0"/>
-            </a:solidFill>
-            <a:ln w="19050">
-              <a:solidFill>
-                <a:schemeClr val="bg1"/>
-              </a:solidFill>
-            </a:ln>
-          </p:spPr>
-          <p:style>
-            <a:lnRef idx="2">
-              <a:schemeClr val="accent1">
-                <a:shade val="50000"/>
-              </a:schemeClr>
-            </a:lnRef>
-            <a:fillRef idx="1">
-              <a:schemeClr val="accent1"/>
-            </a:fillRef>
-            <a:effectRef idx="0">
-              <a:schemeClr val="accent1"/>
-            </a:effectRef>
-            <a:fontRef idx="minor">
-              <a:schemeClr val="lt1"/>
-            </a:fontRef>
-          </p:style>
-          <p:txBody>
-            <a:bodyPr rtlCol="0" anchor="ctr"/>
-            <a:lstStyle/>
-            <a:p>
-              <a:pPr algn="ctr"/>
-              <a:endParaRPr lang="en-SG"/>
-            </a:p>
-          </p:txBody>
-        </p:sp>
-      </p:grpSp>
-      <p:sp>
-        <p:nvSpPr>
-          <p:cNvPr id="67" name="TextBox 66"/>
-          <p:cNvSpPr txBox="1"/>
-          <p:nvPr/>
-        </p:nvSpPr>
-        <p:spPr>
-          <a:xfrm>
-            <a:off x="4513627" y="2826285"/>
-            <a:ext cx="1114236" cy="430887"/>
-          </a:xfrm>
-          <a:prstGeom prst="rect">
-            <a:avLst/>
-          </a:prstGeom>
-          <a:noFill/>
-        </p:spPr>
-        <p:txBody>
-          <a:bodyPr wrap="square" rtlCol="0">
-            <a:spAutoFit/>
-          </a:bodyPr>
-          <a:lstStyle/>
-          <a:p>
-            <a:pPr algn="ctr"/>
-            <a:r>
-              <a:rPr lang="en-US" sz="1100" dirty="0"/>
-              <a:t>Paste To Fill Slide</a:t>
-            </a:r>
-            <a:endParaRPr lang="en-SG" sz="1100" dirty="0"/>
-          </a:p>
-        </p:txBody>
-      </p:sp>
-      <p:sp>
-        <p:nvSpPr>
-          <p:cNvPr id="70" name="Freeform: Shape 69"/>
-          <p:cNvSpPr/>
-          <p:nvPr/>
-        </p:nvSpPr>
-        <p:spPr>
-          <a:xfrm rot="20184335">
-            <a:off x="2028071" y="3172827"/>
-            <a:ext cx="275211" cy="377159"/>
-          </a:xfrm>
-          <a:custGeom>
-            <a:avLst/>
-            <a:gdLst>
-              <a:gd name="connsiteX0" fmla="*/ 340041 w 685923"/>
-              <a:gd name="connsiteY0" fmla="*/ 0 h 940011"/>
-              <a:gd name="connsiteX1" fmla="*/ 685923 w 685923"/>
-              <a:gd name="connsiteY1" fmla="*/ 772625 h 940011"/>
-              <a:gd name="connsiteX2" fmla="*/ 680032 w 685923"/>
-              <a:gd name="connsiteY2" fmla="*/ 772647 h 940011"/>
-              <a:gd name="connsiteX3" fmla="*/ 424252 w 685923"/>
-              <a:gd name="connsiteY3" fmla="*/ 660929 h 940011"/>
-              <a:gd name="connsiteX4" fmla="*/ 424252 w 685923"/>
-              <a:gd name="connsiteY4" fmla="*/ 940011 h 940011"/>
-              <a:gd name="connsiteX5" fmla="*/ 244190 w 685923"/>
-              <a:gd name="connsiteY5" fmla="*/ 940011 h 940011"/>
-              <a:gd name="connsiteX6" fmla="*/ 244190 w 685923"/>
-              <a:gd name="connsiteY6" fmla="*/ 641386 h 940011"/>
-              <a:gd name="connsiteX7" fmla="*/ 0 w 685923"/>
-              <a:gd name="connsiteY7" fmla="*/ 774637 h 940011"/>
-              <a:gd name="connsiteX8" fmla="*/ 244190 w 685923"/>
-              <a:gd name="connsiteY8" fmla="*/ 218355 h 940011"/>
-              <a:gd name="connsiteX9" fmla="*/ 244190 w 685923"/>
-              <a:gd name="connsiteY9" fmla="*/ 210957 h 940011"/>
-              <a:gd name="connsiteX10" fmla="*/ 247438 w 685923"/>
-              <a:gd name="connsiteY10" fmla="*/ 210957 h 940011"/>
-            </a:gdLst>
-            <a:ahLst/>
-            <a:cxnLst>
-              <a:cxn ang="0">
-                <a:pos x="connsiteX0" y="connsiteY0"/>
-              </a:cxn>
-              <a:cxn ang="0">
-                <a:pos x="connsiteX1" y="connsiteY1"/>
-              </a:cxn>
-              <a:cxn ang="0">
-                <a:pos x="connsiteX2" y="connsiteY2"/>
-              </a:cxn>
-              <a:cxn ang="0">
-                <a:pos x="connsiteX3" y="connsiteY3"/>
-              </a:cxn>
-              <a:cxn ang="0">
-                <a:pos x="connsiteX4" y="connsiteY4"/>
-              </a:cxn>
-              <a:cxn ang="0">
-                <a:pos x="connsiteX5" y="connsiteY5"/>
-              </a:cxn>
-              <a:cxn ang="0">
-                <a:pos x="connsiteX6" y="connsiteY6"/>
-              </a:cxn>
-              <a:cxn ang="0">
-                <a:pos x="connsiteX7" y="connsiteY7"/>
-              </a:cxn>
-              <a:cxn ang="0">
-                <a:pos x="connsiteX8" y="connsiteY8"/>
-              </a:cxn>
-              <a:cxn ang="0">
-                <a:pos x="connsiteX9" y="connsiteY9"/>
-              </a:cxn>
-              <a:cxn ang="0">
-                <a:pos x="connsiteX10" y="connsiteY10"/>
-              </a:cxn>
-            </a:cxnLst>
-            <a:rect l="l" t="t" r="r" b="b"/>
-            <a:pathLst>
-              <a:path w="685923" h="940011">
-                <a:moveTo>
-                  <a:pt x="340041" y="0"/>
-                </a:moveTo>
-                <a:lnTo>
-                  <a:pt x="685923" y="772625"/>
-                </a:lnTo>
-                <a:lnTo>
-                  <a:pt x="680032" y="772647"/>
-                </a:lnTo>
-                <a:lnTo>
-                  <a:pt x="424252" y="660929"/>
-                </a:lnTo>
-                <a:lnTo>
-                  <a:pt x="424252" y="940011"/>
-                </a:lnTo>
-                <a:lnTo>
-                  <a:pt x="244190" y="940011"/>
-                </a:lnTo>
-                <a:lnTo>
-                  <a:pt x="244190" y="641386"/>
-                </a:lnTo>
-                <a:lnTo>
-                  <a:pt x="0" y="774637"/>
-                </a:lnTo>
-                <a:lnTo>
-                  <a:pt x="244190" y="218355"/>
-                </a:lnTo>
-                <a:lnTo>
-                  <a:pt x="244190" y="210957"/>
-                </a:lnTo>
-                <a:lnTo>
-                  <a:pt x="247438" y="210957"/>
-                </a:lnTo>
-                <a:close/>
-              </a:path>
-            </a:pathLst>
-          </a:custGeom>
-          <a:solidFill>
-            <a:srgbClr val="0070C0"/>
-          </a:solidFill>
-          <a:ln w="19050">
-            <a:solidFill>
-              <a:schemeClr val="bg1"/>
-            </a:solidFill>
-          </a:ln>
-        </p:spPr>
-        <p:style>
-          <a:lnRef idx="2">
-            <a:schemeClr val="accent1">
-              <a:shade val="50000"/>
-            </a:schemeClr>
-          </a:lnRef>
-          <a:fillRef idx="1">
-            <a:schemeClr val="accent1"/>
-          </a:fillRef>
-          <a:effectRef idx="0">
-            <a:schemeClr val="accent1"/>
-          </a:effectRef>
-          <a:fontRef idx="minor">
-            <a:schemeClr val="lt1"/>
-          </a:fontRef>
-        </p:style>
-        <p:txBody>
-          <a:bodyPr rtlCol="0" anchor="ctr"/>
-          <a:lstStyle/>
-          <a:p>
-            <a:pPr algn="ctr"/>
-            <a:endParaRPr lang="en-US" dirty="0"/>
-          </a:p>
-        </p:txBody>
-      </p:sp>
-      <p:sp>
-        <p:nvSpPr>
-          <p:cNvPr id="100" name="Rectangle 99"/>
-          <p:cNvSpPr/>
-          <p:nvPr/>
-        </p:nvSpPr>
-        <p:spPr>
-          <a:xfrm rot="10800000">
-            <a:off x="721065" y="4396018"/>
-            <a:ext cx="549071" cy="549822"/>
-          </a:xfrm>
-          <a:prstGeom prst="rect">
-            <a:avLst/>
-          </a:prstGeom>
-          <a:solidFill>
-            <a:schemeClr val="bg2">
-              <a:lumMod val="75000"/>
-            </a:schemeClr>
-          </a:solidFill>
-          <a:ln>
-            <a:noFill/>
-          </a:ln>
-        </p:spPr>
-        <p:style>
-          <a:lnRef idx="2">
-            <a:schemeClr val="accent1">
-              <a:shade val="50000"/>
-            </a:schemeClr>
-          </a:lnRef>
-          <a:fillRef idx="1">
-            <a:schemeClr val="accent1"/>
-          </a:fillRef>
-          <a:effectRef idx="0">
-            <a:schemeClr val="accent1"/>
-          </a:effectRef>
-          <a:fontRef idx="minor">
-            <a:schemeClr val="lt1"/>
-          </a:fontRef>
-        </p:style>
-        <p:txBody>
-          <a:bodyPr wrap="none" lIns="0" tIns="0" rIns="0" bIns="0" rtlCol="0" anchor="ctr"/>
-          <a:lstStyle/>
-          <a:p>
-            <a:pPr algn="ctr"/>
-            <a:endParaRPr lang="en-US" b="1"/>
-          </a:p>
-        </p:txBody>
-      </p:sp>
-      <p:grpSp>
-        <p:nvGrpSpPr>
-          <p:cNvPr id="101" name="Group 100"/>
-          <p:cNvGrpSpPr/>
-          <p:nvPr/>
-        </p:nvGrpSpPr>
-        <p:grpSpPr>
-          <a:xfrm>
-            <a:off x="728628" y="4411174"/>
-            <a:ext cx="343904" cy="458320"/>
-            <a:chOff x="4821567" y="919204"/>
-            <a:chExt cx="343904" cy="458320"/>
-          </a:xfrm>
-        </p:grpSpPr>
-        <p:sp>
-          <p:nvSpPr>
-            <p:cNvPr id="102" name="Rectangle 101"/>
-            <p:cNvSpPr/>
-            <p:nvPr/>
-          </p:nvSpPr>
-          <p:spPr>
-            <a:xfrm>
-              <a:off x="4821567" y="971454"/>
-              <a:ext cx="343904" cy="406070"/>
+              <a:off x="721065" y="4396018"/>
+              <a:ext cx="549071" cy="549822"/>
             </a:xfrm>
             <a:prstGeom prst="rect">
               <a:avLst/>
             </a:prstGeom>
-            <a:solidFill>
-              <a:srgbClr val="0070C0"/>
-            </a:solidFill>
+            <a:noFill/>
             <a:ln>
               <a:noFill/>
             </a:ln>
@@ -6395,512 +6404,206 @@
             </a:fontRef>
           </p:style>
           <p:txBody>
-            <a:bodyPr rtlCol="0" anchor="ctr"/>
+            <a:bodyPr wrap="none" lIns="0" tIns="0" rIns="0" bIns="0" rtlCol="0" anchor="ctr"/>
             <a:lstStyle/>
             <a:p>
               <a:pPr algn="ctr"/>
-              <a:endParaRPr lang="en-US" dirty="0"/>
+              <a:endParaRPr lang="en-US" b="1"/>
             </a:p>
           </p:txBody>
         </p:sp>
+        <p:grpSp>
+          <p:nvGrpSpPr>
+            <p:cNvPr id="101" name="Group 100"/>
+            <p:cNvGrpSpPr/>
+            <p:nvPr/>
+          </p:nvGrpSpPr>
+          <p:grpSpPr>
+            <a:xfrm>
+              <a:off x="728628" y="4411174"/>
+              <a:ext cx="343904" cy="458320"/>
+              <a:chOff x="4821567" y="919204"/>
+              <a:chExt cx="343904" cy="458320"/>
+            </a:xfrm>
+          </p:grpSpPr>
+          <p:sp>
+            <p:nvSpPr>
+              <p:cNvPr id="102" name="Rectangle 101"/>
+              <p:cNvSpPr/>
+              <p:nvPr/>
+            </p:nvSpPr>
+            <p:spPr>
+              <a:xfrm>
+                <a:off x="4821567" y="971454"/>
+                <a:ext cx="343904" cy="406070"/>
+              </a:xfrm>
+              <a:prstGeom prst="rect">
+                <a:avLst/>
+              </a:prstGeom>
+              <a:solidFill>
+                <a:srgbClr val="FFFFFF"/>
+              </a:solidFill>
+              <a:ln w="28575" cap="flat" cmpd="sng" algn="ctr">
+                <a:solidFill>
+                  <a:srgbClr val="0070C0"/>
+                </a:solidFill>
+                <a:prstDash val="solid"/>
+                <a:round/>
+                <a:headEnd type="none" w="med" len="med"/>
+                <a:tailEnd type="none" w="med" len="med"/>
+              </a:ln>
+            </p:spPr>
+            <p:style>
+              <a:lnRef idx="2">
+                <a:schemeClr val="accent1">
+                  <a:shade val="50000"/>
+                </a:schemeClr>
+              </a:lnRef>
+              <a:fillRef idx="1">
+                <a:schemeClr val="accent1"/>
+              </a:fillRef>
+              <a:effectRef idx="0">
+                <a:schemeClr val="accent1"/>
+              </a:effectRef>
+              <a:fontRef idx="minor">
+                <a:schemeClr val="lt1"/>
+              </a:fontRef>
+            </p:style>
+            <p:txBody>
+              <a:bodyPr rtlCol="0" anchor="ctr"/>
+              <a:lstStyle/>
+              <a:p>
+                <a:pPr algn="ctr"/>
+                <a:endParaRPr lang="en-US" dirty="0"/>
+              </a:p>
+            </p:txBody>
+          </p:sp>
+          <p:sp>
+            <p:nvSpPr>
+              <p:cNvPr id="103" name="Rounded Rectangle 227"/>
+              <p:cNvSpPr/>
+              <p:nvPr/>
+            </p:nvSpPr>
+            <p:spPr>
+              <a:xfrm rot="10800000">
+                <a:off x="4879960" y="919204"/>
+                <a:ext cx="234247" cy="101171"/>
+              </a:xfrm>
+              <a:custGeom>
+                <a:avLst/>
+                <a:gdLst/>
+                <a:ahLst/>
+                <a:cxnLst/>
+                <a:rect l="l" t="t" r="r" b="b"/>
+                <a:pathLst>
+                  <a:path w="286327" h="1000124">
+                    <a:moveTo>
+                      <a:pt x="2115" y="0"/>
+                    </a:moveTo>
+                    <a:lnTo>
+                      <a:pt x="284212" y="0"/>
+                    </a:lnTo>
+                    <a:cubicBezTo>
+                      <a:pt x="286188" y="3367"/>
+                      <a:pt x="286327" y="6905"/>
+                      <a:pt x="286327" y="10476"/>
+                    </a:cubicBezTo>
+                    <a:lnTo>
+                      <a:pt x="286327" y="712825"/>
+                    </a:lnTo>
+                    <a:cubicBezTo>
+                      <a:pt x="286327" y="772047"/>
+                      <a:pt x="247915" y="822299"/>
+                      <a:pt x="194109" y="838409"/>
+                    </a:cubicBezTo>
+                    <a:cubicBezTo>
+                      <a:pt x="194108" y="875332"/>
+                      <a:pt x="194108" y="912256"/>
+                      <a:pt x="194108" y="949179"/>
+                    </a:cubicBezTo>
+                    <a:cubicBezTo>
+                      <a:pt x="194108" y="977315"/>
+                      <a:pt x="171299" y="1000124"/>
+                      <a:pt x="143163" y="1000124"/>
+                    </a:cubicBezTo>
+                    <a:lnTo>
+                      <a:pt x="143164" y="1000123"/>
+                    </a:lnTo>
+                    <a:cubicBezTo>
+                      <a:pt x="115028" y="1000123"/>
+                      <a:pt x="92219" y="977314"/>
+                      <a:pt x="92219" y="949178"/>
+                    </a:cubicBezTo>
+                    <a:lnTo>
+                      <a:pt x="92219" y="838409"/>
+                    </a:lnTo>
+                    <a:cubicBezTo>
+                      <a:pt x="38413" y="822299"/>
+                      <a:pt x="0" y="772048"/>
+                      <a:pt x="0" y="712825"/>
+                    </a:cubicBezTo>
+                    <a:lnTo>
+                      <a:pt x="0" y="10476"/>
+                    </a:lnTo>
+                    <a:close/>
+                  </a:path>
+                </a:pathLst>
+              </a:custGeom>
+              <a:solidFill>
+                <a:srgbClr val="0070C0"/>
+              </a:solidFill>
+              <a:ln w="19050">
+                <a:solidFill>
+                  <a:schemeClr val="bg1"/>
+                </a:solidFill>
+              </a:ln>
+            </p:spPr>
+            <p:style>
+              <a:lnRef idx="2">
+                <a:schemeClr val="accent1">
+                  <a:shade val="50000"/>
+                </a:schemeClr>
+              </a:lnRef>
+              <a:fillRef idx="1">
+                <a:schemeClr val="accent1"/>
+              </a:fillRef>
+              <a:effectRef idx="0">
+                <a:schemeClr val="accent1"/>
+              </a:effectRef>
+              <a:fontRef idx="minor">
+                <a:schemeClr val="lt1"/>
+              </a:fontRef>
+            </p:style>
+            <p:txBody>
+              <a:bodyPr rtlCol="0" anchor="ctr"/>
+              <a:lstStyle/>
+              <a:p>
+                <a:pPr algn="ctr"/>
+                <a:endParaRPr lang="en-SG"/>
+              </a:p>
+            </p:txBody>
+          </p:sp>
+        </p:grpSp>
         <p:sp>
           <p:nvSpPr>
-            <p:cNvPr id="103" name="Rounded Rectangle 227"/>
-            <p:cNvSpPr/>
-            <p:nvPr/>
-          </p:nvSpPr>
-          <p:spPr>
-            <a:xfrm rot="10800000">
-              <a:off x="4879960" y="919204"/>
-              <a:ext cx="234247" cy="101171"/>
-            </a:xfrm>
-            <a:custGeom>
-              <a:avLst/>
-              <a:gdLst/>
-              <a:ahLst/>
-              <a:cxnLst/>
-              <a:rect l="l" t="t" r="r" b="b"/>
-              <a:pathLst>
-                <a:path w="286327" h="1000124">
-                  <a:moveTo>
-                    <a:pt x="2115" y="0"/>
-                  </a:moveTo>
-                  <a:lnTo>
-                    <a:pt x="284212" y="0"/>
-                  </a:lnTo>
-                  <a:cubicBezTo>
-                    <a:pt x="286188" y="3367"/>
-                    <a:pt x="286327" y="6905"/>
-                    <a:pt x="286327" y="10476"/>
-                  </a:cubicBezTo>
-                  <a:lnTo>
-                    <a:pt x="286327" y="712825"/>
-                  </a:lnTo>
-                  <a:cubicBezTo>
-                    <a:pt x="286327" y="772047"/>
-                    <a:pt x="247915" y="822299"/>
-                    <a:pt x="194109" y="838409"/>
-                  </a:cubicBezTo>
-                  <a:cubicBezTo>
-                    <a:pt x="194108" y="875332"/>
-                    <a:pt x="194108" y="912256"/>
-                    <a:pt x="194108" y="949179"/>
-                  </a:cubicBezTo>
-                  <a:cubicBezTo>
-                    <a:pt x="194108" y="977315"/>
-                    <a:pt x="171299" y="1000124"/>
-                    <a:pt x="143163" y="1000124"/>
-                  </a:cubicBezTo>
-                  <a:lnTo>
-                    <a:pt x="143164" y="1000123"/>
-                  </a:lnTo>
-                  <a:cubicBezTo>
-                    <a:pt x="115028" y="1000123"/>
-                    <a:pt x="92219" y="977314"/>
-                    <a:pt x="92219" y="949178"/>
-                  </a:cubicBezTo>
-                  <a:lnTo>
-                    <a:pt x="92219" y="838409"/>
-                  </a:lnTo>
-                  <a:cubicBezTo>
-                    <a:pt x="38413" y="822299"/>
-                    <a:pt x="0" y="772048"/>
-                    <a:pt x="0" y="712825"/>
-                  </a:cubicBezTo>
-                  <a:lnTo>
-                    <a:pt x="0" y="10476"/>
-                  </a:lnTo>
-                  <a:close/>
-                </a:path>
-              </a:pathLst>
-            </a:custGeom>
-            <a:solidFill>
-              <a:srgbClr val="0070C0"/>
-            </a:solidFill>
-            <a:ln w="19050">
-              <a:solidFill>
-                <a:schemeClr val="bg1"/>
-              </a:solidFill>
-            </a:ln>
-          </p:spPr>
-          <p:style>
-            <a:lnRef idx="2">
-              <a:schemeClr val="accent1">
-                <a:shade val="50000"/>
-              </a:schemeClr>
-            </a:lnRef>
-            <a:fillRef idx="1">
-              <a:schemeClr val="accent1"/>
-            </a:fillRef>
-            <a:effectRef idx="0">
-              <a:schemeClr val="accent1"/>
-            </a:effectRef>
-            <a:fontRef idx="minor">
-              <a:schemeClr val="lt1"/>
-            </a:fontRef>
-          </p:style>
-          <p:txBody>
-            <a:bodyPr rtlCol="0" anchor="ctr"/>
-            <a:lstStyle/>
-            <a:p>
-              <a:pPr algn="ctr"/>
-              <a:endParaRPr lang="en-SG"/>
-            </a:p>
-          </p:txBody>
-        </p:sp>
-      </p:grpSp>
-      <p:sp>
-        <p:nvSpPr>
-          <p:cNvPr id="107" name="Oval 106"/>
-          <p:cNvSpPr/>
-          <p:nvPr/>
-        </p:nvSpPr>
-        <p:spPr>
-          <a:xfrm>
-            <a:off x="907649" y="4579751"/>
-            <a:ext cx="336754" cy="336754"/>
-          </a:xfrm>
-          <a:prstGeom prst="ellipse">
-            <a:avLst/>
-          </a:prstGeom>
-          <a:solidFill>
-            <a:srgbClr val="0070C0"/>
-          </a:solidFill>
-          <a:ln>
-            <a:solidFill>
-              <a:schemeClr val="bg1"/>
-            </a:solidFill>
-            <a:prstDash val="sysDot"/>
-          </a:ln>
-        </p:spPr>
-        <p:style>
-          <a:lnRef idx="2">
-            <a:schemeClr val="accent1">
-              <a:shade val="50000"/>
-            </a:schemeClr>
-          </a:lnRef>
-          <a:fillRef idx="1">
-            <a:schemeClr val="accent1"/>
-          </a:fillRef>
-          <a:effectRef idx="0">
-            <a:schemeClr val="accent1"/>
-          </a:effectRef>
-          <a:fontRef idx="minor">
-            <a:schemeClr val="lt1"/>
-          </a:fontRef>
-        </p:style>
-        <p:txBody>
-          <a:bodyPr rtlCol="0" anchor="ctr"/>
-          <a:lstStyle/>
-          <a:p>
-            <a:pPr algn="ctr"/>
-            <a:endParaRPr lang="en-US"/>
-          </a:p>
-        </p:txBody>
-      </p:sp>
-      <p:sp>
-        <p:nvSpPr>
-          <p:cNvPr id="108" name="TextBox 107"/>
-          <p:cNvSpPr txBox="1"/>
-          <p:nvPr/>
-        </p:nvSpPr>
-        <p:spPr>
-          <a:xfrm>
-            <a:off x="1528041" y="3602314"/>
-            <a:ext cx="1114236" cy="430887"/>
-          </a:xfrm>
-          <a:prstGeom prst="rect">
-            <a:avLst/>
-          </a:prstGeom>
-          <a:noFill/>
-        </p:spPr>
-        <p:txBody>
-          <a:bodyPr wrap="square" rtlCol="0">
-            <a:spAutoFit/>
-          </a:bodyPr>
-          <a:lstStyle/>
-          <a:p>
-            <a:pPr algn="ctr"/>
-            <a:r>
-              <a:rPr lang="en-US" sz="1100" dirty="0"/>
-              <a:t>Paste At Cursor Position</a:t>
-            </a:r>
-            <a:endParaRPr lang="en-SG" sz="1100" dirty="0"/>
-          </a:p>
-        </p:txBody>
-      </p:sp>
-      <p:sp>
-        <p:nvSpPr>
-          <p:cNvPr id="110" name="TextBox 109"/>
-          <p:cNvSpPr txBox="1"/>
-          <p:nvPr/>
-        </p:nvSpPr>
-        <p:spPr>
-          <a:xfrm>
-            <a:off x="2458236" y="3594417"/>
-            <a:ext cx="1114236" cy="430887"/>
-          </a:xfrm>
-          <a:prstGeom prst="rect">
-            <a:avLst/>
-          </a:prstGeom>
-          <a:noFill/>
-        </p:spPr>
-        <p:txBody>
-          <a:bodyPr wrap="square" rtlCol="0">
-            <a:spAutoFit/>
-          </a:bodyPr>
-          <a:lstStyle/>
-          <a:p>
-            <a:pPr algn="ctr"/>
-            <a:r>
-              <a:rPr lang="en-US" sz="1100" dirty="0"/>
-              <a:t>Paste At Original Position</a:t>
-            </a:r>
-            <a:endParaRPr lang="en-SG" sz="1100" dirty="0"/>
-          </a:p>
-        </p:txBody>
-      </p:sp>
-      <p:sp>
-        <p:nvSpPr>
-          <p:cNvPr id="111" name="TextBox 110"/>
-          <p:cNvSpPr txBox="1"/>
-          <p:nvPr/>
-        </p:nvSpPr>
-        <p:spPr>
-          <a:xfrm>
-            <a:off x="448147" y="4992502"/>
-            <a:ext cx="1114236" cy="430887"/>
-          </a:xfrm>
-          <a:prstGeom prst="rect">
-            <a:avLst/>
-          </a:prstGeom>
-          <a:noFill/>
-        </p:spPr>
-        <p:txBody>
-          <a:bodyPr wrap="square" rtlCol="0">
-            <a:spAutoFit/>
-          </a:bodyPr>
-          <a:lstStyle/>
-          <a:p>
-            <a:pPr algn="ctr"/>
-            <a:r>
-              <a:rPr lang="en-US" sz="1100" dirty="0"/>
-              <a:t>Replace With Clipboard</a:t>
-            </a:r>
-            <a:endParaRPr lang="en-SG" sz="1100" dirty="0"/>
-          </a:p>
-        </p:txBody>
-      </p:sp>
-      <p:sp>
-        <p:nvSpPr>
-          <p:cNvPr id="112" name="Rectangle 111"/>
-          <p:cNvSpPr/>
-          <p:nvPr/>
-        </p:nvSpPr>
-        <p:spPr>
-          <a:xfrm rot="10800000">
-            <a:off x="1852035" y="4407746"/>
-            <a:ext cx="549071" cy="549822"/>
-          </a:xfrm>
-          <a:prstGeom prst="rect">
-            <a:avLst/>
-          </a:prstGeom>
-          <a:solidFill>
-            <a:schemeClr val="bg2">
-              <a:lumMod val="75000"/>
-            </a:schemeClr>
-          </a:solidFill>
-          <a:ln>
-            <a:noFill/>
-          </a:ln>
-        </p:spPr>
-        <p:style>
-          <a:lnRef idx="2">
-            <a:schemeClr val="accent1">
-              <a:shade val="50000"/>
-            </a:schemeClr>
-          </a:lnRef>
-          <a:fillRef idx="1">
-            <a:schemeClr val="accent1"/>
-          </a:fillRef>
-          <a:effectRef idx="0">
-            <a:schemeClr val="accent1"/>
-          </a:effectRef>
-          <a:fontRef idx="minor">
-            <a:schemeClr val="lt1"/>
-          </a:fontRef>
-        </p:style>
-        <p:txBody>
-          <a:bodyPr wrap="none" lIns="0" tIns="0" rIns="0" bIns="0" rtlCol="0" anchor="ctr"/>
-          <a:lstStyle/>
-          <a:p>
-            <a:pPr algn="ctr"/>
-            <a:endParaRPr lang="en-US" b="1"/>
-          </a:p>
-        </p:txBody>
-      </p:sp>
-      <p:grpSp>
-        <p:nvGrpSpPr>
-          <p:cNvPr id="113" name="Group 112"/>
-          <p:cNvGrpSpPr/>
-          <p:nvPr/>
-        </p:nvGrpSpPr>
-        <p:grpSpPr>
-          <a:xfrm>
-            <a:off x="1859598" y="4422902"/>
-            <a:ext cx="343904" cy="458320"/>
-            <a:chOff x="4821567" y="919204"/>
-            <a:chExt cx="343904" cy="458320"/>
-          </a:xfrm>
-        </p:grpSpPr>
-        <p:sp>
-          <p:nvSpPr>
-            <p:cNvPr id="115" name="Rectangle 114"/>
+            <p:cNvPr id="107" name="Oval 106"/>
             <p:cNvSpPr/>
             <p:nvPr/>
           </p:nvSpPr>
           <p:spPr>
             <a:xfrm>
-              <a:off x="4821567" y="971454"/>
-              <a:ext cx="343904" cy="406070"/>
+              <a:off x="907649" y="4579751"/>
+              <a:ext cx="336754" cy="336754"/>
             </a:xfrm>
-            <a:prstGeom prst="rect">
+            <a:prstGeom prst="ellipse">
               <a:avLst/>
             </a:prstGeom>
-            <a:solidFill>
-              <a:srgbClr val="0070C0"/>
-            </a:solidFill>
-            <a:ln>
-              <a:noFill/>
-            </a:ln>
-          </p:spPr>
-          <p:style>
-            <a:lnRef idx="2">
-              <a:schemeClr val="accent1">
-                <a:shade val="50000"/>
-              </a:schemeClr>
-            </a:lnRef>
-            <a:fillRef idx="1">
-              <a:schemeClr val="accent1"/>
-            </a:fillRef>
-            <a:effectRef idx="0">
-              <a:schemeClr val="accent1"/>
-            </a:effectRef>
-            <a:fontRef idx="minor">
-              <a:schemeClr val="lt1"/>
-            </a:fontRef>
-          </p:style>
-          <p:txBody>
-            <a:bodyPr rtlCol="0" anchor="ctr"/>
-            <a:lstStyle/>
-            <a:p>
-              <a:pPr algn="ctr"/>
-              <a:endParaRPr lang="en-US" dirty="0"/>
-            </a:p>
-          </p:txBody>
-        </p:sp>
-        <p:sp>
-          <p:nvSpPr>
-            <p:cNvPr id="117" name="Rounded Rectangle 227"/>
-            <p:cNvSpPr/>
-            <p:nvPr/>
-          </p:nvSpPr>
-          <p:spPr>
-            <a:xfrm rot="10800000">
-              <a:off x="4879960" y="919204"/>
-              <a:ext cx="234247" cy="101171"/>
-            </a:xfrm>
-            <a:custGeom>
-              <a:avLst/>
-              <a:gdLst/>
-              <a:ahLst/>
-              <a:cxnLst/>
-              <a:rect l="l" t="t" r="r" b="b"/>
-              <a:pathLst>
-                <a:path w="286327" h="1000124">
-                  <a:moveTo>
-                    <a:pt x="2115" y="0"/>
-                  </a:moveTo>
-                  <a:lnTo>
-                    <a:pt x="284212" y="0"/>
-                  </a:lnTo>
-                  <a:cubicBezTo>
-                    <a:pt x="286188" y="3367"/>
-                    <a:pt x="286327" y="6905"/>
-                    <a:pt x="286327" y="10476"/>
-                  </a:cubicBezTo>
-                  <a:lnTo>
-                    <a:pt x="286327" y="712825"/>
-                  </a:lnTo>
-                  <a:cubicBezTo>
-                    <a:pt x="286327" y="772047"/>
-                    <a:pt x="247915" y="822299"/>
-                    <a:pt x="194109" y="838409"/>
-                  </a:cubicBezTo>
-                  <a:cubicBezTo>
-                    <a:pt x="194108" y="875332"/>
-                    <a:pt x="194108" y="912256"/>
-                    <a:pt x="194108" y="949179"/>
-                  </a:cubicBezTo>
-                  <a:cubicBezTo>
-                    <a:pt x="194108" y="977315"/>
-                    <a:pt x="171299" y="1000124"/>
-                    <a:pt x="143163" y="1000124"/>
-                  </a:cubicBezTo>
-                  <a:lnTo>
-                    <a:pt x="143164" y="1000123"/>
-                  </a:lnTo>
-                  <a:cubicBezTo>
-                    <a:pt x="115028" y="1000123"/>
-                    <a:pt x="92219" y="977314"/>
-                    <a:pt x="92219" y="949178"/>
-                  </a:cubicBezTo>
-                  <a:lnTo>
-                    <a:pt x="92219" y="838409"/>
-                  </a:lnTo>
-                  <a:cubicBezTo>
-                    <a:pt x="38413" y="822299"/>
-                    <a:pt x="0" y="772048"/>
-                    <a:pt x="0" y="712825"/>
-                  </a:cubicBezTo>
-                  <a:lnTo>
-                    <a:pt x="0" y="10476"/>
-                  </a:lnTo>
-                  <a:close/>
-                </a:path>
-              </a:pathLst>
-            </a:custGeom>
-            <a:solidFill>
-              <a:srgbClr val="0070C0"/>
-            </a:solidFill>
-            <a:ln w="19050">
+            <a:noFill/>
+            <a:ln w="28575">
               <a:solidFill>
-                <a:schemeClr val="bg1"/>
+                <a:srgbClr val="0070C0"/>
               </a:solidFill>
-            </a:ln>
-          </p:spPr>
-          <p:style>
-            <a:lnRef idx="2">
-              <a:schemeClr val="accent1">
-                <a:shade val="50000"/>
-              </a:schemeClr>
-            </a:lnRef>
-            <a:fillRef idx="1">
-              <a:schemeClr val="accent1"/>
-            </a:fillRef>
-            <a:effectRef idx="0">
-              <a:schemeClr val="accent1"/>
-            </a:effectRef>
-            <a:fontRef idx="minor">
-              <a:schemeClr val="lt1"/>
-            </a:fontRef>
-          </p:style>
-          <p:txBody>
-            <a:bodyPr rtlCol="0" anchor="ctr"/>
-            <a:lstStyle/>
-            <a:p>
-              <a:pPr algn="ctr"/>
-              <a:endParaRPr lang="en-SG"/>
-            </a:p>
-          </p:txBody>
-        </p:sp>
-      </p:grpSp>
-      <p:grpSp>
-        <p:nvGrpSpPr>
-          <p:cNvPr id="131" name="Group 130"/>
-          <p:cNvGrpSpPr/>
-          <p:nvPr/>
-        </p:nvGrpSpPr>
-        <p:grpSpPr>
-          <a:xfrm>
-            <a:off x="2021107" y="4579540"/>
-            <a:ext cx="368987" cy="366300"/>
-            <a:chOff x="2764335" y="1431261"/>
-            <a:chExt cx="445962" cy="442713"/>
-          </a:xfrm>
-          <a:solidFill>
-            <a:srgbClr val="0070C0"/>
-          </a:solidFill>
-        </p:grpSpPr>
-        <p:sp>
-          <p:nvSpPr>
-            <p:cNvPr id="132" name="Rectangle 131"/>
-            <p:cNvSpPr/>
-            <p:nvPr/>
-          </p:nvSpPr>
-          <p:spPr>
-            <a:xfrm>
-              <a:off x="2764335" y="1431283"/>
-              <a:ext cx="212942" cy="212942"/>
-            </a:xfrm>
-            <a:prstGeom prst="rect">
-              <a:avLst/>
-            </a:prstGeom>
-            <a:grpFill/>
-            <a:ln w="19050">
-              <a:solidFill>
-                <a:schemeClr val="bg1"/>
-              </a:solidFill>
+              <a:prstDash val="sysDash"/>
             </a:ln>
           </p:spPr>
           <p:style>
@@ -6928,25 +6631,131 @@
             </a:p>
           </p:txBody>
         </p:sp>
+      </p:grpSp>
+      <p:sp>
+        <p:nvSpPr>
+          <p:cNvPr id="108" name="TextBox 107"/>
+          <p:cNvSpPr txBox="1"/>
+          <p:nvPr/>
+        </p:nvSpPr>
+        <p:spPr>
+          <a:xfrm>
+            <a:off x="1528041" y="3602314"/>
+            <a:ext cx="1114236" cy="430887"/>
+          </a:xfrm>
+          <a:prstGeom prst="rect">
+            <a:avLst/>
+          </a:prstGeom>
+          <a:noFill/>
+        </p:spPr>
+        <p:txBody>
+          <a:bodyPr wrap="square" rtlCol="0">
+            <a:spAutoFit/>
+          </a:bodyPr>
+          <a:lstStyle/>
+          <a:p>
+            <a:pPr algn="ctr"/>
+            <a:r>
+              <a:rPr lang="en-US" sz="1100" dirty="0"/>
+              <a:t>Paste At Cursor Position</a:t>
+            </a:r>
+            <a:endParaRPr lang="en-SG" sz="1100" dirty="0"/>
+          </a:p>
+        </p:txBody>
+      </p:sp>
+      <p:sp>
+        <p:nvSpPr>
+          <p:cNvPr id="110" name="TextBox 109"/>
+          <p:cNvSpPr txBox="1"/>
+          <p:nvPr/>
+        </p:nvSpPr>
+        <p:spPr>
+          <a:xfrm>
+            <a:off x="2458236" y="3594417"/>
+            <a:ext cx="1114236" cy="430887"/>
+          </a:xfrm>
+          <a:prstGeom prst="rect">
+            <a:avLst/>
+          </a:prstGeom>
+          <a:noFill/>
+        </p:spPr>
+        <p:txBody>
+          <a:bodyPr wrap="square" rtlCol="0">
+            <a:spAutoFit/>
+          </a:bodyPr>
+          <a:lstStyle/>
+          <a:p>
+            <a:pPr algn="ctr"/>
+            <a:r>
+              <a:rPr lang="en-US" sz="1100" dirty="0"/>
+              <a:t>Paste At Original Position</a:t>
+            </a:r>
+            <a:endParaRPr lang="en-SG" sz="1100" dirty="0"/>
+          </a:p>
+        </p:txBody>
+      </p:sp>
+      <p:sp>
+        <p:nvSpPr>
+          <p:cNvPr id="111" name="TextBox 110"/>
+          <p:cNvSpPr txBox="1"/>
+          <p:nvPr/>
+        </p:nvSpPr>
+        <p:spPr>
+          <a:xfrm>
+            <a:off x="448147" y="4992502"/>
+            <a:ext cx="1114236" cy="430887"/>
+          </a:xfrm>
+          <a:prstGeom prst="rect">
+            <a:avLst/>
+          </a:prstGeom>
+          <a:noFill/>
+        </p:spPr>
+        <p:txBody>
+          <a:bodyPr wrap="square" rtlCol="0">
+            <a:spAutoFit/>
+          </a:bodyPr>
+          <a:lstStyle/>
+          <a:p>
+            <a:pPr algn="ctr"/>
+            <a:r>
+              <a:rPr lang="en-US" sz="1100" dirty="0"/>
+              <a:t>Replace With Clipboard</a:t>
+            </a:r>
+            <a:endParaRPr lang="en-SG" sz="1100" dirty="0"/>
+          </a:p>
+        </p:txBody>
+      </p:sp>
+      <p:grpSp>
+        <p:nvGrpSpPr>
+          <p:cNvPr id="6" name="Group 5"/>
+          <p:cNvGrpSpPr/>
+          <p:nvPr/>
+        </p:nvGrpSpPr>
+        <p:grpSpPr>
+          <a:xfrm>
+            <a:off x="1852035" y="4407746"/>
+            <a:ext cx="549071" cy="549822"/>
+            <a:chOff x="1852035" y="4407746"/>
+            <a:chExt cx="549071" cy="549822"/>
+          </a:xfrm>
+        </p:grpSpPr>
         <p:sp>
           <p:nvSpPr>
-            <p:cNvPr id="140" name="Rectangle 139"/>
+            <p:cNvPr id="112" name="Rectangle 111"/>
             <p:cNvSpPr/>
             <p:nvPr/>
           </p:nvSpPr>
           <p:spPr>
-            <a:xfrm>
-              <a:off x="2765652" y="1641480"/>
-              <a:ext cx="212942" cy="212942"/>
+            <a:xfrm rot="10800000">
+              <a:off x="1852035" y="4407746"/>
+              <a:ext cx="549071" cy="549822"/>
             </a:xfrm>
             <a:prstGeom prst="rect">
               <a:avLst/>
             </a:prstGeom>
-            <a:grpFill/>
-            <a:ln w="19050">
-              <a:solidFill>
-                <a:schemeClr val="bg1"/>
-              </a:solidFill>
+            <a:noFill/>
+            <a:ln>
+              <a:noFill/>
             </a:ln>
           </p:spPr>
           <p:style>
@@ -6966,33 +6775,420 @@
             </a:fontRef>
           </p:style>
           <p:txBody>
-            <a:bodyPr rtlCol="0" anchor="ctr"/>
+            <a:bodyPr wrap="none" lIns="0" tIns="0" rIns="0" bIns="0" rtlCol="0" anchor="ctr"/>
             <a:lstStyle/>
             <a:p>
               <a:pPr algn="ctr"/>
-              <a:endParaRPr lang="en-US"/>
+              <a:endParaRPr lang="en-US" b="1"/>
             </a:p>
           </p:txBody>
         </p:sp>
+        <p:grpSp>
+          <p:nvGrpSpPr>
+            <p:cNvPr id="113" name="Group 112"/>
+            <p:cNvGrpSpPr/>
+            <p:nvPr/>
+          </p:nvGrpSpPr>
+          <p:grpSpPr>
+            <a:xfrm>
+              <a:off x="1859598" y="4422902"/>
+              <a:ext cx="343904" cy="458320"/>
+              <a:chOff x="4821567" y="919204"/>
+              <a:chExt cx="343904" cy="458320"/>
+            </a:xfrm>
+          </p:grpSpPr>
+          <p:sp>
+            <p:nvSpPr>
+              <p:cNvPr id="115" name="Rectangle 114"/>
+              <p:cNvSpPr/>
+              <p:nvPr/>
+            </p:nvSpPr>
+            <p:spPr>
+              <a:xfrm>
+                <a:off x="4821567" y="971454"/>
+                <a:ext cx="343904" cy="406070"/>
+              </a:xfrm>
+              <a:prstGeom prst="rect">
+                <a:avLst/>
+              </a:prstGeom>
+              <a:solidFill>
+                <a:srgbClr val="FFFFFF"/>
+              </a:solidFill>
+              <a:ln w="28575" cap="flat" cmpd="sng" algn="ctr">
+                <a:solidFill>
+                  <a:srgbClr val="0070C0"/>
+                </a:solidFill>
+                <a:prstDash val="solid"/>
+                <a:round/>
+                <a:headEnd type="none" w="med" len="med"/>
+                <a:tailEnd type="none" w="med" len="med"/>
+              </a:ln>
+            </p:spPr>
+            <p:style>
+              <a:lnRef idx="2">
+                <a:schemeClr val="accent1">
+                  <a:shade val="50000"/>
+                </a:schemeClr>
+              </a:lnRef>
+              <a:fillRef idx="1">
+                <a:schemeClr val="accent1"/>
+              </a:fillRef>
+              <a:effectRef idx="0">
+                <a:schemeClr val="accent1"/>
+              </a:effectRef>
+              <a:fontRef idx="minor">
+                <a:schemeClr val="lt1"/>
+              </a:fontRef>
+            </p:style>
+            <p:txBody>
+              <a:bodyPr rtlCol="0" anchor="ctr"/>
+              <a:lstStyle/>
+              <a:p>
+                <a:pPr algn="ctr"/>
+                <a:endParaRPr lang="en-US" dirty="0"/>
+              </a:p>
+            </p:txBody>
+          </p:sp>
+          <p:sp>
+            <p:nvSpPr>
+              <p:cNvPr id="117" name="Rounded Rectangle 227"/>
+              <p:cNvSpPr/>
+              <p:nvPr/>
+            </p:nvSpPr>
+            <p:spPr>
+              <a:xfrm rot="10800000">
+                <a:off x="4879960" y="919204"/>
+                <a:ext cx="234247" cy="101171"/>
+              </a:xfrm>
+              <a:custGeom>
+                <a:avLst/>
+                <a:gdLst/>
+                <a:ahLst/>
+                <a:cxnLst/>
+                <a:rect l="l" t="t" r="r" b="b"/>
+                <a:pathLst>
+                  <a:path w="286327" h="1000124">
+                    <a:moveTo>
+                      <a:pt x="2115" y="0"/>
+                    </a:moveTo>
+                    <a:lnTo>
+                      <a:pt x="284212" y="0"/>
+                    </a:lnTo>
+                    <a:cubicBezTo>
+                      <a:pt x="286188" y="3367"/>
+                      <a:pt x="286327" y="6905"/>
+                      <a:pt x="286327" y="10476"/>
+                    </a:cubicBezTo>
+                    <a:lnTo>
+                      <a:pt x="286327" y="712825"/>
+                    </a:lnTo>
+                    <a:cubicBezTo>
+                      <a:pt x="286327" y="772047"/>
+                      <a:pt x="247915" y="822299"/>
+                      <a:pt x="194109" y="838409"/>
+                    </a:cubicBezTo>
+                    <a:cubicBezTo>
+                      <a:pt x="194108" y="875332"/>
+                      <a:pt x="194108" y="912256"/>
+                      <a:pt x="194108" y="949179"/>
+                    </a:cubicBezTo>
+                    <a:cubicBezTo>
+                      <a:pt x="194108" y="977315"/>
+                      <a:pt x="171299" y="1000124"/>
+                      <a:pt x="143163" y="1000124"/>
+                    </a:cubicBezTo>
+                    <a:lnTo>
+                      <a:pt x="143164" y="1000123"/>
+                    </a:lnTo>
+                    <a:cubicBezTo>
+                      <a:pt x="115028" y="1000123"/>
+                      <a:pt x="92219" y="977314"/>
+                      <a:pt x="92219" y="949178"/>
+                    </a:cubicBezTo>
+                    <a:lnTo>
+                      <a:pt x="92219" y="838409"/>
+                    </a:lnTo>
+                    <a:cubicBezTo>
+                      <a:pt x="38413" y="822299"/>
+                      <a:pt x="0" y="772048"/>
+                      <a:pt x="0" y="712825"/>
+                    </a:cubicBezTo>
+                    <a:lnTo>
+                      <a:pt x="0" y="10476"/>
+                    </a:lnTo>
+                    <a:close/>
+                  </a:path>
+                </a:pathLst>
+              </a:custGeom>
+              <a:solidFill>
+                <a:srgbClr val="0070C0"/>
+              </a:solidFill>
+              <a:ln w="19050">
+                <a:solidFill>
+                  <a:schemeClr val="bg1"/>
+                </a:solidFill>
+              </a:ln>
+            </p:spPr>
+            <p:style>
+              <a:lnRef idx="2">
+                <a:schemeClr val="accent1">
+                  <a:shade val="50000"/>
+                </a:schemeClr>
+              </a:lnRef>
+              <a:fillRef idx="1">
+                <a:schemeClr val="accent1"/>
+              </a:fillRef>
+              <a:effectRef idx="0">
+                <a:schemeClr val="accent1"/>
+              </a:effectRef>
+              <a:fontRef idx="minor">
+                <a:schemeClr val="lt1"/>
+              </a:fontRef>
+            </p:style>
+            <p:txBody>
+              <a:bodyPr rtlCol="0" anchor="ctr"/>
+              <a:lstStyle/>
+              <a:p>
+                <a:pPr algn="ctr"/>
+                <a:endParaRPr lang="en-SG"/>
+              </a:p>
+            </p:txBody>
+          </p:sp>
+        </p:grpSp>
+        <p:grpSp>
+          <p:nvGrpSpPr>
+            <p:cNvPr id="131" name="Group 130"/>
+            <p:cNvGrpSpPr/>
+            <p:nvPr/>
+          </p:nvGrpSpPr>
+          <p:grpSpPr>
+            <a:xfrm>
+              <a:off x="2021107" y="4579540"/>
+              <a:ext cx="368987" cy="366300"/>
+              <a:chOff x="2764335" y="1431261"/>
+              <a:chExt cx="445962" cy="442713"/>
+            </a:xfrm>
+            <a:solidFill>
+              <a:srgbClr val="0070C0"/>
+            </a:solidFill>
+          </p:grpSpPr>
+          <p:sp>
+            <p:nvSpPr>
+              <p:cNvPr id="132" name="Rectangle 131"/>
+              <p:cNvSpPr/>
+              <p:nvPr/>
+            </p:nvSpPr>
+            <p:spPr>
+              <a:xfrm>
+                <a:off x="2764335" y="1431283"/>
+                <a:ext cx="212942" cy="212942"/>
+              </a:xfrm>
+              <a:prstGeom prst="rect">
+                <a:avLst/>
+              </a:prstGeom>
+              <a:grpFill/>
+              <a:ln w="19050">
+                <a:solidFill>
+                  <a:schemeClr val="bg1"/>
+                </a:solidFill>
+              </a:ln>
+            </p:spPr>
+            <p:style>
+              <a:lnRef idx="2">
+                <a:schemeClr val="accent1">
+                  <a:shade val="50000"/>
+                </a:schemeClr>
+              </a:lnRef>
+              <a:fillRef idx="1">
+                <a:schemeClr val="accent1"/>
+              </a:fillRef>
+              <a:effectRef idx="0">
+                <a:schemeClr val="accent1"/>
+              </a:effectRef>
+              <a:fontRef idx="minor">
+                <a:schemeClr val="lt1"/>
+              </a:fontRef>
+            </p:style>
+            <p:txBody>
+              <a:bodyPr rtlCol="0" anchor="ctr"/>
+              <a:lstStyle/>
+              <a:p>
+                <a:pPr algn="ctr"/>
+                <a:endParaRPr lang="en-US"/>
+              </a:p>
+            </p:txBody>
+          </p:sp>
+          <p:sp>
+            <p:nvSpPr>
+              <p:cNvPr id="140" name="Rectangle 139"/>
+              <p:cNvSpPr/>
+              <p:nvPr/>
+            </p:nvSpPr>
+            <p:spPr>
+              <a:xfrm>
+                <a:off x="2765652" y="1641480"/>
+                <a:ext cx="212942" cy="212942"/>
+              </a:xfrm>
+              <a:prstGeom prst="rect">
+                <a:avLst/>
+              </a:prstGeom>
+              <a:grpFill/>
+              <a:ln w="19050">
+                <a:solidFill>
+                  <a:schemeClr val="bg1"/>
+                </a:solidFill>
+              </a:ln>
+            </p:spPr>
+            <p:style>
+              <a:lnRef idx="2">
+                <a:schemeClr val="accent1">
+                  <a:shade val="50000"/>
+                </a:schemeClr>
+              </a:lnRef>
+              <a:fillRef idx="1">
+                <a:schemeClr val="accent1"/>
+              </a:fillRef>
+              <a:effectRef idx="0">
+                <a:schemeClr val="accent1"/>
+              </a:effectRef>
+              <a:fontRef idx="minor">
+                <a:schemeClr val="lt1"/>
+              </a:fontRef>
+            </p:style>
+            <p:txBody>
+              <a:bodyPr rtlCol="0" anchor="ctr"/>
+              <a:lstStyle/>
+              <a:p>
+                <a:pPr algn="ctr"/>
+                <a:endParaRPr lang="en-US"/>
+              </a:p>
+            </p:txBody>
+          </p:sp>
+          <p:sp>
+            <p:nvSpPr>
+              <p:cNvPr id="141" name="Rectangle 140"/>
+              <p:cNvSpPr/>
+              <p:nvPr/>
+            </p:nvSpPr>
+            <p:spPr>
+              <a:xfrm>
+                <a:off x="2979312" y="1431261"/>
+                <a:ext cx="212942" cy="212942"/>
+              </a:xfrm>
+              <a:prstGeom prst="rect">
+                <a:avLst/>
+              </a:prstGeom>
+              <a:grpFill/>
+              <a:ln w="19050">
+                <a:solidFill>
+                  <a:schemeClr val="bg1"/>
+                </a:solidFill>
+              </a:ln>
+            </p:spPr>
+            <p:style>
+              <a:lnRef idx="2">
+                <a:schemeClr val="accent1">
+                  <a:shade val="50000"/>
+                </a:schemeClr>
+              </a:lnRef>
+              <a:fillRef idx="1">
+                <a:schemeClr val="accent1"/>
+              </a:fillRef>
+              <a:effectRef idx="0">
+                <a:schemeClr val="accent1"/>
+              </a:effectRef>
+              <a:fontRef idx="minor">
+                <a:schemeClr val="lt1"/>
+              </a:fontRef>
+            </p:style>
+            <p:txBody>
+              <a:bodyPr rtlCol="0" anchor="ctr"/>
+              <a:lstStyle/>
+              <a:p>
+                <a:pPr algn="ctr"/>
+                <a:endParaRPr lang="en-US"/>
+              </a:p>
+            </p:txBody>
+          </p:sp>
+          <p:sp>
+            <p:nvSpPr>
+              <p:cNvPr id="142" name="Cross 141"/>
+              <p:cNvSpPr/>
+              <p:nvPr/>
+            </p:nvSpPr>
+            <p:spPr>
+              <a:xfrm>
+                <a:off x="3019069" y="1682747"/>
+                <a:ext cx="191228" cy="191227"/>
+              </a:xfrm>
+              <a:prstGeom prst="plus">
+                <a:avLst>
+                  <a:gd name="adj" fmla="val 33338"/>
+                </a:avLst>
+              </a:prstGeom>
+              <a:grpFill/>
+              <a:ln w="19050">
+                <a:noFill/>
+              </a:ln>
+            </p:spPr>
+            <p:style>
+              <a:lnRef idx="2">
+                <a:schemeClr val="accent1">
+                  <a:shade val="50000"/>
+                </a:schemeClr>
+              </a:lnRef>
+              <a:fillRef idx="1">
+                <a:schemeClr val="accent1"/>
+              </a:fillRef>
+              <a:effectRef idx="0">
+                <a:schemeClr val="accent1"/>
+              </a:effectRef>
+              <a:fontRef idx="minor">
+                <a:schemeClr val="lt1"/>
+              </a:fontRef>
+            </p:style>
+            <p:txBody>
+              <a:bodyPr rtlCol="0" anchor="ctr"/>
+              <a:lstStyle/>
+              <a:p>
+                <a:pPr algn="ctr"/>
+                <a:endParaRPr lang="en-US"/>
+              </a:p>
+            </p:txBody>
+          </p:sp>
+        </p:grpSp>
+      </p:grpSp>
+      <p:grpSp>
+        <p:nvGrpSpPr>
+          <p:cNvPr id="5" name="Group 4"/>
+          <p:cNvGrpSpPr/>
+          <p:nvPr/>
+        </p:nvGrpSpPr>
+        <p:grpSpPr>
+          <a:xfrm>
+            <a:off x="2784509" y="3016576"/>
+            <a:ext cx="549071" cy="549822"/>
+            <a:chOff x="2784509" y="3016576"/>
+            <a:chExt cx="549071" cy="549822"/>
+          </a:xfrm>
+        </p:grpSpPr>
         <p:sp>
           <p:nvSpPr>
-            <p:cNvPr id="141" name="Rectangle 140"/>
+            <p:cNvPr id="143" name="Rectangle 142"/>
             <p:cNvSpPr/>
             <p:nvPr/>
           </p:nvSpPr>
           <p:spPr>
-            <a:xfrm>
-              <a:off x="2979312" y="1431261"/>
-              <a:ext cx="212942" cy="212942"/>
+            <a:xfrm rot="10800000">
+              <a:off x="2784509" y="3016576"/>
+              <a:ext cx="549071" cy="549822"/>
             </a:xfrm>
             <a:prstGeom prst="rect">
               <a:avLst/>
             </a:prstGeom>
-            <a:grpFill/>
-            <a:ln w="19050">
-              <a:solidFill>
-                <a:schemeClr val="bg1"/>
-              </a:solidFill>
+            <a:noFill/>
+            <a:ln>
+              <a:noFill/>
             </a:ln>
           </p:spPr>
           <p:style>
@@ -7012,32 +7208,206 @@
             </a:fontRef>
           </p:style>
           <p:txBody>
-            <a:bodyPr rtlCol="0" anchor="ctr"/>
+            <a:bodyPr wrap="none" lIns="0" tIns="0" rIns="0" bIns="0" rtlCol="0" anchor="ctr"/>
             <a:lstStyle/>
             <a:p>
               <a:pPr algn="ctr"/>
-              <a:endParaRPr lang="en-US"/>
+              <a:endParaRPr lang="en-US" b="1"/>
             </a:p>
           </p:txBody>
         </p:sp>
+        <p:grpSp>
+          <p:nvGrpSpPr>
+            <p:cNvPr id="144" name="Group 143"/>
+            <p:cNvGrpSpPr/>
+            <p:nvPr/>
+          </p:nvGrpSpPr>
+          <p:grpSpPr>
+            <a:xfrm>
+              <a:off x="2792072" y="3031732"/>
+              <a:ext cx="343904" cy="458320"/>
+              <a:chOff x="4821567" y="919204"/>
+              <a:chExt cx="343904" cy="458320"/>
+            </a:xfrm>
+          </p:grpSpPr>
+          <p:sp>
+            <p:nvSpPr>
+              <p:cNvPr id="145" name="Rectangle 144"/>
+              <p:cNvSpPr/>
+              <p:nvPr/>
+            </p:nvSpPr>
+            <p:spPr>
+              <a:xfrm>
+                <a:off x="4821567" y="971454"/>
+                <a:ext cx="343904" cy="406070"/>
+              </a:xfrm>
+              <a:prstGeom prst="rect">
+                <a:avLst/>
+              </a:prstGeom>
+              <a:solidFill>
+                <a:srgbClr val="FFFFFF"/>
+              </a:solidFill>
+              <a:ln w="28575" cap="flat" cmpd="sng" algn="ctr">
+                <a:solidFill>
+                  <a:srgbClr val="0070C0"/>
+                </a:solidFill>
+                <a:prstDash val="solid"/>
+                <a:round/>
+                <a:headEnd type="none" w="med" len="med"/>
+                <a:tailEnd type="none" w="med" len="med"/>
+              </a:ln>
+            </p:spPr>
+            <p:style>
+              <a:lnRef idx="2">
+                <a:schemeClr val="accent1">
+                  <a:shade val="50000"/>
+                </a:schemeClr>
+              </a:lnRef>
+              <a:fillRef idx="1">
+                <a:schemeClr val="accent1"/>
+              </a:fillRef>
+              <a:effectRef idx="0">
+                <a:schemeClr val="accent1"/>
+              </a:effectRef>
+              <a:fontRef idx="minor">
+                <a:schemeClr val="lt1"/>
+              </a:fontRef>
+            </p:style>
+            <p:txBody>
+              <a:bodyPr rtlCol="0" anchor="ctr"/>
+              <a:lstStyle/>
+              <a:p>
+                <a:pPr algn="ctr"/>
+                <a:endParaRPr lang="en-US" dirty="0"/>
+              </a:p>
+            </p:txBody>
+          </p:sp>
+          <p:sp>
+            <p:nvSpPr>
+              <p:cNvPr id="146" name="Rounded Rectangle 227"/>
+              <p:cNvSpPr/>
+              <p:nvPr/>
+            </p:nvSpPr>
+            <p:spPr>
+              <a:xfrm rot="10800000">
+                <a:off x="4879960" y="919204"/>
+                <a:ext cx="234247" cy="101171"/>
+              </a:xfrm>
+              <a:custGeom>
+                <a:avLst/>
+                <a:gdLst/>
+                <a:ahLst/>
+                <a:cxnLst/>
+                <a:rect l="l" t="t" r="r" b="b"/>
+                <a:pathLst>
+                  <a:path w="286327" h="1000124">
+                    <a:moveTo>
+                      <a:pt x="2115" y="0"/>
+                    </a:moveTo>
+                    <a:lnTo>
+                      <a:pt x="284212" y="0"/>
+                    </a:lnTo>
+                    <a:cubicBezTo>
+                      <a:pt x="286188" y="3367"/>
+                      <a:pt x="286327" y="6905"/>
+                      <a:pt x="286327" y="10476"/>
+                    </a:cubicBezTo>
+                    <a:lnTo>
+                      <a:pt x="286327" y="712825"/>
+                    </a:lnTo>
+                    <a:cubicBezTo>
+                      <a:pt x="286327" y="772047"/>
+                      <a:pt x="247915" y="822299"/>
+                      <a:pt x="194109" y="838409"/>
+                    </a:cubicBezTo>
+                    <a:cubicBezTo>
+                      <a:pt x="194108" y="875332"/>
+                      <a:pt x="194108" y="912256"/>
+                      <a:pt x="194108" y="949179"/>
+                    </a:cubicBezTo>
+                    <a:cubicBezTo>
+                      <a:pt x="194108" y="977315"/>
+                      <a:pt x="171299" y="1000124"/>
+                      <a:pt x="143163" y="1000124"/>
+                    </a:cubicBezTo>
+                    <a:lnTo>
+                      <a:pt x="143164" y="1000123"/>
+                    </a:lnTo>
+                    <a:cubicBezTo>
+                      <a:pt x="115028" y="1000123"/>
+                      <a:pt x="92219" y="977314"/>
+                      <a:pt x="92219" y="949178"/>
+                    </a:cubicBezTo>
+                    <a:lnTo>
+                      <a:pt x="92219" y="838409"/>
+                    </a:lnTo>
+                    <a:cubicBezTo>
+                      <a:pt x="38413" y="822299"/>
+                      <a:pt x="0" y="772048"/>
+                      <a:pt x="0" y="712825"/>
+                    </a:cubicBezTo>
+                    <a:lnTo>
+                      <a:pt x="0" y="10476"/>
+                    </a:lnTo>
+                    <a:close/>
+                  </a:path>
+                </a:pathLst>
+              </a:custGeom>
+              <a:solidFill>
+                <a:srgbClr val="0070C0"/>
+              </a:solidFill>
+              <a:ln w="19050">
+                <a:solidFill>
+                  <a:schemeClr val="bg1"/>
+                </a:solidFill>
+              </a:ln>
+            </p:spPr>
+            <p:style>
+              <a:lnRef idx="2">
+                <a:schemeClr val="accent1">
+                  <a:shade val="50000"/>
+                </a:schemeClr>
+              </a:lnRef>
+              <a:fillRef idx="1">
+                <a:schemeClr val="accent1"/>
+              </a:fillRef>
+              <a:effectRef idx="0">
+                <a:schemeClr val="accent1"/>
+              </a:effectRef>
+              <a:fontRef idx="minor">
+                <a:schemeClr val="lt1"/>
+              </a:fontRef>
+            </p:style>
+            <p:txBody>
+              <a:bodyPr rtlCol="0" anchor="ctr"/>
+              <a:lstStyle/>
+              <a:p>
+                <a:pPr algn="ctr"/>
+                <a:endParaRPr lang="en-SG"/>
+              </a:p>
+            </p:txBody>
+          </p:sp>
+        </p:grpSp>
         <p:sp>
           <p:nvSpPr>
-            <p:cNvPr id="142" name="Cross 141"/>
+            <p:cNvPr id="147" name="Rectangle: Folded Corner 146"/>
             <p:cNvSpPr/>
             <p:nvPr/>
           </p:nvSpPr>
           <p:spPr>
-            <a:xfrm>
-              <a:off x="3019069" y="1682747"/>
-              <a:ext cx="191228" cy="191227"/>
+            <a:xfrm rot="10800000" flipH="1">
+              <a:off x="3028896" y="3204124"/>
+              <a:ext cx="277140" cy="338178"/>
             </a:xfrm>
-            <a:prstGeom prst="plus">
+            <a:prstGeom prst="foldedCorner">
               <a:avLst>
-                <a:gd name="adj" fmla="val 33338"/>
+                <a:gd name="adj" fmla="val 44103"/>
               </a:avLst>
             </a:prstGeom>
-            <a:grpFill/>
-            <a:ln w="19050">
+            <a:solidFill>
+              <a:srgbClr val="0070C0"/>
+            </a:solidFill>
+            <a:ln w="28575">
               <a:solidFill>
                 <a:schemeClr val="bg1"/>
               </a:solidFill>
@@ -7071,265 +7441,32 @@
       </p:grpSp>
       <p:sp>
         <p:nvSpPr>
-          <p:cNvPr id="143" name="Rectangle 142"/>
-          <p:cNvSpPr/>
+          <p:cNvPr id="88" name="TextBox 87"/>
+          <p:cNvSpPr txBox="1"/>
           <p:nvPr/>
         </p:nvSpPr>
         <p:spPr>
-          <a:xfrm rot="10800000">
-            <a:off x="2784509" y="3016576"/>
-            <a:ext cx="549071" cy="549822"/>
+          <a:xfrm>
+            <a:off x="1558086" y="4992501"/>
+            <a:ext cx="1114236" cy="430887"/>
           </a:xfrm>
           <a:prstGeom prst="rect">
             <a:avLst/>
           </a:prstGeom>
-          <a:solidFill>
-            <a:schemeClr val="bg2">
-              <a:lumMod val="75000"/>
-            </a:schemeClr>
-          </a:solidFill>
-          <a:ln>
-            <a:noFill/>
-          </a:ln>
+          <a:noFill/>
         </p:spPr>
-        <p:style>
-          <a:lnRef idx="2">
-            <a:schemeClr val="accent1">
-              <a:shade val="50000"/>
-            </a:schemeClr>
-          </a:lnRef>
-          <a:fillRef idx="1">
-            <a:schemeClr val="accent1"/>
-          </a:fillRef>
-          <a:effectRef idx="0">
-            <a:schemeClr val="accent1"/>
-          </a:effectRef>
-          <a:fontRef idx="minor">
-            <a:schemeClr val="lt1"/>
-          </a:fontRef>
-        </p:style>
-        <p:txBody>
-          <a:bodyPr wrap="none" lIns="0" tIns="0" rIns="0" bIns="0" rtlCol="0" anchor="ctr"/>
+        <p:txBody>
+          <a:bodyPr wrap="square" rtlCol="0">
+            <a:spAutoFit/>
+          </a:bodyPr>
           <a:lstStyle/>
           <a:p>
             <a:pPr algn="ctr"/>
-            <a:endParaRPr lang="en-US" b="1"/>
-          </a:p>
-        </p:txBody>
-      </p:sp>
-      <p:grpSp>
-        <p:nvGrpSpPr>
-          <p:cNvPr id="144" name="Group 143"/>
-          <p:cNvGrpSpPr/>
-          <p:nvPr/>
-        </p:nvGrpSpPr>
-        <p:grpSpPr>
-          <a:xfrm>
-            <a:off x="2792072" y="3031732"/>
-            <a:ext cx="343904" cy="458320"/>
-            <a:chOff x="4821567" y="919204"/>
-            <a:chExt cx="343904" cy="458320"/>
-          </a:xfrm>
-        </p:grpSpPr>
-        <p:sp>
-          <p:nvSpPr>
-            <p:cNvPr id="145" name="Rectangle 144"/>
-            <p:cNvSpPr/>
-            <p:nvPr/>
-          </p:nvSpPr>
-          <p:spPr>
-            <a:xfrm>
-              <a:off x="4821567" y="971454"/>
-              <a:ext cx="343904" cy="406070"/>
-            </a:xfrm>
-            <a:prstGeom prst="rect">
-              <a:avLst/>
-            </a:prstGeom>
-            <a:solidFill>
-              <a:srgbClr val="0070C0"/>
-            </a:solidFill>
-            <a:ln>
-              <a:noFill/>
-            </a:ln>
-          </p:spPr>
-          <p:style>
-            <a:lnRef idx="2">
-              <a:schemeClr val="accent1">
-                <a:shade val="50000"/>
-              </a:schemeClr>
-            </a:lnRef>
-            <a:fillRef idx="1">
-              <a:schemeClr val="accent1"/>
-            </a:fillRef>
-            <a:effectRef idx="0">
-              <a:schemeClr val="accent1"/>
-            </a:effectRef>
-            <a:fontRef idx="minor">
-              <a:schemeClr val="lt1"/>
-            </a:fontRef>
-          </p:style>
-          <p:txBody>
-            <a:bodyPr rtlCol="0" anchor="ctr"/>
-            <a:lstStyle/>
-            <a:p>
-              <a:pPr algn="ctr"/>
-              <a:endParaRPr lang="en-US" dirty="0"/>
-            </a:p>
-          </p:txBody>
-        </p:sp>
-        <p:sp>
-          <p:nvSpPr>
-            <p:cNvPr id="146" name="Rounded Rectangle 227"/>
-            <p:cNvSpPr/>
-            <p:nvPr/>
-          </p:nvSpPr>
-          <p:spPr>
-            <a:xfrm rot="10800000">
-              <a:off x="4879960" y="919204"/>
-              <a:ext cx="234247" cy="101171"/>
-            </a:xfrm>
-            <a:custGeom>
-              <a:avLst/>
-              <a:gdLst/>
-              <a:ahLst/>
-              <a:cxnLst/>
-              <a:rect l="l" t="t" r="r" b="b"/>
-              <a:pathLst>
-                <a:path w="286327" h="1000124">
-                  <a:moveTo>
-                    <a:pt x="2115" y="0"/>
-                  </a:moveTo>
-                  <a:lnTo>
-                    <a:pt x="284212" y="0"/>
-                  </a:lnTo>
-                  <a:cubicBezTo>
-                    <a:pt x="286188" y="3367"/>
-                    <a:pt x="286327" y="6905"/>
-                    <a:pt x="286327" y="10476"/>
-                  </a:cubicBezTo>
-                  <a:lnTo>
-                    <a:pt x="286327" y="712825"/>
-                  </a:lnTo>
-                  <a:cubicBezTo>
-                    <a:pt x="286327" y="772047"/>
-                    <a:pt x="247915" y="822299"/>
-                    <a:pt x="194109" y="838409"/>
-                  </a:cubicBezTo>
-                  <a:cubicBezTo>
-                    <a:pt x="194108" y="875332"/>
-                    <a:pt x="194108" y="912256"/>
-                    <a:pt x="194108" y="949179"/>
-                  </a:cubicBezTo>
-                  <a:cubicBezTo>
-                    <a:pt x="194108" y="977315"/>
-                    <a:pt x="171299" y="1000124"/>
-                    <a:pt x="143163" y="1000124"/>
-                  </a:cubicBezTo>
-                  <a:lnTo>
-                    <a:pt x="143164" y="1000123"/>
-                  </a:lnTo>
-                  <a:cubicBezTo>
-                    <a:pt x="115028" y="1000123"/>
-                    <a:pt x="92219" y="977314"/>
-                    <a:pt x="92219" y="949178"/>
-                  </a:cubicBezTo>
-                  <a:lnTo>
-                    <a:pt x="92219" y="838409"/>
-                  </a:lnTo>
-                  <a:cubicBezTo>
-                    <a:pt x="38413" y="822299"/>
-                    <a:pt x="0" y="772048"/>
-                    <a:pt x="0" y="712825"/>
-                  </a:cubicBezTo>
-                  <a:lnTo>
-                    <a:pt x="0" y="10476"/>
-                  </a:lnTo>
-                  <a:close/>
-                </a:path>
-              </a:pathLst>
-            </a:custGeom>
-            <a:solidFill>
-              <a:srgbClr val="0070C0"/>
-            </a:solidFill>
-            <a:ln w="19050">
-              <a:solidFill>
-                <a:schemeClr val="bg1"/>
-              </a:solidFill>
-            </a:ln>
-          </p:spPr>
-          <p:style>
-            <a:lnRef idx="2">
-              <a:schemeClr val="accent1">
-                <a:shade val="50000"/>
-              </a:schemeClr>
-            </a:lnRef>
-            <a:fillRef idx="1">
-              <a:schemeClr val="accent1"/>
-            </a:fillRef>
-            <a:effectRef idx="0">
-              <a:schemeClr val="accent1"/>
-            </a:effectRef>
-            <a:fontRef idx="minor">
-              <a:schemeClr val="lt1"/>
-            </a:fontRef>
-          </p:style>
-          <p:txBody>
-            <a:bodyPr rtlCol="0" anchor="ctr"/>
-            <a:lstStyle/>
-            <a:p>
-              <a:pPr algn="ctr"/>
-              <a:endParaRPr lang="en-SG"/>
-            </a:p>
-          </p:txBody>
-        </p:sp>
-      </p:grpSp>
-      <p:sp>
-        <p:nvSpPr>
-          <p:cNvPr id="147" name="Rectangle: Folded Corner 146"/>
-          <p:cNvSpPr/>
-          <p:nvPr/>
-        </p:nvSpPr>
-        <p:spPr>
-          <a:xfrm rot="10800000" flipH="1">
-            <a:off x="3028896" y="3204124"/>
-            <a:ext cx="277140" cy="338178"/>
-          </a:xfrm>
-          <a:prstGeom prst="foldedCorner">
-            <a:avLst>
-              <a:gd name="adj" fmla="val 44103"/>
-            </a:avLst>
-          </a:prstGeom>
-          <a:solidFill>
-            <a:srgbClr val="0070C0"/>
-          </a:solidFill>
-          <a:ln w="19050">
-            <a:solidFill>
-              <a:schemeClr val="bg1"/>
-            </a:solidFill>
-          </a:ln>
-        </p:spPr>
-        <p:style>
-          <a:lnRef idx="2">
-            <a:schemeClr val="accent1">
-              <a:shade val="50000"/>
-            </a:schemeClr>
-          </a:lnRef>
-          <a:fillRef idx="1">
-            <a:schemeClr val="accent1"/>
-          </a:fillRef>
-          <a:effectRef idx="0">
-            <a:schemeClr val="accent1"/>
-          </a:effectRef>
-          <a:fontRef idx="minor">
-            <a:schemeClr val="lt1"/>
-          </a:fontRef>
-        </p:style>
-        <p:txBody>
-          <a:bodyPr rtlCol="0" anchor="ctr"/>
-          <a:lstStyle/>
-          <a:p>
-            <a:pPr algn="ctr"/>
-            <a:endParaRPr lang="en-US"/>
+            <a:r>
+              <a:rPr lang="en-US" sz="1100" dirty="0"/>
+              <a:t>Paste Into Group</a:t>
+            </a:r>
+            <a:endParaRPr lang="en-SG" sz="1100" dirty="0"/>
           </a:p>
         </p:txBody>
       </p:sp>
